--- a/Presentation/Price_presentation.pptx
+++ b/Presentation/Price_presentation.pptx
@@ -5,10 +5,13 @@
     <p:sldMasterId id="2147483684" r:id="rId1"/>
   </p:sldMasterIdLst>
   <p:sldIdLst>
-    <p:sldId id="257" r:id="rId2"/>
-    <p:sldId id="258" r:id="rId3"/>
-    <p:sldId id="259" r:id="rId4"/>
-    <p:sldId id="260" r:id="rId5"/>
+    <p:sldId id="256" r:id="rId2"/>
+    <p:sldId id="261" r:id="rId3"/>
+    <p:sldId id="262" r:id="rId4"/>
+    <p:sldId id="258" r:id="rId5"/>
+    <p:sldId id="259" r:id="rId6"/>
+    <p:sldId id="260" r:id="rId7"/>
+    <p:sldId id="263" r:id="rId8"/>
   </p:sldIdLst>
   <p:sldSz cx="12192000" cy="6858000"/>
   <p:notesSz cx="6858000" cy="9144000"/>
@@ -107,6 +110,11 @@
       </a:defRPr>
     </a:lvl9pPr>
   </p:defaultTextStyle>
+  <p:extLst>
+    <p:ext uri="{EFAFB233-063F-42B5-8137-9DF3F51BA10A}">
+      <p15:sldGuideLst xmlns:p15="http://schemas.microsoft.com/office/powerpoint/2012/main"/>
+    </p:ext>
+  </p:extLst>
 </p:presentation>
 </file>
 
@@ -296,7 +304,7 @@
           <a:p>
             <a:fld id="{C64C7657-8E50-43B8-B0FC-3C9E47AD3696}" type="datetimeFigureOut">
               <a:rPr lang="en-US" smtClean="0"/>
-              <a:t>5/14/2019</a:t>
+              <a:t>5/16/2019</a:t>
             </a:fld>
             <a:endParaRPr lang="en-US"/>
           </a:p>
@@ -571,7 +579,7 @@
           <a:p>
             <a:fld id="{C64C7657-8E50-43B8-B0FC-3C9E47AD3696}" type="datetimeFigureOut">
               <a:rPr lang="en-US" smtClean="0"/>
-              <a:t>5/14/2019</a:t>
+              <a:t>5/16/2019</a:t>
             </a:fld>
             <a:endParaRPr lang="en-US"/>
           </a:p>
@@ -765,7 +773,7 @@
           <a:p>
             <a:fld id="{C64C7657-8E50-43B8-B0FC-3C9E47AD3696}" type="datetimeFigureOut">
               <a:rPr lang="en-US" smtClean="0"/>
-              <a:t>5/14/2019</a:t>
+              <a:t>5/16/2019</a:t>
             </a:fld>
             <a:endParaRPr lang="en-US"/>
           </a:p>
@@ -1038,7 +1046,7 @@
           <a:p>
             <a:fld id="{C64C7657-8E50-43B8-B0FC-3C9E47AD3696}" type="datetimeFigureOut">
               <a:rPr lang="en-US" smtClean="0"/>
-              <a:t>5/14/2019</a:t>
+              <a:t>5/16/2019</a:t>
             </a:fld>
             <a:endParaRPr lang="en-US"/>
           </a:p>
@@ -1379,7 +1387,7 @@
           <a:p>
             <a:fld id="{C64C7657-8E50-43B8-B0FC-3C9E47AD3696}" type="datetimeFigureOut">
               <a:rPr lang="en-US" smtClean="0"/>
-              <a:t>5/14/2019</a:t>
+              <a:t>5/16/2019</a:t>
             </a:fld>
             <a:endParaRPr lang="en-US"/>
           </a:p>
@@ -2002,7 +2010,7 @@
           <a:p>
             <a:fld id="{C64C7657-8E50-43B8-B0FC-3C9E47AD3696}" type="datetimeFigureOut">
               <a:rPr lang="en-US" smtClean="0"/>
-              <a:t>5/14/2019</a:t>
+              <a:t>5/16/2019</a:t>
             </a:fld>
             <a:endParaRPr lang="en-US"/>
           </a:p>
@@ -2862,7 +2870,7 @@
           <a:p>
             <a:fld id="{C64C7657-8E50-43B8-B0FC-3C9E47AD3696}" type="datetimeFigureOut">
               <a:rPr lang="en-US" smtClean="0"/>
-              <a:t>5/14/2019</a:t>
+              <a:t>5/16/2019</a:t>
             </a:fld>
             <a:endParaRPr lang="en-US"/>
           </a:p>
@@ -3032,7 +3040,7 @@
           <a:p>
             <a:fld id="{C64C7657-8E50-43B8-B0FC-3C9E47AD3696}" type="datetimeFigureOut">
               <a:rPr lang="en-US" smtClean="0"/>
-              <a:t>5/14/2019</a:t>
+              <a:t>5/16/2019</a:t>
             </a:fld>
             <a:endParaRPr lang="en-US"/>
           </a:p>
@@ -3212,7 +3220,7 @@
           <a:p>
             <a:fld id="{C64C7657-8E50-43B8-B0FC-3C9E47AD3696}" type="datetimeFigureOut">
               <a:rPr lang="en-US" smtClean="0"/>
-              <a:t>5/14/2019</a:t>
+              <a:t>5/16/2019</a:t>
             </a:fld>
             <a:endParaRPr lang="en-US"/>
           </a:p>
@@ -3382,7 +3390,7 @@
           <a:p>
             <a:fld id="{C64C7657-8E50-43B8-B0FC-3C9E47AD3696}" type="datetimeFigureOut">
               <a:rPr lang="en-US" smtClean="0"/>
-              <a:t>5/14/2019</a:t>
+              <a:t>5/16/2019</a:t>
             </a:fld>
             <a:endParaRPr lang="en-US"/>
           </a:p>
@@ -3629,7 +3637,7 @@
           <a:p>
             <a:fld id="{C64C7657-8E50-43B8-B0FC-3C9E47AD3696}" type="datetimeFigureOut">
               <a:rPr lang="en-US" smtClean="0"/>
-              <a:t>5/14/2019</a:t>
+              <a:t>5/16/2019</a:t>
             </a:fld>
             <a:endParaRPr lang="en-US"/>
           </a:p>
@@ -3921,7 +3929,7 @@
           <a:p>
             <a:fld id="{C64C7657-8E50-43B8-B0FC-3C9E47AD3696}" type="datetimeFigureOut">
               <a:rPr lang="en-US" smtClean="0"/>
-              <a:t>5/14/2019</a:t>
+              <a:t>5/16/2019</a:t>
             </a:fld>
             <a:endParaRPr lang="en-US"/>
           </a:p>
@@ -4365,7 +4373,7 @@
           <a:p>
             <a:fld id="{C64C7657-8E50-43B8-B0FC-3C9E47AD3696}" type="datetimeFigureOut">
               <a:rPr lang="en-US" smtClean="0"/>
-              <a:t>5/14/2019</a:t>
+              <a:t>5/16/2019</a:t>
             </a:fld>
             <a:endParaRPr lang="en-US"/>
           </a:p>
@@ -4483,7 +4491,7 @@
           <a:p>
             <a:fld id="{C64C7657-8E50-43B8-B0FC-3C9E47AD3696}" type="datetimeFigureOut">
               <a:rPr lang="en-US" smtClean="0"/>
-              <a:t>5/14/2019</a:t>
+              <a:t>5/16/2019</a:t>
             </a:fld>
             <a:endParaRPr lang="en-US"/>
           </a:p>
@@ -4578,7 +4586,7 @@
           <a:p>
             <a:fld id="{C64C7657-8E50-43B8-B0FC-3C9E47AD3696}" type="datetimeFigureOut">
               <a:rPr lang="en-US" smtClean="0"/>
-              <a:t>5/14/2019</a:t>
+              <a:t>5/16/2019</a:t>
             </a:fld>
             <a:endParaRPr lang="en-US"/>
           </a:p>
@@ -4857,7 +4865,7 @@
           <a:p>
             <a:fld id="{C64C7657-8E50-43B8-B0FC-3C9E47AD3696}" type="datetimeFigureOut">
               <a:rPr lang="en-US" smtClean="0"/>
-              <a:t>5/14/2019</a:t>
+              <a:t>5/16/2019</a:t>
             </a:fld>
             <a:endParaRPr lang="en-US"/>
           </a:p>
@@ -5132,7 +5140,7 @@
           <a:p>
             <a:fld id="{C64C7657-8E50-43B8-B0FC-3C9E47AD3696}" type="datetimeFigureOut">
               <a:rPr lang="en-US" smtClean="0"/>
-              <a:t>5/14/2019</a:t>
+              <a:t>5/16/2019</a:t>
             </a:fld>
             <a:endParaRPr lang="en-US"/>
           </a:p>
@@ -5561,7 +5569,7 @@
           <a:p>
             <a:fld id="{C64C7657-8E50-43B8-B0FC-3C9E47AD3696}" type="datetimeFigureOut">
               <a:rPr lang="en-US" smtClean="0"/>
-              <a:t>5/14/2019</a:t>
+              <a:t>5/16/2019</a:t>
             </a:fld>
             <a:endParaRPr lang="en-US"/>
           </a:p>
@@ -6091,6 +6099,595 @@
       </p:grpSpPr>
       <p:sp>
         <p:nvSpPr>
+          <p:cNvPr id="12" name="Title 11">
+            <a:extLst>
+              <a:ext uri="{FF2B5EF4-FFF2-40B4-BE49-F238E27FC236}">
+                <a16:creationId xmlns:a16="http://schemas.microsoft.com/office/drawing/2014/main" id="{D5F5F2D6-A787-48DD-934B-63B8A70AC7ED}"/>
+              </a:ext>
+            </a:extLst>
+          </p:cNvPr>
+          <p:cNvSpPr>
+            <a:spLocks noGrp="1"/>
+          </p:cNvSpPr>
+          <p:nvPr>
+            <p:ph type="title"/>
+          </p:nvPr>
+        </p:nvSpPr>
+        <p:spPr>
+          <a:xfrm>
+            <a:off x="650669" y="629266"/>
+            <a:ext cx="3330328" cy="1641986"/>
+          </a:xfrm>
+        </p:spPr>
+        <p:txBody>
+          <a:bodyPr vert="horz" lIns="91440" tIns="45720" rIns="91440" bIns="45720" rtlCol="0" anchor="t">
+            <a:normAutofit/>
+          </a:bodyPr>
+          <a:lstStyle/>
+          <a:p>
+            <a:pPr>
+              <a:lnSpc>
+                <a:spcPct val="90000"/>
+              </a:lnSpc>
+            </a:pPr>
+            <a:r>
+              <a:rPr lang="en-US" sz="3600" b="1" dirty="0"/>
+              <a:t>Random Forest</a:t>
+            </a:r>
+            <a:br>
+              <a:rPr lang="en-US" sz="3600" dirty="0"/>
+            </a:br>
+            <a:endParaRPr lang="en-US" sz="3600" dirty="0"/>
+          </a:p>
+        </p:txBody>
+      </p:sp>
+      <p:pic>
+        <p:nvPicPr>
+          <p:cNvPr id="26" name="Picture 25">
+            <a:extLst>
+              <a:ext uri="{FF2B5EF4-FFF2-40B4-BE49-F238E27FC236}">
+                <a16:creationId xmlns:a16="http://schemas.microsoft.com/office/drawing/2014/main" id="{D6739B1A-EE63-47B4-A1C7-E2AF64F00121}"/>
+              </a:ext>
+            </a:extLst>
+          </p:cNvPr>
+          <p:cNvPicPr>
+            <a:picLocks noChangeAspect="1"/>
+          </p:cNvPicPr>
+          <p:nvPr/>
+        </p:nvPicPr>
+        <p:blipFill rotWithShape="1">
+          <a:blip r:embed="rId2"/>
+          <a:srcRect l="18335" r="23514" b="-1"/>
+          <a:stretch/>
+        </p:blipFill>
+        <p:spPr>
+          <a:xfrm>
+            <a:off x="4634680" y="10"/>
+            <a:ext cx="7560130" cy="6857990"/>
+          </a:xfrm>
+          <a:prstGeom prst="rect">
+            <a:avLst/>
+          </a:prstGeom>
+        </p:spPr>
+      </p:pic>
+      <p:sp>
+        <p:nvSpPr>
+          <p:cNvPr id="19" name="Text Placeholder 18">
+            <a:extLst>
+              <a:ext uri="{FF2B5EF4-FFF2-40B4-BE49-F238E27FC236}">
+                <a16:creationId xmlns:a16="http://schemas.microsoft.com/office/drawing/2014/main" id="{4A934B4A-5CB4-4B82-99C0-FAB17E1BBBB3}"/>
+              </a:ext>
+            </a:extLst>
+          </p:cNvPr>
+          <p:cNvSpPr>
+            <a:spLocks noGrp="1"/>
+          </p:cNvSpPr>
+          <p:nvPr>
+            <p:ph sz="half" idx="1"/>
+          </p:nvPr>
+        </p:nvSpPr>
+        <p:spPr>
+          <a:xfrm>
+            <a:off x="650669" y="2438400"/>
+            <a:ext cx="3330328" cy="3809999"/>
+          </a:xfrm>
+        </p:spPr>
+        <p:txBody>
+          <a:bodyPr vert="horz" lIns="91440" tIns="45720" rIns="91440" bIns="45720" rtlCol="0">
+            <a:normAutofit/>
+          </a:bodyPr>
+          <a:lstStyle/>
+          <a:p>
+            <a:r>
+              <a:rPr lang="en-US"/>
+              <a:t>Splitting the data to 2 bins</a:t>
+            </a:r>
+          </a:p>
+          <a:p>
+            <a:r>
+              <a:rPr lang="en-US"/>
+              <a:t>Quality ratings from 2 – 6.5 are bad wines “0”</a:t>
+            </a:r>
+          </a:p>
+          <a:p>
+            <a:r>
+              <a:rPr lang="en-US"/>
+              <a:t>Quality ratings from 6.5 – 10 are good wines “1”</a:t>
+            </a:r>
+          </a:p>
+          <a:p>
+            <a:endParaRPr lang="en-US" dirty="0"/>
+          </a:p>
+        </p:txBody>
+      </p:sp>
+    </p:spTree>
+    <p:extLst>
+      <p:ext uri="{BB962C8B-B14F-4D97-AF65-F5344CB8AC3E}">
+        <p14:creationId xmlns:p14="http://schemas.microsoft.com/office/powerpoint/2010/main" val="2395067917"/>
+      </p:ext>
+    </p:extLst>
+  </p:cSld>
+  <p:clrMapOvr>
+    <a:masterClrMapping/>
+  </p:clrMapOvr>
+</p:sld>
+</file>
+
+<file path=ppt/slides/slide2.xml><?xml version="1.0" encoding="utf-8"?>
+<p:sld xmlns:a="http://schemas.openxmlformats.org/drawingml/2006/main" xmlns:r="http://schemas.openxmlformats.org/officeDocument/2006/relationships" xmlns:p="http://schemas.openxmlformats.org/presentationml/2006/main">
+  <p:cSld>
+    <p:spTree>
+      <p:nvGrpSpPr>
+        <p:cNvPr id="1" name=""/>
+        <p:cNvGrpSpPr/>
+        <p:nvPr/>
+      </p:nvGrpSpPr>
+      <p:grpSpPr>
+        <a:xfrm>
+          <a:off x="0" y="0"/>
+          <a:ext cx="0" cy="0"/>
+          <a:chOff x="0" y="0"/>
+          <a:chExt cx="0" cy="0"/>
+        </a:xfrm>
+      </p:grpSpPr>
+      <p:sp>
+        <p:nvSpPr>
+          <p:cNvPr id="2" name="Title 1">
+            <a:extLst>
+              <a:ext uri="{FF2B5EF4-FFF2-40B4-BE49-F238E27FC236}">
+                <a16:creationId xmlns:a16="http://schemas.microsoft.com/office/drawing/2014/main" id="{8AA60435-8EDA-47C1-8025-01B19524804F}"/>
+              </a:ext>
+            </a:extLst>
+          </p:cNvPr>
+          <p:cNvSpPr>
+            <a:spLocks noGrp="1"/>
+          </p:cNvSpPr>
+          <p:nvPr>
+            <p:ph type="title"/>
+          </p:nvPr>
+        </p:nvSpPr>
+        <p:spPr>
+          <a:xfrm>
+            <a:off x="646112" y="452718"/>
+            <a:ext cx="4165580" cy="1400530"/>
+          </a:xfrm>
+        </p:spPr>
+        <p:txBody>
+          <a:bodyPr vert="horz" lIns="91440" tIns="45720" rIns="91440" bIns="45720" rtlCol="0" anchor="t">
+            <a:normAutofit/>
+          </a:bodyPr>
+          <a:lstStyle/>
+          <a:p>
+            <a:r>
+              <a:rPr lang="en-US" b="1" dirty="0"/>
+              <a:t>RandomForestClassifier</a:t>
+            </a:r>
+          </a:p>
+        </p:txBody>
+      </p:sp>
+      <p:pic>
+        <p:nvPicPr>
+          <p:cNvPr id="11" name="Content Placeholder 5">
+            <a:extLst>
+              <a:ext uri="{FF2B5EF4-FFF2-40B4-BE49-F238E27FC236}">
+                <a16:creationId xmlns:a16="http://schemas.microsoft.com/office/drawing/2014/main" id="{C4CAC10B-F8E8-4C30-9506-1849547B8ACC}"/>
+              </a:ext>
+            </a:extLst>
+          </p:cNvPr>
+          <p:cNvPicPr>
+            <a:picLocks noChangeAspect="1"/>
+          </p:cNvPicPr>
+          <p:nvPr/>
+        </p:nvPicPr>
+        <p:blipFill>
+          <a:blip r:embed="rId2"/>
+          <a:stretch>
+            <a:fillRect/>
+          </a:stretch>
+        </p:blipFill>
+        <p:spPr>
+          <a:xfrm>
+            <a:off x="6094410" y="1277495"/>
+            <a:ext cx="5449471" cy="1982610"/>
+          </a:xfrm>
+          <a:prstGeom prst="rect">
+            <a:avLst/>
+          </a:prstGeom>
+          <a:effectLst/>
+        </p:spPr>
+      </p:pic>
+      <p:sp>
+        <p:nvSpPr>
+          <p:cNvPr id="13" name="Content Placeholder 12">
+            <a:extLst>
+              <a:ext uri="{FF2B5EF4-FFF2-40B4-BE49-F238E27FC236}">
+                <a16:creationId xmlns:a16="http://schemas.microsoft.com/office/drawing/2014/main" id="{CCBA827A-E4C5-46BE-80A4-09008D7EE4B5}"/>
+              </a:ext>
+            </a:extLst>
+          </p:cNvPr>
+          <p:cNvSpPr>
+            <a:spLocks noGrp="1"/>
+          </p:cNvSpPr>
+          <p:nvPr>
+            <p:ph sz="half" idx="1"/>
+          </p:nvPr>
+        </p:nvSpPr>
+        <p:spPr>
+          <a:xfrm>
+            <a:off x="646113" y="2052918"/>
+            <a:ext cx="4165146" cy="4195481"/>
+          </a:xfrm>
+        </p:spPr>
+        <p:txBody>
+          <a:bodyPr vert="horz" lIns="91440" tIns="45720" rIns="91440" bIns="45720" rtlCol="0">
+            <a:normAutofit fontScale="85000" lnSpcReduction="10000"/>
+          </a:bodyPr>
+          <a:lstStyle/>
+          <a:p>
+            <a:r>
+              <a:rPr lang="en-US" dirty="0"/>
+              <a:t>Precision, the ability of a classifier not to label an instance red that is actually white and vise versa. Weighted avg of 86% (red), 87% (white)</a:t>
+            </a:r>
+          </a:p>
+          <a:p>
+            <a:r>
+              <a:rPr lang="en-US" dirty="0"/>
+              <a:t>Recall is the ability of a classifier to find all red or white instances, respectively.  Weighted avg of 88% for both.</a:t>
+            </a:r>
+          </a:p>
+          <a:p>
+            <a:r>
+              <a:rPr lang="en-US" dirty="0"/>
+              <a:t>F1 score is a weighted harmonic mean of precision and recall such that the best score is 1.0 and the worst is 0.0. The weighted average of F1 should be used to compare classifier models, not global accuracy.</a:t>
+            </a:r>
+          </a:p>
+          <a:p>
+            <a:r>
+              <a:rPr lang="en-US" dirty="0"/>
+              <a:t>Support is the number of actual occurrences of the class in the specified dataset.</a:t>
+            </a:r>
+          </a:p>
+        </p:txBody>
+      </p:sp>
+      <p:pic>
+        <p:nvPicPr>
+          <p:cNvPr id="8" name="Content Placeholder 7">
+            <a:extLst>
+              <a:ext uri="{FF2B5EF4-FFF2-40B4-BE49-F238E27FC236}">
+                <a16:creationId xmlns:a16="http://schemas.microsoft.com/office/drawing/2014/main" id="{CBD53F6F-1595-4BE5-A110-D6E6FD2FE694}"/>
+              </a:ext>
+            </a:extLst>
+          </p:cNvPr>
+          <p:cNvPicPr>
+            <a:picLocks noGrp="1" noChangeAspect="1"/>
+          </p:cNvPicPr>
+          <p:nvPr>
+            <p:ph sz="half" idx="2"/>
+          </p:nvPr>
+        </p:nvPicPr>
+        <p:blipFill>
+          <a:blip r:embed="rId3"/>
+          <a:stretch>
+            <a:fillRect/>
+          </a:stretch>
+        </p:blipFill>
+        <p:spPr>
+          <a:xfrm>
+            <a:off x="6094410" y="4216704"/>
+            <a:ext cx="5449471" cy="1929792"/>
+          </a:xfrm>
+          <a:prstGeom prst="rect">
+            <a:avLst/>
+          </a:prstGeom>
+          <a:effectLst/>
+        </p:spPr>
+      </p:pic>
+      <p:sp>
+        <p:nvSpPr>
+          <p:cNvPr id="9" name="Rectangle 8">
+            <a:extLst>
+              <a:ext uri="{FF2B5EF4-FFF2-40B4-BE49-F238E27FC236}">
+                <a16:creationId xmlns:a16="http://schemas.microsoft.com/office/drawing/2014/main" id="{430BE6C0-C3BC-4135-A09E-7F39A4DC450D}"/>
+              </a:ext>
+            </a:extLst>
+          </p:cNvPr>
+          <p:cNvSpPr/>
+          <p:nvPr/>
+        </p:nvSpPr>
+        <p:spPr>
+          <a:xfrm>
+            <a:off x="7482468" y="828769"/>
+            <a:ext cx="2133463" cy="369332"/>
+          </a:xfrm>
+          <a:prstGeom prst="rect">
+            <a:avLst/>
+          </a:prstGeom>
+        </p:spPr>
+        <p:txBody>
+          <a:bodyPr wrap="square">
+            <a:spAutoFit/>
+          </a:bodyPr>
+          <a:lstStyle/>
+          <a:p>
+            <a:r>
+              <a:rPr lang="en-US" b="1" u="sng" dirty="0">
+                <a:solidFill>
+                  <a:schemeClr val="bg1"/>
+                </a:solidFill>
+              </a:rPr>
+              <a:t>Red Wine</a:t>
+            </a:r>
+          </a:p>
+        </p:txBody>
+      </p:sp>
+      <p:sp>
+        <p:nvSpPr>
+          <p:cNvPr id="10" name="Rectangle 9">
+            <a:extLst>
+              <a:ext uri="{FF2B5EF4-FFF2-40B4-BE49-F238E27FC236}">
+                <a16:creationId xmlns:a16="http://schemas.microsoft.com/office/drawing/2014/main" id="{63D7D748-C6E4-4FBD-BE6C-934A3F4A86E2}"/>
+              </a:ext>
+            </a:extLst>
+          </p:cNvPr>
+          <p:cNvSpPr/>
+          <p:nvPr/>
+        </p:nvSpPr>
+        <p:spPr>
+          <a:xfrm>
+            <a:off x="7539146" y="3744157"/>
+            <a:ext cx="2133463" cy="369332"/>
+          </a:xfrm>
+          <a:prstGeom prst="rect">
+            <a:avLst/>
+          </a:prstGeom>
+        </p:spPr>
+        <p:txBody>
+          <a:bodyPr wrap="square">
+            <a:spAutoFit/>
+          </a:bodyPr>
+          <a:lstStyle/>
+          <a:p>
+            <a:r>
+              <a:rPr lang="en-US" b="1" u="sng" dirty="0">
+                <a:solidFill>
+                  <a:schemeClr val="bg1"/>
+                </a:solidFill>
+              </a:rPr>
+              <a:t>White Wine</a:t>
+            </a:r>
+          </a:p>
+        </p:txBody>
+      </p:sp>
+    </p:spTree>
+    <p:extLst>
+      <p:ext uri="{BB962C8B-B14F-4D97-AF65-F5344CB8AC3E}">
+        <p14:creationId xmlns:p14="http://schemas.microsoft.com/office/powerpoint/2010/main" val="2292703838"/>
+      </p:ext>
+    </p:extLst>
+  </p:cSld>
+  <p:clrMapOvr>
+    <a:masterClrMapping/>
+  </p:clrMapOvr>
+</p:sld>
+</file>
+
+<file path=ppt/slides/slide3.xml><?xml version="1.0" encoding="utf-8"?>
+<p:sld xmlns:a="http://schemas.openxmlformats.org/drawingml/2006/main" xmlns:r="http://schemas.openxmlformats.org/officeDocument/2006/relationships" xmlns:p="http://schemas.openxmlformats.org/presentationml/2006/main">
+  <p:cSld>
+    <p:spTree>
+      <p:nvGrpSpPr>
+        <p:cNvPr id="1" name=""/>
+        <p:cNvGrpSpPr/>
+        <p:nvPr/>
+      </p:nvGrpSpPr>
+      <p:grpSpPr>
+        <a:xfrm>
+          <a:off x="0" y="0"/>
+          <a:ext cx="0" cy="0"/>
+          <a:chOff x="0" y="0"/>
+          <a:chExt cx="0" cy="0"/>
+        </a:xfrm>
+      </p:grpSpPr>
+      <p:sp>
+        <p:nvSpPr>
+          <p:cNvPr id="2" name="Title 1">
+            <a:extLst>
+              <a:ext uri="{FF2B5EF4-FFF2-40B4-BE49-F238E27FC236}">
+                <a16:creationId xmlns:a16="http://schemas.microsoft.com/office/drawing/2014/main" id="{08C5B64C-3C32-4062-9C30-A5FD3F8EC692}"/>
+              </a:ext>
+            </a:extLst>
+          </p:cNvPr>
+          <p:cNvSpPr>
+            <a:spLocks noGrp="1"/>
+          </p:cNvSpPr>
+          <p:nvPr>
+            <p:ph type="title"/>
+          </p:nvPr>
+        </p:nvSpPr>
+        <p:spPr>
+          <a:xfrm>
+            <a:off x="648931" y="629266"/>
+            <a:ext cx="4166510" cy="1622321"/>
+          </a:xfrm>
+        </p:spPr>
+        <p:txBody>
+          <a:bodyPr vert="horz" lIns="91440" tIns="45720" rIns="91440" bIns="45720" rtlCol="0" anchor="t">
+            <a:normAutofit/>
+          </a:bodyPr>
+          <a:lstStyle/>
+          <a:p>
+            <a:r>
+              <a:rPr lang="en-US" b="1" i="0" kern="1200" dirty="0">
+                <a:solidFill>
+                  <a:srgbClr val="EBEBEB"/>
+                </a:solidFill>
+                <a:latin typeface="+mj-lt"/>
+                <a:ea typeface="+mj-ea"/>
+                <a:cs typeface="+mj-cs"/>
+              </a:rPr>
+              <a:t>Cross Validation</a:t>
+            </a:r>
+          </a:p>
+        </p:txBody>
+      </p:sp>
+      <p:pic>
+        <p:nvPicPr>
+          <p:cNvPr id="6" name="Content Placeholder 5">
+            <a:extLst>
+              <a:ext uri="{FF2B5EF4-FFF2-40B4-BE49-F238E27FC236}">
+                <a16:creationId xmlns:a16="http://schemas.microsoft.com/office/drawing/2014/main" id="{830A6D65-BEED-4924-83CD-0B83564993C9}"/>
+              </a:ext>
+            </a:extLst>
+          </p:cNvPr>
+          <p:cNvPicPr>
+            <a:picLocks noGrp="1" noChangeAspect="1"/>
+          </p:cNvPicPr>
+          <p:nvPr>
+            <p:ph sz="half" idx="2"/>
+          </p:nvPr>
+        </p:nvPicPr>
+        <p:blipFill>
+          <a:blip r:embed="rId2"/>
+          <a:stretch>
+            <a:fillRect/>
+          </a:stretch>
+        </p:blipFill>
+        <p:spPr>
+          <a:xfrm>
+            <a:off x="6093992" y="2134650"/>
+            <a:ext cx="5449889" cy="2588697"/>
+          </a:xfrm>
+          <a:prstGeom prst="rect">
+            <a:avLst/>
+          </a:prstGeom>
+          <a:effectLst/>
+        </p:spPr>
+      </p:pic>
+      <p:sp>
+        <p:nvSpPr>
+          <p:cNvPr id="3" name="Content Placeholder 2">
+            <a:extLst>
+              <a:ext uri="{FF2B5EF4-FFF2-40B4-BE49-F238E27FC236}">
+                <a16:creationId xmlns:a16="http://schemas.microsoft.com/office/drawing/2014/main" id="{605E3EB4-1D75-429F-8F5F-6B0CFA0D5228}"/>
+              </a:ext>
+            </a:extLst>
+          </p:cNvPr>
+          <p:cNvSpPr>
+            <a:spLocks noGrp="1"/>
+          </p:cNvSpPr>
+          <p:nvPr>
+            <p:ph sz="half" idx="1"/>
+          </p:nvPr>
+        </p:nvSpPr>
+        <p:spPr>
+          <a:xfrm>
+            <a:off x="693942" y="2443315"/>
+            <a:ext cx="4166509" cy="3785419"/>
+          </a:xfrm>
+        </p:spPr>
+        <p:txBody>
+          <a:bodyPr vert="horz" lIns="91440" tIns="45720" rIns="91440" bIns="45720" rtlCol="0">
+            <a:normAutofit/>
+          </a:bodyPr>
+          <a:lstStyle/>
+          <a:p>
+            <a:r>
+              <a:rPr lang="en-US" dirty="0">
+                <a:solidFill>
+                  <a:srgbClr val="EBEBEB"/>
+                </a:solidFill>
+              </a:rPr>
+              <a:t>Using 1 subset of the data as the validation data.  It got through each subset as the validation data and averages the results.</a:t>
+            </a:r>
+          </a:p>
+          <a:p>
+            <a:r>
+              <a:rPr lang="en-US" dirty="0">
+                <a:solidFill>
+                  <a:srgbClr val="EBEBEB"/>
+                </a:solidFill>
+              </a:rPr>
+              <a:t>Testing multiple number of subsets, found that 10 gave the best results</a:t>
+            </a:r>
+          </a:p>
+          <a:p>
+            <a:r>
+              <a:rPr lang="en-US" dirty="0">
+                <a:solidFill>
+                  <a:srgbClr val="EBEBEB"/>
+                </a:solidFill>
+              </a:rPr>
+              <a:t>The cross validation score for red wine was 91.55% and white wine 91.24%</a:t>
+            </a:r>
+          </a:p>
+          <a:p>
+            <a:endParaRPr lang="en-US" dirty="0">
+              <a:solidFill>
+                <a:srgbClr val="EBEBEB"/>
+              </a:solidFill>
+            </a:endParaRPr>
+          </a:p>
+          <a:p>
+            <a:endParaRPr lang="en-US" dirty="0">
+              <a:solidFill>
+                <a:srgbClr val="EBEBEB"/>
+              </a:solidFill>
+            </a:endParaRPr>
+          </a:p>
+        </p:txBody>
+      </p:sp>
+    </p:spTree>
+    <p:extLst>
+      <p:ext uri="{BB962C8B-B14F-4D97-AF65-F5344CB8AC3E}">
+        <p14:creationId xmlns:p14="http://schemas.microsoft.com/office/powerpoint/2010/main" val="850099923"/>
+      </p:ext>
+    </p:extLst>
+  </p:cSld>
+  <p:clrMapOvr>
+    <a:masterClrMapping/>
+  </p:clrMapOvr>
+</p:sld>
+</file>
+
+<file path=ppt/slides/slide4.xml><?xml version="1.0" encoding="utf-8"?>
+<p:sld xmlns:a="http://schemas.openxmlformats.org/drawingml/2006/main" xmlns:r="http://schemas.openxmlformats.org/officeDocument/2006/relationships" xmlns:p="http://schemas.openxmlformats.org/presentationml/2006/main">
+  <p:cSld>
+    <p:spTree>
+      <p:nvGrpSpPr>
+        <p:cNvPr id="1" name=""/>
+        <p:cNvGrpSpPr/>
+        <p:nvPr/>
+      </p:nvGrpSpPr>
+      <p:grpSpPr>
+        <a:xfrm>
+          <a:off x="0" y="0"/>
+          <a:ext cx="0" cy="0"/>
+          <a:chOff x="0" y="0"/>
+          <a:chExt cx="0" cy="0"/>
+        </a:xfrm>
+      </p:grpSpPr>
+      <p:sp>
+        <p:nvSpPr>
           <p:cNvPr id="2" name="Title 1">
             <a:extLst>
               <a:ext uri="{FF2B5EF4-FFF2-40B4-BE49-F238E27FC236}">
@@ -6112,186 +6709,47 @@
           <a:p>
             <a:r>
               <a:rPr lang="en-US" dirty="0"/>
-              <a:t>Linear Model – how to capture the price tail?</a:t>
+              <a:t>Linear Model – struggles with price tail</a:t>
             </a:r>
           </a:p>
         </p:txBody>
       </p:sp>
       <p:pic>
         <p:nvPicPr>
-          <p:cNvPr id="1026" name="Picture 2">
+          <p:cNvPr id="5" name="Picture 4">
             <a:extLst>
               <a:ext uri="{FF2B5EF4-FFF2-40B4-BE49-F238E27FC236}">
-                <a16:creationId xmlns:a16="http://schemas.microsoft.com/office/drawing/2014/main" id="{80C541BF-50D4-419D-9E00-3449DD1DCF59}"/>
+                <a16:creationId xmlns:a16="http://schemas.microsoft.com/office/drawing/2014/main" id="{D849D527-EB6D-4B7C-90AF-0DE9812A5254}"/>
               </a:ext>
             </a:extLst>
           </p:cNvPr>
           <p:cNvPicPr>
-            <a:picLocks noChangeAspect="1" noChangeArrowheads="1"/>
+            <a:picLocks noChangeAspect="1"/>
           </p:cNvPicPr>
           <p:nvPr/>
         </p:nvPicPr>
         <p:blipFill>
-          <a:blip r:embed="rId2">
-            <a:extLst>
-              <a:ext uri="{28A0092B-C50C-407E-A947-70E740481C1C}">
-                <a14:useLocalDpi xmlns:a14="http://schemas.microsoft.com/office/drawing/2010/main" val="0"/>
-              </a:ext>
-            </a:extLst>
-          </a:blip>
-          <a:srcRect/>
+          <a:blip r:embed="rId2"/>
           <a:stretch>
             <a:fillRect/>
           </a:stretch>
         </p:blipFill>
-        <p:spPr bwMode="auto">
+        <p:spPr>
           <a:xfrm>
-            <a:off x="361797" y="2237726"/>
-            <a:ext cx="5734203" cy="3695701"/>
+            <a:off x="323850" y="2323942"/>
+            <a:ext cx="5772150" cy="3924300"/>
           </a:xfrm>
           <a:prstGeom prst="rect">
             <a:avLst/>
           </a:prstGeom>
-          <a:noFill/>
-          <a:extLst>
-            <a:ext uri="{909E8E84-426E-40DD-AFC4-6F175D3DCCD1}">
-              <a14:hiddenFill xmlns:a14="http://schemas.microsoft.com/office/drawing/2010/main">
-                <a:solidFill>
-                  <a:srgbClr val="FFFFFF"/>
-                </a:solidFill>
-              </a14:hiddenFill>
-            </a:ext>
-          </a:extLst>
         </p:spPr>
       </p:pic>
-      <p:cxnSp>
-        <p:nvCxnSpPr>
-          <p:cNvPr id="6" name="Straight Arrow Connector 5">
+      <p:sp>
+        <p:nvSpPr>
+          <p:cNvPr id="13" name="Content Placeholder 5">
             <a:extLst>
               <a:ext uri="{FF2B5EF4-FFF2-40B4-BE49-F238E27FC236}">
-                <a16:creationId xmlns:a16="http://schemas.microsoft.com/office/drawing/2014/main" id="{F7E3BDC9-CB14-4724-96AB-D9F07238A277}"/>
-              </a:ext>
-            </a:extLst>
-          </p:cNvPr>
-          <p:cNvCxnSpPr>
-            <a:cxnSpLocks/>
-          </p:cNvCxnSpPr>
-          <p:nvPr/>
-        </p:nvCxnSpPr>
-        <p:spPr>
-          <a:xfrm>
-            <a:off x="5157926" y="4728269"/>
-            <a:ext cx="614224" cy="805756"/>
-          </a:xfrm>
-          <a:prstGeom prst="straightConnector1">
-            <a:avLst/>
-          </a:prstGeom>
-          <a:ln>
-            <a:solidFill>
-              <a:srgbClr val="FF0000"/>
-            </a:solidFill>
-            <a:tailEnd type="triangle"/>
-          </a:ln>
-        </p:spPr>
-        <p:style>
-          <a:lnRef idx="1">
-            <a:schemeClr val="accent1"/>
-          </a:lnRef>
-          <a:fillRef idx="0">
-            <a:schemeClr val="accent1"/>
-          </a:fillRef>
-          <a:effectRef idx="0">
-            <a:schemeClr val="accent1"/>
-          </a:effectRef>
-          <a:fontRef idx="minor">
-            <a:schemeClr val="tx1"/>
-          </a:fontRef>
-        </p:style>
-      </p:cxnSp>
-      <p:sp>
-        <p:nvSpPr>
-          <p:cNvPr id="7" name="TextBox 6">
-            <a:extLst>
-              <a:ext uri="{FF2B5EF4-FFF2-40B4-BE49-F238E27FC236}">
-                <a16:creationId xmlns:a16="http://schemas.microsoft.com/office/drawing/2014/main" id="{E0983F0C-7909-49EB-9369-8A53D948F13B}"/>
-              </a:ext>
-            </a:extLst>
-          </p:cNvPr>
-          <p:cNvSpPr txBox="1"/>
-          <p:nvPr/>
-        </p:nvSpPr>
-        <p:spPr>
-          <a:xfrm>
-            <a:off x="3364637" y="4358937"/>
-            <a:ext cx="2188420" cy="369332"/>
-          </a:xfrm>
-          <a:prstGeom prst="rect">
-            <a:avLst/>
-          </a:prstGeom>
-          <a:noFill/>
-        </p:spPr>
-        <p:txBody>
-          <a:bodyPr wrap="none" rtlCol="0">
-            <a:spAutoFit/>
-          </a:bodyPr>
-          <a:lstStyle/>
-          <a:p>
-            <a:r>
-              <a:rPr lang="en-US" dirty="0">
-                <a:solidFill>
-                  <a:srgbClr val="FF0000"/>
-                </a:solidFill>
-              </a:rPr>
-              <a:t>Max Price = $2013</a:t>
-            </a:r>
-          </a:p>
-        </p:txBody>
-      </p:sp>
-      <p:sp>
-        <p:nvSpPr>
-          <p:cNvPr id="10" name="TextBox 9">
-            <a:extLst>
-              <a:ext uri="{FF2B5EF4-FFF2-40B4-BE49-F238E27FC236}">
-                <a16:creationId xmlns:a16="http://schemas.microsoft.com/office/drawing/2014/main" id="{61F46E1E-0728-4A0B-AC09-85C193CFDB81}"/>
-              </a:ext>
-            </a:extLst>
-          </p:cNvPr>
-          <p:cNvSpPr txBox="1"/>
-          <p:nvPr/>
-        </p:nvSpPr>
-        <p:spPr>
-          <a:xfrm>
-            <a:off x="1581705" y="2744334"/>
-            <a:ext cx="2414444" cy="369332"/>
-          </a:xfrm>
-          <a:prstGeom prst="rect">
-            <a:avLst/>
-          </a:prstGeom>
-          <a:noFill/>
-        </p:spPr>
-        <p:txBody>
-          <a:bodyPr wrap="none" rtlCol="0">
-            <a:spAutoFit/>
-          </a:bodyPr>
-          <a:lstStyle/>
-          <a:p>
-            <a:r>
-              <a:rPr lang="en-US" dirty="0">
-                <a:solidFill>
-                  <a:srgbClr val="FF0000"/>
-                </a:solidFill>
-              </a:rPr>
-              <a:t>99% of prices &lt; $164</a:t>
-            </a:r>
-          </a:p>
-        </p:txBody>
-      </p:sp>
-      <p:sp>
-        <p:nvSpPr>
-          <p:cNvPr id="12" name="Content Placeholder 5">
-            <a:extLst>
-              <a:ext uri="{FF2B5EF4-FFF2-40B4-BE49-F238E27FC236}">
-                <a16:creationId xmlns:a16="http://schemas.microsoft.com/office/drawing/2014/main" id="{E3BC7CF6-ACC7-43D9-9AF7-17CC4898FB20}"/>
+                <a16:creationId xmlns:a16="http://schemas.microsoft.com/office/drawing/2014/main" id="{57049A7A-C1C3-423D-B954-683E4A13D494}"/>
               </a:ext>
             </a:extLst>
           </p:cNvPr>
@@ -6302,7 +6760,7 @@
         </p:nvSpPr>
         <p:spPr>
           <a:xfrm>
-            <a:off x="6673343" y="2067495"/>
+            <a:off x="808036" y="1853248"/>
             <a:ext cx="4396339" cy="3741738"/>
           </a:xfrm>
           <a:prstGeom prst="rect">
@@ -6541,178 +6999,17 @@
           <a:p>
             <a:r>
               <a:rPr lang="en-US" dirty="0"/>
-              <a:t>Top 6 most frequent countries</a:t>
-            </a:r>
-          </a:p>
-          <a:p>
-            <a:pPr lvl="1"/>
-            <a:r>
-              <a:rPr lang="en-US" dirty="0"/>
-              <a:t>US, Italy, Spain, France, Chile, Portugal</a:t>
-            </a:r>
-          </a:p>
-          <a:p>
-            <a:pPr marL="457200" lvl="1" indent="0">
-              <a:buNone/>
-            </a:pPr>
-            <a:endParaRPr lang="en-US" dirty="0"/>
-          </a:p>
-          <a:p>
-            <a:r>
-              <a:rPr lang="en-US" dirty="0"/>
-              <a:t>Top 6 most frequent varieties</a:t>
-            </a:r>
-          </a:p>
-          <a:p>
-            <a:pPr lvl="1"/>
-            <a:r>
-              <a:rPr lang="en-US" dirty="0"/>
-              <a:t>Pinot Noir, Chardonnay, Red Blend, Cabernet Sauvignon, Riesling, Syrah</a:t>
-            </a:r>
-            <a:br>
-              <a:rPr lang="en-US" dirty="0"/>
-            </a:br>
-            <a:endParaRPr lang="en-US" dirty="0"/>
-          </a:p>
-          <a:p>
-            <a:r>
-              <a:rPr lang="en-US" dirty="0"/>
-              <a:t>Quality (Points)</a:t>
-            </a:r>
-          </a:p>
-          <a:p>
-            <a:pPr lvl="1"/>
-            <a:r>
-              <a:rPr lang="en-US" dirty="0"/>
-              <a:t>Score Range 80-100</a:t>
-            </a:r>
-          </a:p>
-        </p:txBody>
-      </p:sp>
-    </p:spTree>
-    <p:extLst>
-      <p:ext uri="{BB962C8B-B14F-4D97-AF65-F5344CB8AC3E}">
-        <p14:creationId xmlns:p14="http://schemas.microsoft.com/office/powerpoint/2010/main" val="4028644568"/>
-      </p:ext>
-    </p:extLst>
-  </p:cSld>
-  <p:clrMapOvr>
-    <a:masterClrMapping/>
-  </p:clrMapOvr>
-</p:sld>
-</file>
-
-<file path=ppt/slides/slide2.xml><?xml version="1.0" encoding="utf-8"?>
-<p:sld xmlns:a="http://schemas.openxmlformats.org/drawingml/2006/main" xmlns:r="http://schemas.openxmlformats.org/officeDocument/2006/relationships" xmlns:p="http://schemas.openxmlformats.org/presentationml/2006/main">
-  <p:cSld>
-    <p:spTree>
-      <p:nvGrpSpPr>
-        <p:cNvPr id="1" name=""/>
-        <p:cNvGrpSpPr/>
-        <p:nvPr/>
-      </p:nvGrpSpPr>
-      <p:grpSpPr>
-        <a:xfrm>
-          <a:off x="0" y="0"/>
-          <a:ext cx="0" cy="0"/>
-          <a:chOff x="0" y="0"/>
-          <a:chExt cx="0" cy="0"/>
-        </a:xfrm>
-      </p:grpSpPr>
-      <p:sp>
-        <p:nvSpPr>
-          <p:cNvPr id="2" name="Title 1">
+              <a:t>100% of prices included</a:t>
+            </a:r>
+          </a:p>
+        </p:txBody>
+      </p:sp>
+      <p:sp>
+        <p:nvSpPr>
+          <p:cNvPr id="7" name="Content Placeholder 5">
             <a:extLst>
               <a:ext uri="{FF2B5EF4-FFF2-40B4-BE49-F238E27FC236}">
-                <a16:creationId xmlns:a16="http://schemas.microsoft.com/office/drawing/2014/main" id="{A22B86D7-1645-4564-A3E7-700357D93592}"/>
-              </a:ext>
-            </a:extLst>
-          </p:cNvPr>
-          <p:cNvSpPr>
-            <a:spLocks noGrp="1"/>
-          </p:cNvSpPr>
-          <p:nvPr>
-            <p:ph type="title"/>
-          </p:nvPr>
-        </p:nvSpPr>
-        <p:spPr/>
-        <p:txBody>
-          <a:bodyPr/>
-          <a:lstStyle/>
-          <a:p>
-            <a:r>
-              <a:rPr lang="en-US" dirty="0"/>
-              <a:t>Linear Model – struggles with price tail</a:t>
-            </a:r>
-          </a:p>
-        </p:txBody>
-      </p:sp>
-      <p:pic>
-        <p:nvPicPr>
-          <p:cNvPr id="5" name="Picture 4">
-            <a:extLst>
-              <a:ext uri="{FF2B5EF4-FFF2-40B4-BE49-F238E27FC236}">
-                <a16:creationId xmlns:a16="http://schemas.microsoft.com/office/drawing/2014/main" id="{D849D527-EB6D-4B7C-90AF-0DE9812A5254}"/>
-              </a:ext>
-            </a:extLst>
-          </p:cNvPr>
-          <p:cNvPicPr>
-            <a:picLocks noChangeAspect="1"/>
-          </p:cNvPicPr>
-          <p:nvPr/>
-        </p:nvPicPr>
-        <p:blipFill>
-          <a:blip r:embed="rId2"/>
-          <a:stretch>
-            <a:fillRect/>
-          </a:stretch>
-        </p:blipFill>
-        <p:spPr>
-          <a:xfrm>
-            <a:off x="161925" y="2819400"/>
-            <a:ext cx="5772150" cy="3924300"/>
-          </a:xfrm>
-          <a:prstGeom prst="rect">
-            <a:avLst/>
-          </a:prstGeom>
-        </p:spPr>
-      </p:pic>
-      <p:pic>
-        <p:nvPicPr>
-          <p:cNvPr id="8" name="Picture 7">
-            <a:extLst>
-              <a:ext uri="{FF2B5EF4-FFF2-40B4-BE49-F238E27FC236}">
-                <a16:creationId xmlns:a16="http://schemas.microsoft.com/office/drawing/2014/main" id="{8691BE67-9F72-4E93-AC25-A95FFA5F3033}"/>
-              </a:ext>
-            </a:extLst>
-          </p:cNvPr>
-          <p:cNvPicPr>
-            <a:picLocks noChangeAspect="1"/>
-          </p:cNvPicPr>
-          <p:nvPr/>
-        </p:nvPicPr>
-        <p:blipFill>
-          <a:blip r:embed="rId3"/>
-          <a:stretch>
-            <a:fillRect/>
-          </a:stretch>
-        </p:blipFill>
-        <p:spPr>
-          <a:xfrm>
-            <a:off x="6029325" y="2819400"/>
-            <a:ext cx="6115286" cy="3924300"/>
-          </a:xfrm>
-          <a:prstGeom prst="rect">
-            <a:avLst/>
-          </a:prstGeom>
-        </p:spPr>
-      </p:pic>
-      <p:sp>
-        <p:nvSpPr>
-          <p:cNvPr id="13" name="Content Placeholder 5">
-            <a:extLst>
-              <a:ext uri="{FF2B5EF4-FFF2-40B4-BE49-F238E27FC236}">
-                <a16:creationId xmlns:a16="http://schemas.microsoft.com/office/drawing/2014/main" id="{57049A7A-C1C3-423D-B954-683E4A13D494}"/>
+                <a16:creationId xmlns:a16="http://schemas.microsoft.com/office/drawing/2014/main" id="{20871757-659F-4DA1-B055-FF7FD4A7F65D}"/>
               </a:ext>
             </a:extLst>
           </p:cNvPr>
@@ -6723,7 +7020,7 @@
         </p:nvSpPr>
         <p:spPr>
           <a:xfrm>
-            <a:off x="646111" y="2348706"/>
+            <a:off x="6539993" y="2257995"/>
             <a:ext cx="4396339" cy="3741738"/>
           </a:xfrm>
           <a:prstGeom prst="rect">
@@ -6962,17 +7259,118 @@
           <a:p>
             <a:r>
               <a:rPr lang="en-US" dirty="0"/>
-              <a:t>100% of prices included</a:t>
-            </a:r>
-          </a:p>
-        </p:txBody>
-      </p:sp>
-      <p:sp>
-        <p:nvSpPr>
-          <p:cNvPr id="14" name="Content Placeholder 5">
+              <a:t>Top 6 most frequent countries</a:t>
+            </a:r>
+          </a:p>
+          <a:p>
+            <a:pPr lvl="1"/>
+            <a:r>
+              <a:rPr lang="en-US" dirty="0"/>
+              <a:t>US, Italy, Spain, France, Chile, Portugal</a:t>
+            </a:r>
+          </a:p>
+          <a:p>
+            <a:pPr marL="457200" lvl="1" indent="0">
+              <a:buNone/>
+            </a:pPr>
+            <a:endParaRPr lang="en-US" dirty="0"/>
+          </a:p>
+          <a:p>
+            <a:r>
+              <a:rPr lang="en-US" dirty="0"/>
+              <a:t>Top 6 most frequent varieties</a:t>
+            </a:r>
+          </a:p>
+          <a:p>
+            <a:pPr lvl="1"/>
+            <a:r>
+              <a:rPr lang="en-US" dirty="0"/>
+              <a:t>Pinot Noir, Chardonnay, Red Blend, Cabernet Sauvignon, Riesling, Syrah</a:t>
+            </a:r>
+            <a:br>
+              <a:rPr lang="en-US" dirty="0"/>
+            </a:br>
+            <a:endParaRPr lang="en-US" dirty="0"/>
+          </a:p>
+          <a:p>
+            <a:r>
+              <a:rPr lang="en-US" dirty="0"/>
+              <a:t>Quality (Points)</a:t>
+            </a:r>
+          </a:p>
+          <a:p>
+            <a:pPr lvl="1"/>
+            <a:r>
+              <a:rPr lang="en-US" dirty="0"/>
+              <a:t>Score Range 80-100</a:t>
+            </a:r>
+          </a:p>
+        </p:txBody>
+      </p:sp>
+    </p:spTree>
+    <p:extLst>
+      <p:ext uri="{BB962C8B-B14F-4D97-AF65-F5344CB8AC3E}">
+        <p14:creationId xmlns:p14="http://schemas.microsoft.com/office/powerpoint/2010/main" val="1109498986"/>
+      </p:ext>
+    </p:extLst>
+  </p:cSld>
+  <p:clrMapOvr>
+    <a:masterClrMapping/>
+  </p:clrMapOvr>
+</p:sld>
+</file>
+
+<file path=ppt/slides/slide5.xml><?xml version="1.0" encoding="utf-8"?>
+<p:sld xmlns:a="http://schemas.openxmlformats.org/drawingml/2006/main" xmlns:r="http://schemas.openxmlformats.org/officeDocument/2006/relationships" xmlns:p="http://schemas.openxmlformats.org/presentationml/2006/main">
+  <p:cSld>
+    <p:spTree>
+      <p:nvGrpSpPr>
+        <p:cNvPr id="1" name=""/>
+        <p:cNvGrpSpPr/>
+        <p:nvPr/>
+      </p:nvGrpSpPr>
+      <p:grpSpPr>
+        <a:xfrm>
+          <a:off x="0" y="0"/>
+          <a:ext cx="0" cy="0"/>
+          <a:chOff x="0" y="0"/>
+          <a:chExt cx="0" cy="0"/>
+        </a:xfrm>
+      </p:grpSpPr>
+      <p:sp>
+        <p:nvSpPr>
+          <p:cNvPr id="2" name="Title 1">
             <a:extLst>
               <a:ext uri="{FF2B5EF4-FFF2-40B4-BE49-F238E27FC236}">
-                <a16:creationId xmlns:a16="http://schemas.microsoft.com/office/drawing/2014/main" id="{3E677D46-2E56-45CE-A7C5-F2C400CF4DC9}"/>
+                <a16:creationId xmlns:a16="http://schemas.microsoft.com/office/drawing/2014/main" id="{A22B86D7-1645-4564-A3E7-700357D93592}"/>
+              </a:ext>
+            </a:extLst>
+          </p:cNvPr>
+          <p:cNvSpPr>
+            <a:spLocks noGrp="1"/>
+          </p:cNvSpPr>
+          <p:nvPr>
+            <p:ph type="title"/>
+          </p:nvPr>
+        </p:nvSpPr>
+        <p:spPr/>
+        <p:txBody>
+          <a:bodyPr/>
+          <a:lstStyle/>
+          <a:p>
+            <a:r>
+              <a:rPr lang="en-US" dirty="0"/>
+              <a:t>Linear Model – wineries in place of countries</a:t>
+            </a:r>
+          </a:p>
+        </p:txBody>
+      </p:sp>
+      <p:sp>
+        <p:nvSpPr>
+          <p:cNvPr id="12" name="Content Placeholder 5">
+            <a:extLst>
+              <a:ext uri="{FF2B5EF4-FFF2-40B4-BE49-F238E27FC236}">
+                <a16:creationId xmlns:a16="http://schemas.microsoft.com/office/drawing/2014/main" id="{E3BC7CF6-ACC7-43D9-9AF7-17CC4898FB20}"/>
               </a:ext>
             </a:extLst>
           </p:cNvPr>
@@ -6983,7 +7381,7 @@
         </p:nvSpPr>
         <p:spPr>
           <a:xfrm>
-            <a:off x="6732586" y="2415381"/>
+            <a:off x="6673343" y="2067495"/>
             <a:ext cx="4396339" cy="3741738"/>
           </a:xfrm>
           <a:prstGeom prst="rect">
@@ -7222,15 +7620,57 @@
           <a:p>
             <a:r>
               <a:rPr lang="en-US" dirty="0"/>
-              <a:t>99% of prices included</a:t>
-            </a:r>
-          </a:p>
-        </p:txBody>
-      </p:sp>
+              <a:t>Top 3 most frequent wineries in each country</a:t>
+            </a:r>
+          </a:p>
+          <a:p>
+            <a:r>
+              <a:rPr lang="en-US" dirty="0"/>
+              <a:t>100% of prices</a:t>
+            </a:r>
+          </a:p>
+          <a:p>
+            <a:r>
+              <a:rPr lang="en-US" dirty="0"/>
+              <a:t>Small improvement in standard error</a:t>
+            </a:r>
+          </a:p>
+        </p:txBody>
+      </p:sp>
+      <p:pic>
+        <p:nvPicPr>
+          <p:cNvPr id="9" name="Picture 8">
+            <a:extLst>
+              <a:ext uri="{FF2B5EF4-FFF2-40B4-BE49-F238E27FC236}">
+                <a16:creationId xmlns:a16="http://schemas.microsoft.com/office/drawing/2014/main" id="{5C5ACF31-1015-4ABE-83B6-243BF7E577D6}"/>
+              </a:ext>
+            </a:extLst>
+          </p:cNvPr>
+          <p:cNvPicPr>
+            <a:picLocks noChangeAspect="1"/>
+          </p:cNvPicPr>
+          <p:nvPr/>
+        </p:nvPicPr>
+        <p:blipFill>
+          <a:blip r:embed="rId2"/>
+          <a:stretch>
+            <a:fillRect/>
+          </a:stretch>
+        </p:blipFill>
+        <p:spPr>
+          <a:xfrm>
+            <a:off x="423862" y="2067495"/>
+            <a:ext cx="5934075" cy="3495675"/>
+          </a:xfrm>
+          <a:prstGeom prst="rect">
+            <a:avLst/>
+          </a:prstGeom>
+        </p:spPr>
+      </p:pic>
     </p:spTree>
     <p:extLst>
       <p:ext uri="{BB962C8B-B14F-4D97-AF65-F5344CB8AC3E}">
-        <p14:creationId xmlns:p14="http://schemas.microsoft.com/office/powerpoint/2010/main" val="1109498986"/>
+        <p14:creationId xmlns:p14="http://schemas.microsoft.com/office/powerpoint/2010/main" val="1562431829"/>
       </p:ext>
     </p:extLst>
   </p:cSld>
@@ -7240,7 +7680,765 @@
 </p:sld>
 </file>
 
-<file path=ppt/slides/slide3.xml><?xml version="1.0" encoding="utf-8"?>
+<file path=ppt/slides/slide6.xml><?xml version="1.0" encoding="utf-8"?>
+<p:sld xmlns:a="http://schemas.openxmlformats.org/drawingml/2006/main" xmlns:r="http://schemas.openxmlformats.org/officeDocument/2006/relationships" xmlns:p="http://schemas.openxmlformats.org/presentationml/2006/main">
+  <p:cSld>
+    <p:bg>
+      <p:bgPr>
+        <a:blipFill rotWithShape="1">
+          <a:blip r:embed="rId2">
+            <a:duotone>
+              <a:schemeClr val="bg2">
+                <a:shade val="69000"/>
+                <a:hueMod val="108000"/>
+                <a:satMod val="164000"/>
+                <a:lumMod val="74000"/>
+              </a:schemeClr>
+              <a:schemeClr val="bg2">
+                <a:tint val="96000"/>
+                <a:hueMod val="88000"/>
+                <a:satMod val="140000"/>
+                <a:lumMod val="132000"/>
+              </a:schemeClr>
+            </a:duotone>
+            <a:extLst/>
+          </a:blip>
+          <a:stretch/>
+        </a:blipFill>
+        <a:effectLst/>
+      </p:bgPr>
+    </p:bg>
+    <p:spTree>
+      <p:nvGrpSpPr>
+        <p:cNvPr id="1" name=""/>
+        <p:cNvGrpSpPr/>
+        <p:nvPr/>
+      </p:nvGrpSpPr>
+      <p:grpSpPr>
+        <a:xfrm>
+          <a:off x="0" y="0"/>
+          <a:ext cx="0" cy="0"/>
+          <a:chOff x="0" y="0"/>
+          <a:chExt cx="0" cy="0"/>
+        </a:xfrm>
+      </p:grpSpPr>
+      <p:pic>
+        <p:nvPicPr>
+          <p:cNvPr id="84" name="Picture 83">
+            <a:extLst>
+              <a:ext uri="{FF2B5EF4-FFF2-40B4-BE49-F238E27FC236}">
+                <a16:creationId xmlns:a16="http://schemas.microsoft.com/office/drawing/2014/main" id="{BD310164-D3A3-415E-9D94-5D21D9FB2F6C}"/>
+              </a:ext>
+              <a:ext uri="{C183D7F6-B498-43B3-948B-1728B52AA6E4}">
+                <adec:decorative xmlns:adec="http://schemas.microsoft.com/office/drawing/2017/decorative" val="1"/>
+              </a:ext>
+            </a:extLst>
+          </p:cNvPr>
+          <p:cNvPicPr>
+            <a:picLocks noGrp="1" noRot="1" noChangeAspect="1" noMove="1" noResize="1" noEditPoints="1" noAdjustHandles="1" noChangeArrowheads="1" noChangeShapeType="1" noCrop="1"/>
+          </p:cNvPicPr>
+          <p:nvPr>
+            <p:extLst>
+              <p:ext uri="{386F3935-93C4-4BCD-93E2-E3B085C9AB24}">
+                <p16:designElem xmlns:p16="http://schemas.microsoft.com/office/powerpoint/2015/main" val="1"/>
+              </p:ext>
+            </p:extLst>
+          </p:nvPr>
+        </p:nvPicPr>
+        <p:blipFill rotWithShape="1">
+          <a:blip r:embed="rId3">
+            <a:extLst>
+              <a:ext uri="{28A0092B-C50C-407E-A947-70E740481C1C}">
+                <a14:useLocalDpi xmlns:a14="http://schemas.microsoft.com/office/drawing/2010/main" val="0"/>
+              </a:ext>
+            </a:extLst>
+          </a:blip>
+          <a:srcRect l="3613"/>
+          <a:stretch/>
+        </p:blipFill>
+        <p:spPr>
+          <a:xfrm>
+            <a:off x="0" y="2669685"/>
+            <a:ext cx="4037012" cy="4188315"/>
+          </a:xfrm>
+          <a:prstGeom prst="rect">
+            <a:avLst/>
+          </a:prstGeom>
+        </p:spPr>
+      </p:pic>
+      <p:pic>
+        <p:nvPicPr>
+          <p:cNvPr id="86" name="Picture 85">
+            <a:extLst>
+              <a:ext uri="{FF2B5EF4-FFF2-40B4-BE49-F238E27FC236}">
+                <a16:creationId xmlns:a16="http://schemas.microsoft.com/office/drawing/2014/main" id="{BE586E08-18BF-4AB1-AB48-4005D567343E}"/>
+              </a:ext>
+              <a:ext uri="{C183D7F6-B498-43B3-948B-1728B52AA6E4}">
+                <adec:decorative xmlns:adec="http://schemas.microsoft.com/office/drawing/2017/decorative" val="1"/>
+              </a:ext>
+            </a:extLst>
+          </p:cNvPr>
+          <p:cNvPicPr>
+            <a:picLocks noGrp="1" noRot="1" noChangeAspect="1" noMove="1" noResize="1" noEditPoints="1" noAdjustHandles="1" noChangeArrowheads="1" noChangeShapeType="1" noCrop="1"/>
+          </p:cNvPicPr>
+          <p:nvPr>
+            <p:extLst>
+              <p:ext uri="{386F3935-93C4-4BCD-93E2-E3B085C9AB24}">
+                <p16:designElem xmlns:p16="http://schemas.microsoft.com/office/powerpoint/2015/main" val="1"/>
+              </p:ext>
+            </p:extLst>
+          </p:nvPr>
+        </p:nvPicPr>
+        <p:blipFill rotWithShape="1">
+          <a:blip r:embed="rId4">
+            <a:extLst>
+              <a:ext uri="{28A0092B-C50C-407E-A947-70E740481C1C}">
+                <a14:useLocalDpi xmlns:a14="http://schemas.microsoft.com/office/drawing/2010/main" val="0"/>
+              </a:ext>
+            </a:extLst>
+          </a:blip>
+          <a:srcRect l="35640"/>
+          <a:stretch/>
+        </p:blipFill>
+        <p:spPr>
+          <a:xfrm>
+            <a:off x="0" y="2892347"/>
+            <a:ext cx="1522412" cy="2365453"/>
+          </a:xfrm>
+          <a:prstGeom prst="rect">
+            <a:avLst/>
+          </a:prstGeom>
+        </p:spPr>
+      </p:pic>
+      <p:sp>
+        <p:nvSpPr>
+          <p:cNvPr id="88" name="Oval 87">
+            <a:extLst>
+              <a:ext uri="{FF2B5EF4-FFF2-40B4-BE49-F238E27FC236}">
+                <a16:creationId xmlns:a16="http://schemas.microsoft.com/office/drawing/2014/main" id="{4A497DBC-2692-42B4-A606-31024033F7C0}"/>
+              </a:ext>
+              <a:ext uri="{C183D7F6-B498-43B3-948B-1728B52AA6E4}">
+                <adec:decorative xmlns:adec="http://schemas.microsoft.com/office/drawing/2017/decorative" val="1"/>
+              </a:ext>
+            </a:extLst>
+          </p:cNvPr>
+          <p:cNvSpPr>
+            <a:spLocks noGrp="1" noRot="1" noChangeAspect="1" noMove="1" noResize="1" noEditPoints="1" noAdjustHandles="1" noChangeArrowheads="1" noChangeShapeType="1" noTextEdit="1"/>
+          </p:cNvSpPr>
+          <p:nvPr>
+            <p:extLst>
+              <p:ext uri="{386F3935-93C4-4BCD-93E2-E3B085C9AB24}">
+                <p16:designElem xmlns:p16="http://schemas.microsoft.com/office/powerpoint/2015/main" val="1"/>
+              </p:ext>
+            </p:extLst>
+          </p:nvPr>
+        </p:nvSpPr>
+        <p:spPr>
+          <a:xfrm>
+            <a:off x="8609012" y="1676400"/>
+            <a:ext cx="2819400" cy="2819400"/>
+          </a:xfrm>
+          <a:prstGeom prst="ellipse">
+            <a:avLst/>
+          </a:prstGeom>
+          <a:gradFill flip="none" rotWithShape="1">
+            <a:gsLst>
+              <a:gs pos="0">
+                <a:schemeClr val="bg2">
+                  <a:lumMod val="60000"/>
+                  <a:lumOff val="40000"/>
+                  <a:alpha val="7000"/>
+                </a:schemeClr>
+              </a:gs>
+              <a:gs pos="69000">
+                <a:schemeClr val="bg2">
+                  <a:lumMod val="60000"/>
+                  <a:lumOff val="40000"/>
+                  <a:alpha val="0"/>
+                </a:schemeClr>
+              </a:gs>
+              <a:gs pos="36000">
+                <a:schemeClr val="bg2">
+                  <a:lumMod val="60000"/>
+                  <a:lumOff val="40000"/>
+                  <a:alpha val="6000"/>
+                </a:schemeClr>
+              </a:gs>
+            </a:gsLst>
+            <a:path path="circle">
+              <a:fillToRect l="50000" t="50000" r="50000" b="50000"/>
+            </a:path>
+            <a:tileRect/>
+          </a:gradFill>
+          <a:ln>
+            <a:noFill/>
+          </a:ln>
+          <a:effectLst/>
+        </p:spPr>
+        <p:style>
+          <a:lnRef idx="1">
+            <a:schemeClr val="accent1"/>
+          </a:lnRef>
+          <a:fillRef idx="3">
+            <a:schemeClr val="accent1"/>
+          </a:fillRef>
+          <a:effectRef idx="2">
+            <a:schemeClr val="accent1"/>
+          </a:effectRef>
+          <a:fontRef idx="minor">
+            <a:schemeClr val="lt1"/>
+          </a:fontRef>
+        </p:style>
+      </p:sp>
+      <p:pic>
+        <p:nvPicPr>
+          <p:cNvPr id="90" name="Picture 89">
+            <a:extLst>
+              <a:ext uri="{FF2B5EF4-FFF2-40B4-BE49-F238E27FC236}">
+                <a16:creationId xmlns:a16="http://schemas.microsoft.com/office/drawing/2014/main" id="{3517A192-66A9-4297-9284-65580829ABF1}"/>
+              </a:ext>
+              <a:ext uri="{C183D7F6-B498-43B3-948B-1728B52AA6E4}">
+                <adec:decorative xmlns:adec="http://schemas.microsoft.com/office/drawing/2017/decorative" val="1"/>
+              </a:ext>
+            </a:extLst>
+          </p:cNvPr>
+          <p:cNvPicPr>
+            <a:picLocks noGrp="1" noRot="1" noChangeAspect="1" noMove="1" noResize="1" noEditPoints="1" noAdjustHandles="1" noChangeArrowheads="1" noChangeShapeType="1" noCrop="1"/>
+          </p:cNvPicPr>
+          <p:nvPr>
+            <p:extLst>
+              <p:ext uri="{386F3935-93C4-4BCD-93E2-E3B085C9AB24}">
+                <p16:designElem xmlns:p16="http://schemas.microsoft.com/office/powerpoint/2015/main" val="1"/>
+              </p:ext>
+            </p:extLst>
+          </p:nvPr>
+        </p:nvPicPr>
+        <p:blipFill rotWithShape="1">
+          <a:blip r:embed="rId5">
+            <a:extLst>
+              <a:ext uri="{28A0092B-C50C-407E-A947-70E740481C1C}">
+                <a14:useLocalDpi xmlns:a14="http://schemas.microsoft.com/office/drawing/2010/main" val="0"/>
+              </a:ext>
+            </a:extLst>
+          </a:blip>
+          <a:srcRect t="28813"/>
+          <a:stretch/>
+        </p:blipFill>
+        <p:spPr>
+          <a:xfrm>
+            <a:off x="7999412" y="0"/>
+            <a:ext cx="1603387" cy="1141407"/>
+          </a:xfrm>
+          <a:prstGeom prst="rect">
+            <a:avLst/>
+          </a:prstGeom>
+        </p:spPr>
+      </p:pic>
+      <p:pic>
+        <p:nvPicPr>
+          <p:cNvPr id="92" name="Picture 91">
+            <a:extLst>
+              <a:ext uri="{FF2B5EF4-FFF2-40B4-BE49-F238E27FC236}">
+                <a16:creationId xmlns:a16="http://schemas.microsoft.com/office/drawing/2014/main" id="{130825ED-0133-430D-BBBB-50B6F5228448}"/>
+              </a:ext>
+              <a:ext uri="{C183D7F6-B498-43B3-948B-1728B52AA6E4}">
+                <adec:decorative xmlns:adec="http://schemas.microsoft.com/office/drawing/2017/decorative" val="1"/>
+              </a:ext>
+            </a:extLst>
+          </p:cNvPr>
+          <p:cNvPicPr>
+            <a:picLocks noGrp="1" noRot="1" noChangeAspect="1" noMove="1" noResize="1" noEditPoints="1" noAdjustHandles="1" noChangeArrowheads="1" noChangeShapeType="1" noCrop="1"/>
+          </p:cNvPicPr>
+          <p:nvPr>
+            <p:extLst>
+              <p:ext uri="{386F3935-93C4-4BCD-93E2-E3B085C9AB24}">
+                <p16:designElem xmlns:p16="http://schemas.microsoft.com/office/powerpoint/2015/main" val="1"/>
+              </p:ext>
+            </p:extLst>
+          </p:nvPr>
+        </p:nvPicPr>
+        <p:blipFill rotWithShape="1">
+          <a:blip r:embed="rId6">
+            <a:extLst>
+              <a:ext uri="{28A0092B-C50C-407E-A947-70E740481C1C}">
+                <a14:useLocalDpi xmlns:a14="http://schemas.microsoft.com/office/drawing/2010/main" val="0"/>
+              </a:ext>
+            </a:extLst>
+          </a:blip>
+          <a:srcRect b="23320"/>
+          <a:stretch/>
+        </p:blipFill>
+        <p:spPr>
+          <a:xfrm>
+            <a:off x="8605878" y="6096000"/>
+            <a:ext cx="993734" cy="762000"/>
+          </a:xfrm>
+          <a:prstGeom prst="rect">
+            <a:avLst/>
+          </a:prstGeom>
+        </p:spPr>
+      </p:pic>
+      <p:sp>
+        <p:nvSpPr>
+          <p:cNvPr id="94" name="Rectangle 93">
+            <a:extLst>
+              <a:ext uri="{FF2B5EF4-FFF2-40B4-BE49-F238E27FC236}">
+                <a16:creationId xmlns:a16="http://schemas.microsoft.com/office/drawing/2014/main" id="{633F040E-FA1C-4EDC-B925-7EFCB9582839}"/>
+              </a:ext>
+              <a:ext uri="{C183D7F6-B498-43B3-948B-1728B52AA6E4}">
+                <adec:decorative xmlns:adec="http://schemas.microsoft.com/office/drawing/2017/decorative" val="1"/>
+              </a:ext>
+            </a:extLst>
+          </p:cNvPr>
+          <p:cNvSpPr>
+            <a:spLocks noGrp="1" noRot="1" noChangeAspect="1" noMove="1" noResize="1" noEditPoints="1" noAdjustHandles="1" noChangeArrowheads="1" noChangeShapeType="1" noTextEdit="1"/>
+          </p:cNvSpPr>
+          <p:nvPr>
+            <p:extLst>
+              <p:ext uri="{386F3935-93C4-4BCD-93E2-E3B085C9AB24}">
+                <p16:designElem xmlns:p16="http://schemas.microsoft.com/office/powerpoint/2015/main" val="1"/>
+              </p:ext>
+            </p:extLst>
+          </p:nvPr>
+        </p:nvSpPr>
+        <p:spPr>
+          <a:xfrm>
+            <a:off x="10437812" y="0"/>
+            <a:ext cx="685800" cy="1143000"/>
+          </a:xfrm>
+          <a:prstGeom prst="rect">
+            <a:avLst/>
+          </a:prstGeom>
+          <a:solidFill>
+            <a:schemeClr val="accent1"/>
+          </a:solidFill>
+          <a:ln>
+            <a:noFill/>
+          </a:ln>
+        </p:spPr>
+        <p:style>
+          <a:lnRef idx="1">
+            <a:schemeClr val="accent1"/>
+          </a:lnRef>
+          <a:fillRef idx="3">
+            <a:schemeClr val="accent1"/>
+          </a:fillRef>
+          <a:effectRef idx="2">
+            <a:schemeClr val="accent1"/>
+          </a:effectRef>
+          <a:fontRef idx="minor">
+            <a:schemeClr val="lt1"/>
+          </a:fontRef>
+        </p:style>
+      </p:sp>
+      <p:sp>
+        <p:nvSpPr>
+          <p:cNvPr id="2" name="Title 1">
+            <a:extLst>
+              <a:ext uri="{FF2B5EF4-FFF2-40B4-BE49-F238E27FC236}">
+                <a16:creationId xmlns:a16="http://schemas.microsoft.com/office/drawing/2014/main" id="{A22B86D7-1645-4564-A3E7-700357D93592}"/>
+              </a:ext>
+            </a:extLst>
+          </p:cNvPr>
+          <p:cNvSpPr>
+            <a:spLocks noGrp="1"/>
+          </p:cNvSpPr>
+          <p:nvPr>
+            <p:ph type="title"/>
+          </p:nvPr>
+        </p:nvSpPr>
+        <p:spPr>
+          <a:xfrm>
+            <a:off x="7552578" y="253074"/>
+            <a:ext cx="4480105" cy="4510768"/>
+          </a:xfrm>
+        </p:spPr>
+        <p:txBody>
+          <a:bodyPr vert="horz" lIns="91440" tIns="45720" rIns="91440" bIns="45720" rtlCol="0" anchor="b">
+            <a:noAutofit/>
+          </a:bodyPr>
+          <a:lstStyle/>
+          <a:p>
+            <a:r>
+              <a:rPr lang="en-US" sz="2400" dirty="0"/>
+              <a:t>Deep Learning Model</a:t>
+            </a:r>
+            <a:br>
+              <a:rPr lang="en-US" sz="2400" dirty="0"/>
+            </a:br>
+            <a:br>
+              <a:rPr lang="en-US" sz="2400" dirty="0"/>
+            </a:br>
+            <a:r>
+              <a:rPr lang="en-US" sz="2400" dirty="0"/>
+              <a:t>Better at predicting extreme price ranges with same inputs</a:t>
+            </a:r>
+          </a:p>
+        </p:txBody>
+      </p:sp>
+      <p:sp>
+        <p:nvSpPr>
+          <p:cNvPr id="96" name="Rectangle 95">
+            <a:extLst>
+              <a:ext uri="{FF2B5EF4-FFF2-40B4-BE49-F238E27FC236}">
+                <a16:creationId xmlns:a16="http://schemas.microsoft.com/office/drawing/2014/main" id="{3FDC3884-AF10-42EC-A828-643B6154F9F5}"/>
+              </a:ext>
+              <a:ext uri="{C183D7F6-B498-43B3-948B-1728B52AA6E4}">
+                <adec:decorative xmlns:adec="http://schemas.microsoft.com/office/drawing/2017/decorative" val="1"/>
+              </a:ext>
+            </a:extLst>
+          </p:cNvPr>
+          <p:cNvSpPr>
+            <a:spLocks noGrp="1" noRot="1" noChangeAspect="1" noMove="1" noResize="1" noEditPoints="1" noAdjustHandles="1" noChangeArrowheads="1" noChangeShapeType="1" noTextEdit="1"/>
+          </p:cNvSpPr>
+          <p:nvPr>
+            <p:extLst>
+              <p:ext uri="{386F3935-93C4-4BCD-93E2-E3B085C9AB24}">
+                <p16:designElem xmlns:p16="http://schemas.microsoft.com/office/powerpoint/2015/main" val="1"/>
+              </p:ext>
+            </p:extLst>
+          </p:nvPr>
+        </p:nvSpPr>
+        <p:spPr>
+          <a:xfrm>
+            <a:off x="636914" y="639905"/>
+            <a:ext cx="6915664" cy="5578188"/>
+          </a:xfrm>
+          <a:prstGeom prst="rect">
+            <a:avLst/>
+          </a:prstGeom>
+          <a:solidFill>
+            <a:srgbClr val="FFFFFF"/>
+          </a:solidFill>
+          <a:ln>
+            <a:noFill/>
+          </a:ln>
+        </p:spPr>
+        <p:style>
+          <a:lnRef idx="2">
+            <a:schemeClr val="accent1">
+              <a:shade val="50000"/>
+            </a:schemeClr>
+          </a:lnRef>
+          <a:fillRef idx="1">
+            <a:schemeClr val="accent1"/>
+          </a:fillRef>
+          <a:effectRef idx="0">
+            <a:schemeClr val="accent1"/>
+          </a:effectRef>
+          <a:fontRef idx="minor">
+            <a:schemeClr val="lt1"/>
+          </a:fontRef>
+        </p:style>
+        <p:txBody>
+          <a:bodyPr rtlCol="0" anchor="ctr"/>
+          <a:lstStyle/>
+          <a:p>
+            <a:pPr algn="ctr"/>
+            <a:endParaRPr lang="en-US"/>
+          </a:p>
+        </p:txBody>
+      </p:sp>
+      <p:pic>
+        <p:nvPicPr>
+          <p:cNvPr id="4100" name="Picture 4">
+            <a:extLst>
+              <a:ext uri="{FF2B5EF4-FFF2-40B4-BE49-F238E27FC236}">
+                <a16:creationId xmlns:a16="http://schemas.microsoft.com/office/drawing/2014/main" id="{8B33559A-2A3A-4095-B529-255757396E5F}"/>
+              </a:ext>
+            </a:extLst>
+          </p:cNvPr>
+          <p:cNvPicPr>
+            <a:picLocks noChangeAspect="1" noChangeArrowheads="1"/>
+          </p:cNvPicPr>
+          <p:nvPr/>
+        </p:nvPicPr>
+        <p:blipFill rotWithShape="1">
+          <a:blip r:embed="rId7">
+            <a:extLst>
+              <a:ext uri="{28A0092B-C50C-407E-A947-70E740481C1C}">
+                <a14:useLocalDpi xmlns:a14="http://schemas.microsoft.com/office/drawing/2010/main" val="0"/>
+              </a:ext>
+            </a:extLst>
+          </a:blip>
+          <a:srcRect r="7426" b="-2"/>
+          <a:stretch/>
+        </p:blipFill>
+        <p:spPr bwMode="auto">
+          <a:xfrm>
+            <a:off x="3934597" y="682398"/>
+            <a:ext cx="3399115" cy="2624101"/>
+          </a:xfrm>
+          <a:prstGeom prst="rect">
+            <a:avLst/>
+          </a:prstGeom>
+          <a:noFill/>
+          <a:effectLst/>
+          <a:extLst>
+            <a:ext uri="{909E8E84-426E-40DD-AFC4-6F175D3DCCD1}">
+              <a14:hiddenFill xmlns:a14="http://schemas.microsoft.com/office/drawing/2010/main">
+                <a:solidFill>
+                  <a:srgbClr val="FFFFFF"/>
+                </a:solidFill>
+              </a14:hiddenFill>
+            </a:ext>
+          </a:extLst>
+        </p:spPr>
+      </p:pic>
+      <p:pic>
+        <p:nvPicPr>
+          <p:cNvPr id="4098" name="Picture 2">
+            <a:extLst>
+              <a:ext uri="{FF2B5EF4-FFF2-40B4-BE49-F238E27FC236}">
+                <a16:creationId xmlns:a16="http://schemas.microsoft.com/office/drawing/2014/main" id="{6CF11A9E-B891-4D97-A33D-1567C241E617}"/>
+              </a:ext>
+            </a:extLst>
+          </p:cNvPr>
+          <p:cNvPicPr>
+            <a:picLocks noChangeAspect="1" noChangeArrowheads="1"/>
+          </p:cNvPicPr>
+          <p:nvPr/>
+        </p:nvPicPr>
+        <p:blipFill rotWithShape="1">
+          <a:blip r:embed="rId8">
+            <a:extLst>
+              <a:ext uri="{28A0092B-C50C-407E-A947-70E740481C1C}">
+                <a14:useLocalDpi xmlns:a14="http://schemas.microsoft.com/office/drawing/2010/main" val="0"/>
+              </a:ext>
+            </a:extLst>
+          </a:blip>
+          <a:srcRect r="7426" b="-2"/>
+          <a:stretch/>
+        </p:blipFill>
+        <p:spPr bwMode="auto">
+          <a:xfrm>
+            <a:off x="591897" y="682398"/>
+            <a:ext cx="3297683" cy="2624125"/>
+          </a:xfrm>
+          <a:prstGeom prst="rect">
+            <a:avLst/>
+          </a:prstGeom>
+          <a:noFill/>
+          <a:effectLst/>
+          <a:extLst>
+            <a:ext uri="{909E8E84-426E-40DD-AFC4-6F175D3DCCD1}">
+              <a14:hiddenFill xmlns:a14="http://schemas.microsoft.com/office/drawing/2010/main">
+                <a:solidFill>
+                  <a:srgbClr val="FFFFFF"/>
+                </a:solidFill>
+              </a14:hiddenFill>
+            </a:ext>
+          </a:extLst>
+        </p:spPr>
+      </p:pic>
+      <p:pic>
+        <p:nvPicPr>
+          <p:cNvPr id="5" name="Picture 4">
+            <a:extLst>
+              <a:ext uri="{FF2B5EF4-FFF2-40B4-BE49-F238E27FC236}">
+                <a16:creationId xmlns:a16="http://schemas.microsoft.com/office/drawing/2014/main" id="{4FA6E774-41E3-4E94-82DE-7C63B9FD3C1C}"/>
+              </a:ext>
+            </a:extLst>
+          </p:cNvPr>
+          <p:cNvPicPr>
+            <a:picLocks noChangeAspect="1"/>
+          </p:cNvPicPr>
+          <p:nvPr/>
+        </p:nvPicPr>
+        <p:blipFill>
+          <a:blip r:embed="rId9"/>
+          <a:stretch>
+            <a:fillRect/>
+          </a:stretch>
+        </p:blipFill>
+        <p:spPr>
+          <a:xfrm>
+            <a:off x="7711895" y="541332"/>
+            <a:ext cx="2562225" cy="1133475"/>
+          </a:xfrm>
+          <a:prstGeom prst="rect">
+            <a:avLst/>
+          </a:prstGeom>
+        </p:spPr>
+      </p:pic>
+      <p:pic>
+        <p:nvPicPr>
+          <p:cNvPr id="1030" name="Picture 6">
+            <a:extLst>
+              <a:ext uri="{FF2B5EF4-FFF2-40B4-BE49-F238E27FC236}">
+                <a16:creationId xmlns:a16="http://schemas.microsoft.com/office/drawing/2014/main" id="{AFD81008-FC28-4A30-AE23-DA7021DAF472}"/>
+              </a:ext>
+            </a:extLst>
+          </p:cNvPr>
+          <p:cNvPicPr>
+            <a:picLocks noChangeAspect="1" noChangeArrowheads="1"/>
+          </p:cNvPicPr>
+          <p:nvPr/>
+        </p:nvPicPr>
+        <p:blipFill>
+          <a:blip r:embed="rId10">
+            <a:extLst>
+              <a:ext uri="{28A0092B-C50C-407E-A947-70E740481C1C}">
+                <a14:useLocalDpi xmlns:a14="http://schemas.microsoft.com/office/drawing/2010/main" val="0"/>
+              </a:ext>
+            </a:extLst>
+          </a:blip>
+          <a:srcRect/>
+          <a:stretch>
+            <a:fillRect/>
+          </a:stretch>
+        </p:blipFill>
+        <p:spPr bwMode="auto">
+          <a:xfrm>
+            <a:off x="591897" y="3572920"/>
+            <a:ext cx="3546578" cy="2647950"/>
+          </a:xfrm>
+          <a:prstGeom prst="rect">
+            <a:avLst/>
+          </a:prstGeom>
+          <a:noFill/>
+          <a:extLst>
+            <a:ext uri="{909E8E84-426E-40DD-AFC4-6F175D3DCCD1}">
+              <a14:hiddenFill xmlns:a14="http://schemas.microsoft.com/office/drawing/2010/main">
+                <a:solidFill>
+                  <a:srgbClr val="FFFFFF"/>
+                </a:solidFill>
+              </a14:hiddenFill>
+            </a:ext>
+          </a:extLst>
+        </p:spPr>
+      </p:pic>
+      <p:pic>
+        <p:nvPicPr>
+          <p:cNvPr id="1032" name="Picture 8">
+            <a:extLst>
+              <a:ext uri="{FF2B5EF4-FFF2-40B4-BE49-F238E27FC236}">
+                <a16:creationId xmlns:a16="http://schemas.microsoft.com/office/drawing/2014/main" id="{6F8C91D9-A722-4F0F-81CA-13D334C81BEB}"/>
+              </a:ext>
+            </a:extLst>
+          </p:cNvPr>
+          <p:cNvPicPr>
+            <a:picLocks noChangeAspect="1" noChangeArrowheads="1"/>
+          </p:cNvPicPr>
+          <p:nvPr/>
+        </p:nvPicPr>
+        <p:blipFill>
+          <a:blip r:embed="rId11">
+            <a:extLst>
+              <a:ext uri="{28A0092B-C50C-407E-A947-70E740481C1C}">
+                <a14:useLocalDpi xmlns:a14="http://schemas.microsoft.com/office/drawing/2010/main" val="0"/>
+              </a:ext>
+            </a:extLst>
+          </a:blip>
+          <a:srcRect/>
+          <a:stretch>
+            <a:fillRect/>
+          </a:stretch>
+        </p:blipFill>
+        <p:spPr bwMode="auto">
+          <a:xfrm>
+            <a:off x="3972189" y="3570143"/>
+            <a:ext cx="3640489" cy="2647950"/>
+          </a:xfrm>
+          <a:prstGeom prst="rect">
+            <a:avLst/>
+          </a:prstGeom>
+          <a:noFill/>
+          <a:extLst>
+            <a:ext uri="{909E8E84-426E-40DD-AFC4-6F175D3DCCD1}">
+              <a14:hiddenFill xmlns:a14="http://schemas.microsoft.com/office/drawing/2010/main">
+                <a:solidFill>
+                  <a:srgbClr val="FFFFFF"/>
+                </a:solidFill>
+              </a14:hiddenFill>
+            </a:ext>
+          </a:extLst>
+        </p:spPr>
+      </p:pic>
+      <p:sp>
+        <p:nvSpPr>
+          <p:cNvPr id="3" name="TextBox 2">
+            <a:extLst>
+              <a:ext uri="{FF2B5EF4-FFF2-40B4-BE49-F238E27FC236}">
+                <a16:creationId xmlns:a16="http://schemas.microsoft.com/office/drawing/2014/main" id="{A3E7B193-DC62-42FD-BDA2-29B098D36308}"/>
+              </a:ext>
+            </a:extLst>
+          </p:cNvPr>
+          <p:cNvSpPr txBox="1"/>
+          <p:nvPr/>
+        </p:nvSpPr>
+        <p:spPr>
+          <a:xfrm>
+            <a:off x="477597" y="293248"/>
+            <a:ext cx="4403770" cy="369332"/>
+          </a:xfrm>
+          <a:prstGeom prst="rect">
+            <a:avLst/>
+          </a:prstGeom>
+          <a:noFill/>
+        </p:spPr>
+        <p:txBody>
+          <a:bodyPr wrap="none" rtlCol="0">
+            <a:spAutoFit/>
+          </a:bodyPr>
+          <a:lstStyle/>
+          <a:p>
+            <a:r>
+              <a:rPr lang="en-US" dirty="0"/>
+              <a:t>Model = f(winery, wine variety, points)</a:t>
+            </a:r>
+          </a:p>
+        </p:txBody>
+      </p:sp>
+      <p:sp>
+        <p:nvSpPr>
+          <p:cNvPr id="21" name="TextBox 20">
+            <a:extLst>
+              <a:ext uri="{FF2B5EF4-FFF2-40B4-BE49-F238E27FC236}">
+                <a16:creationId xmlns:a16="http://schemas.microsoft.com/office/drawing/2014/main" id="{796A9475-D757-4187-803B-E823A5501967}"/>
+              </a:ext>
+            </a:extLst>
+          </p:cNvPr>
+          <p:cNvSpPr txBox="1"/>
+          <p:nvPr/>
+        </p:nvSpPr>
+        <p:spPr>
+          <a:xfrm>
+            <a:off x="163301" y="6283218"/>
+            <a:ext cx="4533613" cy="369332"/>
+          </a:xfrm>
+          <a:prstGeom prst="rect">
+            <a:avLst/>
+          </a:prstGeom>
+          <a:noFill/>
+        </p:spPr>
+        <p:txBody>
+          <a:bodyPr wrap="none" rtlCol="0">
+            <a:spAutoFit/>
+          </a:bodyPr>
+          <a:lstStyle/>
+          <a:p>
+            <a:r>
+              <a:rPr lang="en-US" dirty="0"/>
+              <a:t>Model = f(country, wine variety, points)</a:t>
+            </a:r>
+          </a:p>
+        </p:txBody>
+      </p:sp>
+    </p:spTree>
+    <p:extLst>
+      <p:ext uri="{BB962C8B-B14F-4D97-AF65-F5344CB8AC3E}">
+        <p14:creationId xmlns:p14="http://schemas.microsoft.com/office/powerpoint/2010/main" val="3292413306"/>
+      </p:ext>
+    </p:extLst>
+  </p:cSld>
+  <p:clrMapOvr>
+    <a:masterClrMapping/>
+  </p:clrMapOvr>
+</p:sld>
+</file>
+
+<file path=ppt/slides/slide7.xml><?xml version="1.0" encoding="utf-8"?>
 <p:sld xmlns:a="http://schemas.openxmlformats.org/drawingml/2006/main" xmlns:r="http://schemas.openxmlformats.org/officeDocument/2006/relationships" xmlns:p="http://schemas.openxmlformats.org/presentationml/2006/main">
   <p:cSld>
     <p:spTree>
@@ -7280,17 +8478,17 @@
           <a:p>
             <a:r>
               <a:rPr lang="en-US" dirty="0"/>
-              <a:t>Linear Model – wineries in place of countries</a:t>
-            </a:r>
-          </a:p>
-        </p:txBody>
-      </p:sp>
-      <p:sp>
-        <p:nvSpPr>
-          <p:cNvPr id="12" name="Content Placeholder 5">
+              <a:t>Conclusions:</a:t>
+            </a:r>
+          </a:p>
+        </p:txBody>
+      </p:sp>
+      <p:sp>
+        <p:nvSpPr>
+          <p:cNvPr id="7" name="Content Placeholder 5">
             <a:extLst>
               <a:ext uri="{FF2B5EF4-FFF2-40B4-BE49-F238E27FC236}">
-                <a16:creationId xmlns:a16="http://schemas.microsoft.com/office/drawing/2014/main" id="{E3BC7CF6-ACC7-43D9-9AF7-17CC4898FB20}"/>
+                <a16:creationId xmlns:a16="http://schemas.microsoft.com/office/drawing/2014/main" id="{20871757-659F-4DA1-B055-FF7FD4A7F65D}"/>
               </a:ext>
             </a:extLst>
           </p:cNvPr>
@@ -7301,7 +8499,7 @@
         </p:nvSpPr>
         <p:spPr>
           <a:xfrm>
-            <a:off x="6673343" y="2067495"/>
+            <a:off x="1213391" y="1769723"/>
             <a:ext cx="4396339" cy="3741738"/>
           </a:xfrm>
           <a:prstGeom prst="rect">
@@ -7540,774 +8738,36 @@
           <a:p>
             <a:r>
               <a:rPr lang="en-US" dirty="0"/>
-              <a:t>Top 3 most frequent wineries in each country</a:t>
-            </a:r>
+              <a:t>XXXXXXXXXXXXXXXXX</a:t>
+            </a:r>
+          </a:p>
+          <a:p>
+            <a:pPr marL="457200" lvl="1" indent="0">
+              <a:buNone/>
+            </a:pPr>
+            <a:endParaRPr lang="en-US" dirty="0"/>
           </a:p>
           <a:p>
             <a:r>
               <a:rPr lang="en-US" dirty="0"/>
-              <a:t>99% of prices</a:t>
-            </a:r>
+              <a:t>XXXXXXXXXXXXXXXXX</a:t>
+            </a:r>
+          </a:p>
+          <a:p>
+            <a:endParaRPr lang="en-US" dirty="0"/>
           </a:p>
           <a:p>
             <a:r>
               <a:rPr lang="en-US" dirty="0"/>
-              <a:t>Not much accuracy improvement</a:t>
-            </a:r>
-          </a:p>
-        </p:txBody>
-      </p:sp>
-      <p:pic>
-        <p:nvPicPr>
-          <p:cNvPr id="9" name="Picture 8">
-            <a:extLst>
-              <a:ext uri="{FF2B5EF4-FFF2-40B4-BE49-F238E27FC236}">
-                <a16:creationId xmlns:a16="http://schemas.microsoft.com/office/drawing/2014/main" id="{5C5ACF31-1015-4ABE-83B6-243BF7E577D6}"/>
-              </a:ext>
-            </a:extLst>
-          </p:cNvPr>
-          <p:cNvPicPr>
-            <a:picLocks noChangeAspect="1"/>
-          </p:cNvPicPr>
-          <p:nvPr/>
-        </p:nvPicPr>
-        <p:blipFill>
-          <a:blip r:embed="rId2"/>
-          <a:stretch>
-            <a:fillRect/>
-          </a:stretch>
-        </p:blipFill>
-        <p:spPr>
-          <a:xfrm>
-            <a:off x="423862" y="2067495"/>
-            <a:ext cx="5934075" cy="3495675"/>
-          </a:xfrm>
-          <a:prstGeom prst="rect">
-            <a:avLst/>
-          </a:prstGeom>
-        </p:spPr>
-      </p:pic>
+              <a:t>In addition to quality score, brand (winery) seems to matter more than location (country)</a:t>
+            </a:r>
+          </a:p>
+        </p:txBody>
+      </p:sp>
     </p:spTree>
     <p:extLst>
       <p:ext uri="{BB962C8B-B14F-4D97-AF65-F5344CB8AC3E}">
-        <p14:creationId xmlns:p14="http://schemas.microsoft.com/office/powerpoint/2010/main" val="1562431829"/>
-      </p:ext>
-    </p:extLst>
-  </p:cSld>
-  <p:clrMapOvr>
-    <a:masterClrMapping/>
-  </p:clrMapOvr>
-</p:sld>
-</file>
-
-<file path=ppt/slides/slide4.xml><?xml version="1.0" encoding="utf-8"?>
-<p:sld xmlns:a="http://schemas.openxmlformats.org/drawingml/2006/main" xmlns:r="http://schemas.openxmlformats.org/officeDocument/2006/relationships" xmlns:p="http://schemas.openxmlformats.org/presentationml/2006/main">
-  <p:cSld>
-    <p:bg>
-      <p:bgPr>
-        <a:blipFill rotWithShape="1">
-          <a:blip r:embed="rId2">
-            <a:duotone>
-              <a:schemeClr val="bg2">
-                <a:shade val="69000"/>
-                <a:hueMod val="108000"/>
-                <a:satMod val="164000"/>
-                <a:lumMod val="74000"/>
-              </a:schemeClr>
-              <a:schemeClr val="bg2">
-                <a:tint val="96000"/>
-                <a:hueMod val="88000"/>
-                <a:satMod val="140000"/>
-                <a:lumMod val="132000"/>
-              </a:schemeClr>
-            </a:duotone>
-            <a:extLst/>
-          </a:blip>
-          <a:stretch/>
-        </a:blipFill>
-        <a:effectLst/>
-      </p:bgPr>
-    </p:bg>
-    <p:spTree>
-      <p:nvGrpSpPr>
-        <p:cNvPr id="1" name=""/>
-        <p:cNvGrpSpPr/>
-        <p:nvPr/>
-      </p:nvGrpSpPr>
-      <p:grpSpPr>
-        <a:xfrm>
-          <a:off x="0" y="0"/>
-          <a:ext cx="0" cy="0"/>
-          <a:chOff x="0" y="0"/>
-          <a:chExt cx="0" cy="0"/>
-        </a:xfrm>
-      </p:grpSpPr>
-      <p:pic>
-        <p:nvPicPr>
-          <p:cNvPr id="84" name="Picture 83">
-            <a:extLst>
-              <a:ext uri="{FF2B5EF4-FFF2-40B4-BE49-F238E27FC236}">
-                <a16:creationId xmlns:a16="http://schemas.microsoft.com/office/drawing/2014/main" id="{BD310164-D3A3-415E-9D94-5D21D9FB2F6C}"/>
-              </a:ext>
-              <a:ext uri="{C183D7F6-B498-43B3-948B-1728B52AA6E4}">
-                <adec:decorative xmlns:adec="http://schemas.microsoft.com/office/drawing/2017/decorative" val="1"/>
-              </a:ext>
-            </a:extLst>
-          </p:cNvPr>
-          <p:cNvPicPr>
-            <a:picLocks noGrp="1" noRot="1" noChangeAspect="1" noMove="1" noResize="1" noEditPoints="1" noAdjustHandles="1" noChangeArrowheads="1" noChangeShapeType="1" noCrop="1"/>
-          </p:cNvPicPr>
-          <p:nvPr>
-            <p:extLst>
-              <p:ext uri="{386F3935-93C4-4BCD-93E2-E3B085C9AB24}">
-                <p16:designElem xmlns:p16="http://schemas.microsoft.com/office/powerpoint/2015/main" val="1"/>
-              </p:ext>
-            </p:extLst>
-          </p:nvPr>
-        </p:nvPicPr>
-        <p:blipFill rotWithShape="1">
-          <a:blip r:embed="rId3">
-            <a:extLst>
-              <a:ext uri="{28A0092B-C50C-407E-A947-70E740481C1C}">
-                <a14:useLocalDpi xmlns:a14="http://schemas.microsoft.com/office/drawing/2010/main" val="0"/>
-              </a:ext>
-            </a:extLst>
-          </a:blip>
-          <a:srcRect l="3613"/>
-          <a:stretch/>
-        </p:blipFill>
-        <p:spPr>
-          <a:xfrm>
-            <a:off x="0" y="2669685"/>
-            <a:ext cx="4037012" cy="4188315"/>
-          </a:xfrm>
-          <a:prstGeom prst="rect">
-            <a:avLst/>
-          </a:prstGeom>
-        </p:spPr>
-      </p:pic>
-      <p:pic>
-        <p:nvPicPr>
-          <p:cNvPr id="86" name="Picture 85">
-            <a:extLst>
-              <a:ext uri="{FF2B5EF4-FFF2-40B4-BE49-F238E27FC236}">
-                <a16:creationId xmlns:a16="http://schemas.microsoft.com/office/drawing/2014/main" id="{BE586E08-18BF-4AB1-AB48-4005D567343E}"/>
-              </a:ext>
-              <a:ext uri="{C183D7F6-B498-43B3-948B-1728B52AA6E4}">
-                <adec:decorative xmlns:adec="http://schemas.microsoft.com/office/drawing/2017/decorative" val="1"/>
-              </a:ext>
-            </a:extLst>
-          </p:cNvPr>
-          <p:cNvPicPr>
-            <a:picLocks noGrp="1" noRot="1" noChangeAspect="1" noMove="1" noResize="1" noEditPoints="1" noAdjustHandles="1" noChangeArrowheads="1" noChangeShapeType="1" noCrop="1"/>
-          </p:cNvPicPr>
-          <p:nvPr>
-            <p:extLst>
-              <p:ext uri="{386F3935-93C4-4BCD-93E2-E3B085C9AB24}">
-                <p16:designElem xmlns:p16="http://schemas.microsoft.com/office/powerpoint/2015/main" val="1"/>
-              </p:ext>
-            </p:extLst>
-          </p:nvPr>
-        </p:nvPicPr>
-        <p:blipFill rotWithShape="1">
-          <a:blip r:embed="rId4">
-            <a:extLst>
-              <a:ext uri="{28A0092B-C50C-407E-A947-70E740481C1C}">
-                <a14:useLocalDpi xmlns:a14="http://schemas.microsoft.com/office/drawing/2010/main" val="0"/>
-              </a:ext>
-            </a:extLst>
-          </a:blip>
-          <a:srcRect l="35640"/>
-          <a:stretch/>
-        </p:blipFill>
-        <p:spPr>
-          <a:xfrm>
-            <a:off x="0" y="2892347"/>
-            <a:ext cx="1522412" cy="2365453"/>
-          </a:xfrm>
-          <a:prstGeom prst="rect">
-            <a:avLst/>
-          </a:prstGeom>
-        </p:spPr>
-      </p:pic>
-      <p:sp>
-        <p:nvSpPr>
-          <p:cNvPr id="88" name="Oval 87">
-            <a:extLst>
-              <a:ext uri="{FF2B5EF4-FFF2-40B4-BE49-F238E27FC236}">
-                <a16:creationId xmlns:a16="http://schemas.microsoft.com/office/drawing/2014/main" id="{4A497DBC-2692-42B4-A606-31024033F7C0}"/>
-              </a:ext>
-              <a:ext uri="{C183D7F6-B498-43B3-948B-1728B52AA6E4}">
-                <adec:decorative xmlns:adec="http://schemas.microsoft.com/office/drawing/2017/decorative" val="1"/>
-              </a:ext>
-            </a:extLst>
-          </p:cNvPr>
-          <p:cNvSpPr>
-            <a:spLocks noGrp="1" noRot="1" noChangeAspect="1" noMove="1" noResize="1" noEditPoints="1" noAdjustHandles="1" noChangeArrowheads="1" noChangeShapeType="1" noTextEdit="1"/>
-          </p:cNvSpPr>
-          <p:nvPr>
-            <p:extLst>
-              <p:ext uri="{386F3935-93C4-4BCD-93E2-E3B085C9AB24}">
-                <p16:designElem xmlns:p16="http://schemas.microsoft.com/office/powerpoint/2015/main" val="1"/>
-              </p:ext>
-            </p:extLst>
-          </p:nvPr>
-        </p:nvSpPr>
-        <p:spPr>
-          <a:xfrm>
-            <a:off x="8609012" y="1676400"/>
-            <a:ext cx="2819400" cy="2819400"/>
-          </a:xfrm>
-          <a:prstGeom prst="ellipse">
-            <a:avLst/>
-          </a:prstGeom>
-          <a:gradFill flip="none" rotWithShape="1">
-            <a:gsLst>
-              <a:gs pos="0">
-                <a:schemeClr val="bg2">
-                  <a:lumMod val="60000"/>
-                  <a:lumOff val="40000"/>
-                  <a:alpha val="7000"/>
-                </a:schemeClr>
-              </a:gs>
-              <a:gs pos="69000">
-                <a:schemeClr val="bg2">
-                  <a:lumMod val="60000"/>
-                  <a:lumOff val="40000"/>
-                  <a:alpha val="0"/>
-                </a:schemeClr>
-              </a:gs>
-              <a:gs pos="36000">
-                <a:schemeClr val="bg2">
-                  <a:lumMod val="60000"/>
-                  <a:lumOff val="40000"/>
-                  <a:alpha val="6000"/>
-                </a:schemeClr>
-              </a:gs>
-            </a:gsLst>
-            <a:path path="circle">
-              <a:fillToRect l="50000" t="50000" r="50000" b="50000"/>
-            </a:path>
-            <a:tileRect/>
-          </a:gradFill>
-          <a:ln>
-            <a:noFill/>
-          </a:ln>
-          <a:effectLst/>
-        </p:spPr>
-        <p:style>
-          <a:lnRef idx="1">
-            <a:schemeClr val="accent1"/>
-          </a:lnRef>
-          <a:fillRef idx="3">
-            <a:schemeClr val="accent1"/>
-          </a:fillRef>
-          <a:effectRef idx="2">
-            <a:schemeClr val="accent1"/>
-          </a:effectRef>
-          <a:fontRef idx="minor">
-            <a:schemeClr val="lt1"/>
-          </a:fontRef>
-        </p:style>
-      </p:sp>
-      <p:pic>
-        <p:nvPicPr>
-          <p:cNvPr id="90" name="Picture 89">
-            <a:extLst>
-              <a:ext uri="{FF2B5EF4-FFF2-40B4-BE49-F238E27FC236}">
-                <a16:creationId xmlns:a16="http://schemas.microsoft.com/office/drawing/2014/main" id="{3517A192-66A9-4297-9284-65580829ABF1}"/>
-              </a:ext>
-              <a:ext uri="{C183D7F6-B498-43B3-948B-1728B52AA6E4}">
-                <adec:decorative xmlns:adec="http://schemas.microsoft.com/office/drawing/2017/decorative" val="1"/>
-              </a:ext>
-            </a:extLst>
-          </p:cNvPr>
-          <p:cNvPicPr>
-            <a:picLocks noGrp="1" noRot="1" noChangeAspect="1" noMove="1" noResize="1" noEditPoints="1" noAdjustHandles="1" noChangeArrowheads="1" noChangeShapeType="1" noCrop="1"/>
-          </p:cNvPicPr>
-          <p:nvPr>
-            <p:extLst>
-              <p:ext uri="{386F3935-93C4-4BCD-93E2-E3B085C9AB24}">
-                <p16:designElem xmlns:p16="http://schemas.microsoft.com/office/powerpoint/2015/main" val="1"/>
-              </p:ext>
-            </p:extLst>
-          </p:nvPr>
-        </p:nvPicPr>
-        <p:blipFill rotWithShape="1">
-          <a:blip r:embed="rId5">
-            <a:extLst>
-              <a:ext uri="{28A0092B-C50C-407E-A947-70E740481C1C}">
-                <a14:useLocalDpi xmlns:a14="http://schemas.microsoft.com/office/drawing/2010/main" val="0"/>
-              </a:ext>
-            </a:extLst>
-          </a:blip>
-          <a:srcRect t="28813"/>
-          <a:stretch/>
-        </p:blipFill>
-        <p:spPr>
-          <a:xfrm>
-            <a:off x="7999412" y="0"/>
-            <a:ext cx="1603387" cy="1141407"/>
-          </a:xfrm>
-          <a:prstGeom prst="rect">
-            <a:avLst/>
-          </a:prstGeom>
-        </p:spPr>
-      </p:pic>
-      <p:pic>
-        <p:nvPicPr>
-          <p:cNvPr id="92" name="Picture 91">
-            <a:extLst>
-              <a:ext uri="{FF2B5EF4-FFF2-40B4-BE49-F238E27FC236}">
-                <a16:creationId xmlns:a16="http://schemas.microsoft.com/office/drawing/2014/main" id="{130825ED-0133-430D-BBBB-50B6F5228448}"/>
-              </a:ext>
-              <a:ext uri="{C183D7F6-B498-43B3-948B-1728B52AA6E4}">
-                <adec:decorative xmlns:adec="http://schemas.microsoft.com/office/drawing/2017/decorative" val="1"/>
-              </a:ext>
-            </a:extLst>
-          </p:cNvPr>
-          <p:cNvPicPr>
-            <a:picLocks noGrp="1" noRot="1" noChangeAspect="1" noMove="1" noResize="1" noEditPoints="1" noAdjustHandles="1" noChangeArrowheads="1" noChangeShapeType="1" noCrop="1"/>
-          </p:cNvPicPr>
-          <p:nvPr>
-            <p:extLst>
-              <p:ext uri="{386F3935-93C4-4BCD-93E2-E3B085C9AB24}">
-                <p16:designElem xmlns:p16="http://schemas.microsoft.com/office/powerpoint/2015/main" val="1"/>
-              </p:ext>
-            </p:extLst>
-          </p:nvPr>
-        </p:nvPicPr>
-        <p:blipFill rotWithShape="1">
-          <a:blip r:embed="rId6">
-            <a:extLst>
-              <a:ext uri="{28A0092B-C50C-407E-A947-70E740481C1C}">
-                <a14:useLocalDpi xmlns:a14="http://schemas.microsoft.com/office/drawing/2010/main" val="0"/>
-              </a:ext>
-            </a:extLst>
-          </a:blip>
-          <a:srcRect b="23320"/>
-          <a:stretch/>
-        </p:blipFill>
-        <p:spPr>
-          <a:xfrm>
-            <a:off x="8605878" y="6096000"/>
-            <a:ext cx="993734" cy="762000"/>
-          </a:xfrm>
-          <a:prstGeom prst="rect">
-            <a:avLst/>
-          </a:prstGeom>
-        </p:spPr>
-      </p:pic>
-      <p:sp>
-        <p:nvSpPr>
-          <p:cNvPr id="94" name="Rectangle 93">
-            <a:extLst>
-              <a:ext uri="{FF2B5EF4-FFF2-40B4-BE49-F238E27FC236}">
-                <a16:creationId xmlns:a16="http://schemas.microsoft.com/office/drawing/2014/main" id="{633F040E-FA1C-4EDC-B925-7EFCB9582839}"/>
-              </a:ext>
-              <a:ext uri="{C183D7F6-B498-43B3-948B-1728B52AA6E4}">
-                <adec:decorative xmlns:adec="http://schemas.microsoft.com/office/drawing/2017/decorative" val="1"/>
-              </a:ext>
-            </a:extLst>
-          </p:cNvPr>
-          <p:cNvSpPr>
-            <a:spLocks noGrp="1" noRot="1" noChangeAspect="1" noMove="1" noResize="1" noEditPoints="1" noAdjustHandles="1" noChangeArrowheads="1" noChangeShapeType="1" noTextEdit="1"/>
-          </p:cNvSpPr>
-          <p:nvPr>
-            <p:extLst>
-              <p:ext uri="{386F3935-93C4-4BCD-93E2-E3B085C9AB24}">
-                <p16:designElem xmlns:p16="http://schemas.microsoft.com/office/powerpoint/2015/main" val="1"/>
-              </p:ext>
-            </p:extLst>
-          </p:nvPr>
-        </p:nvSpPr>
-        <p:spPr>
-          <a:xfrm>
-            <a:off x="10437812" y="0"/>
-            <a:ext cx="685800" cy="1143000"/>
-          </a:xfrm>
-          <a:prstGeom prst="rect">
-            <a:avLst/>
-          </a:prstGeom>
-          <a:solidFill>
-            <a:schemeClr val="accent1"/>
-          </a:solidFill>
-          <a:ln>
-            <a:noFill/>
-          </a:ln>
-        </p:spPr>
-        <p:style>
-          <a:lnRef idx="1">
-            <a:schemeClr val="accent1"/>
-          </a:lnRef>
-          <a:fillRef idx="3">
-            <a:schemeClr val="accent1"/>
-          </a:fillRef>
-          <a:effectRef idx="2">
-            <a:schemeClr val="accent1"/>
-          </a:effectRef>
-          <a:fontRef idx="minor">
-            <a:schemeClr val="lt1"/>
-          </a:fontRef>
-        </p:style>
-      </p:sp>
-      <p:sp>
-        <p:nvSpPr>
-          <p:cNvPr id="2" name="Title 1">
-            <a:extLst>
-              <a:ext uri="{FF2B5EF4-FFF2-40B4-BE49-F238E27FC236}">
-                <a16:creationId xmlns:a16="http://schemas.microsoft.com/office/drawing/2014/main" id="{A22B86D7-1645-4564-A3E7-700357D93592}"/>
-              </a:ext>
-            </a:extLst>
-          </p:cNvPr>
-          <p:cNvSpPr>
-            <a:spLocks noGrp="1"/>
-          </p:cNvSpPr>
-          <p:nvPr>
-            <p:ph type="title"/>
-          </p:nvPr>
-        </p:nvSpPr>
-        <p:spPr>
-          <a:xfrm>
-            <a:off x="7597595" y="1815870"/>
-            <a:ext cx="4480105" cy="3096987"/>
-          </a:xfrm>
-        </p:spPr>
-        <p:txBody>
-          <a:bodyPr vert="horz" lIns="91440" tIns="45720" rIns="91440" bIns="45720" rtlCol="0" anchor="b">
-            <a:normAutofit fontScale="90000"/>
-          </a:bodyPr>
-          <a:lstStyle/>
-          <a:p>
-            <a:r>
-              <a:rPr lang="en-US" sz="3500" dirty="0"/>
-              <a:t>Deep Learning Model</a:t>
-            </a:r>
-            <a:br>
-              <a:rPr lang="en-US" sz="3500" dirty="0"/>
-            </a:br>
-            <a:br>
-              <a:rPr lang="en-US" sz="3500" dirty="0"/>
-            </a:br>
-            <a:r>
-              <a:rPr lang="en-US" sz="3500" dirty="0"/>
-              <a:t>Better at predicting extreme price ranges with same inputs</a:t>
-            </a:r>
-          </a:p>
-        </p:txBody>
-      </p:sp>
-      <p:sp>
-        <p:nvSpPr>
-          <p:cNvPr id="96" name="Rectangle 95">
-            <a:extLst>
-              <a:ext uri="{FF2B5EF4-FFF2-40B4-BE49-F238E27FC236}">
-                <a16:creationId xmlns:a16="http://schemas.microsoft.com/office/drawing/2014/main" id="{3FDC3884-AF10-42EC-A828-643B6154F9F5}"/>
-              </a:ext>
-              <a:ext uri="{C183D7F6-B498-43B3-948B-1728B52AA6E4}">
-                <adec:decorative xmlns:adec="http://schemas.microsoft.com/office/drawing/2017/decorative" val="1"/>
-              </a:ext>
-            </a:extLst>
-          </p:cNvPr>
-          <p:cNvSpPr>
-            <a:spLocks noGrp="1" noRot="1" noChangeAspect="1" noMove="1" noResize="1" noEditPoints="1" noAdjustHandles="1" noChangeArrowheads="1" noChangeShapeType="1" noTextEdit="1"/>
-          </p:cNvSpPr>
-          <p:nvPr>
-            <p:extLst>
-              <p:ext uri="{386F3935-93C4-4BCD-93E2-E3B085C9AB24}">
-                <p16:designElem xmlns:p16="http://schemas.microsoft.com/office/powerpoint/2015/main" val="1"/>
-              </p:ext>
-            </p:extLst>
-          </p:nvPr>
-        </p:nvSpPr>
-        <p:spPr>
-          <a:xfrm>
-            <a:off x="636914" y="639905"/>
-            <a:ext cx="6915664" cy="5578188"/>
-          </a:xfrm>
-          <a:prstGeom prst="rect">
-            <a:avLst/>
-          </a:prstGeom>
-          <a:solidFill>
-            <a:srgbClr val="FFFFFF"/>
-          </a:solidFill>
-          <a:ln>
-            <a:noFill/>
-          </a:ln>
-        </p:spPr>
-        <p:style>
-          <a:lnRef idx="2">
-            <a:schemeClr val="accent1">
-              <a:shade val="50000"/>
-            </a:schemeClr>
-          </a:lnRef>
-          <a:fillRef idx="1">
-            <a:schemeClr val="accent1"/>
-          </a:fillRef>
-          <a:effectRef idx="0">
-            <a:schemeClr val="accent1"/>
-          </a:effectRef>
-          <a:fontRef idx="minor">
-            <a:schemeClr val="lt1"/>
-          </a:fontRef>
-        </p:style>
-        <p:txBody>
-          <a:bodyPr rtlCol="0" anchor="ctr"/>
-          <a:lstStyle/>
-          <a:p>
-            <a:pPr algn="ctr"/>
-            <a:endParaRPr lang="en-US"/>
-          </a:p>
-        </p:txBody>
-      </p:sp>
-      <p:pic>
-        <p:nvPicPr>
-          <p:cNvPr id="4100" name="Picture 4">
-            <a:extLst>
-              <a:ext uri="{FF2B5EF4-FFF2-40B4-BE49-F238E27FC236}">
-                <a16:creationId xmlns:a16="http://schemas.microsoft.com/office/drawing/2014/main" id="{8B33559A-2A3A-4095-B529-255757396E5F}"/>
-              </a:ext>
-            </a:extLst>
-          </p:cNvPr>
-          <p:cNvPicPr>
-            <a:picLocks noChangeAspect="1" noChangeArrowheads="1"/>
-          </p:cNvPicPr>
-          <p:nvPr/>
-        </p:nvPicPr>
-        <p:blipFill rotWithShape="1">
-          <a:blip r:embed="rId7">
-            <a:extLst>
-              <a:ext uri="{28A0092B-C50C-407E-A947-70E740481C1C}">
-                <a14:useLocalDpi xmlns:a14="http://schemas.microsoft.com/office/drawing/2010/main" val="0"/>
-              </a:ext>
-            </a:extLst>
-          </a:blip>
-          <a:srcRect r="7426" b="-2"/>
-          <a:stretch/>
-        </p:blipFill>
-        <p:spPr bwMode="auto">
-          <a:xfrm>
-            <a:off x="3951009" y="709404"/>
-            <a:ext cx="3399115" cy="2624101"/>
-          </a:xfrm>
-          <a:prstGeom prst="rect">
-            <a:avLst/>
-          </a:prstGeom>
-          <a:noFill/>
-          <a:effectLst/>
-          <a:extLst>
-            <a:ext uri="{909E8E84-426E-40DD-AFC4-6F175D3DCCD1}">
-              <a14:hiddenFill xmlns:a14="http://schemas.microsoft.com/office/drawing/2010/main">
-                <a:solidFill>
-                  <a:srgbClr val="FFFFFF"/>
-                </a:solidFill>
-              </a14:hiddenFill>
-            </a:ext>
-          </a:extLst>
-        </p:spPr>
-      </p:pic>
-      <p:pic>
-        <p:nvPicPr>
-          <p:cNvPr id="4098" name="Picture 2">
-            <a:extLst>
-              <a:ext uri="{FF2B5EF4-FFF2-40B4-BE49-F238E27FC236}">
-                <a16:creationId xmlns:a16="http://schemas.microsoft.com/office/drawing/2014/main" id="{6CF11A9E-B891-4D97-A33D-1567C241E617}"/>
-              </a:ext>
-            </a:extLst>
-          </p:cNvPr>
-          <p:cNvPicPr>
-            <a:picLocks noChangeAspect="1" noChangeArrowheads="1"/>
-          </p:cNvPicPr>
-          <p:nvPr/>
-        </p:nvPicPr>
-        <p:blipFill rotWithShape="1">
-          <a:blip r:embed="rId8">
-            <a:extLst>
-              <a:ext uri="{28A0092B-C50C-407E-A947-70E740481C1C}">
-                <a14:useLocalDpi xmlns:a14="http://schemas.microsoft.com/office/drawing/2010/main" val="0"/>
-              </a:ext>
-            </a:extLst>
-          </a:blip>
-          <a:srcRect r="7426" b="-2"/>
-          <a:stretch/>
-        </p:blipFill>
-        <p:spPr bwMode="auto">
-          <a:xfrm>
-            <a:off x="490435" y="682398"/>
-            <a:ext cx="3399145" cy="2624125"/>
-          </a:xfrm>
-          <a:prstGeom prst="rect">
-            <a:avLst/>
-          </a:prstGeom>
-          <a:noFill/>
-          <a:effectLst/>
-          <a:extLst>
-            <a:ext uri="{909E8E84-426E-40DD-AFC4-6F175D3DCCD1}">
-              <a14:hiddenFill xmlns:a14="http://schemas.microsoft.com/office/drawing/2010/main">
-                <a:solidFill>
-                  <a:srgbClr val="FFFFFF"/>
-                </a:solidFill>
-              </a14:hiddenFill>
-            </a:ext>
-          </a:extLst>
-        </p:spPr>
-      </p:pic>
-      <p:pic>
-        <p:nvPicPr>
-          <p:cNvPr id="4" name="Picture 8">
-            <a:extLst>
-              <a:ext uri="{FF2B5EF4-FFF2-40B4-BE49-F238E27FC236}">
-                <a16:creationId xmlns:a16="http://schemas.microsoft.com/office/drawing/2014/main" id="{EFFF1148-1B69-4708-A2D3-90A35CA515C8}"/>
-              </a:ext>
-            </a:extLst>
-          </p:cNvPr>
-          <p:cNvPicPr>
-            <a:picLocks noChangeAspect="1" noChangeArrowheads="1"/>
-          </p:cNvPicPr>
-          <p:nvPr/>
-        </p:nvPicPr>
-        <p:blipFill>
-          <a:blip r:embed="rId9">
-            <a:extLst>
-              <a:ext uri="{28A0092B-C50C-407E-A947-70E740481C1C}">
-                <a14:useLocalDpi xmlns:a14="http://schemas.microsoft.com/office/drawing/2010/main" val="0"/>
-              </a:ext>
-            </a:extLst>
-          </a:blip>
-          <a:stretch>
-            <a:fillRect/>
-          </a:stretch>
-        </p:blipFill>
-        <p:spPr bwMode="auto">
-          <a:xfrm>
-            <a:off x="3926061" y="3471899"/>
-            <a:ext cx="3399115" cy="2624101"/>
-          </a:xfrm>
-          <a:prstGeom prst="rect">
-            <a:avLst/>
-          </a:prstGeom>
-          <a:noFill/>
-          <a:effectLst/>
-          <a:extLst>
-            <a:ext uri="{909E8E84-426E-40DD-AFC4-6F175D3DCCD1}">
-              <a14:hiddenFill xmlns:a14="http://schemas.microsoft.com/office/drawing/2010/main">
-                <a:solidFill>
-                  <a:srgbClr val="FFFFFF"/>
-                </a:solidFill>
-              </a14:hiddenFill>
-            </a:ext>
-          </a:extLst>
-        </p:spPr>
-      </p:pic>
-      <p:pic>
-        <p:nvPicPr>
-          <p:cNvPr id="4102" name="Picture 6">
-            <a:extLst>
-              <a:ext uri="{FF2B5EF4-FFF2-40B4-BE49-F238E27FC236}">
-                <a16:creationId xmlns:a16="http://schemas.microsoft.com/office/drawing/2014/main" id="{B0979B09-8B6B-42CD-81D7-1C3107CFE3E1}"/>
-              </a:ext>
-            </a:extLst>
-          </p:cNvPr>
-          <p:cNvPicPr>
-            <a:picLocks noChangeAspect="1" noChangeArrowheads="1"/>
-          </p:cNvPicPr>
-          <p:nvPr/>
-        </p:nvPicPr>
-        <p:blipFill rotWithShape="1">
-          <a:blip r:embed="rId10">
-            <a:extLst>
-              <a:ext uri="{28A0092B-C50C-407E-A947-70E740481C1C}">
-                <a14:useLocalDpi xmlns:a14="http://schemas.microsoft.com/office/drawing/2010/main" val="0"/>
-              </a:ext>
-            </a:extLst>
-          </a:blip>
-          <a:srcRect r="8833" b="-2"/>
-          <a:stretch/>
-        </p:blipFill>
-        <p:spPr bwMode="auto">
-          <a:xfrm>
-            <a:off x="471052" y="3471899"/>
-            <a:ext cx="3399114" cy="2624125"/>
-          </a:xfrm>
-          <a:prstGeom prst="rect">
-            <a:avLst/>
-          </a:prstGeom>
-          <a:noFill/>
-          <a:effectLst/>
-          <a:extLst>
-            <a:ext uri="{909E8E84-426E-40DD-AFC4-6F175D3DCCD1}">
-              <a14:hiddenFill xmlns:a14="http://schemas.microsoft.com/office/drawing/2010/main">
-                <a:solidFill>
-                  <a:srgbClr val="FFFFFF"/>
-                </a:solidFill>
-              </a14:hiddenFill>
-            </a:ext>
-          </a:extLst>
-        </p:spPr>
-      </p:pic>
-      <p:pic>
-        <p:nvPicPr>
-          <p:cNvPr id="5" name="Picture 4">
-            <a:extLst>
-              <a:ext uri="{FF2B5EF4-FFF2-40B4-BE49-F238E27FC236}">
-                <a16:creationId xmlns:a16="http://schemas.microsoft.com/office/drawing/2014/main" id="{4FA6E774-41E3-4E94-82DE-7C63B9FD3C1C}"/>
-              </a:ext>
-            </a:extLst>
-          </p:cNvPr>
-          <p:cNvPicPr>
-            <a:picLocks noChangeAspect="1"/>
-          </p:cNvPicPr>
-          <p:nvPr/>
-        </p:nvPicPr>
-        <p:blipFill>
-          <a:blip r:embed="rId11"/>
-          <a:stretch>
-            <a:fillRect/>
-          </a:stretch>
-        </p:blipFill>
-        <p:spPr>
-          <a:xfrm>
-            <a:off x="7597595" y="599163"/>
-            <a:ext cx="2562225" cy="1133475"/>
-          </a:xfrm>
-          <a:prstGeom prst="rect">
-            <a:avLst/>
-          </a:prstGeom>
-        </p:spPr>
-      </p:pic>
-      <p:pic>
-        <p:nvPicPr>
-          <p:cNvPr id="7" name="Picture 6">
-            <a:extLst>
-              <a:ext uri="{FF2B5EF4-FFF2-40B4-BE49-F238E27FC236}">
-                <a16:creationId xmlns:a16="http://schemas.microsoft.com/office/drawing/2014/main" id="{0157DC71-ECBC-4678-8AFC-FC82524A515B}"/>
-              </a:ext>
-            </a:extLst>
-          </p:cNvPr>
-          <p:cNvPicPr>
-            <a:picLocks noChangeAspect="1"/>
-          </p:cNvPicPr>
-          <p:nvPr/>
-        </p:nvPicPr>
-        <p:blipFill>
-          <a:blip r:embed="rId12"/>
-          <a:stretch>
-            <a:fillRect/>
-          </a:stretch>
-        </p:blipFill>
-        <p:spPr>
-          <a:xfrm>
-            <a:off x="7597595" y="5504088"/>
-            <a:ext cx="2581275" cy="1085850"/>
-          </a:xfrm>
-          <a:prstGeom prst="rect">
-            <a:avLst/>
-          </a:prstGeom>
-        </p:spPr>
-      </p:pic>
-    </p:spTree>
-    <p:extLst>
-      <p:ext uri="{BB962C8B-B14F-4D97-AF65-F5344CB8AC3E}">
-        <p14:creationId xmlns:p14="http://schemas.microsoft.com/office/powerpoint/2010/main" val="3292413306"/>
+        <p14:creationId xmlns:p14="http://schemas.microsoft.com/office/powerpoint/2010/main" val="1634678178"/>
       </p:ext>
     </p:extLst>
   </p:cSld>

--- a/Presentation/Price_presentation.pptx
+++ b/Presentation/Price_presentation.pptx
@@ -8,10 +8,11 @@
     <p:sldId id="256" r:id="rId2"/>
     <p:sldId id="261" r:id="rId3"/>
     <p:sldId id="262" r:id="rId4"/>
-    <p:sldId id="258" r:id="rId5"/>
-    <p:sldId id="259" r:id="rId6"/>
-    <p:sldId id="260" r:id="rId7"/>
-    <p:sldId id="263" r:id="rId8"/>
+    <p:sldId id="264" r:id="rId5"/>
+    <p:sldId id="258" r:id="rId6"/>
+    <p:sldId id="259" r:id="rId7"/>
+    <p:sldId id="260" r:id="rId8"/>
+    <p:sldId id="263" r:id="rId9"/>
   </p:sldIdLst>
   <p:sldSz cx="12192000" cy="6858000"/>
   <p:notesSz cx="6858000" cy="9144000"/>
@@ -6672,6 +6673,1352 @@
 <file path=ppt/slides/slide4.xml><?xml version="1.0" encoding="utf-8"?>
 <p:sld xmlns:a="http://schemas.openxmlformats.org/drawingml/2006/main" xmlns:r="http://schemas.openxmlformats.org/officeDocument/2006/relationships" xmlns:p="http://schemas.openxmlformats.org/presentationml/2006/main">
   <p:cSld>
+    <p:bg>
+      <p:bgPr>
+        <a:blipFill rotWithShape="1">
+          <a:blip r:embed="rId2">
+            <a:duotone>
+              <a:schemeClr val="bg2">
+                <a:shade val="69000"/>
+                <a:hueMod val="108000"/>
+                <a:satMod val="164000"/>
+                <a:lumMod val="74000"/>
+              </a:schemeClr>
+              <a:schemeClr val="bg2">
+                <a:tint val="96000"/>
+                <a:hueMod val="88000"/>
+                <a:satMod val="140000"/>
+                <a:lumMod val="132000"/>
+              </a:schemeClr>
+            </a:duotone>
+            <a:extLst/>
+          </a:blip>
+          <a:stretch/>
+        </a:blipFill>
+        <a:effectLst/>
+      </p:bgPr>
+    </p:bg>
+    <p:spTree>
+      <p:nvGrpSpPr>
+        <p:cNvPr id="1" name=""/>
+        <p:cNvGrpSpPr/>
+        <p:nvPr/>
+      </p:nvGrpSpPr>
+      <p:grpSpPr>
+        <a:xfrm>
+          <a:off x="0" y="0"/>
+          <a:ext cx="0" cy="0"/>
+          <a:chOff x="0" y="0"/>
+          <a:chExt cx="0" cy="0"/>
+        </a:xfrm>
+      </p:grpSpPr>
+      <p:pic>
+        <p:nvPicPr>
+          <p:cNvPr id="15" name="Picture 14">
+            <a:extLst>
+              <a:ext uri="{FF2B5EF4-FFF2-40B4-BE49-F238E27FC236}">
+                <a16:creationId xmlns:a16="http://schemas.microsoft.com/office/drawing/2014/main" id="{412E3267-7ABE-412B-8580-47EC0D1F61FE}"/>
+              </a:ext>
+              <a:ext uri="{C183D7F6-B498-43B3-948B-1728B52AA6E4}">
+                <adec:decorative xmlns:adec="http://schemas.microsoft.com/office/drawing/2017/decorative" val="1"/>
+              </a:ext>
+            </a:extLst>
+          </p:cNvPr>
+          <p:cNvPicPr>
+            <a:picLocks noGrp="1" noRot="1" noChangeAspect="1" noMove="1" noResize="1" noEditPoints="1" noAdjustHandles="1" noChangeArrowheads="1" noChangeShapeType="1" noCrop="1"/>
+          </p:cNvPicPr>
+          <p:nvPr>
+            <p:extLst>
+              <p:ext uri="{386F3935-93C4-4BCD-93E2-E3B085C9AB24}">
+                <p16:designElem xmlns:p16="http://schemas.microsoft.com/office/powerpoint/2015/main" val="1"/>
+              </p:ext>
+            </p:extLst>
+          </p:nvPr>
+        </p:nvPicPr>
+        <p:blipFill rotWithShape="1">
+          <a:blip r:embed="rId3">
+            <a:extLst>
+              <a:ext uri="{28A0092B-C50C-407E-A947-70E740481C1C}">
+                <a14:useLocalDpi xmlns:a14="http://schemas.microsoft.com/office/drawing/2010/main" val="0"/>
+              </a:ext>
+            </a:extLst>
+          </a:blip>
+          <a:srcRect l="3613"/>
+          <a:stretch/>
+        </p:blipFill>
+        <p:spPr>
+          <a:xfrm>
+            <a:off x="0" y="2669685"/>
+            <a:ext cx="4037012" cy="4188315"/>
+          </a:xfrm>
+          <a:prstGeom prst="rect">
+            <a:avLst/>
+          </a:prstGeom>
+        </p:spPr>
+      </p:pic>
+      <p:pic>
+        <p:nvPicPr>
+          <p:cNvPr id="17" name="Picture 16">
+            <a:extLst>
+              <a:ext uri="{FF2B5EF4-FFF2-40B4-BE49-F238E27FC236}">
+                <a16:creationId xmlns:a16="http://schemas.microsoft.com/office/drawing/2014/main" id="{20B62C5A-2250-4380-AB23-DB87446CCED0}"/>
+              </a:ext>
+              <a:ext uri="{C183D7F6-B498-43B3-948B-1728B52AA6E4}">
+                <adec:decorative xmlns:adec="http://schemas.microsoft.com/office/drawing/2017/decorative" val="1"/>
+              </a:ext>
+            </a:extLst>
+          </p:cNvPr>
+          <p:cNvPicPr>
+            <a:picLocks noGrp="1" noRot="1" noChangeAspect="1" noMove="1" noResize="1" noEditPoints="1" noAdjustHandles="1" noChangeArrowheads="1" noChangeShapeType="1" noCrop="1"/>
+          </p:cNvPicPr>
+          <p:nvPr>
+            <p:extLst>
+              <p:ext uri="{386F3935-93C4-4BCD-93E2-E3B085C9AB24}">
+                <p16:designElem xmlns:p16="http://schemas.microsoft.com/office/powerpoint/2015/main" val="1"/>
+              </p:ext>
+            </p:extLst>
+          </p:nvPr>
+        </p:nvPicPr>
+        <p:blipFill rotWithShape="1">
+          <a:blip r:embed="rId4">
+            <a:extLst>
+              <a:ext uri="{28A0092B-C50C-407E-A947-70E740481C1C}">
+                <a14:useLocalDpi xmlns:a14="http://schemas.microsoft.com/office/drawing/2010/main" val="0"/>
+              </a:ext>
+            </a:extLst>
+          </a:blip>
+          <a:srcRect l="35640"/>
+          <a:stretch/>
+        </p:blipFill>
+        <p:spPr>
+          <a:xfrm>
+            <a:off x="0" y="2892347"/>
+            <a:ext cx="1522412" cy="2365453"/>
+          </a:xfrm>
+          <a:prstGeom prst="rect">
+            <a:avLst/>
+          </a:prstGeom>
+        </p:spPr>
+      </p:pic>
+      <p:sp>
+        <p:nvSpPr>
+          <p:cNvPr id="19" name="Oval 18">
+            <a:extLst>
+              <a:ext uri="{FF2B5EF4-FFF2-40B4-BE49-F238E27FC236}">
+                <a16:creationId xmlns:a16="http://schemas.microsoft.com/office/drawing/2014/main" id="{D42CF425-7213-4F89-B0FF-4C2BDDD9C680}"/>
+              </a:ext>
+              <a:ext uri="{C183D7F6-B498-43B3-948B-1728B52AA6E4}">
+                <adec:decorative xmlns:adec="http://schemas.microsoft.com/office/drawing/2017/decorative" val="1"/>
+              </a:ext>
+            </a:extLst>
+          </p:cNvPr>
+          <p:cNvSpPr>
+            <a:spLocks noGrp="1" noRot="1" noChangeAspect="1" noMove="1" noResize="1" noEditPoints="1" noAdjustHandles="1" noChangeArrowheads="1" noChangeShapeType="1" noTextEdit="1"/>
+          </p:cNvSpPr>
+          <p:nvPr>
+            <p:extLst>
+              <p:ext uri="{386F3935-93C4-4BCD-93E2-E3B085C9AB24}">
+                <p16:designElem xmlns:p16="http://schemas.microsoft.com/office/powerpoint/2015/main" val="1"/>
+              </p:ext>
+            </p:extLst>
+          </p:nvPr>
+        </p:nvSpPr>
+        <p:spPr>
+          <a:xfrm>
+            <a:off x="8609012" y="1676400"/>
+            <a:ext cx="2819400" cy="2819400"/>
+          </a:xfrm>
+          <a:prstGeom prst="ellipse">
+            <a:avLst/>
+          </a:prstGeom>
+          <a:gradFill flip="none" rotWithShape="1">
+            <a:gsLst>
+              <a:gs pos="0">
+                <a:schemeClr val="bg2">
+                  <a:lumMod val="60000"/>
+                  <a:lumOff val="40000"/>
+                  <a:alpha val="7000"/>
+                </a:schemeClr>
+              </a:gs>
+              <a:gs pos="69000">
+                <a:schemeClr val="bg2">
+                  <a:lumMod val="60000"/>
+                  <a:lumOff val="40000"/>
+                  <a:alpha val="0"/>
+                </a:schemeClr>
+              </a:gs>
+              <a:gs pos="36000">
+                <a:schemeClr val="bg2">
+                  <a:lumMod val="60000"/>
+                  <a:lumOff val="40000"/>
+                  <a:alpha val="6000"/>
+                </a:schemeClr>
+              </a:gs>
+            </a:gsLst>
+            <a:path path="circle">
+              <a:fillToRect l="50000" t="50000" r="50000" b="50000"/>
+            </a:path>
+            <a:tileRect/>
+          </a:gradFill>
+          <a:ln>
+            <a:noFill/>
+          </a:ln>
+          <a:effectLst/>
+        </p:spPr>
+        <p:style>
+          <a:lnRef idx="1">
+            <a:schemeClr val="accent1"/>
+          </a:lnRef>
+          <a:fillRef idx="3">
+            <a:schemeClr val="accent1"/>
+          </a:fillRef>
+          <a:effectRef idx="2">
+            <a:schemeClr val="accent1"/>
+          </a:effectRef>
+          <a:fontRef idx="minor">
+            <a:schemeClr val="lt1"/>
+          </a:fontRef>
+        </p:style>
+      </p:sp>
+      <p:pic>
+        <p:nvPicPr>
+          <p:cNvPr id="21" name="Picture 20">
+            <a:extLst>
+              <a:ext uri="{FF2B5EF4-FFF2-40B4-BE49-F238E27FC236}">
+                <a16:creationId xmlns:a16="http://schemas.microsoft.com/office/drawing/2014/main" id="{D35DA97D-88F8-4249-B650-4FC9FD50A382}"/>
+              </a:ext>
+              <a:ext uri="{C183D7F6-B498-43B3-948B-1728B52AA6E4}">
+                <adec:decorative xmlns:adec="http://schemas.microsoft.com/office/drawing/2017/decorative" val="1"/>
+              </a:ext>
+            </a:extLst>
+          </p:cNvPr>
+          <p:cNvPicPr>
+            <a:picLocks noGrp="1" noRot="1" noChangeAspect="1" noMove="1" noResize="1" noEditPoints="1" noAdjustHandles="1" noChangeArrowheads="1" noChangeShapeType="1" noCrop="1"/>
+          </p:cNvPicPr>
+          <p:nvPr>
+            <p:extLst>
+              <p:ext uri="{386F3935-93C4-4BCD-93E2-E3B085C9AB24}">
+                <p16:designElem xmlns:p16="http://schemas.microsoft.com/office/powerpoint/2015/main" val="1"/>
+              </p:ext>
+            </p:extLst>
+          </p:nvPr>
+        </p:nvPicPr>
+        <p:blipFill rotWithShape="1">
+          <a:blip r:embed="rId5">
+            <a:extLst>
+              <a:ext uri="{28A0092B-C50C-407E-A947-70E740481C1C}">
+                <a14:useLocalDpi xmlns:a14="http://schemas.microsoft.com/office/drawing/2010/main" val="0"/>
+              </a:ext>
+            </a:extLst>
+          </a:blip>
+          <a:srcRect t="28813"/>
+          <a:stretch/>
+        </p:blipFill>
+        <p:spPr>
+          <a:xfrm>
+            <a:off x="7999412" y="0"/>
+            <a:ext cx="1603387" cy="1141407"/>
+          </a:xfrm>
+          <a:prstGeom prst="rect">
+            <a:avLst/>
+          </a:prstGeom>
+        </p:spPr>
+      </p:pic>
+      <p:pic>
+        <p:nvPicPr>
+          <p:cNvPr id="23" name="Picture 22">
+            <a:extLst>
+              <a:ext uri="{FF2B5EF4-FFF2-40B4-BE49-F238E27FC236}">
+                <a16:creationId xmlns:a16="http://schemas.microsoft.com/office/drawing/2014/main" id="{43F38673-6E30-4BAE-AC67-0B283EBF4291}"/>
+              </a:ext>
+              <a:ext uri="{C183D7F6-B498-43B3-948B-1728B52AA6E4}">
+                <adec:decorative xmlns:adec="http://schemas.microsoft.com/office/drawing/2017/decorative" val="1"/>
+              </a:ext>
+            </a:extLst>
+          </p:cNvPr>
+          <p:cNvPicPr>
+            <a:picLocks noGrp="1" noRot="1" noChangeAspect="1" noMove="1" noResize="1" noEditPoints="1" noAdjustHandles="1" noChangeArrowheads="1" noChangeShapeType="1" noCrop="1"/>
+          </p:cNvPicPr>
+          <p:nvPr>
+            <p:extLst>
+              <p:ext uri="{386F3935-93C4-4BCD-93E2-E3B085C9AB24}">
+                <p16:designElem xmlns:p16="http://schemas.microsoft.com/office/powerpoint/2015/main" val="1"/>
+              </p:ext>
+            </p:extLst>
+          </p:nvPr>
+        </p:nvPicPr>
+        <p:blipFill rotWithShape="1">
+          <a:blip r:embed="rId6">
+            <a:extLst>
+              <a:ext uri="{28A0092B-C50C-407E-A947-70E740481C1C}">
+                <a14:useLocalDpi xmlns:a14="http://schemas.microsoft.com/office/drawing/2010/main" val="0"/>
+              </a:ext>
+            </a:extLst>
+          </a:blip>
+          <a:srcRect b="23320"/>
+          <a:stretch/>
+        </p:blipFill>
+        <p:spPr>
+          <a:xfrm>
+            <a:off x="8605878" y="6096000"/>
+            <a:ext cx="993734" cy="762000"/>
+          </a:xfrm>
+          <a:prstGeom prst="rect">
+            <a:avLst/>
+          </a:prstGeom>
+        </p:spPr>
+      </p:pic>
+      <p:sp>
+        <p:nvSpPr>
+          <p:cNvPr id="25" name="Rectangle 24">
+            <a:extLst>
+              <a:ext uri="{FF2B5EF4-FFF2-40B4-BE49-F238E27FC236}">
+                <a16:creationId xmlns:a16="http://schemas.microsoft.com/office/drawing/2014/main" id="{202A25CB-1ED1-4C87-AB49-8D3BC684D1CE}"/>
+              </a:ext>
+              <a:ext uri="{C183D7F6-B498-43B3-948B-1728B52AA6E4}">
+                <adec:decorative xmlns:adec="http://schemas.microsoft.com/office/drawing/2017/decorative" val="1"/>
+              </a:ext>
+            </a:extLst>
+          </p:cNvPr>
+          <p:cNvSpPr>
+            <a:spLocks noGrp="1" noRot="1" noChangeAspect="1" noMove="1" noResize="1" noEditPoints="1" noAdjustHandles="1" noChangeArrowheads="1" noChangeShapeType="1" noTextEdit="1"/>
+          </p:cNvSpPr>
+          <p:nvPr>
+            <p:extLst>
+              <p:ext uri="{386F3935-93C4-4BCD-93E2-E3B085C9AB24}">
+                <p16:designElem xmlns:p16="http://schemas.microsoft.com/office/powerpoint/2015/main" val="1"/>
+              </p:ext>
+            </p:extLst>
+          </p:nvPr>
+        </p:nvSpPr>
+        <p:spPr>
+          <a:xfrm>
+            <a:off x="10437812" y="0"/>
+            <a:ext cx="685800" cy="1143000"/>
+          </a:xfrm>
+          <a:prstGeom prst="rect">
+            <a:avLst/>
+          </a:prstGeom>
+          <a:solidFill>
+            <a:schemeClr val="accent1"/>
+          </a:solidFill>
+          <a:ln>
+            <a:noFill/>
+          </a:ln>
+        </p:spPr>
+        <p:style>
+          <a:lnRef idx="1">
+            <a:schemeClr val="accent1"/>
+          </a:lnRef>
+          <a:fillRef idx="3">
+            <a:schemeClr val="accent1"/>
+          </a:fillRef>
+          <a:effectRef idx="2">
+            <a:schemeClr val="accent1"/>
+          </a:effectRef>
+          <a:fontRef idx="minor">
+            <a:schemeClr val="lt1"/>
+          </a:fontRef>
+        </p:style>
+      </p:sp>
+      <p:sp>
+        <p:nvSpPr>
+          <p:cNvPr id="2" name="Title 1">
+            <a:extLst>
+              <a:ext uri="{FF2B5EF4-FFF2-40B4-BE49-F238E27FC236}">
+                <a16:creationId xmlns:a16="http://schemas.microsoft.com/office/drawing/2014/main" id="{08C5B64C-3C32-4062-9C30-A5FD3F8EC692}"/>
+              </a:ext>
+            </a:extLst>
+          </p:cNvPr>
+          <p:cNvSpPr>
+            <a:spLocks noGrp="1"/>
+          </p:cNvSpPr>
+          <p:nvPr>
+            <p:ph type="title"/>
+          </p:nvPr>
+        </p:nvSpPr>
+        <p:spPr>
+          <a:xfrm>
+            <a:off x="646112" y="452718"/>
+            <a:ext cx="4165580" cy="1400530"/>
+          </a:xfrm>
+        </p:spPr>
+        <p:txBody>
+          <a:bodyPr vert="horz" lIns="91440" tIns="45720" rIns="91440" bIns="45720" rtlCol="0" anchor="t">
+            <a:normAutofit fontScale="90000"/>
+          </a:bodyPr>
+          <a:lstStyle/>
+          <a:p>
+            <a:r>
+              <a:rPr lang="en-US" dirty="0"/>
+              <a:t>Feature Importance with Random Forest</a:t>
+            </a:r>
+          </a:p>
+        </p:txBody>
+      </p:sp>
+      <p:sp>
+        <p:nvSpPr>
+          <p:cNvPr id="27" name="Freeform: Shape 26">
+            <a:extLst>
+              <a:ext uri="{FF2B5EF4-FFF2-40B4-BE49-F238E27FC236}">
+                <a16:creationId xmlns:a16="http://schemas.microsoft.com/office/drawing/2014/main" id="{7DAA46B9-B7E8-4487-B28E-C63A6EB7AA27}"/>
+              </a:ext>
+              <a:ext uri="{C183D7F6-B498-43B3-948B-1728B52AA6E4}">
+                <adec:decorative xmlns:adec="http://schemas.microsoft.com/office/drawing/2017/decorative" val="1"/>
+              </a:ext>
+            </a:extLst>
+          </p:cNvPr>
+          <p:cNvSpPr>
+            <a:spLocks noGrp="1" noRot="1" noChangeAspect="1" noMove="1" noResize="1" noEditPoints="1" noAdjustHandles="1" noChangeArrowheads="1" noChangeShapeType="1" noTextEdit="1"/>
+          </p:cNvSpPr>
+          <p:nvPr>
+            <p:extLst>
+              <p:ext uri="{386F3935-93C4-4BCD-93E2-E3B085C9AB24}">
+                <p16:designElem xmlns:p16="http://schemas.microsoft.com/office/powerpoint/2015/main" val="1"/>
+              </p:ext>
+            </p:extLst>
+          </p:nvPr>
+        </p:nvSpPr>
+        <p:spPr bwMode="gray">
+          <a:xfrm rot="16200000">
+            <a:off x="5270819" y="-63600"/>
+            <a:ext cx="6858001" cy="6985200"/>
+          </a:xfrm>
+          <a:custGeom>
+            <a:avLst/>
+            <a:gdLst>
+              <a:gd name="connsiteX0" fmla="*/ 6858001 w 6858001"/>
+              <a:gd name="connsiteY0" fmla="*/ 1177 h 6985200"/>
+              <a:gd name="connsiteX1" fmla="*/ 6858001 w 6858001"/>
+              <a:gd name="connsiteY1" fmla="*/ 1344715 h 6985200"/>
+              <a:gd name="connsiteX2" fmla="*/ 6858000 w 6858001"/>
+              <a:gd name="connsiteY2" fmla="*/ 1344715 h 6985200"/>
+              <a:gd name="connsiteX3" fmla="*/ 6858000 w 6858001"/>
+              <a:gd name="connsiteY3" fmla="*/ 6985200 h 6985200"/>
+              <a:gd name="connsiteX4" fmla="*/ 0 w 6858001"/>
+              <a:gd name="connsiteY4" fmla="*/ 6985199 h 6985200"/>
+              <a:gd name="connsiteX5" fmla="*/ 0 w 6858001"/>
+              <a:gd name="connsiteY5" fmla="*/ 887191 h 6985200"/>
+              <a:gd name="connsiteX6" fmla="*/ 1 w 6858001"/>
+              <a:gd name="connsiteY6" fmla="*/ 887191 h 6985200"/>
+              <a:gd name="connsiteX7" fmla="*/ 1 w 6858001"/>
+              <a:gd name="connsiteY7" fmla="*/ 0 h 6985200"/>
+              <a:gd name="connsiteX8" fmla="*/ 40463 w 6858001"/>
+              <a:gd name="connsiteY8" fmla="*/ 5883 h 6985200"/>
+              <a:gd name="connsiteX9" fmla="*/ 159107 w 6858001"/>
+              <a:gd name="connsiteY9" fmla="*/ 23196 h 6985200"/>
+              <a:gd name="connsiteX10" fmla="*/ 245518 w 6858001"/>
+              <a:gd name="connsiteY10" fmla="*/ 35299 h 6985200"/>
+              <a:gd name="connsiteX11" fmla="*/ 348388 w 6858001"/>
+              <a:gd name="connsiteY11" fmla="*/ 48073 h 6985200"/>
+              <a:gd name="connsiteX12" fmla="*/ 470460 w 6858001"/>
+              <a:gd name="connsiteY12" fmla="*/ 63369 h 6985200"/>
+              <a:gd name="connsiteX13" fmla="*/ 605563 w 6858001"/>
+              <a:gd name="connsiteY13" fmla="*/ 79506 h 6985200"/>
+              <a:gd name="connsiteX14" fmla="*/ 757810 w 6858001"/>
+              <a:gd name="connsiteY14" fmla="*/ 96483 h 6985200"/>
+              <a:gd name="connsiteX15" fmla="*/ 923774 w 6858001"/>
+              <a:gd name="connsiteY15" fmla="*/ 114469 h 6985200"/>
+              <a:gd name="connsiteX16" fmla="*/ 1104139 w 6858001"/>
+              <a:gd name="connsiteY16" fmla="*/ 132454 h 6985200"/>
+              <a:gd name="connsiteX17" fmla="*/ 1296163 w 6858001"/>
+              <a:gd name="connsiteY17" fmla="*/ 150776 h 6985200"/>
+              <a:gd name="connsiteX18" fmla="*/ 1503275 w 6858001"/>
+              <a:gd name="connsiteY18" fmla="*/ 167753 h 6985200"/>
+              <a:gd name="connsiteX19" fmla="*/ 1719988 w 6858001"/>
+              <a:gd name="connsiteY19" fmla="*/ 184058 h 6985200"/>
+              <a:gd name="connsiteX20" fmla="*/ 1949045 w 6858001"/>
+              <a:gd name="connsiteY20" fmla="*/ 198849 h 6985200"/>
+              <a:gd name="connsiteX21" fmla="*/ 2187703 w 6858001"/>
+              <a:gd name="connsiteY21" fmla="*/ 212969 h 6985200"/>
+              <a:gd name="connsiteX22" fmla="*/ 2436649 w 6858001"/>
+              <a:gd name="connsiteY22" fmla="*/ 226248 h 6985200"/>
+              <a:gd name="connsiteX23" fmla="*/ 2564208 w 6858001"/>
+              <a:gd name="connsiteY23" fmla="*/ 230955 h 6985200"/>
+              <a:gd name="connsiteX24" fmla="*/ 2694509 w 6858001"/>
+              <a:gd name="connsiteY24" fmla="*/ 236165 h 6985200"/>
+              <a:gd name="connsiteX25" fmla="*/ 2826869 w 6858001"/>
+              <a:gd name="connsiteY25" fmla="*/ 241040 h 6985200"/>
+              <a:gd name="connsiteX26" fmla="*/ 2959914 w 6858001"/>
+              <a:gd name="connsiteY26" fmla="*/ 244234 h 6985200"/>
+              <a:gd name="connsiteX27" fmla="*/ 3095702 w 6858001"/>
+              <a:gd name="connsiteY27" fmla="*/ 247091 h 6985200"/>
+              <a:gd name="connsiteX28" fmla="*/ 3232862 w 6858001"/>
+              <a:gd name="connsiteY28" fmla="*/ 250117 h 6985200"/>
+              <a:gd name="connsiteX29" fmla="*/ 3372766 w 6858001"/>
+              <a:gd name="connsiteY29" fmla="*/ 252134 h 6985200"/>
+              <a:gd name="connsiteX30" fmla="*/ 3514040 w 6858001"/>
+              <a:gd name="connsiteY30" fmla="*/ 252134 h 6985200"/>
+              <a:gd name="connsiteX31" fmla="*/ 3656686 w 6858001"/>
+              <a:gd name="connsiteY31" fmla="*/ 253142 h 6985200"/>
+              <a:gd name="connsiteX32" fmla="*/ 3800705 w 6858001"/>
+              <a:gd name="connsiteY32" fmla="*/ 252134 h 6985200"/>
+              <a:gd name="connsiteX33" fmla="*/ 3946780 w 6858001"/>
+              <a:gd name="connsiteY33" fmla="*/ 250117 h 6985200"/>
+              <a:gd name="connsiteX34" fmla="*/ 4092856 w 6858001"/>
+              <a:gd name="connsiteY34" fmla="*/ 248268 h 6985200"/>
+              <a:gd name="connsiteX35" fmla="*/ 4240988 w 6858001"/>
+              <a:gd name="connsiteY35" fmla="*/ 244234 h 6985200"/>
+              <a:gd name="connsiteX36" fmla="*/ 4390492 w 6858001"/>
+              <a:gd name="connsiteY36" fmla="*/ 240032 h 6985200"/>
+              <a:gd name="connsiteX37" fmla="*/ 4539997 w 6858001"/>
+              <a:gd name="connsiteY37" fmla="*/ 235157 h 6985200"/>
+              <a:gd name="connsiteX38" fmla="*/ 4690873 w 6858001"/>
+              <a:gd name="connsiteY38" fmla="*/ 228266 h 6985200"/>
+              <a:gd name="connsiteX39" fmla="*/ 4843120 w 6858001"/>
+              <a:gd name="connsiteY39" fmla="*/ 220029 h 6985200"/>
+              <a:gd name="connsiteX40" fmla="*/ 4996054 w 6858001"/>
+              <a:gd name="connsiteY40" fmla="*/ 212129 h 6985200"/>
+              <a:gd name="connsiteX41" fmla="*/ 5148987 w 6858001"/>
+              <a:gd name="connsiteY41" fmla="*/ 202044 h 6985200"/>
+              <a:gd name="connsiteX42" fmla="*/ 5303978 w 6858001"/>
+              <a:gd name="connsiteY42" fmla="*/ 189941 h 6985200"/>
+              <a:gd name="connsiteX43" fmla="*/ 5456911 w 6858001"/>
+              <a:gd name="connsiteY43" fmla="*/ 177839 h 6985200"/>
+              <a:gd name="connsiteX44" fmla="*/ 5612588 w 6858001"/>
+              <a:gd name="connsiteY44" fmla="*/ 163887 h 6985200"/>
+              <a:gd name="connsiteX45" fmla="*/ 5768950 w 6858001"/>
+              <a:gd name="connsiteY45" fmla="*/ 148591 h 6985200"/>
+              <a:gd name="connsiteX46" fmla="*/ 5923255 w 6858001"/>
+              <a:gd name="connsiteY46" fmla="*/ 132455 h 6985200"/>
+              <a:gd name="connsiteX47" fmla="*/ 6079618 w 6858001"/>
+              <a:gd name="connsiteY47" fmla="*/ 113629 h 6985200"/>
+              <a:gd name="connsiteX48" fmla="*/ 6235294 w 6858001"/>
+              <a:gd name="connsiteY48" fmla="*/ 93458 h 6985200"/>
+              <a:gd name="connsiteX49" fmla="*/ 6391657 w 6858001"/>
+              <a:gd name="connsiteY49" fmla="*/ 73455 h 6985200"/>
+              <a:gd name="connsiteX50" fmla="*/ 6547333 w 6858001"/>
+              <a:gd name="connsiteY50" fmla="*/ 50091 h 6985200"/>
+              <a:gd name="connsiteX51" fmla="*/ 6702324 w 6858001"/>
+              <a:gd name="connsiteY51" fmla="*/ 26222 h 6985200"/>
+            </a:gdLst>
+            <a:ahLst/>
+            <a:cxnLst>
+              <a:cxn ang="0">
+                <a:pos x="connsiteX0" y="connsiteY0"/>
+              </a:cxn>
+              <a:cxn ang="0">
+                <a:pos x="connsiteX1" y="connsiteY1"/>
+              </a:cxn>
+              <a:cxn ang="0">
+                <a:pos x="connsiteX2" y="connsiteY2"/>
+              </a:cxn>
+              <a:cxn ang="0">
+                <a:pos x="connsiteX3" y="connsiteY3"/>
+              </a:cxn>
+              <a:cxn ang="0">
+                <a:pos x="connsiteX4" y="connsiteY4"/>
+              </a:cxn>
+              <a:cxn ang="0">
+                <a:pos x="connsiteX5" y="connsiteY5"/>
+              </a:cxn>
+              <a:cxn ang="0">
+                <a:pos x="connsiteX6" y="connsiteY6"/>
+              </a:cxn>
+              <a:cxn ang="0">
+                <a:pos x="connsiteX7" y="connsiteY7"/>
+              </a:cxn>
+              <a:cxn ang="0">
+                <a:pos x="connsiteX8" y="connsiteY8"/>
+              </a:cxn>
+              <a:cxn ang="0">
+                <a:pos x="connsiteX9" y="connsiteY9"/>
+              </a:cxn>
+              <a:cxn ang="0">
+                <a:pos x="connsiteX10" y="connsiteY10"/>
+              </a:cxn>
+              <a:cxn ang="0">
+                <a:pos x="connsiteX11" y="connsiteY11"/>
+              </a:cxn>
+              <a:cxn ang="0">
+                <a:pos x="connsiteX12" y="connsiteY12"/>
+              </a:cxn>
+              <a:cxn ang="0">
+                <a:pos x="connsiteX13" y="connsiteY13"/>
+              </a:cxn>
+              <a:cxn ang="0">
+                <a:pos x="connsiteX14" y="connsiteY14"/>
+              </a:cxn>
+              <a:cxn ang="0">
+                <a:pos x="connsiteX15" y="connsiteY15"/>
+              </a:cxn>
+              <a:cxn ang="0">
+                <a:pos x="connsiteX16" y="connsiteY16"/>
+              </a:cxn>
+              <a:cxn ang="0">
+                <a:pos x="connsiteX17" y="connsiteY17"/>
+              </a:cxn>
+              <a:cxn ang="0">
+                <a:pos x="connsiteX18" y="connsiteY18"/>
+              </a:cxn>
+              <a:cxn ang="0">
+                <a:pos x="connsiteX19" y="connsiteY19"/>
+              </a:cxn>
+              <a:cxn ang="0">
+                <a:pos x="connsiteX20" y="connsiteY20"/>
+              </a:cxn>
+              <a:cxn ang="0">
+                <a:pos x="connsiteX21" y="connsiteY21"/>
+              </a:cxn>
+              <a:cxn ang="0">
+                <a:pos x="connsiteX22" y="connsiteY22"/>
+              </a:cxn>
+              <a:cxn ang="0">
+                <a:pos x="connsiteX23" y="connsiteY23"/>
+              </a:cxn>
+              <a:cxn ang="0">
+                <a:pos x="connsiteX24" y="connsiteY24"/>
+              </a:cxn>
+              <a:cxn ang="0">
+                <a:pos x="connsiteX25" y="connsiteY25"/>
+              </a:cxn>
+              <a:cxn ang="0">
+                <a:pos x="connsiteX26" y="connsiteY26"/>
+              </a:cxn>
+              <a:cxn ang="0">
+                <a:pos x="connsiteX27" y="connsiteY27"/>
+              </a:cxn>
+              <a:cxn ang="0">
+                <a:pos x="connsiteX28" y="connsiteY28"/>
+              </a:cxn>
+              <a:cxn ang="0">
+                <a:pos x="connsiteX29" y="connsiteY29"/>
+              </a:cxn>
+              <a:cxn ang="0">
+                <a:pos x="connsiteX30" y="connsiteY30"/>
+              </a:cxn>
+              <a:cxn ang="0">
+                <a:pos x="connsiteX31" y="connsiteY31"/>
+              </a:cxn>
+              <a:cxn ang="0">
+                <a:pos x="connsiteX32" y="connsiteY32"/>
+              </a:cxn>
+              <a:cxn ang="0">
+                <a:pos x="connsiteX33" y="connsiteY33"/>
+              </a:cxn>
+              <a:cxn ang="0">
+                <a:pos x="connsiteX34" y="connsiteY34"/>
+              </a:cxn>
+              <a:cxn ang="0">
+                <a:pos x="connsiteX35" y="connsiteY35"/>
+              </a:cxn>
+              <a:cxn ang="0">
+                <a:pos x="connsiteX36" y="connsiteY36"/>
+              </a:cxn>
+              <a:cxn ang="0">
+                <a:pos x="connsiteX37" y="connsiteY37"/>
+              </a:cxn>
+              <a:cxn ang="0">
+                <a:pos x="connsiteX38" y="connsiteY38"/>
+              </a:cxn>
+              <a:cxn ang="0">
+                <a:pos x="connsiteX39" y="connsiteY39"/>
+              </a:cxn>
+              <a:cxn ang="0">
+                <a:pos x="connsiteX40" y="connsiteY40"/>
+              </a:cxn>
+              <a:cxn ang="0">
+                <a:pos x="connsiteX41" y="connsiteY41"/>
+              </a:cxn>
+              <a:cxn ang="0">
+                <a:pos x="connsiteX42" y="connsiteY42"/>
+              </a:cxn>
+              <a:cxn ang="0">
+                <a:pos x="connsiteX43" y="connsiteY43"/>
+              </a:cxn>
+              <a:cxn ang="0">
+                <a:pos x="connsiteX44" y="connsiteY44"/>
+              </a:cxn>
+              <a:cxn ang="0">
+                <a:pos x="connsiteX45" y="connsiteY45"/>
+              </a:cxn>
+              <a:cxn ang="0">
+                <a:pos x="connsiteX46" y="connsiteY46"/>
+              </a:cxn>
+              <a:cxn ang="0">
+                <a:pos x="connsiteX47" y="connsiteY47"/>
+              </a:cxn>
+              <a:cxn ang="0">
+                <a:pos x="connsiteX48" y="connsiteY48"/>
+              </a:cxn>
+              <a:cxn ang="0">
+                <a:pos x="connsiteX49" y="connsiteY49"/>
+              </a:cxn>
+              <a:cxn ang="0">
+                <a:pos x="connsiteX50" y="connsiteY50"/>
+              </a:cxn>
+              <a:cxn ang="0">
+                <a:pos x="connsiteX51" y="connsiteY51"/>
+              </a:cxn>
+            </a:cxnLst>
+            <a:rect l="l" t="t" r="r" b="b"/>
+            <a:pathLst>
+              <a:path w="6858001" h="6985200">
+                <a:moveTo>
+                  <a:pt x="6858001" y="1177"/>
+                </a:moveTo>
+                <a:lnTo>
+                  <a:pt x="6858001" y="1344715"/>
+                </a:lnTo>
+                <a:lnTo>
+                  <a:pt x="6858000" y="1344715"/>
+                </a:lnTo>
+                <a:lnTo>
+                  <a:pt x="6858000" y="6985200"/>
+                </a:lnTo>
+                <a:lnTo>
+                  <a:pt x="0" y="6985199"/>
+                </a:lnTo>
+                <a:lnTo>
+                  <a:pt x="0" y="887191"/>
+                </a:lnTo>
+                <a:lnTo>
+                  <a:pt x="1" y="887191"/>
+                </a:lnTo>
+                <a:lnTo>
+                  <a:pt x="1" y="0"/>
+                </a:lnTo>
+                <a:lnTo>
+                  <a:pt x="40463" y="5883"/>
+                </a:lnTo>
+                <a:lnTo>
+                  <a:pt x="159107" y="23196"/>
+                </a:lnTo>
+                <a:lnTo>
+                  <a:pt x="245518" y="35299"/>
+                </a:lnTo>
+                <a:lnTo>
+                  <a:pt x="348388" y="48073"/>
+                </a:lnTo>
+                <a:lnTo>
+                  <a:pt x="470460" y="63369"/>
+                </a:lnTo>
+                <a:lnTo>
+                  <a:pt x="605563" y="79506"/>
+                </a:lnTo>
+                <a:lnTo>
+                  <a:pt x="757810" y="96483"/>
+                </a:lnTo>
+                <a:lnTo>
+                  <a:pt x="923774" y="114469"/>
+                </a:lnTo>
+                <a:lnTo>
+                  <a:pt x="1104139" y="132454"/>
+                </a:lnTo>
+                <a:lnTo>
+                  <a:pt x="1296163" y="150776"/>
+                </a:lnTo>
+                <a:lnTo>
+                  <a:pt x="1503275" y="167753"/>
+                </a:lnTo>
+                <a:lnTo>
+                  <a:pt x="1719988" y="184058"/>
+                </a:lnTo>
+                <a:lnTo>
+                  <a:pt x="1949045" y="198849"/>
+                </a:lnTo>
+                <a:lnTo>
+                  <a:pt x="2187703" y="212969"/>
+                </a:lnTo>
+                <a:lnTo>
+                  <a:pt x="2436649" y="226248"/>
+                </a:lnTo>
+                <a:lnTo>
+                  <a:pt x="2564208" y="230955"/>
+                </a:lnTo>
+                <a:lnTo>
+                  <a:pt x="2694509" y="236165"/>
+                </a:lnTo>
+                <a:lnTo>
+                  <a:pt x="2826869" y="241040"/>
+                </a:lnTo>
+                <a:lnTo>
+                  <a:pt x="2959914" y="244234"/>
+                </a:lnTo>
+                <a:lnTo>
+                  <a:pt x="3095702" y="247091"/>
+                </a:lnTo>
+                <a:lnTo>
+                  <a:pt x="3232862" y="250117"/>
+                </a:lnTo>
+                <a:lnTo>
+                  <a:pt x="3372766" y="252134"/>
+                </a:lnTo>
+                <a:lnTo>
+                  <a:pt x="3514040" y="252134"/>
+                </a:lnTo>
+                <a:lnTo>
+                  <a:pt x="3656686" y="253142"/>
+                </a:lnTo>
+                <a:lnTo>
+                  <a:pt x="3800705" y="252134"/>
+                </a:lnTo>
+                <a:lnTo>
+                  <a:pt x="3946780" y="250117"/>
+                </a:lnTo>
+                <a:lnTo>
+                  <a:pt x="4092856" y="248268"/>
+                </a:lnTo>
+                <a:lnTo>
+                  <a:pt x="4240988" y="244234"/>
+                </a:lnTo>
+                <a:lnTo>
+                  <a:pt x="4390492" y="240032"/>
+                </a:lnTo>
+                <a:lnTo>
+                  <a:pt x="4539997" y="235157"/>
+                </a:lnTo>
+                <a:lnTo>
+                  <a:pt x="4690873" y="228266"/>
+                </a:lnTo>
+                <a:lnTo>
+                  <a:pt x="4843120" y="220029"/>
+                </a:lnTo>
+                <a:lnTo>
+                  <a:pt x="4996054" y="212129"/>
+                </a:lnTo>
+                <a:lnTo>
+                  <a:pt x="5148987" y="202044"/>
+                </a:lnTo>
+                <a:lnTo>
+                  <a:pt x="5303978" y="189941"/>
+                </a:lnTo>
+                <a:lnTo>
+                  <a:pt x="5456911" y="177839"/>
+                </a:lnTo>
+                <a:lnTo>
+                  <a:pt x="5612588" y="163887"/>
+                </a:lnTo>
+                <a:lnTo>
+                  <a:pt x="5768950" y="148591"/>
+                </a:lnTo>
+                <a:lnTo>
+                  <a:pt x="5923255" y="132455"/>
+                </a:lnTo>
+                <a:lnTo>
+                  <a:pt x="6079618" y="113629"/>
+                </a:lnTo>
+                <a:lnTo>
+                  <a:pt x="6235294" y="93458"/>
+                </a:lnTo>
+                <a:lnTo>
+                  <a:pt x="6391657" y="73455"/>
+                </a:lnTo>
+                <a:lnTo>
+                  <a:pt x="6547333" y="50091"/>
+                </a:lnTo>
+                <a:lnTo>
+                  <a:pt x="6702324" y="26222"/>
+                </a:lnTo>
+                <a:close/>
+              </a:path>
+            </a:pathLst>
+          </a:custGeom>
+          <a:solidFill>
+            <a:srgbClr val="FFFFFF"/>
+          </a:solidFill>
+          <a:ln>
+            <a:noFill/>
+          </a:ln>
+        </p:spPr>
+      </p:sp>
+      <p:sp>
+        <p:nvSpPr>
+          <p:cNvPr id="29" name="Freeform 23">
+            <a:extLst>
+              <a:ext uri="{FF2B5EF4-FFF2-40B4-BE49-F238E27FC236}">
+                <a16:creationId xmlns:a16="http://schemas.microsoft.com/office/drawing/2014/main" id="{C866818C-1E5F-475A-B310-3C06B555FB69}"/>
+              </a:ext>
+              <a:ext uri="{C183D7F6-B498-43B3-948B-1728B52AA6E4}">
+                <adec:decorative xmlns:adec="http://schemas.microsoft.com/office/drawing/2017/decorative" val="1"/>
+              </a:ext>
+            </a:extLst>
+          </p:cNvPr>
+          <p:cNvSpPr>
+            <a:spLocks noGrp="1" noRot="1" noChangeAspect="1" noMove="1" noResize="1" noEditPoints="1" noAdjustHandles="1" noChangeArrowheads="1" noChangeShapeType="1" noTextEdit="1"/>
+          </p:cNvSpPr>
+          <p:nvPr>
+            <p:extLst>
+              <p:ext uri="{386F3935-93C4-4BCD-93E2-E3B085C9AB24}">
+                <p16:designElem xmlns:p16="http://schemas.microsoft.com/office/powerpoint/2015/main" val="1"/>
+              </p:ext>
+            </p:extLst>
+          </p:nvPr>
+        </p:nvSpPr>
+        <p:spPr>
+          <a:xfrm>
+            <a:off x="4994020" y="-1"/>
+            <a:ext cx="559472" cy="3709642"/>
+          </a:xfrm>
+          <a:custGeom>
+            <a:avLst/>
+            <a:gdLst>
+              <a:gd name="connsiteX0" fmla="*/ 0 w 559472"/>
+              <a:gd name="connsiteY0" fmla="*/ 0 h 3709642"/>
+              <a:gd name="connsiteX1" fmla="*/ 473952 w 559472"/>
+              <a:gd name="connsiteY1" fmla="*/ 0 h 3709642"/>
+              <a:gd name="connsiteX2" fmla="*/ 485840 w 559472"/>
+              <a:gd name="connsiteY2" fmla="*/ 161194 h 3709642"/>
+              <a:gd name="connsiteX3" fmla="*/ 523949 w 559472"/>
+              <a:gd name="connsiteY3" fmla="*/ 3672197 h 3709642"/>
+              <a:gd name="connsiteX4" fmla="*/ 454748 w 559472"/>
+              <a:gd name="connsiteY4" fmla="*/ 3709642 h 3709642"/>
+              <a:gd name="connsiteX5" fmla="*/ 448224 w 559472"/>
+              <a:gd name="connsiteY5" fmla="*/ 3510471 h 3709642"/>
+              <a:gd name="connsiteX6" fmla="*/ 443564 w 559472"/>
+              <a:gd name="connsiteY6" fmla="*/ 3408563 h 3709642"/>
+              <a:gd name="connsiteX7" fmla="*/ 438902 w 559472"/>
+              <a:gd name="connsiteY7" fmla="*/ 3304407 h 3709642"/>
+              <a:gd name="connsiteX8" fmla="*/ 433941 w 559472"/>
+              <a:gd name="connsiteY8" fmla="*/ 3198777 h 3709642"/>
+              <a:gd name="connsiteX9" fmla="*/ 427584 w 559472"/>
+              <a:gd name="connsiteY9" fmla="*/ 3092510 h 3709642"/>
+              <a:gd name="connsiteX10" fmla="*/ 420988 w 559472"/>
+              <a:gd name="connsiteY10" fmla="*/ 2984390 h 3709642"/>
+              <a:gd name="connsiteX11" fmla="*/ 414330 w 559472"/>
+              <a:gd name="connsiteY11" fmla="*/ 2874401 h 3709642"/>
+              <a:gd name="connsiteX12" fmla="*/ 406840 w 559472"/>
+              <a:gd name="connsiteY12" fmla="*/ 2762980 h 3709642"/>
+              <a:gd name="connsiteX13" fmla="*/ 397745 w 559472"/>
+              <a:gd name="connsiteY13" fmla="*/ 2650566 h 3709642"/>
+              <a:gd name="connsiteX14" fmla="*/ 389154 w 559472"/>
+              <a:gd name="connsiteY14" fmla="*/ 2536612 h 3709642"/>
+              <a:gd name="connsiteX15" fmla="*/ 379225 w 559472"/>
+              <a:gd name="connsiteY15" fmla="*/ 2421642 h 3709642"/>
+              <a:gd name="connsiteX16" fmla="*/ 368316 w 559472"/>
+              <a:gd name="connsiteY16" fmla="*/ 2305627 h 3709642"/>
+              <a:gd name="connsiteX17" fmla="*/ 357466 w 559472"/>
+              <a:gd name="connsiteY17" fmla="*/ 2189233 h 3709642"/>
+              <a:gd name="connsiteX18" fmla="*/ 344982 w 559472"/>
+              <a:gd name="connsiteY18" fmla="*/ 2071473 h 3709642"/>
+              <a:gd name="connsiteX19" fmla="*/ 332466 w 559472"/>
+              <a:gd name="connsiteY19" fmla="*/ 1952216 h 3709642"/>
+              <a:gd name="connsiteX20" fmla="*/ 319121 w 559472"/>
+              <a:gd name="connsiteY20" fmla="*/ 1833776 h 3709642"/>
+              <a:gd name="connsiteX21" fmla="*/ 304408 w 559472"/>
+              <a:gd name="connsiteY21" fmla="*/ 1713948 h 3709642"/>
+              <a:gd name="connsiteX22" fmla="*/ 288685 w 559472"/>
+              <a:gd name="connsiteY22" fmla="*/ 1592703 h 3709642"/>
+              <a:gd name="connsiteX23" fmla="*/ 273050 w 559472"/>
+              <a:gd name="connsiteY23" fmla="*/ 1471451 h 3709642"/>
+              <a:gd name="connsiteX24" fmla="*/ 255813 w 559472"/>
+              <a:gd name="connsiteY24" fmla="*/ 1350328 h 3709642"/>
+              <a:gd name="connsiteX25" fmla="*/ 237060 w 559472"/>
+              <a:gd name="connsiteY25" fmla="*/ 1227080 h 3709642"/>
+              <a:gd name="connsiteX26" fmla="*/ 218488 w 559472"/>
+              <a:gd name="connsiteY26" fmla="*/ 1106065 h 3709642"/>
+              <a:gd name="connsiteX27" fmla="*/ 198221 w 559472"/>
+              <a:gd name="connsiteY27" fmla="*/ 982940 h 3709642"/>
+              <a:gd name="connsiteX28" fmla="*/ 177152 w 559472"/>
+              <a:gd name="connsiteY28" fmla="*/ 858755 h 3709642"/>
+              <a:gd name="connsiteX29" fmla="*/ 155551 w 559472"/>
+              <a:gd name="connsiteY29" fmla="*/ 736861 h 3709642"/>
+              <a:gd name="connsiteX30" fmla="*/ 131782 w 559472"/>
+              <a:gd name="connsiteY30" fmla="*/ 613645 h 3709642"/>
+              <a:gd name="connsiteX31" fmla="*/ 107123 w 559472"/>
+              <a:gd name="connsiteY31" fmla="*/ 490500 h 3709642"/>
+              <a:gd name="connsiteX32" fmla="*/ 82552 w 559472"/>
+              <a:gd name="connsiteY32" fmla="*/ 367348 h 3709642"/>
+              <a:gd name="connsiteX33" fmla="*/ 55608 w 559472"/>
+              <a:gd name="connsiteY33" fmla="*/ 244762 h 3709642"/>
+              <a:gd name="connsiteX34" fmla="*/ 28130 w 559472"/>
+              <a:gd name="connsiteY34" fmla="*/ 122220 h 3709642"/>
+              <a:gd name="connsiteX35" fmla="*/ 0 w 559472"/>
+              <a:gd name="connsiteY35" fmla="*/ 0 h 3709642"/>
+            </a:gdLst>
+            <a:ahLst/>
+            <a:cxnLst>
+              <a:cxn ang="0">
+                <a:pos x="connsiteX0" y="connsiteY0"/>
+              </a:cxn>
+              <a:cxn ang="0">
+                <a:pos x="connsiteX1" y="connsiteY1"/>
+              </a:cxn>
+              <a:cxn ang="0">
+                <a:pos x="connsiteX2" y="connsiteY2"/>
+              </a:cxn>
+              <a:cxn ang="0">
+                <a:pos x="connsiteX3" y="connsiteY3"/>
+              </a:cxn>
+              <a:cxn ang="0">
+                <a:pos x="connsiteX4" y="connsiteY4"/>
+              </a:cxn>
+              <a:cxn ang="0">
+                <a:pos x="connsiteX5" y="connsiteY5"/>
+              </a:cxn>
+              <a:cxn ang="0">
+                <a:pos x="connsiteX6" y="connsiteY6"/>
+              </a:cxn>
+              <a:cxn ang="0">
+                <a:pos x="connsiteX7" y="connsiteY7"/>
+              </a:cxn>
+              <a:cxn ang="0">
+                <a:pos x="connsiteX8" y="connsiteY8"/>
+              </a:cxn>
+              <a:cxn ang="0">
+                <a:pos x="connsiteX9" y="connsiteY9"/>
+              </a:cxn>
+              <a:cxn ang="0">
+                <a:pos x="connsiteX10" y="connsiteY10"/>
+              </a:cxn>
+              <a:cxn ang="0">
+                <a:pos x="connsiteX11" y="connsiteY11"/>
+              </a:cxn>
+              <a:cxn ang="0">
+                <a:pos x="connsiteX12" y="connsiteY12"/>
+              </a:cxn>
+              <a:cxn ang="0">
+                <a:pos x="connsiteX13" y="connsiteY13"/>
+              </a:cxn>
+              <a:cxn ang="0">
+                <a:pos x="connsiteX14" y="connsiteY14"/>
+              </a:cxn>
+              <a:cxn ang="0">
+                <a:pos x="connsiteX15" y="connsiteY15"/>
+              </a:cxn>
+              <a:cxn ang="0">
+                <a:pos x="connsiteX16" y="connsiteY16"/>
+              </a:cxn>
+              <a:cxn ang="0">
+                <a:pos x="connsiteX17" y="connsiteY17"/>
+              </a:cxn>
+              <a:cxn ang="0">
+                <a:pos x="connsiteX18" y="connsiteY18"/>
+              </a:cxn>
+              <a:cxn ang="0">
+                <a:pos x="connsiteX19" y="connsiteY19"/>
+              </a:cxn>
+              <a:cxn ang="0">
+                <a:pos x="connsiteX20" y="connsiteY20"/>
+              </a:cxn>
+              <a:cxn ang="0">
+                <a:pos x="connsiteX21" y="connsiteY21"/>
+              </a:cxn>
+              <a:cxn ang="0">
+                <a:pos x="connsiteX22" y="connsiteY22"/>
+              </a:cxn>
+              <a:cxn ang="0">
+                <a:pos x="connsiteX23" y="connsiteY23"/>
+              </a:cxn>
+              <a:cxn ang="0">
+                <a:pos x="connsiteX24" y="connsiteY24"/>
+              </a:cxn>
+              <a:cxn ang="0">
+                <a:pos x="connsiteX25" y="connsiteY25"/>
+              </a:cxn>
+              <a:cxn ang="0">
+                <a:pos x="connsiteX26" y="connsiteY26"/>
+              </a:cxn>
+              <a:cxn ang="0">
+                <a:pos x="connsiteX27" y="connsiteY27"/>
+              </a:cxn>
+              <a:cxn ang="0">
+                <a:pos x="connsiteX28" y="connsiteY28"/>
+              </a:cxn>
+              <a:cxn ang="0">
+                <a:pos x="connsiteX29" y="connsiteY29"/>
+              </a:cxn>
+              <a:cxn ang="0">
+                <a:pos x="connsiteX30" y="connsiteY30"/>
+              </a:cxn>
+              <a:cxn ang="0">
+                <a:pos x="connsiteX31" y="connsiteY31"/>
+              </a:cxn>
+              <a:cxn ang="0">
+                <a:pos x="connsiteX32" y="connsiteY32"/>
+              </a:cxn>
+              <a:cxn ang="0">
+                <a:pos x="connsiteX33" y="connsiteY33"/>
+              </a:cxn>
+              <a:cxn ang="0">
+                <a:pos x="connsiteX34" y="connsiteY34"/>
+              </a:cxn>
+              <a:cxn ang="0">
+                <a:pos x="connsiteX35" y="connsiteY35"/>
+              </a:cxn>
+            </a:cxnLst>
+            <a:rect l="l" t="t" r="r" b="b"/>
+            <a:pathLst>
+              <a:path w="559472" h="3709642">
+                <a:moveTo>
+                  <a:pt x="0" y="0"/>
+                </a:moveTo>
+                <a:lnTo>
+                  <a:pt x="473952" y="0"/>
+                </a:lnTo>
+                <a:lnTo>
+                  <a:pt x="485840" y="161194"/>
+                </a:lnTo>
+                <a:cubicBezTo>
+                  <a:pt x="552063" y="1147770"/>
+                  <a:pt x="592441" y="3086737"/>
+                  <a:pt x="523949" y="3672197"/>
+                </a:cubicBezTo>
+                <a:cubicBezTo>
+                  <a:pt x="500842" y="3684557"/>
+                  <a:pt x="477855" y="3697282"/>
+                  <a:pt x="454748" y="3709642"/>
+                </a:cubicBezTo>
+                <a:lnTo>
+                  <a:pt x="448224" y="3510471"/>
+                </a:lnTo>
+                <a:lnTo>
+                  <a:pt x="443564" y="3408563"/>
+                </a:lnTo>
+                <a:lnTo>
+                  <a:pt x="438902" y="3304407"/>
+                </a:lnTo>
+                <a:lnTo>
+                  <a:pt x="433941" y="3198777"/>
+                </a:lnTo>
+                <a:lnTo>
+                  <a:pt x="427584" y="3092510"/>
+                </a:lnTo>
+                <a:lnTo>
+                  <a:pt x="420988" y="2984390"/>
+                </a:lnTo>
+                <a:lnTo>
+                  <a:pt x="414330" y="2874401"/>
+                </a:lnTo>
+                <a:lnTo>
+                  <a:pt x="406840" y="2762980"/>
+                </a:lnTo>
+                <a:lnTo>
+                  <a:pt x="397745" y="2650566"/>
+                </a:lnTo>
+                <a:lnTo>
+                  <a:pt x="389154" y="2536612"/>
+                </a:lnTo>
+                <a:lnTo>
+                  <a:pt x="379225" y="2421642"/>
+                </a:lnTo>
+                <a:lnTo>
+                  <a:pt x="368316" y="2305627"/>
+                </a:lnTo>
+                <a:lnTo>
+                  <a:pt x="357466" y="2189233"/>
+                </a:lnTo>
+                <a:lnTo>
+                  <a:pt x="344982" y="2071473"/>
+                </a:lnTo>
+                <a:lnTo>
+                  <a:pt x="332466" y="1952216"/>
+                </a:lnTo>
+                <a:lnTo>
+                  <a:pt x="319121" y="1833776"/>
+                </a:lnTo>
+                <a:lnTo>
+                  <a:pt x="304408" y="1713948"/>
+                </a:lnTo>
+                <a:lnTo>
+                  <a:pt x="288685" y="1592703"/>
+                </a:lnTo>
+                <a:lnTo>
+                  <a:pt x="273050" y="1471451"/>
+                </a:lnTo>
+                <a:lnTo>
+                  <a:pt x="255813" y="1350328"/>
+                </a:lnTo>
+                <a:lnTo>
+                  <a:pt x="237060" y="1227080"/>
+                </a:lnTo>
+                <a:lnTo>
+                  <a:pt x="218488" y="1106065"/>
+                </a:lnTo>
+                <a:lnTo>
+                  <a:pt x="198221" y="982940"/>
+                </a:lnTo>
+                <a:lnTo>
+                  <a:pt x="177152" y="858755"/>
+                </a:lnTo>
+                <a:lnTo>
+                  <a:pt x="155551" y="736861"/>
+                </a:lnTo>
+                <a:lnTo>
+                  <a:pt x="131782" y="613645"/>
+                </a:lnTo>
+                <a:lnTo>
+                  <a:pt x="107123" y="490500"/>
+                </a:lnTo>
+                <a:lnTo>
+                  <a:pt x="82552" y="367348"/>
+                </a:lnTo>
+                <a:lnTo>
+                  <a:pt x="55608" y="244762"/>
+                </a:lnTo>
+                <a:lnTo>
+                  <a:pt x="28130" y="122220"/>
+                </a:lnTo>
+                <a:lnTo>
+                  <a:pt x="0" y="0"/>
+                </a:lnTo>
+                <a:close/>
+              </a:path>
+            </a:pathLst>
+          </a:custGeom>
+          <a:solidFill>
+            <a:schemeClr val="tx1">
+              <a:alpha val="20000"/>
+            </a:schemeClr>
+          </a:solidFill>
+          <a:ln>
+            <a:noFill/>
+          </a:ln>
+        </p:spPr>
+        <p:txBody>
+          <a:bodyPr rtlCol="0" anchor="ctr"/>
+          <a:lstStyle/>
+          <a:p>
+            <a:pPr algn="ctr"/>
+            <a:endParaRPr lang="en-US"/>
+          </a:p>
+        </p:txBody>
+      </p:sp>
+      <p:pic>
+        <p:nvPicPr>
+          <p:cNvPr id="10" name="Picture 9">
+            <a:extLst>
+              <a:ext uri="{FF2B5EF4-FFF2-40B4-BE49-F238E27FC236}">
+                <a16:creationId xmlns:a16="http://schemas.microsoft.com/office/drawing/2014/main" id="{7F220147-D0D0-414C-9569-0E4D790C24CA}"/>
+              </a:ext>
+            </a:extLst>
+          </p:cNvPr>
+          <p:cNvPicPr>
+            <a:picLocks noChangeAspect="1"/>
+          </p:cNvPicPr>
+          <p:nvPr/>
+        </p:nvPicPr>
+        <p:blipFill>
+          <a:blip r:embed="rId7">
+            <a:extLst>
+              <a:ext uri="{28A0092B-C50C-407E-A947-70E740481C1C}">
+                <a14:useLocalDpi xmlns:a14="http://schemas.microsoft.com/office/drawing/2010/main" val="0"/>
+              </a:ext>
+            </a:extLst>
+          </a:blip>
+          <a:stretch>
+            <a:fillRect/>
+          </a:stretch>
+        </p:blipFill>
+        <p:spPr>
+          <a:xfrm>
+            <a:off x="5553492" y="66422"/>
+            <a:ext cx="4879684" cy="3356030"/>
+          </a:xfrm>
+          <a:prstGeom prst="rect">
+            <a:avLst/>
+          </a:prstGeom>
+          <a:effectLst/>
+        </p:spPr>
+      </p:pic>
+      <p:sp>
+        <p:nvSpPr>
+          <p:cNvPr id="31" name="Rectangle 30">
+            <a:extLst>
+              <a:ext uri="{FF2B5EF4-FFF2-40B4-BE49-F238E27FC236}">
+                <a16:creationId xmlns:a16="http://schemas.microsoft.com/office/drawing/2014/main" id="{D12AFDE8-E1ED-4A49-B8B3-4953F4B8ACB9}"/>
+              </a:ext>
+              <a:ext uri="{C183D7F6-B498-43B3-948B-1728B52AA6E4}">
+                <adec:decorative xmlns:adec="http://schemas.microsoft.com/office/drawing/2017/decorative" val="1"/>
+              </a:ext>
+            </a:extLst>
+          </p:cNvPr>
+          <p:cNvSpPr>
+            <a:spLocks noGrp="1" noRot="1" noChangeAspect="1" noMove="1" noResize="1" noEditPoints="1" noAdjustHandles="1" noChangeArrowheads="1" noChangeShapeType="1" noTextEdit="1"/>
+          </p:cNvSpPr>
+          <p:nvPr>
+            <p:extLst>
+              <p:ext uri="{386F3935-93C4-4BCD-93E2-E3B085C9AB24}">
+                <p16:designElem xmlns:p16="http://schemas.microsoft.com/office/powerpoint/2015/main" val="1"/>
+              </p:ext>
+            </p:extLst>
+          </p:nvPr>
+        </p:nvSpPr>
+        <p:spPr>
+          <a:xfrm>
+            <a:off x="10442448" y="0"/>
+            <a:ext cx="685800" cy="1143000"/>
+          </a:xfrm>
+          <a:prstGeom prst="rect">
+            <a:avLst/>
+          </a:prstGeom>
+          <a:solidFill>
+            <a:schemeClr val="accent1"/>
+          </a:solidFill>
+          <a:ln>
+            <a:noFill/>
+          </a:ln>
+        </p:spPr>
+        <p:style>
+          <a:lnRef idx="1">
+            <a:schemeClr val="accent1"/>
+          </a:lnRef>
+          <a:fillRef idx="3">
+            <a:schemeClr val="accent1"/>
+          </a:fillRef>
+          <a:effectRef idx="2">
+            <a:schemeClr val="accent1"/>
+          </a:effectRef>
+          <a:fontRef idx="minor">
+            <a:schemeClr val="lt1"/>
+          </a:fontRef>
+        </p:style>
+      </p:sp>
+      <p:pic>
+        <p:nvPicPr>
+          <p:cNvPr id="8" name="Content Placeholder 7">
+            <a:extLst>
+              <a:ext uri="{FF2B5EF4-FFF2-40B4-BE49-F238E27FC236}">
+                <a16:creationId xmlns:a16="http://schemas.microsoft.com/office/drawing/2014/main" id="{7E79D0DF-41B3-4FBE-8795-2CABFF179969}"/>
+              </a:ext>
+            </a:extLst>
+          </p:cNvPr>
+          <p:cNvPicPr>
+            <a:picLocks noGrp="1" noChangeAspect="1"/>
+          </p:cNvPicPr>
+          <p:nvPr>
+            <p:ph sz="half" idx="2"/>
+          </p:nvPr>
+        </p:nvPicPr>
+        <p:blipFill>
+          <a:blip r:embed="rId8">
+            <a:extLst>
+              <a:ext uri="{28A0092B-C50C-407E-A947-70E740481C1C}">
+                <a14:useLocalDpi xmlns:a14="http://schemas.microsoft.com/office/drawing/2010/main" val="0"/>
+              </a:ext>
+            </a:extLst>
+          </a:blip>
+          <a:stretch>
+            <a:fillRect/>
+          </a:stretch>
+        </p:blipFill>
+        <p:spPr>
+          <a:xfrm>
+            <a:off x="5627430" y="3435550"/>
+            <a:ext cx="4805746" cy="3254098"/>
+          </a:xfrm>
+          <a:prstGeom prst="rect">
+            <a:avLst/>
+          </a:prstGeom>
+          <a:effectLst/>
+        </p:spPr>
+      </p:pic>
+    </p:spTree>
+    <p:extLst>
+      <p:ext uri="{BB962C8B-B14F-4D97-AF65-F5344CB8AC3E}">
+        <p14:creationId xmlns:p14="http://schemas.microsoft.com/office/powerpoint/2010/main" val="240911553"/>
+      </p:ext>
+    </p:extLst>
+  </p:cSld>
+  <p:clrMapOvr>
+    <a:masterClrMapping/>
+  </p:clrMapOvr>
+</p:sld>
+</file>
+
+<file path=ppt/slides/slide5.xml><?xml version="1.0" encoding="utf-8"?>
+<p:sld xmlns:a="http://schemas.openxmlformats.org/drawingml/2006/main" xmlns:r="http://schemas.openxmlformats.org/officeDocument/2006/relationships" xmlns:p="http://schemas.openxmlformats.org/presentationml/2006/main">
+  <p:cSld>
     <p:spTree>
       <p:nvGrpSpPr>
         <p:cNvPr id="1" name=""/>
@@ -7320,7 +8667,7 @@
 </p:sld>
 </file>
 
-<file path=ppt/slides/slide5.xml><?xml version="1.0" encoding="utf-8"?>
+<file path=ppt/slides/slide6.xml><?xml version="1.0" encoding="utf-8"?>
 <p:sld xmlns:a="http://schemas.openxmlformats.org/drawingml/2006/main" xmlns:r="http://schemas.openxmlformats.org/officeDocument/2006/relationships" xmlns:p="http://schemas.openxmlformats.org/presentationml/2006/main">
   <p:cSld>
     <p:spTree>
@@ -7680,7 +9027,7 @@
 </p:sld>
 </file>
 
-<file path=ppt/slides/slide6.xml><?xml version="1.0" encoding="utf-8"?>
+<file path=ppt/slides/slide7.xml><?xml version="1.0" encoding="utf-8"?>
 <p:sld xmlns:a="http://schemas.openxmlformats.org/drawingml/2006/main" xmlns:r="http://schemas.openxmlformats.org/officeDocument/2006/relationships" xmlns:p="http://schemas.openxmlformats.org/presentationml/2006/main">
   <p:cSld>
     <p:bg>
@@ -8438,7 +9785,7 @@
 </p:sld>
 </file>
 
-<file path=ppt/slides/slide7.xml><?xml version="1.0" encoding="utf-8"?>
+<file path=ppt/slides/slide8.xml><?xml version="1.0" encoding="utf-8"?>
 <p:sld xmlns:a="http://schemas.openxmlformats.org/drawingml/2006/main" xmlns:r="http://schemas.openxmlformats.org/officeDocument/2006/relationships" xmlns:p="http://schemas.openxmlformats.org/presentationml/2006/main">
   <p:cSld>
     <p:spTree>

--- a/Presentation/Price_presentation.pptx
+++ b/Presentation/Price_presentation.pptx
@@ -5,14 +5,16 @@
     <p:sldMasterId id="2147483684" r:id="rId1"/>
   </p:sldMasterIdLst>
   <p:sldIdLst>
-    <p:sldId id="256" r:id="rId2"/>
-    <p:sldId id="261" r:id="rId3"/>
-    <p:sldId id="262" r:id="rId4"/>
-    <p:sldId id="264" r:id="rId5"/>
-    <p:sldId id="258" r:id="rId6"/>
-    <p:sldId id="259" r:id="rId7"/>
-    <p:sldId id="260" r:id="rId8"/>
-    <p:sldId id="263" r:id="rId9"/>
+    <p:sldId id="258" r:id="rId2"/>
+    <p:sldId id="259" r:id="rId3"/>
+    <p:sldId id="260" r:id="rId4"/>
+    <p:sldId id="256" r:id="rId5"/>
+    <p:sldId id="261" r:id="rId6"/>
+    <p:sldId id="262" r:id="rId7"/>
+    <p:sldId id="264" r:id="rId8"/>
+    <p:sldId id="266" r:id="rId9"/>
+    <p:sldId id="265" r:id="rId10"/>
+    <p:sldId id="263" r:id="rId11"/>
   </p:sldIdLst>
   <p:sldSz cx="12192000" cy="6858000"/>
   <p:notesSz cx="6858000" cy="9144000"/>
@@ -113,7 +115,7 @@
   </p:defaultTextStyle>
   <p:extLst>
     <p:ext uri="{EFAFB233-063F-42B5-8137-9DF3F51BA10A}">
-      <p15:sldGuideLst xmlns:p15="http://schemas.microsoft.com/office/powerpoint/2012/main"/>
+      <p15:sldGuideLst xmlns:p15="http://schemas.microsoft.com/office/powerpoint/2012/main" xmlns=""/>
     </p:ext>
   </p:extLst>
 </p:presentation>
@@ -6100,10 +6102,10 @@
       </p:grpSpPr>
       <p:sp>
         <p:nvSpPr>
-          <p:cNvPr id="12" name="Title 11">
+          <p:cNvPr id="2" name="Title 1">
             <a:extLst>
               <a:ext uri="{FF2B5EF4-FFF2-40B4-BE49-F238E27FC236}">
-                <a16:creationId xmlns:a16="http://schemas.microsoft.com/office/drawing/2014/main" id="{D5F5F2D6-A787-48DD-934B-63B8A70AC7ED}"/>
+                <a16:creationId xmlns:a16="http://schemas.microsoft.com/office/drawing/2014/main" xmlns="" id="{A22B86D7-1645-4564-A3E7-700357D93592}"/>
               </a:ext>
             </a:extLst>
           </p:cNvPr>
@@ -6114,40 +6116,24 @@
             <p:ph type="title"/>
           </p:nvPr>
         </p:nvSpPr>
-        <p:spPr>
-          <a:xfrm>
-            <a:off x="650669" y="629266"/>
-            <a:ext cx="3330328" cy="1641986"/>
-          </a:xfrm>
-        </p:spPr>
-        <p:txBody>
-          <a:bodyPr vert="horz" lIns="91440" tIns="45720" rIns="91440" bIns="45720" rtlCol="0" anchor="t">
-            <a:normAutofit/>
-          </a:bodyPr>
+        <p:spPr/>
+        <p:txBody>
+          <a:bodyPr/>
           <a:lstStyle/>
           <a:p>
-            <a:pPr>
-              <a:lnSpc>
-                <a:spcPct val="90000"/>
-              </a:lnSpc>
-            </a:pPr>
-            <a:r>
-              <a:rPr lang="en-US" sz="3600" b="1" dirty="0"/>
-              <a:t>Random Forest</a:t>
-            </a:r>
-            <a:br>
-              <a:rPr lang="en-US" sz="3600" dirty="0"/>
-            </a:br>
-            <a:endParaRPr lang="en-US" sz="3600" dirty="0"/>
+            <a:r>
+              <a:rPr lang="en-US" dirty="0"/>
+              <a:t>Linear Model – struggles with price tail</a:t>
+            </a:r>
           </a:p>
         </p:txBody>
       </p:sp>
       <p:pic>
         <p:nvPicPr>
-          <p:cNvPr id="26" name="Picture 25">
+          <p:cNvPr id="5" name="Picture 4">
             <a:extLst>
               <a:ext uri="{FF2B5EF4-FFF2-40B4-BE49-F238E27FC236}">
-                <a16:creationId xmlns:a16="http://schemas.microsoft.com/office/drawing/2014/main" id="{D6739B1A-EE63-47B4-A1C7-E2AF64F00121}"/>
+                <a16:creationId xmlns:a16="http://schemas.microsoft.com/office/drawing/2014/main" xmlns="" id="{D849D527-EB6D-4B7C-90AF-0DE9812A5254}"/>
               </a:ext>
             </a:extLst>
           </p:cNvPr>
@@ -6156,15 +6142,16 @@
           </p:cNvPicPr>
           <p:nvPr/>
         </p:nvPicPr>
-        <p:blipFill rotWithShape="1">
+        <p:blipFill>
           <a:blip r:embed="rId2"/>
-          <a:srcRect l="18335" r="23514" b="-1"/>
-          <a:stretch/>
+          <a:stretch>
+            <a:fillRect/>
+          </a:stretch>
         </p:blipFill>
         <p:spPr>
           <a:xfrm>
-            <a:off x="4634680" y="10"/>
-            <a:ext cx="7560130" cy="6857990"/>
+            <a:off x="323850" y="2323942"/>
+            <a:ext cx="5772150" cy="3924300"/>
           </a:xfrm>
           <a:prstGeom prst="rect">
             <a:avLst/>
@@ -6173,64 +6160,930 @@
       </p:pic>
       <p:sp>
         <p:nvSpPr>
-          <p:cNvPr id="19" name="Text Placeholder 18">
+          <p:cNvPr id="13" name="Content Placeholder 5">
             <a:extLst>
               <a:ext uri="{FF2B5EF4-FFF2-40B4-BE49-F238E27FC236}">
-                <a16:creationId xmlns:a16="http://schemas.microsoft.com/office/drawing/2014/main" id="{4A934B4A-5CB4-4B82-99C0-FAB17E1BBBB3}"/>
+                <a16:creationId xmlns:a16="http://schemas.microsoft.com/office/drawing/2014/main" xmlns="" id="{57049A7A-C1C3-423D-B954-683E4A13D494}"/>
               </a:ext>
             </a:extLst>
           </p:cNvPr>
-          <p:cNvSpPr>
-            <a:spLocks noGrp="1"/>
-          </p:cNvSpPr>
-          <p:nvPr>
-            <p:ph sz="half" idx="1"/>
-          </p:nvPr>
+          <p:cNvSpPr txBox="1">
+            <a:spLocks/>
+          </p:cNvSpPr>
+          <p:nvPr/>
         </p:nvSpPr>
         <p:spPr>
           <a:xfrm>
-            <a:off x="650669" y="2438400"/>
-            <a:ext cx="3330328" cy="3809999"/>
+            <a:off x="808036" y="1853248"/>
+            <a:ext cx="4396339" cy="3741738"/>
           </a:xfrm>
+          <a:prstGeom prst="rect">
+            <a:avLst/>
+          </a:prstGeom>
         </p:spPr>
         <p:txBody>
-          <a:bodyPr vert="horz" lIns="91440" tIns="45720" rIns="91440" bIns="45720" rtlCol="0">
-            <a:normAutofit/>
-          </a:bodyPr>
-          <a:lstStyle/>
-          <a:p>
-            <a:r>
-              <a:rPr lang="en-US"/>
-              <a:t>Splitting the data to 2 bins</a:t>
-            </a:r>
-          </a:p>
-          <a:p>
-            <a:r>
-              <a:rPr lang="en-US"/>
-              <a:t>Quality ratings from 2 – 6.5 are bad wines “0”</a:t>
-            </a:r>
-          </a:p>
-          <a:p>
-            <a:r>
-              <a:rPr lang="en-US"/>
-              <a:t>Quality ratings from 6.5 – 10 are good wines “1”</a:t>
-            </a:r>
-          </a:p>
-          <a:p>
+          <a:bodyPr/>
+          <a:lstStyle>
+            <a:lvl1pPr marL="342900" indent="-342900" algn="l" defTabSz="457200" rtl="0" eaLnBrk="1" latinLnBrk="0" hangingPunct="1">
+              <a:spcBef>
+                <a:spcPts val="1000"/>
+              </a:spcBef>
+              <a:spcAft>
+                <a:spcPts val="0"/>
+              </a:spcAft>
+              <a:buClr>
+                <a:schemeClr val="bg2">
+                  <a:lumMod val="40000"/>
+                  <a:lumOff val="60000"/>
+                </a:schemeClr>
+              </a:buClr>
+              <a:buSzPct val="80000"/>
+              <a:buFont typeface="Wingdings 3" charset="2"/>
+              <a:buChar char=""/>
+              <a:defRPr sz="2000" b="0" i="0" kern="1200">
+                <a:solidFill>
+                  <a:schemeClr val="tx1"/>
+                </a:solidFill>
+                <a:latin typeface="+mj-lt"/>
+                <a:ea typeface="+mj-ea"/>
+                <a:cs typeface="+mj-cs"/>
+              </a:defRPr>
+            </a:lvl1pPr>
+            <a:lvl2pPr marL="742950" indent="-285750" algn="l" defTabSz="457200" rtl="0" eaLnBrk="1" latinLnBrk="0" hangingPunct="1">
+              <a:spcBef>
+                <a:spcPts val="1000"/>
+              </a:spcBef>
+              <a:spcAft>
+                <a:spcPts val="0"/>
+              </a:spcAft>
+              <a:buClr>
+                <a:schemeClr val="bg2">
+                  <a:lumMod val="40000"/>
+                  <a:lumOff val="60000"/>
+                </a:schemeClr>
+              </a:buClr>
+              <a:buSzPct val="80000"/>
+              <a:buFont typeface="Wingdings 3" charset="2"/>
+              <a:buChar char=""/>
+              <a:defRPr sz="1800" b="0" i="0" kern="1200">
+                <a:solidFill>
+                  <a:schemeClr val="tx1"/>
+                </a:solidFill>
+                <a:latin typeface="+mj-lt"/>
+                <a:ea typeface="+mj-ea"/>
+                <a:cs typeface="+mj-cs"/>
+              </a:defRPr>
+            </a:lvl2pPr>
+            <a:lvl3pPr marL="1143000" indent="-228600" algn="l" defTabSz="457200" rtl="0" eaLnBrk="1" latinLnBrk="0" hangingPunct="1">
+              <a:spcBef>
+                <a:spcPts val="1000"/>
+              </a:spcBef>
+              <a:spcAft>
+                <a:spcPts val="0"/>
+              </a:spcAft>
+              <a:buClr>
+                <a:schemeClr val="bg2">
+                  <a:lumMod val="40000"/>
+                  <a:lumOff val="60000"/>
+                </a:schemeClr>
+              </a:buClr>
+              <a:buSzPct val="80000"/>
+              <a:buFont typeface="Wingdings 3" charset="2"/>
+              <a:buChar char=""/>
+              <a:defRPr sz="1600" b="0" i="0" kern="1200">
+                <a:solidFill>
+                  <a:schemeClr val="tx1"/>
+                </a:solidFill>
+                <a:latin typeface="+mj-lt"/>
+                <a:ea typeface="+mj-ea"/>
+                <a:cs typeface="+mj-cs"/>
+              </a:defRPr>
+            </a:lvl3pPr>
+            <a:lvl4pPr marL="1600200" indent="-228600" algn="l" defTabSz="457200" rtl="0" eaLnBrk="1" latinLnBrk="0" hangingPunct="1">
+              <a:spcBef>
+                <a:spcPts val="1000"/>
+              </a:spcBef>
+              <a:spcAft>
+                <a:spcPts val="0"/>
+              </a:spcAft>
+              <a:buClr>
+                <a:schemeClr val="bg2">
+                  <a:lumMod val="40000"/>
+                  <a:lumOff val="60000"/>
+                </a:schemeClr>
+              </a:buClr>
+              <a:buSzPct val="80000"/>
+              <a:buFont typeface="Wingdings 3" charset="2"/>
+              <a:buChar char=""/>
+              <a:defRPr sz="1400" b="0" i="0" kern="1200">
+                <a:solidFill>
+                  <a:schemeClr val="tx1"/>
+                </a:solidFill>
+                <a:latin typeface="+mj-lt"/>
+                <a:ea typeface="+mj-ea"/>
+                <a:cs typeface="+mj-cs"/>
+              </a:defRPr>
+            </a:lvl4pPr>
+            <a:lvl5pPr marL="2057400" indent="-228600" algn="l" defTabSz="457200" rtl="0" eaLnBrk="1" latinLnBrk="0" hangingPunct="1">
+              <a:spcBef>
+                <a:spcPts val="1000"/>
+              </a:spcBef>
+              <a:spcAft>
+                <a:spcPts val="0"/>
+              </a:spcAft>
+              <a:buClr>
+                <a:schemeClr val="bg2">
+                  <a:lumMod val="40000"/>
+                  <a:lumOff val="60000"/>
+                </a:schemeClr>
+              </a:buClr>
+              <a:buSzPct val="80000"/>
+              <a:buFont typeface="Wingdings 3" charset="2"/>
+              <a:buChar char=""/>
+              <a:defRPr sz="1400" b="0" i="0" kern="1200">
+                <a:solidFill>
+                  <a:schemeClr val="tx1"/>
+                </a:solidFill>
+                <a:latin typeface="+mj-lt"/>
+                <a:ea typeface="+mj-ea"/>
+                <a:cs typeface="+mj-cs"/>
+              </a:defRPr>
+            </a:lvl5pPr>
+            <a:lvl6pPr marL="2506000" indent="-228600" algn="l" defTabSz="457200" rtl="0" eaLnBrk="1" latinLnBrk="0" hangingPunct="1">
+              <a:spcBef>
+                <a:spcPts val="1000"/>
+              </a:spcBef>
+              <a:spcAft>
+                <a:spcPts val="0"/>
+              </a:spcAft>
+              <a:buClr>
+                <a:schemeClr val="bg2">
+                  <a:lumMod val="40000"/>
+                  <a:lumOff val="60000"/>
+                </a:schemeClr>
+              </a:buClr>
+              <a:buSzPct val="80000"/>
+              <a:buFont typeface="Wingdings 3" charset="2"/>
+              <a:buChar char=""/>
+              <a:defRPr sz="1400" b="0" i="0" kern="1200">
+                <a:solidFill>
+                  <a:schemeClr val="tx1"/>
+                </a:solidFill>
+                <a:latin typeface="+mj-lt"/>
+                <a:ea typeface="+mj-ea"/>
+                <a:cs typeface="+mj-cs"/>
+              </a:defRPr>
+            </a:lvl6pPr>
+            <a:lvl7pPr marL="2971800" indent="-228600" algn="l" defTabSz="457200" rtl="0" eaLnBrk="1" latinLnBrk="0" hangingPunct="1">
+              <a:spcBef>
+                <a:spcPts val="1000"/>
+              </a:spcBef>
+              <a:spcAft>
+                <a:spcPts val="0"/>
+              </a:spcAft>
+              <a:buClr>
+                <a:schemeClr val="bg2">
+                  <a:lumMod val="40000"/>
+                  <a:lumOff val="60000"/>
+                </a:schemeClr>
+              </a:buClr>
+              <a:buSzPct val="80000"/>
+              <a:buFont typeface="Wingdings 3" charset="2"/>
+              <a:buChar char=""/>
+              <a:defRPr sz="1400" b="0" i="0" kern="1200">
+                <a:solidFill>
+                  <a:schemeClr val="tx1"/>
+                </a:solidFill>
+                <a:latin typeface="+mj-lt"/>
+                <a:ea typeface="+mj-ea"/>
+                <a:cs typeface="+mj-cs"/>
+              </a:defRPr>
+            </a:lvl7pPr>
+            <a:lvl8pPr marL="3429000" indent="-228600" algn="l" defTabSz="457200" rtl="0" eaLnBrk="1" latinLnBrk="0" hangingPunct="1">
+              <a:spcBef>
+                <a:spcPts val="1000"/>
+              </a:spcBef>
+              <a:spcAft>
+                <a:spcPts val="0"/>
+              </a:spcAft>
+              <a:buClr>
+                <a:schemeClr val="bg2">
+                  <a:lumMod val="40000"/>
+                  <a:lumOff val="60000"/>
+                </a:schemeClr>
+              </a:buClr>
+              <a:buSzPct val="80000"/>
+              <a:buFont typeface="Wingdings 3" charset="2"/>
+              <a:buChar char=""/>
+              <a:defRPr sz="1400" b="0" i="0" kern="1200">
+                <a:solidFill>
+                  <a:schemeClr val="tx1"/>
+                </a:solidFill>
+                <a:latin typeface="+mj-lt"/>
+                <a:ea typeface="+mj-ea"/>
+                <a:cs typeface="+mj-cs"/>
+              </a:defRPr>
+            </a:lvl8pPr>
+            <a:lvl9pPr marL="3886200" indent="-228600" algn="l" defTabSz="457200" rtl="0" eaLnBrk="1" latinLnBrk="0" hangingPunct="1">
+              <a:spcBef>
+                <a:spcPts val="1000"/>
+              </a:spcBef>
+              <a:spcAft>
+                <a:spcPts val="0"/>
+              </a:spcAft>
+              <a:buClr>
+                <a:schemeClr val="bg2">
+                  <a:lumMod val="40000"/>
+                  <a:lumOff val="60000"/>
+                </a:schemeClr>
+              </a:buClr>
+              <a:buSzPct val="80000"/>
+              <a:buFont typeface="Wingdings 3" charset="2"/>
+              <a:buChar char=""/>
+              <a:defRPr sz="1400" b="0" i="0" kern="1200">
+                <a:solidFill>
+                  <a:schemeClr val="tx1"/>
+                </a:solidFill>
+                <a:latin typeface="+mj-lt"/>
+                <a:ea typeface="+mj-ea"/>
+                <a:cs typeface="+mj-cs"/>
+              </a:defRPr>
+            </a:lvl9pPr>
+          </a:lstStyle>
+          <a:p>
+            <a:r>
+              <a:rPr lang="en-US" dirty="0"/>
+              <a:t>100% of prices included</a:t>
+            </a:r>
+          </a:p>
+        </p:txBody>
+      </p:sp>
+      <p:sp>
+        <p:nvSpPr>
+          <p:cNvPr id="7" name="Content Placeholder 5">
+            <a:extLst>
+              <a:ext uri="{FF2B5EF4-FFF2-40B4-BE49-F238E27FC236}">
+                <a16:creationId xmlns:a16="http://schemas.microsoft.com/office/drawing/2014/main" xmlns="" id="{20871757-659F-4DA1-B055-FF7FD4A7F65D}"/>
+              </a:ext>
+            </a:extLst>
+          </p:cNvPr>
+          <p:cNvSpPr txBox="1">
+            <a:spLocks/>
+          </p:cNvSpPr>
+          <p:nvPr/>
+        </p:nvSpPr>
+        <p:spPr>
+          <a:xfrm>
+            <a:off x="6539993" y="2257995"/>
+            <a:ext cx="4396339" cy="3741738"/>
+          </a:xfrm>
+          <a:prstGeom prst="rect">
+            <a:avLst/>
+          </a:prstGeom>
+        </p:spPr>
+        <p:txBody>
+          <a:bodyPr/>
+          <a:lstStyle>
+            <a:lvl1pPr marL="342900" indent="-342900" algn="l" defTabSz="457200" rtl="0" eaLnBrk="1" latinLnBrk="0" hangingPunct="1">
+              <a:spcBef>
+                <a:spcPts val="1000"/>
+              </a:spcBef>
+              <a:spcAft>
+                <a:spcPts val="0"/>
+              </a:spcAft>
+              <a:buClr>
+                <a:schemeClr val="bg2">
+                  <a:lumMod val="40000"/>
+                  <a:lumOff val="60000"/>
+                </a:schemeClr>
+              </a:buClr>
+              <a:buSzPct val="80000"/>
+              <a:buFont typeface="Wingdings 3" charset="2"/>
+              <a:buChar char=""/>
+              <a:defRPr sz="2000" b="0" i="0" kern="1200">
+                <a:solidFill>
+                  <a:schemeClr val="tx1"/>
+                </a:solidFill>
+                <a:latin typeface="+mj-lt"/>
+                <a:ea typeface="+mj-ea"/>
+                <a:cs typeface="+mj-cs"/>
+              </a:defRPr>
+            </a:lvl1pPr>
+            <a:lvl2pPr marL="742950" indent="-285750" algn="l" defTabSz="457200" rtl="0" eaLnBrk="1" latinLnBrk="0" hangingPunct="1">
+              <a:spcBef>
+                <a:spcPts val="1000"/>
+              </a:spcBef>
+              <a:spcAft>
+                <a:spcPts val="0"/>
+              </a:spcAft>
+              <a:buClr>
+                <a:schemeClr val="bg2">
+                  <a:lumMod val="40000"/>
+                  <a:lumOff val="60000"/>
+                </a:schemeClr>
+              </a:buClr>
+              <a:buSzPct val="80000"/>
+              <a:buFont typeface="Wingdings 3" charset="2"/>
+              <a:buChar char=""/>
+              <a:defRPr sz="1800" b="0" i="0" kern="1200">
+                <a:solidFill>
+                  <a:schemeClr val="tx1"/>
+                </a:solidFill>
+                <a:latin typeface="+mj-lt"/>
+                <a:ea typeface="+mj-ea"/>
+                <a:cs typeface="+mj-cs"/>
+              </a:defRPr>
+            </a:lvl2pPr>
+            <a:lvl3pPr marL="1143000" indent="-228600" algn="l" defTabSz="457200" rtl="0" eaLnBrk="1" latinLnBrk="0" hangingPunct="1">
+              <a:spcBef>
+                <a:spcPts val="1000"/>
+              </a:spcBef>
+              <a:spcAft>
+                <a:spcPts val="0"/>
+              </a:spcAft>
+              <a:buClr>
+                <a:schemeClr val="bg2">
+                  <a:lumMod val="40000"/>
+                  <a:lumOff val="60000"/>
+                </a:schemeClr>
+              </a:buClr>
+              <a:buSzPct val="80000"/>
+              <a:buFont typeface="Wingdings 3" charset="2"/>
+              <a:buChar char=""/>
+              <a:defRPr sz="1600" b="0" i="0" kern="1200">
+                <a:solidFill>
+                  <a:schemeClr val="tx1"/>
+                </a:solidFill>
+                <a:latin typeface="+mj-lt"/>
+                <a:ea typeface="+mj-ea"/>
+                <a:cs typeface="+mj-cs"/>
+              </a:defRPr>
+            </a:lvl3pPr>
+            <a:lvl4pPr marL="1600200" indent="-228600" algn="l" defTabSz="457200" rtl="0" eaLnBrk="1" latinLnBrk="0" hangingPunct="1">
+              <a:spcBef>
+                <a:spcPts val="1000"/>
+              </a:spcBef>
+              <a:spcAft>
+                <a:spcPts val="0"/>
+              </a:spcAft>
+              <a:buClr>
+                <a:schemeClr val="bg2">
+                  <a:lumMod val="40000"/>
+                  <a:lumOff val="60000"/>
+                </a:schemeClr>
+              </a:buClr>
+              <a:buSzPct val="80000"/>
+              <a:buFont typeface="Wingdings 3" charset="2"/>
+              <a:buChar char=""/>
+              <a:defRPr sz="1400" b="0" i="0" kern="1200">
+                <a:solidFill>
+                  <a:schemeClr val="tx1"/>
+                </a:solidFill>
+                <a:latin typeface="+mj-lt"/>
+                <a:ea typeface="+mj-ea"/>
+                <a:cs typeface="+mj-cs"/>
+              </a:defRPr>
+            </a:lvl4pPr>
+            <a:lvl5pPr marL="2057400" indent="-228600" algn="l" defTabSz="457200" rtl="0" eaLnBrk="1" latinLnBrk="0" hangingPunct="1">
+              <a:spcBef>
+                <a:spcPts val="1000"/>
+              </a:spcBef>
+              <a:spcAft>
+                <a:spcPts val="0"/>
+              </a:spcAft>
+              <a:buClr>
+                <a:schemeClr val="bg2">
+                  <a:lumMod val="40000"/>
+                  <a:lumOff val="60000"/>
+                </a:schemeClr>
+              </a:buClr>
+              <a:buSzPct val="80000"/>
+              <a:buFont typeface="Wingdings 3" charset="2"/>
+              <a:buChar char=""/>
+              <a:defRPr sz="1400" b="0" i="0" kern="1200">
+                <a:solidFill>
+                  <a:schemeClr val="tx1"/>
+                </a:solidFill>
+                <a:latin typeface="+mj-lt"/>
+                <a:ea typeface="+mj-ea"/>
+                <a:cs typeface="+mj-cs"/>
+              </a:defRPr>
+            </a:lvl5pPr>
+            <a:lvl6pPr marL="2506000" indent="-228600" algn="l" defTabSz="457200" rtl="0" eaLnBrk="1" latinLnBrk="0" hangingPunct="1">
+              <a:spcBef>
+                <a:spcPts val="1000"/>
+              </a:spcBef>
+              <a:spcAft>
+                <a:spcPts val="0"/>
+              </a:spcAft>
+              <a:buClr>
+                <a:schemeClr val="bg2">
+                  <a:lumMod val="40000"/>
+                  <a:lumOff val="60000"/>
+                </a:schemeClr>
+              </a:buClr>
+              <a:buSzPct val="80000"/>
+              <a:buFont typeface="Wingdings 3" charset="2"/>
+              <a:buChar char=""/>
+              <a:defRPr sz="1400" b="0" i="0" kern="1200">
+                <a:solidFill>
+                  <a:schemeClr val="tx1"/>
+                </a:solidFill>
+                <a:latin typeface="+mj-lt"/>
+                <a:ea typeface="+mj-ea"/>
+                <a:cs typeface="+mj-cs"/>
+              </a:defRPr>
+            </a:lvl6pPr>
+            <a:lvl7pPr marL="2971800" indent="-228600" algn="l" defTabSz="457200" rtl="0" eaLnBrk="1" latinLnBrk="0" hangingPunct="1">
+              <a:spcBef>
+                <a:spcPts val="1000"/>
+              </a:spcBef>
+              <a:spcAft>
+                <a:spcPts val="0"/>
+              </a:spcAft>
+              <a:buClr>
+                <a:schemeClr val="bg2">
+                  <a:lumMod val="40000"/>
+                  <a:lumOff val="60000"/>
+                </a:schemeClr>
+              </a:buClr>
+              <a:buSzPct val="80000"/>
+              <a:buFont typeface="Wingdings 3" charset="2"/>
+              <a:buChar char=""/>
+              <a:defRPr sz="1400" b="0" i="0" kern="1200">
+                <a:solidFill>
+                  <a:schemeClr val="tx1"/>
+                </a:solidFill>
+                <a:latin typeface="+mj-lt"/>
+                <a:ea typeface="+mj-ea"/>
+                <a:cs typeface="+mj-cs"/>
+              </a:defRPr>
+            </a:lvl7pPr>
+            <a:lvl8pPr marL="3429000" indent="-228600" algn="l" defTabSz="457200" rtl="0" eaLnBrk="1" latinLnBrk="0" hangingPunct="1">
+              <a:spcBef>
+                <a:spcPts val="1000"/>
+              </a:spcBef>
+              <a:spcAft>
+                <a:spcPts val="0"/>
+              </a:spcAft>
+              <a:buClr>
+                <a:schemeClr val="bg2">
+                  <a:lumMod val="40000"/>
+                  <a:lumOff val="60000"/>
+                </a:schemeClr>
+              </a:buClr>
+              <a:buSzPct val="80000"/>
+              <a:buFont typeface="Wingdings 3" charset="2"/>
+              <a:buChar char=""/>
+              <a:defRPr sz="1400" b="0" i="0" kern="1200">
+                <a:solidFill>
+                  <a:schemeClr val="tx1"/>
+                </a:solidFill>
+                <a:latin typeface="+mj-lt"/>
+                <a:ea typeface="+mj-ea"/>
+                <a:cs typeface="+mj-cs"/>
+              </a:defRPr>
+            </a:lvl8pPr>
+            <a:lvl9pPr marL="3886200" indent="-228600" algn="l" defTabSz="457200" rtl="0" eaLnBrk="1" latinLnBrk="0" hangingPunct="1">
+              <a:spcBef>
+                <a:spcPts val="1000"/>
+              </a:spcBef>
+              <a:spcAft>
+                <a:spcPts val="0"/>
+              </a:spcAft>
+              <a:buClr>
+                <a:schemeClr val="bg2">
+                  <a:lumMod val="40000"/>
+                  <a:lumOff val="60000"/>
+                </a:schemeClr>
+              </a:buClr>
+              <a:buSzPct val="80000"/>
+              <a:buFont typeface="Wingdings 3" charset="2"/>
+              <a:buChar char=""/>
+              <a:defRPr sz="1400" b="0" i="0" kern="1200">
+                <a:solidFill>
+                  <a:schemeClr val="tx1"/>
+                </a:solidFill>
+                <a:latin typeface="+mj-lt"/>
+                <a:ea typeface="+mj-ea"/>
+                <a:cs typeface="+mj-cs"/>
+              </a:defRPr>
+            </a:lvl9pPr>
+          </a:lstStyle>
+          <a:p>
+            <a:r>
+              <a:rPr lang="en-US" dirty="0"/>
+              <a:t>Top 6 most frequent countries</a:t>
+            </a:r>
+          </a:p>
+          <a:p>
+            <a:pPr lvl="1"/>
+            <a:r>
+              <a:rPr lang="en-US" dirty="0"/>
+              <a:t>US, Italy, Spain, France, Chile, Portugal</a:t>
+            </a:r>
+          </a:p>
+          <a:p>
+            <a:pPr marL="457200" lvl="1" indent="0">
+              <a:buNone/>
+            </a:pPr>
             <a:endParaRPr lang="en-US" dirty="0"/>
+          </a:p>
+          <a:p>
+            <a:r>
+              <a:rPr lang="en-US" dirty="0"/>
+              <a:t>Top 6 most frequent varieties</a:t>
+            </a:r>
+          </a:p>
+          <a:p>
+            <a:pPr lvl="1"/>
+            <a:r>
+              <a:rPr lang="en-US" dirty="0"/>
+              <a:t>Pinot Noir, Chardonnay, Red Blend, Cabernet Sauvignon, Riesling, Syrah</a:t>
+            </a:r>
+            <a:br>
+              <a:rPr lang="en-US" dirty="0"/>
+            </a:br>
+            <a:endParaRPr lang="en-US" dirty="0"/>
+          </a:p>
+          <a:p>
+            <a:r>
+              <a:rPr lang="en-US" dirty="0"/>
+              <a:t>Quality (Points)</a:t>
+            </a:r>
+          </a:p>
+          <a:p>
+            <a:pPr lvl="1"/>
+            <a:r>
+              <a:rPr lang="en-US" dirty="0"/>
+              <a:t>Score Range 80-100</a:t>
+            </a:r>
           </a:p>
         </p:txBody>
       </p:sp>
     </p:spTree>
     <p:extLst>
       <p:ext uri="{BB962C8B-B14F-4D97-AF65-F5344CB8AC3E}">
-        <p14:creationId xmlns:p14="http://schemas.microsoft.com/office/powerpoint/2010/main" val="2395067917"/>
+        <p14:creationId xmlns:p14="http://schemas.microsoft.com/office/powerpoint/2010/main" val="1109498986"/>
       </p:ext>
     </p:extLst>
   </p:cSld>
   <p:clrMapOvr>
     <a:masterClrMapping/>
   </p:clrMapOvr>
+  <p:timing>
+    <p:tnLst>
+      <p:par>
+        <p:cTn id="1" dur="indefinite" restart="never" nodeType="tmRoot"/>
+      </p:par>
+    </p:tnLst>
+  </p:timing>
+</p:sld>
+</file>
+
+<file path=ppt/slides/slide10.xml><?xml version="1.0" encoding="utf-8"?>
+<p:sld xmlns:a="http://schemas.openxmlformats.org/drawingml/2006/main" xmlns:r="http://schemas.openxmlformats.org/officeDocument/2006/relationships" xmlns:p="http://schemas.openxmlformats.org/presentationml/2006/main">
+  <p:cSld>
+    <p:spTree>
+      <p:nvGrpSpPr>
+        <p:cNvPr id="1" name=""/>
+        <p:cNvGrpSpPr/>
+        <p:nvPr/>
+      </p:nvGrpSpPr>
+      <p:grpSpPr>
+        <a:xfrm>
+          <a:off x="0" y="0"/>
+          <a:ext cx="0" cy="0"/>
+          <a:chOff x="0" y="0"/>
+          <a:chExt cx="0" cy="0"/>
+        </a:xfrm>
+      </p:grpSpPr>
+      <p:sp>
+        <p:nvSpPr>
+          <p:cNvPr id="2" name="Title 1">
+            <a:extLst>
+              <a:ext uri="{FF2B5EF4-FFF2-40B4-BE49-F238E27FC236}">
+                <a16:creationId xmlns:a16="http://schemas.microsoft.com/office/drawing/2014/main" xmlns="" id="{A22B86D7-1645-4564-A3E7-700357D93592}"/>
+              </a:ext>
+            </a:extLst>
+          </p:cNvPr>
+          <p:cNvSpPr>
+            <a:spLocks noGrp="1"/>
+          </p:cNvSpPr>
+          <p:nvPr>
+            <p:ph type="title"/>
+          </p:nvPr>
+        </p:nvSpPr>
+        <p:spPr/>
+        <p:txBody>
+          <a:bodyPr/>
+          <a:lstStyle/>
+          <a:p>
+            <a:r>
+              <a:rPr lang="en-US" dirty="0"/>
+              <a:t>Conclusions:</a:t>
+            </a:r>
+          </a:p>
+        </p:txBody>
+      </p:sp>
+      <p:sp>
+        <p:nvSpPr>
+          <p:cNvPr id="7" name="Content Placeholder 5">
+            <a:extLst>
+              <a:ext uri="{FF2B5EF4-FFF2-40B4-BE49-F238E27FC236}">
+                <a16:creationId xmlns:a16="http://schemas.microsoft.com/office/drawing/2014/main" xmlns="" id="{20871757-659F-4DA1-B055-FF7FD4A7F65D}"/>
+              </a:ext>
+            </a:extLst>
+          </p:cNvPr>
+          <p:cNvSpPr txBox="1">
+            <a:spLocks/>
+          </p:cNvSpPr>
+          <p:nvPr/>
+        </p:nvSpPr>
+        <p:spPr>
+          <a:xfrm>
+            <a:off x="1213391" y="1769723"/>
+            <a:ext cx="4396339" cy="3741738"/>
+          </a:xfrm>
+          <a:prstGeom prst="rect">
+            <a:avLst/>
+          </a:prstGeom>
+        </p:spPr>
+        <p:txBody>
+          <a:bodyPr/>
+          <a:lstStyle>
+            <a:lvl1pPr marL="342900" indent="-342900" algn="l" defTabSz="457200" rtl="0" eaLnBrk="1" latinLnBrk="0" hangingPunct="1">
+              <a:spcBef>
+                <a:spcPts val="1000"/>
+              </a:spcBef>
+              <a:spcAft>
+                <a:spcPts val="0"/>
+              </a:spcAft>
+              <a:buClr>
+                <a:schemeClr val="bg2">
+                  <a:lumMod val="40000"/>
+                  <a:lumOff val="60000"/>
+                </a:schemeClr>
+              </a:buClr>
+              <a:buSzPct val="80000"/>
+              <a:buFont typeface="Wingdings 3" charset="2"/>
+              <a:buChar char=""/>
+              <a:defRPr sz="2000" b="0" i="0" kern="1200">
+                <a:solidFill>
+                  <a:schemeClr val="tx1"/>
+                </a:solidFill>
+                <a:latin typeface="+mj-lt"/>
+                <a:ea typeface="+mj-ea"/>
+                <a:cs typeface="+mj-cs"/>
+              </a:defRPr>
+            </a:lvl1pPr>
+            <a:lvl2pPr marL="742950" indent="-285750" algn="l" defTabSz="457200" rtl="0" eaLnBrk="1" latinLnBrk="0" hangingPunct="1">
+              <a:spcBef>
+                <a:spcPts val="1000"/>
+              </a:spcBef>
+              <a:spcAft>
+                <a:spcPts val="0"/>
+              </a:spcAft>
+              <a:buClr>
+                <a:schemeClr val="bg2">
+                  <a:lumMod val="40000"/>
+                  <a:lumOff val="60000"/>
+                </a:schemeClr>
+              </a:buClr>
+              <a:buSzPct val="80000"/>
+              <a:buFont typeface="Wingdings 3" charset="2"/>
+              <a:buChar char=""/>
+              <a:defRPr sz="1800" b="0" i="0" kern="1200">
+                <a:solidFill>
+                  <a:schemeClr val="tx1"/>
+                </a:solidFill>
+                <a:latin typeface="+mj-lt"/>
+                <a:ea typeface="+mj-ea"/>
+                <a:cs typeface="+mj-cs"/>
+              </a:defRPr>
+            </a:lvl2pPr>
+            <a:lvl3pPr marL="1143000" indent="-228600" algn="l" defTabSz="457200" rtl="0" eaLnBrk="1" latinLnBrk="0" hangingPunct="1">
+              <a:spcBef>
+                <a:spcPts val="1000"/>
+              </a:spcBef>
+              <a:spcAft>
+                <a:spcPts val="0"/>
+              </a:spcAft>
+              <a:buClr>
+                <a:schemeClr val="bg2">
+                  <a:lumMod val="40000"/>
+                  <a:lumOff val="60000"/>
+                </a:schemeClr>
+              </a:buClr>
+              <a:buSzPct val="80000"/>
+              <a:buFont typeface="Wingdings 3" charset="2"/>
+              <a:buChar char=""/>
+              <a:defRPr sz="1600" b="0" i="0" kern="1200">
+                <a:solidFill>
+                  <a:schemeClr val="tx1"/>
+                </a:solidFill>
+                <a:latin typeface="+mj-lt"/>
+                <a:ea typeface="+mj-ea"/>
+                <a:cs typeface="+mj-cs"/>
+              </a:defRPr>
+            </a:lvl3pPr>
+            <a:lvl4pPr marL="1600200" indent="-228600" algn="l" defTabSz="457200" rtl="0" eaLnBrk="1" latinLnBrk="0" hangingPunct="1">
+              <a:spcBef>
+                <a:spcPts val="1000"/>
+              </a:spcBef>
+              <a:spcAft>
+                <a:spcPts val="0"/>
+              </a:spcAft>
+              <a:buClr>
+                <a:schemeClr val="bg2">
+                  <a:lumMod val="40000"/>
+                  <a:lumOff val="60000"/>
+                </a:schemeClr>
+              </a:buClr>
+              <a:buSzPct val="80000"/>
+              <a:buFont typeface="Wingdings 3" charset="2"/>
+              <a:buChar char=""/>
+              <a:defRPr sz="1400" b="0" i="0" kern="1200">
+                <a:solidFill>
+                  <a:schemeClr val="tx1"/>
+                </a:solidFill>
+                <a:latin typeface="+mj-lt"/>
+                <a:ea typeface="+mj-ea"/>
+                <a:cs typeface="+mj-cs"/>
+              </a:defRPr>
+            </a:lvl4pPr>
+            <a:lvl5pPr marL="2057400" indent="-228600" algn="l" defTabSz="457200" rtl="0" eaLnBrk="1" latinLnBrk="0" hangingPunct="1">
+              <a:spcBef>
+                <a:spcPts val="1000"/>
+              </a:spcBef>
+              <a:spcAft>
+                <a:spcPts val="0"/>
+              </a:spcAft>
+              <a:buClr>
+                <a:schemeClr val="bg2">
+                  <a:lumMod val="40000"/>
+                  <a:lumOff val="60000"/>
+                </a:schemeClr>
+              </a:buClr>
+              <a:buSzPct val="80000"/>
+              <a:buFont typeface="Wingdings 3" charset="2"/>
+              <a:buChar char=""/>
+              <a:defRPr sz="1400" b="0" i="0" kern="1200">
+                <a:solidFill>
+                  <a:schemeClr val="tx1"/>
+                </a:solidFill>
+                <a:latin typeface="+mj-lt"/>
+                <a:ea typeface="+mj-ea"/>
+                <a:cs typeface="+mj-cs"/>
+              </a:defRPr>
+            </a:lvl5pPr>
+            <a:lvl6pPr marL="2506000" indent="-228600" algn="l" defTabSz="457200" rtl="0" eaLnBrk="1" latinLnBrk="0" hangingPunct="1">
+              <a:spcBef>
+                <a:spcPts val="1000"/>
+              </a:spcBef>
+              <a:spcAft>
+                <a:spcPts val="0"/>
+              </a:spcAft>
+              <a:buClr>
+                <a:schemeClr val="bg2">
+                  <a:lumMod val="40000"/>
+                  <a:lumOff val="60000"/>
+                </a:schemeClr>
+              </a:buClr>
+              <a:buSzPct val="80000"/>
+              <a:buFont typeface="Wingdings 3" charset="2"/>
+              <a:buChar char=""/>
+              <a:defRPr sz="1400" b="0" i="0" kern="1200">
+                <a:solidFill>
+                  <a:schemeClr val="tx1"/>
+                </a:solidFill>
+                <a:latin typeface="+mj-lt"/>
+                <a:ea typeface="+mj-ea"/>
+                <a:cs typeface="+mj-cs"/>
+              </a:defRPr>
+            </a:lvl6pPr>
+            <a:lvl7pPr marL="2971800" indent="-228600" algn="l" defTabSz="457200" rtl="0" eaLnBrk="1" latinLnBrk="0" hangingPunct="1">
+              <a:spcBef>
+                <a:spcPts val="1000"/>
+              </a:spcBef>
+              <a:spcAft>
+                <a:spcPts val="0"/>
+              </a:spcAft>
+              <a:buClr>
+                <a:schemeClr val="bg2">
+                  <a:lumMod val="40000"/>
+                  <a:lumOff val="60000"/>
+                </a:schemeClr>
+              </a:buClr>
+              <a:buSzPct val="80000"/>
+              <a:buFont typeface="Wingdings 3" charset="2"/>
+              <a:buChar char=""/>
+              <a:defRPr sz="1400" b="0" i="0" kern="1200">
+                <a:solidFill>
+                  <a:schemeClr val="tx1"/>
+                </a:solidFill>
+                <a:latin typeface="+mj-lt"/>
+                <a:ea typeface="+mj-ea"/>
+                <a:cs typeface="+mj-cs"/>
+              </a:defRPr>
+            </a:lvl7pPr>
+            <a:lvl8pPr marL="3429000" indent="-228600" algn="l" defTabSz="457200" rtl="0" eaLnBrk="1" latinLnBrk="0" hangingPunct="1">
+              <a:spcBef>
+                <a:spcPts val="1000"/>
+              </a:spcBef>
+              <a:spcAft>
+                <a:spcPts val="0"/>
+              </a:spcAft>
+              <a:buClr>
+                <a:schemeClr val="bg2">
+                  <a:lumMod val="40000"/>
+                  <a:lumOff val="60000"/>
+                </a:schemeClr>
+              </a:buClr>
+              <a:buSzPct val="80000"/>
+              <a:buFont typeface="Wingdings 3" charset="2"/>
+              <a:buChar char=""/>
+              <a:defRPr sz="1400" b="0" i="0" kern="1200">
+                <a:solidFill>
+                  <a:schemeClr val="tx1"/>
+                </a:solidFill>
+                <a:latin typeface="+mj-lt"/>
+                <a:ea typeface="+mj-ea"/>
+                <a:cs typeface="+mj-cs"/>
+              </a:defRPr>
+            </a:lvl8pPr>
+            <a:lvl9pPr marL="3886200" indent="-228600" algn="l" defTabSz="457200" rtl="0" eaLnBrk="1" latinLnBrk="0" hangingPunct="1">
+              <a:spcBef>
+                <a:spcPts val="1000"/>
+              </a:spcBef>
+              <a:spcAft>
+                <a:spcPts val="0"/>
+              </a:spcAft>
+              <a:buClr>
+                <a:schemeClr val="bg2">
+                  <a:lumMod val="40000"/>
+                  <a:lumOff val="60000"/>
+                </a:schemeClr>
+              </a:buClr>
+              <a:buSzPct val="80000"/>
+              <a:buFont typeface="Wingdings 3" charset="2"/>
+              <a:buChar char=""/>
+              <a:defRPr sz="1400" b="0" i="0" kern="1200">
+                <a:solidFill>
+                  <a:schemeClr val="tx1"/>
+                </a:solidFill>
+                <a:latin typeface="+mj-lt"/>
+                <a:ea typeface="+mj-ea"/>
+                <a:cs typeface="+mj-cs"/>
+              </a:defRPr>
+            </a:lvl9pPr>
+          </a:lstStyle>
+          <a:p>
+            <a:r>
+              <a:rPr lang="en-US" dirty="0"/>
+              <a:t>XXXXXXXXXXXXXXXXX</a:t>
+            </a:r>
+          </a:p>
+          <a:p>
+            <a:pPr marL="457200" lvl="1" indent="0">
+              <a:buNone/>
+            </a:pPr>
+            <a:endParaRPr lang="en-US" dirty="0"/>
+          </a:p>
+          <a:p>
+            <a:r>
+              <a:rPr lang="en-US" dirty="0"/>
+              <a:t>XXXXXXXXXXXXXXXXX</a:t>
+            </a:r>
+          </a:p>
+          <a:p>
+            <a:endParaRPr lang="en-US" dirty="0"/>
+          </a:p>
+          <a:p>
+            <a:r>
+              <a:rPr lang="en-US" dirty="0"/>
+              <a:t>In addition to quality score, brand (winery) seems to matter more than location (country)</a:t>
+            </a:r>
+          </a:p>
+        </p:txBody>
+      </p:sp>
+    </p:spTree>
+    <p:extLst>
+      <p:ext uri="{BB962C8B-B14F-4D97-AF65-F5344CB8AC3E}">
+        <p14:creationId xmlns:p14="http://schemas.microsoft.com/office/powerpoint/2010/main" val="1634678178"/>
+      </p:ext>
+    </p:extLst>
+  </p:cSld>
+  <p:clrMapOvr>
+    <a:masterClrMapping/>
+  </p:clrMapOvr>
+  <p:timing>
+    <p:tnLst>
+      <p:par>
+        <p:cTn id="1" dur="indefinite" restart="never" nodeType="tmRoot"/>
+      </p:par>
+    </p:tnLst>
+  </p:timing>
 </p:sld>
 </file>
 
@@ -6256,7 +7109,7 @@
           <p:cNvPr id="2" name="Title 1">
             <a:extLst>
               <a:ext uri="{FF2B5EF4-FFF2-40B4-BE49-F238E27FC236}">
-                <a16:creationId xmlns:a16="http://schemas.microsoft.com/office/drawing/2014/main" id="{8AA60435-8EDA-47C1-8025-01B19524804F}"/>
+                <a16:creationId xmlns:a16="http://schemas.microsoft.com/office/drawing/2014/main" xmlns="" id="{A22B86D7-1645-4564-A3E7-700357D93592}"/>
               </a:ext>
             </a:extLst>
           </p:cNvPr>
@@ -6267,31 +7120,296 @@
             <p:ph type="title"/>
           </p:nvPr>
         </p:nvSpPr>
+        <p:spPr/>
+        <p:txBody>
+          <a:bodyPr/>
+          <a:lstStyle/>
+          <a:p>
+            <a:r>
+              <a:rPr lang="en-US" dirty="0"/>
+              <a:t>Linear Model – wineries in place of countries</a:t>
+            </a:r>
+          </a:p>
+        </p:txBody>
+      </p:sp>
+      <p:sp>
+        <p:nvSpPr>
+          <p:cNvPr id="12" name="Content Placeholder 5">
+            <a:extLst>
+              <a:ext uri="{FF2B5EF4-FFF2-40B4-BE49-F238E27FC236}">
+                <a16:creationId xmlns:a16="http://schemas.microsoft.com/office/drawing/2014/main" xmlns="" id="{E3BC7CF6-ACC7-43D9-9AF7-17CC4898FB20}"/>
+              </a:ext>
+            </a:extLst>
+          </p:cNvPr>
+          <p:cNvSpPr txBox="1">
+            <a:spLocks/>
+          </p:cNvSpPr>
+          <p:nvPr/>
+        </p:nvSpPr>
         <p:spPr>
           <a:xfrm>
-            <a:off x="646112" y="452718"/>
-            <a:ext cx="4165580" cy="1400530"/>
+            <a:off x="6673343" y="2067495"/>
+            <a:ext cx="4396339" cy="3741738"/>
           </a:xfrm>
+          <a:prstGeom prst="rect">
+            <a:avLst/>
+          </a:prstGeom>
         </p:spPr>
         <p:txBody>
-          <a:bodyPr vert="horz" lIns="91440" tIns="45720" rIns="91440" bIns="45720" rtlCol="0" anchor="t">
-            <a:normAutofit/>
-          </a:bodyPr>
-          <a:lstStyle/>
-          <a:p>
-            <a:r>
-              <a:rPr lang="en-US" b="1" dirty="0"/>
-              <a:t>RandomForestClassifier</a:t>
+          <a:bodyPr/>
+          <a:lstStyle>
+            <a:lvl1pPr marL="342900" indent="-342900" algn="l" defTabSz="457200" rtl="0" eaLnBrk="1" latinLnBrk="0" hangingPunct="1">
+              <a:spcBef>
+                <a:spcPts val="1000"/>
+              </a:spcBef>
+              <a:spcAft>
+                <a:spcPts val="0"/>
+              </a:spcAft>
+              <a:buClr>
+                <a:schemeClr val="bg2">
+                  <a:lumMod val="40000"/>
+                  <a:lumOff val="60000"/>
+                </a:schemeClr>
+              </a:buClr>
+              <a:buSzPct val="80000"/>
+              <a:buFont typeface="Wingdings 3" charset="2"/>
+              <a:buChar char=""/>
+              <a:defRPr sz="2000" b="0" i="0" kern="1200">
+                <a:solidFill>
+                  <a:schemeClr val="tx1"/>
+                </a:solidFill>
+                <a:latin typeface="+mj-lt"/>
+                <a:ea typeface="+mj-ea"/>
+                <a:cs typeface="+mj-cs"/>
+              </a:defRPr>
+            </a:lvl1pPr>
+            <a:lvl2pPr marL="742950" indent="-285750" algn="l" defTabSz="457200" rtl="0" eaLnBrk="1" latinLnBrk="0" hangingPunct="1">
+              <a:spcBef>
+                <a:spcPts val="1000"/>
+              </a:spcBef>
+              <a:spcAft>
+                <a:spcPts val="0"/>
+              </a:spcAft>
+              <a:buClr>
+                <a:schemeClr val="bg2">
+                  <a:lumMod val="40000"/>
+                  <a:lumOff val="60000"/>
+                </a:schemeClr>
+              </a:buClr>
+              <a:buSzPct val="80000"/>
+              <a:buFont typeface="Wingdings 3" charset="2"/>
+              <a:buChar char=""/>
+              <a:defRPr sz="1800" b="0" i="0" kern="1200">
+                <a:solidFill>
+                  <a:schemeClr val="tx1"/>
+                </a:solidFill>
+                <a:latin typeface="+mj-lt"/>
+                <a:ea typeface="+mj-ea"/>
+                <a:cs typeface="+mj-cs"/>
+              </a:defRPr>
+            </a:lvl2pPr>
+            <a:lvl3pPr marL="1143000" indent="-228600" algn="l" defTabSz="457200" rtl="0" eaLnBrk="1" latinLnBrk="0" hangingPunct="1">
+              <a:spcBef>
+                <a:spcPts val="1000"/>
+              </a:spcBef>
+              <a:spcAft>
+                <a:spcPts val="0"/>
+              </a:spcAft>
+              <a:buClr>
+                <a:schemeClr val="bg2">
+                  <a:lumMod val="40000"/>
+                  <a:lumOff val="60000"/>
+                </a:schemeClr>
+              </a:buClr>
+              <a:buSzPct val="80000"/>
+              <a:buFont typeface="Wingdings 3" charset="2"/>
+              <a:buChar char=""/>
+              <a:defRPr sz="1600" b="0" i="0" kern="1200">
+                <a:solidFill>
+                  <a:schemeClr val="tx1"/>
+                </a:solidFill>
+                <a:latin typeface="+mj-lt"/>
+                <a:ea typeface="+mj-ea"/>
+                <a:cs typeface="+mj-cs"/>
+              </a:defRPr>
+            </a:lvl3pPr>
+            <a:lvl4pPr marL="1600200" indent="-228600" algn="l" defTabSz="457200" rtl="0" eaLnBrk="1" latinLnBrk="0" hangingPunct="1">
+              <a:spcBef>
+                <a:spcPts val="1000"/>
+              </a:spcBef>
+              <a:spcAft>
+                <a:spcPts val="0"/>
+              </a:spcAft>
+              <a:buClr>
+                <a:schemeClr val="bg2">
+                  <a:lumMod val="40000"/>
+                  <a:lumOff val="60000"/>
+                </a:schemeClr>
+              </a:buClr>
+              <a:buSzPct val="80000"/>
+              <a:buFont typeface="Wingdings 3" charset="2"/>
+              <a:buChar char=""/>
+              <a:defRPr sz="1400" b="0" i="0" kern="1200">
+                <a:solidFill>
+                  <a:schemeClr val="tx1"/>
+                </a:solidFill>
+                <a:latin typeface="+mj-lt"/>
+                <a:ea typeface="+mj-ea"/>
+                <a:cs typeface="+mj-cs"/>
+              </a:defRPr>
+            </a:lvl4pPr>
+            <a:lvl5pPr marL="2057400" indent="-228600" algn="l" defTabSz="457200" rtl="0" eaLnBrk="1" latinLnBrk="0" hangingPunct="1">
+              <a:spcBef>
+                <a:spcPts val="1000"/>
+              </a:spcBef>
+              <a:spcAft>
+                <a:spcPts val="0"/>
+              </a:spcAft>
+              <a:buClr>
+                <a:schemeClr val="bg2">
+                  <a:lumMod val="40000"/>
+                  <a:lumOff val="60000"/>
+                </a:schemeClr>
+              </a:buClr>
+              <a:buSzPct val="80000"/>
+              <a:buFont typeface="Wingdings 3" charset="2"/>
+              <a:buChar char=""/>
+              <a:defRPr sz="1400" b="0" i="0" kern="1200">
+                <a:solidFill>
+                  <a:schemeClr val="tx1"/>
+                </a:solidFill>
+                <a:latin typeface="+mj-lt"/>
+                <a:ea typeface="+mj-ea"/>
+                <a:cs typeface="+mj-cs"/>
+              </a:defRPr>
+            </a:lvl5pPr>
+            <a:lvl6pPr marL="2506000" indent="-228600" algn="l" defTabSz="457200" rtl="0" eaLnBrk="1" latinLnBrk="0" hangingPunct="1">
+              <a:spcBef>
+                <a:spcPts val="1000"/>
+              </a:spcBef>
+              <a:spcAft>
+                <a:spcPts val="0"/>
+              </a:spcAft>
+              <a:buClr>
+                <a:schemeClr val="bg2">
+                  <a:lumMod val="40000"/>
+                  <a:lumOff val="60000"/>
+                </a:schemeClr>
+              </a:buClr>
+              <a:buSzPct val="80000"/>
+              <a:buFont typeface="Wingdings 3" charset="2"/>
+              <a:buChar char=""/>
+              <a:defRPr sz="1400" b="0" i="0" kern="1200">
+                <a:solidFill>
+                  <a:schemeClr val="tx1"/>
+                </a:solidFill>
+                <a:latin typeface="+mj-lt"/>
+                <a:ea typeface="+mj-ea"/>
+                <a:cs typeface="+mj-cs"/>
+              </a:defRPr>
+            </a:lvl6pPr>
+            <a:lvl7pPr marL="2971800" indent="-228600" algn="l" defTabSz="457200" rtl="0" eaLnBrk="1" latinLnBrk="0" hangingPunct="1">
+              <a:spcBef>
+                <a:spcPts val="1000"/>
+              </a:spcBef>
+              <a:spcAft>
+                <a:spcPts val="0"/>
+              </a:spcAft>
+              <a:buClr>
+                <a:schemeClr val="bg2">
+                  <a:lumMod val="40000"/>
+                  <a:lumOff val="60000"/>
+                </a:schemeClr>
+              </a:buClr>
+              <a:buSzPct val="80000"/>
+              <a:buFont typeface="Wingdings 3" charset="2"/>
+              <a:buChar char=""/>
+              <a:defRPr sz="1400" b="0" i="0" kern="1200">
+                <a:solidFill>
+                  <a:schemeClr val="tx1"/>
+                </a:solidFill>
+                <a:latin typeface="+mj-lt"/>
+                <a:ea typeface="+mj-ea"/>
+                <a:cs typeface="+mj-cs"/>
+              </a:defRPr>
+            </a:lvl7pPr>
+            <a:lvl8pPr marL="3429000" indent="-228600" algn="l" defTabSz="457200" rtl="0" eaLnBrk="1" latinLnBrk="0" hangingPunct="1">
+              <a:spcBef>
+                <a:spcPts val="1000"/>
+              </a:spcBef>
+              <a:spcAft>
+                <a:spcPts val="0"/>
+              </a:spcAft>
+              <a:buClr>
+                <a:schemeClr val="bg2">
+                  <a:lumMod val="40000"/>
+                  <a:lumOff val="60000"/>
+                </a:schemeClr>
+              </a:buClr>
+              <a:buSzPct val="80000"/>
+              <a:buFont typeface="Wingdings 3" charset="2"/>
+              <a:buChar char=""/>
+              <a:defRPr sz="1400" b="0" i="0" kern="1200">
+                <a:solidFill>
+                  <a:schemeClr val="tx1"/>
+                </a:solidFill>
+                <a:latin typeface="+mj-lt"/>
+                <a:ea typeface="+mj-ea"/>
+                <a:cs typeface="+mj-cs"/>
+              </a:defRPr>
+            </a:lvl8pPr>
+            <a:lvl9pPr marL="3886200" indent="-228600" algn="l" defTabSz="457200" rtl="0" eaLnBrk="1" latinLnBrk="0" hangingPunct="1">
+              <a:spcBef>
+                <a:spcPts val="1000"/>
+              </a:spcBef>
+              <a:spcAft>
+                <a:spcPts val="0"/>
+              </a:spcAft>
+              <a:buClr>
+                <a:schemeClr val="bg2">
+                  <a:lumMod val="40000"/>
+                  <a:lumOff val="60000"/>
+                </a:schemeClr>
+              </a:buClr>
+              <a:buSzPct val="80000"/>
+              <a:buFont typeface="Wingdings 3" charset="2"/>
+              <a:buChar char=""/>
+              <a:defRPr sz="1400" b="0" i="0" kern="1200">
+                <a:solidFill>
+                  <a:schemeClr val="tx1"/>
+                </a:solidFill>
+                <a:latin typeface="+mj-lt"/>
+                <a:ea typeface="+mj-ea"/>
+                <a:cs typeface="+mj-cs"/>
+              </a:defRPr>
+            </a:lvl9pPr>
+          </a:lstStyle>
+          <a:p>
+            <a:r>
+              <a:rPr lang="en-US" dirty="0"/>
+              <a:t>Top 3 most frequent wineries in each country</a:t>
+            </a:r>
+          </a:p>
+          <a:p>
+            <a:r>
+              <a:rPr lang="en-US" dirty="0"/>
+              <a:t>100% of prices</a:t>
+            </a:r>
+          </a:p>
+          <a:p>
+            <a:r>
+              <a:rPr lang="en-US" dirty="0"/>
+              <a:t>Small improvement in standard error</a:t>
             </a:r>
           </a:p>
         </p:txBody>
       </p:sp>
       <p:pic>
         <p:nvPicPr>
-          <p:cNvPr id="11" name="Content Placeholder 5">
+          <p:cNvPr id="9" name="Picture 8">
             <a:extLst>
               <a:ext uri="{FF2B5EF4-FFF2-40B4-BE49-F238E27FC236}">
-                <a16:creationId xmlns:a16="http://schemas.microsoft.com/office/drawing/2014/main" id="{C4CAC10B-F8E8-4C30-9506-1849547B8ACC}"/>
+                <a16:creationId xmlns:a16="http://schemas.microsoft.com/office/drawing/2014/main" xmlns="" id="{5C5ACF31-1015-4ABE-83B6-243BF7E577D6}"/>
               </a:ext>
             </a:extLst>
           </p:cNvPr>
@@ -6308,369 +7426,35 @@
         </p:blipFill>
         <p:spPr>
           <a:xfrm>
-            <a:off x="6094410" y="1277495"/>
-            <a:ext cx="5449471" cy="1982610"/>
-          </a:xfrm>
-          <a:prstGeom prst="rect">
-            <a:avLst/>
-          </a:prstGeom>
-          <a:effectLst/>
-        </p:spPr>
-      </p:pic>
-      <p:sp>
-        <p:nvSpPr>
-          <p:cNvPr id="13" name="Content Placeholder 12">
-            <a:extLst>
-              <a:ext uri="{FF2B5EF4-FFF2-40B4-BE49-F238E27FC236}">
-                <a16:creationId xmlns:a16="http://schemas.microsoft.com/office/drawing/2014/main" id="{CCBA827A-E4C5-46BE-80A4-09008D7EE4B5}"/>
-              </a:ext>
-            </a:extLst>
-          </p:cNvPr>
-          <p:cNvSpPr>
-            <a:spLocks noGrp="1"/>
-          </p:cNvSpPr>
-          <p:nvPr>
-            <p:ph sz="half" idx="1"/>
-          </p:nvPr>
-        </p:nvSpPr>
-        <p:spPr>
-          <a:xfrm>
-            <a:off x="646113" y="2052918"/>
-            <a:ext cx="4165146" cy="4195481"/>
-          </a:xfrm>
-        </p:spPr>
-        <p:txBody>
-          <a:bodyPr vert="horz" lIns="91440" tIns="45720" rIns="91440" bIns="45720" rtlCol="0">
-            <a:normAutofit fontScale="85000" lnSpcReduction="10000"/>
-          </a:bodyPr>
-          <a:lstStyle/>
-          <a:p>
-            <a:r>
-              <a:rPr lang="en-US" dirty="0"/>
-              <a:t>Precision, the ability of a classifier not to label an instance red that is actually white and vise versa. Weighted avg of 86% (red), 87% (white)</a:t>
-            </a:r>
-          </a:p>
-          <a:p>
-            <a:r>
-              <a:rPr lang="en-US" dirty="0"/>
-              <a:t>Recall is the ability of a classifier to find all red or white instances, respectively.  Weighted avg of 88% for both.</a:t>
-            </a:r>
-          </a:p>
-          <a:p>
-            <a:r>
-              <a:rPr lang="en-US" dirty="0"/>
-              <a:t>F1 score is a weighted harmonic mean of precision and recall such that the best score is 1.0 and the worst is 0.0. The weighted average of F1 should be used to compare classifier models, not global accuracy.</a:t>
-            </a:r>
-          </a:p>
-          <a:p>
-            <a:r>
-              <a:rPr lang="en-US" dirty="0"/>
-              <a:t>Support is the number of actual occurrences of the class in the specified dataset.</a:t>
-            </a:r>
-          </a:p>
-        </p:txBody>
-      </p:sp>
-      <p:pic>
-        <p:nvPicPr>
-          <p:cNvPr id="8" name="Content Placeholder 7">
-            <a:extLst>
-              <a:ext uri="{FF2B5EF4-FFF2-40B4-BE49-F238E27FC236}">
-                <a16:creationId xmlns:a16="http://schemas.microsoft.com/office/drawing/2014/main" id="{CBD53F6F-1595-4BE5-A110-D6E6FD2FE694}"/>
-              </a:ext>
-            </a:extLst>
-          </p:cNvPr>
-          <p:cNvPicPr>
-            <a:picLocks noGrp="1" noChangeAspect="1"/>
-          </p:cNvPicPr>
-          <p:nvPr>
-            <p:ph sz="half" idx="2"/>
-          </p:nvPr>
-        </p:nvPicPr>
-        <p:blipFill>
-          <a:blip r:embed="rId3"/>
-          <a:stretch>
-            <a:fillRect/>
-          </a:stretch>
-        </p:blipFill>
-        <p:spPr>
-          <a:xfrm>
-            <a:off x="6094410" y="4216704"/>
-            <a:ext cx="5449471" cy="1929792"/>
-          </a:xfrm>
-          <a:prstGeom prst="rect">
-            <a:avLst/>
-          </a:prstGeom>
-          <a:effectLst/>
-        </p:spPr>
-      </p:pic>
-      <p:sp>
-        <p:nvSpPr>
-          <p:cNvPr id="9" name="Rectangle 8">
-            <a:extLst>
-              <a:ext uri="{FF2B5EF4-FFF2-40B4-BE49-F238E27FC236}">
-                <a16:creationId xmlns:a16="http://schemas.microsoft.com/office/drawing/2014/main" id="{430BE6C0-C3BC-4135-A09E-7F39A4DC450D}"/>
-              </a:ext>
-            </a:extLst>
-          </p:cNvPr>
-          <p:cNvSpPr/>
-          <p:nvPr/>
-        </p:nvSpPr>
-        <p:spPr>
-          <a:xfrm>
-            <a:off x="7482468" y="828769"/>
-            <a:ext cx="2133463" cy="369332"/>
+            <a:off x="423862" y="2067495"/>
+            <a:ext cx="5934075" cy="3495675"/>
           </a:xfrm>
           <a:prstGeom prst="rect">
             <a:avLst/>
           </a:prstGeom>
         </p:spPr>
-        <p:txBody>
-          <a:bodyPr wrap="square">
-            <a:spAutoFit/>
-          </a:bodyPr>
-          <a:lstStyle/>
-          <a:p>
-            <a:r>
-              <a:rPr lang="en-US" b="1" u="sng" dirty="0">
-                <a:solidFill>
-                  <a:schemeClr val="bg1"/>
-                </a:solidFill>
-              </a:rPr>
-              <a:t>Red Wine</a:t>
-            </a:r>
-          </a:p>
-        </p:txBody>
-      </p:sp>
-      <p:sp>
-        <p:nvSpPr>
-          <p:cNvPr id="10" name="Rectangle 9">
-            <a:extLst>
-              <a:ext uri="{FF2B5EF4-FFF2-40B4-BE49-F238E27FC236}">
-                <a16:creationId xmlns:a16="http://schemas.microsoft.com/office/drawing/2014/main" id="{63D7D748-C6E4-4FBD-BE6C-934A3F4A86E2}"/>
-              </a:ext>
-            </a:extLst>
-          </p:cNvPr>
-          <p:cNvSpPr/>
-          <p:nvPr/>
-        </p:nvSpPr>
-        <p:spPr>
-          <a:xfrm>
-            <a:off x="7539146" y="3744157"/>
-            <a:ext cx="2133463" cy="369332"/>
-          </a:xfrm>
-          <a:prstGeom prst="rect">
-            <a:avLst/>
-          </a:prstGeom>
-        </p:spPr>
-        <p:txBody>
-          <a:bodyPr wrap="square">
-            <a:spAutoFit/>
-          </a:bodyPr>
-          <a:lstStyle/>
-          <a:p>
-            <a:r>
-              <a:rPr lang="en-US" b="1" u="sng" dirty="0">
-                <a:solidFill>
-                  <a:schemeClr val="bg1"/>
-                </a:solidFill>
-              </a:rPr>
-              <a:t>White Wine</a:t>
-            </a:r>
-          </a:p>
-        </p:txBody>
-      </p:sp>
+      </p:pic>
     </p:spTree>
     <p:extLst>
       <p:ext uri="{BB962C8B-B14F-4D97-AF65-F5344CB8AC3E}">
-        <p14:creationId xmlns:p14="http://schemas.microsoft.com/office/powerpoint/2010/main" val="2292703838"/>
+        <p14:creationId xmlns:p14="http://schemas.microsoft.com/office/powerpoint/2010/main" val="1562431829"/>
       </p:ext>
     </p:extLst>
   </p:cSld>
   <p:clrMapOvr>
     <a:masterClrMapping/>
   </p:clrMapOvr>
+  <p:timing>
+    <p:tnLst>
+      <p:par>
+        <p:cTn id="1" dur="indefinite" restart="never" nodeType="tmRoot"/>
+      </p:par>
+    </p:tnLst>
+  </p:timing>
 </p:sld>
 </file>
 
 <file path=ppt/slides/slide3.xml><?xml version="1.0" encoding="utf-8"?>
-<p:sld xmlns:a="http://schemas.openxmlformats.org/drawingml/2006/main" xmlns:r="http://schemas.openxmlformats.org/officeDocument/2006/relationships" xmlns:p="http://schemas.openxmlformats.org/presentationml/2006/main">
-  <p:cSld>
-    <p:spTree>
-      <p:nvGrpSpPr>
-        <p:cNvPr id="1" name=""/>
-        <p:cNvGrpSpPr/>
-        <p:nvPr/>
-      </p:nvGrpSpPr>
-      <p:grpSpPr>
-        <a:xfrm>
-          <a:off x="0" y="0"/>
-          <a:ext cx="0" cy="0"/>
-          <a:chOff x="0" y="0"/>
-          <a:chExt cx="0" cy="0"/>
-        </a:xfrm>
-      </p:grpSpPr>
-      <p:sp>
-        <p:nvSpPr>
-          <p:cNvPr id="2" name="Title 1">
-            <a:extLst>
-              <a:ext uri="{FF2B5EF4-FFF2-40B4-BE49-F238E27FC236}">
-                <a16:creationId xmlns:a16="http://schemas.microsoft.com/office/drawing/2014/main" id="{08C5B64C-3C32-4062-9C30-A5FD3F8EC692}"/>
-              </a:ext>
-            </a:extLst>
-          </p:cNvPr>
-          <p:cNvSpPr>
-            <a:spLocks noGrp="1"/>
-          </p:cNvSpPr>
-          <p:nvPr>
-            <p:ph type="title"/>
-          </p:nvPr>
-        </p:nvSpPr>
-        <p:spPr>
-          <a:xfrm>
-            <a:off x="648931" y="629266"/>
-            <a:ext cx="4166510" cy="1622321"/>
-          </a:xfrm>
-        </p:spPr>
-        <p:txBody>
-          <a:bodyPr vert="horz" lIns="91440" tIns="45720" rIns="91440" bIns="45720" rtlCol="0" anchor="t">
-            <a:normAutofit/>
-          </a:bodyPr>
-          <a:lstStyle/>
-          <a:p>
-            <a:r>
-              <a:rPr lang="en-US" b="1" i="0" kern="1200" dirty="0">
-                <a:solidFill>
-                  <a:srgbClr val="EBEBEB"/>
-                </a:solidFill>
-                <a:latin typeface="+mj-lt"/>
-                <a:ea typeface="+mj-ea"/>
-                <a:cs typeface="+mj-cs"/>
-              </a:rPr>
-              <a:t>Cross Validation</a:t>
-            </a:r>
-          </a:p>
-        </p:txBody>
-      </p:sp>
-      <p:pic>
-        <p:nvPicPr>
-          <p:cNvPr id="6" name="Content Placeholder 5">
-            <a:extLst>
-              <a:ext uri="{FF2B5EF4-FFF2-40B4-BE49-F238E27FC236}">
-                <a16:creationId xmlns:a16="http://schemas.microsoft.com/office/drawing/2014/main" id="{830A6D65-BEED-4924-83CD-0B83564993C9}"/>
-              </a:ext>
-            </a:extLst>
-          </p:cNvPr>
-          <p:cNvPicPr>
-            <a:picLocks noGrp="1" noChangeAspect="1"/>
-          </p:cNvPicPr>
-          <p:nvPr>
-            <p:ph sz="half" idx="2"/>
-          </p:nvPr>
-        </p:nvPicPr>
-        <p:blipFill>
-          <a:blip r:embed="rId2"/>
-          <a:stretch>
-            <a:fillRect/>
-          </a:stretch>
-        </p:blipFill>
-        <p:spPr>
-          <a:xfrm>
-            <a:off x="6093992" y="2134650"/>
-            <a:ext cx="5449889" cy="2588697"/>
-          </a:xfrm>
-          <a:prstGeom prst="rect">
-            <a:avLst/>
-          </a:prstGeom>
-          <a:effectLst/>
-        </p:spPr>
-      </p:pic>
-      <p:sp>
-        <p:nvSpPr>
-          <p:cNvPr id="3" name="Content Placeholder 2">
-            <a:extLst>
-              <a:ext uri="{FF2B5EF4-FFF2-40B4-BE49-F238E27FC236}">
-                <a16:creationId xmlns:a16="http://schemas.microsoft.com/office/drawing/2014/main" id="{605E3EB4-1D75-429F-8F5F-6B0CFA0D5228}"/>
-              </a:ext>
-            </a:extLst>
-          </p:cNvPr>
-          <p:cNvSpPr>
-            <a:spLocks noGrp="1"/>
-          </p:cNvSpPr>
-          <p:nvPr>
-            <p:ph sz="half" idx="1"/>
-          </p:nvPr>
-        </p:nvSpPr>
-        <p:spPr>
-          <a:xfrm>
-            <a:off x="693942" y="2443315"/>
-            <a:ext cx="4166509" cy="3785419"/>
-          </a:xfrm>
-        </p:spPr>
-        <p:txBody>
-          <a:bodyPr vert="horz" lIns="91440" tIns="45720" rIns="91440" bIns="45720" rtlCol="0">
-            <a:normAutofit/>
-          </a:bodyPr>
-          <a:lstStyle/>
-          <a:p>
-            <a:r>
-              <a:rPr lang="en-US" dirty="0">
-                <a:solidFill>
-                  <a:srgbClr val="EBEBEB"/>
-                </a:solidFill>
-              </a:rPr>
-              <a:t>Using 1 subset of the data as the validation data.  It got through each subset as the validation data and averages the results.</a:t>
-            </a:r>
-          </a:p>
-          <a:p>
-            <a:r>
-              <a:rPr lang="en-US" dirty="0">
-                <a:solidFill>
-                  <a:srgbClr val="EBEBEB"/>
-                </a:solidFill>
-              </a:rPr>
-              <a:t>Testing multiple number of subsets, found that 10 gave the best results</a:t>
-            </a:r>
-          </a:p>
-          <a:p>
-            <a:r>
-              <a:rPr lang="en-US" dirty="0">
-                <a:solidFill>
-                  <a:srgbClr val="EBEBEB"/>
-                </a:solidFill>
-              </a:rPr>
-              <a:t>The cross validation score for red wine was 91.55% and white wine 91.24%</a:t>
-            </a:r>
-          </a:p>
-          <a:p>
-            <a:endParaRPr lang="en-US" dirty="0">
-              <a:solidFill>
-                <a:srgbClr val="EBEBEB"/>
-              </a:solidFill>
-            </a:endParaRPr>
-          </a:p>
-          <a:p>
-            <a:endParaRPr lang="en-US" dirty="0">
-              <a:solidFill>
-                <a:srgbClr val="EBEBEB"/>
-              </a:solidFill>
-            </a:endParaRPr>
-          </a:p>
-        </p:txBody>
-      </p:sp>
-    </p:spTree>
-    <p:extLst>
-      <p:ext uri="{BB962C8B-B14F-4D97-AF65-F5344CB8AC3E}">
-        <p14:creationId xmlns:p14="http://schemas.microsoft.com/office/powerpoint/2010/main" val="850099923"/>
-      </p:ext>
-    </p:extLst>
-  </p:cSld>
-  <p:clrMapOvr>
-    <a:masterClrMapping/>
-  </p:clrMapOvr>
-</p:sld>
-</file>
-
-<file path=ppt/slides/slide4.xml><?xml version="1.0" encoding="utf-8"?>
 <p:sld xmlns:a="http://schemas.openxmlformats.org/drawingml/2006/main" xmlns:r="http://schemas.openxmlformats.org/officeDocument/2006/relationships" xmlns:p="http://schemas.openxmlformats.org/presentationml/2006/main">
   <p:cSld>
     <p:bg>
@@ -6714,13 +7498,13 @@
       </p:grpSpPr>
       <p:pic>
         <p:nvPicPr>
-          <p:cNvPr id="15" name="Picture 14">
+          <p:cNvPr id="84" name="Picture 83">
             <a:extLst>
               <a:ext uri="{FF2B5EF4-FFF2-40B4-BE49-F238E27FC236}">
-                <a16:creationId xmlns:a16="http://schemas.microsoft.com/office/drawing/2014/main" id="{412E3267-7ABE-412B-8580-47EC0D1F61FE}"/>
+                <a16:creationId xmlns:a16="http://schemas.microsoft.com/office/drawing/2014/main" xmlns="" id="{BD310164-D3A3-415E-9D94-5D21D9FB2F6C}"/>
               </a:ext>
               <a:ext uri="{C183D7F6-B498-43B3-948B-1728B52AA6E4}">
-                <adec:decorative xmlns:adec="http://schemas.microsoft.com/office/drawing/2017/decorative" val="1"/>
+                <adec:decorative xmlns:adec="http://schemas.microsoft.com/office/drawing/2017/decorative" xmlns="" val="1"/>
               </a:ext>
             </a:extLst>
           </p:cNvPr>
@@ -6730,7 +7514,7 @@
           <p:nvPr>
             <p:extLst>
               <p:ext uri="{386F3935-93C4-4BCD-93E2-E3B085C9AB24}">
-                <p16:designElem xmlns:p16="http://schemas.microsoft.com/office/powerpoint/2015/main" val="1"/>
+                <p16:designElem xmlns:p16="http://schemas.microsoft.com/office/powerpoint/2015/main" xmlns="" val="1"/>
               </p:ext>
             </p:extLst>
           </p:nvPr>
@@ -6758,13 +7542,13 @@
       </p:pic>
       <p:pic>
         <p:nvPicPr>
-          <p:cNvPr id="17" name="Picture 16">
+          <p:cNvPr id="86" name="Picture 85">
             <a:extLst>
               <a:ext uri="{FF2B5EF4-FFF2-40B4-BE49-F238E27FC236}">
-                <a16:creationId xmlns:a16="http://schemas.microsoft.com/office/drawing/2014/main" id="{20B62C5A-2250-4380-AB23-DB87446CCED0}"/>
+                <a16:creationId xmlns:a16="http://schemas.microsoft.com/office/drawing/2014/main" xmlns="" id="{BE586E08-18BF-4AB1-AB48-4005D567343E}"/>
               </a:ext>
               <a:ext uri="{C183D7F6-B498-43B3-948B-1728B52AA6E4}">
-                <adec:decorative xmlns:adec="http://schemas.microsoft.com/office/drawing/2017/decorative" val="1"/>
+                <adec:decorative xmlns:adec="http://schemas.microsoft.com/office/drawing/2017/decorative" xmlns="" val="1"/>
               </a:ext>
             </a:extLst>
           </p:cNvPr>
@@ -6774,7 +7558,7 @@
           <p:nvPr>
             <p:extLst>
               <p:ext uri="{386F3935-93C4-4BCD-93E2-E3B085C9AB24}">
-                <p16:designElem xmlns:p16="http://schemas.microsoft.com/office/powerpoint/2015/main" val="1"/>
+                <p16:designElem xmlns:p16="http://schemas.microsoft.com/office/powerpoint/2015/main" xmlns="" val="1"/>
               </p:ext>
             </p:extLst>
           </p:nvPr>
@@ -6802,13 +7586,13 @@
       </p:pic>
       <p:sp>
         <p:nvSpPr>
-          <p:cNvPr id="19" name="Oval 18">
+          <p:cNvPr id="88" name="Oval 87">
             <a:extLst>
               <a:ext uri="{FF2B5EF4-FFF2-40B4-BE49-F238E27FC236}">
-                <a16:creationId xmlns:a16="http://schemas.microsoft.com/office/drawing/2014/main" id="{D42CF425-7213-4F89-B0FF-4C2BDDD9C680}"/>
+                <a16:creationId xmlns:a16="http://schemas.microsoft.com/office/drawing/2014/main" xmlns="" id="{4A497DBC-2692-42B4-A606-31024033F7C0}"/>
               </a:ext>
               <a:ext uri="{C183D7F6-B498-43B3-948B-1728B52AA6E4}">
-                <adec:decorative xmlns:adec="http://schemas.microsoft.com/office/drawing/2017/decorative" val="1"/>
+                <adec:decorative xmlns:adec="http://schemas.microsoft.com/office/drawing/2017/decorative" xmlns="" val="1"/>
               </a:ext>
             </a:extLst>
           </p:cNvPr>
@@ -6818,7 +7602,7 @@
           <p:nvPr>
             <p:extLst>
               <p:ext uri="{386F3935-93C4-4BCD-93E2-E3B085C9AB24}">
-                <p16:designElem xmlns:p16="http://schemas.microsoft.com/office/powerpoint/2015/main" val="1"/>
+                <p16:designElem xmlns:p16="http://schemas.microsoft.com/office/powerpoint/2015/main" xmlns="" val="1"/>
               </p:ext>
             </p:extLst>
           </p:nvPr>
@@ -6882,13 +7666,13 @@
       </p:sp>
       <p:pic>
         <p:nvPicPr>
-          <p:cNvPr id="21" name="Picture 20">
+          <p:cNvPr id="90" name="Picture 89">
             <a:extLst>
               <a:ext uri="{FF2B5EF4-FFF2-40B4-BE49-F238E27FC236}">
-                <a16:creationId xmlns:a16="http://schemas.microsoft.com/office/drawing/2014/main" id="{D35DA97D-88F8-4249-B650-4FC9FD50A382}"/>
+                <a16:creationId xmlns:a16="http://schemas.microsoft.com/office/drawing/2014/main" xmlns="" id="{3517A192-66A9-4297-9284-65580829ABF1}"/>
               </a:ext>
               <a:ext uri="{C183D7F6-B498-43B3-948B-1728B52AA6E4}">
-                <adec:decorative xmlns:adec="http://schemas.microsoft.com/office/drawing/2017/decorative" val="1"/>
+                <adec:decorative xmlns:adec="http://schemas.microsoft.com/office/drawing/2017/decorative" xmlns="" val="1"/>
               </a:ext>
             </a:extLst>
           </p:cNvPr>
@@ -6898,7 +7682,7 @@
           <p:nvPr>
             <p:extLst>
               <p:ext uri="{386F3935-93C4-4BCD-93E2-E3B085C9AB24}">
-                <p16:designElem xmlns:p16="http://schemas.microsoft.com/office/powerpoint/2015/main" val="1"/>
+                <p16:designElem xmlns:p16="http://schemas.microsoft.com/office/powerpoint/2015/main" xmlns="" val="1"/>
               </p:ext>
             </p:extLst>
           </p:nvPr>
@@ -6926,13 +7710,13 @@
       </p:pic>
       <p:pic>
         <p:nvPicPr>
-          <p:cNvPr id="23" name="Picture 22">
+          <p:cNvPr id="92" name="Picture 91">
             <a:extLst>
               <a:ext uri="{FF2B5EF4-FFF2-40B4-BE49-F238E27FC236}">
-                <a16:creationId xmlns:a16="http://schemas.microsoft.com/office/drawing/2014/main" id="{43F38673-6E30-4BAE-AC67-0B283EBF4291}"/>
+                <a16:creationId xmlns:a16="http://schemas.microsoft.com/office/drawing/2014/main" xmlns="" id="{130825ED-0133-430D-BBBB-50B6F5228448}"/>
               </a:ext>
               <a:ext uri="{C183D7F6-B498-43B3-948B-1728B52AA6E4}">
-                <adec:decorative xmlns:adec="http://schemas.microsoft.com/office/drawing/2017/decorative" val="1"/>
+                <adec:decorative xmlns:adec="http://schemas.microsoft.com/office/drawing/2017/decorative" xmlns="" val="1"/>
               </a:ext>
             </a:extLst>
           </p:cNvPr>
@@ -6942,7 +7726,7 @@
           <p:nvPr>
             <p:extLst>
               <p:ext uri="{386F3935-93C4-4BCD-93E2-E3B085C9AB24}">
-                <p16:designElem xmlns:p16="http://schemas.microsoft.com/office/powerpoint/2015/main" val="1"/>
+                <p16:designElem xmlns:p16="http://schemas.microsoft.com/office/powerpoint/2015/main" xmlns="" val="1"/>
               </p:ext>
             </p:extLst>
           </p:nvPr>
@@ -6970,13 +7754,13 @@
       </p:pic>
       <p:sp>
         <p:nvSpPr>
-          <p:cNvPr id="25" name="Rectangle 24">
+          <p:cNvPr id="94" name="Rectangle 93">
             <a:extLst>
               <a:ext uri="{FF2B5EF4-FFF2-40B4-BE49-F238E27FC236}">
-                <a16:creationId xmlns:a16="http://schemas.microsoft.com/office/drawing/2014/main" id="{202A25CB-1ED1-4C87-AB49-8D3BC684D1CE}"/>
+                <a16:creationId xmlns:a16="http://schemas.microsoft.com/office/drawing/2014/main" xmlns="" id="{633F040E-FA1C-4EDC-B925-7EFCB9582839}"/>
               </a:ext>
               <a:ext uri="{C183D7F6-B498-43B3-948B-1728B52AA6E4}">
-                <adec:decorative xmlns:adec="http://schemas.microsoft.com/office/drawing/2017/decorative" val="1"/>
+                <adec:decorative xmlns:adec="http://schemas.microsoft.com/office/drawing/2017/decorative" xmlns="" val="1"/>
               </a:ext>
             </a:extLst>
           </p:cNvPr>
@@ -6986,7 +7770,7 @@
           <p:nvPr>
             <p:extLst>
               <p:ext uri="{386F3935-93C4-4BCD-93E2-E3B085C9AB24}">
-                <p16:designElem xmlns:p16="http://schemas.microsoft.com/office/powerpoint/2015/main" val="1"/>
+                <p16:designElem xmlns:p16="http://schemas.microsoft.com/office/powerpoint/2015/main" xmlns="" val="1"/>
               </p:ext>
             </p:extLst>
           </p:nvPr>
@@ -7026,7 +7810,606 @@
           <p:cNvPr id="2" name="Title 1">
             <a:extLst>
               <a:ext uri="{FF2B5EF4-FFF2-40B4-BE49-F238E27FC236}">
-                <a16:creationId xmlns:a16="http://schemas.microsoft.com/office/drawing/2014/main" id="{08C5B64C-3C32-4062-9C30-A5FD3F8EC692}"/>
+                <a16:creationId xmlns:a16="http://schemas.microsoft.com/office/drawing/2014/main" xmlns="" id="{A22B86D7-1645-4564-A3E7-700357D93592}"/>
+              </a:ext>
+            </a:extLst>
+          </p:cNvPr>
+          <p:cNvSpPr>
+            <a:spLocks noGrp="1"/>
+          </p:cNvSpPr>
+          <p:nvPr>
+            <p:ph type="title"/>
+          </p:nvPr>
+        </p:nvSpPr>
+        <p:spPr>
+          <a:xfrm>
+            <a:off x="7552578" y="253074"/>
+            <a:ext cx="4480105" cy="4510768"/>
+          </a:xfrm>
+        </p:spPr>
+        <p:txBody>
+          <a:bodyPr vert="horz" lIns="91440" tIns="45720" rIns="91440" bIns="45720" rtlCol="0" anchor="b">
+            <a:noAutofit/>
+          </a:bodyPr>
+          <a:lstStyle/>
+          <a:p>
+            <a:r>
+              <a:rPr lang="en-US" sz="2400" dirty="0"/>
+              <a:t>Deep Learning Model</a:t>
+            </a:r>
+            <a:br>
+              <a:rPr lang="en-US" sz="2400" dirty="0"/>
+            </a:br>
+            <a:r>
+              <a:rPr lang="en-US" sz="2400" dirty="0"/>
+              <a:t/>
+            </a:r>
+            <a:br>
+              <a:rPr lang="en-US" sz="2400" dirty="0"/>
+            </a:br>
+            <a:r>
+              <a:rPr lang="en-US" sz="2400" dirty="0"/>
+              <a:t>Better at predicting extreme price ranges with same inputs</a:t>
+            </a:r>
+          </a:p>
+        </p:txBody>
+      </p:sp>
+      <p:sp>
+        <p:nvSpPr>
+          <p:cNvPr id="96" name="Rectangle 95">
+            <a:extLst>
+              <a:ext uri="{FF2B5EF4-FFF2-40B4-BE49-F238E27FC236}">
+                <a16:creationId xmlns:a16="http://schemas.microsoft.com/office/drawing/2014/main" xmlns="" id="{3FDC3884-AF10-42EC-A828-643B6154F9F5}"/>
+              </a:ext>
+              <a:ext uri="{C183D7F6-B498-43B3-948B-1728B52AA6E4}">
+                <adec:decorative xmlns:adec="http://schemas.microsoft.com/office/drawing/2017/decorative" xmlns="" val="1"/>
+              </a:ext>
+            </a:extLst>
+          </p:cNvPr>
+          <p:cNvSpPr>
+            <a:spLocks noGrp="1" noRot="1" noChangeAspect="1" noMove="1" noResize="1" noEditPoints="1" noAdjustHandles="1" noChangeArrowheads="1" noChangeShapeType="1" noTextEdit="1"/>
+          </p:cNvSpPr>
+          <p:nvPr>
+            <p:extLst>
+              <p:ext uri="{386F3935-93C4-4BCD-93E2-E3B085C9AB24}">
+                <p16:designElem xmlns:p16="http://schemas.microsoft.com/office/powerpoint/2015/main" xmlns="" val="1"/>
+              </p:ext>
+            </p:extLst>
+          </p:nvPr>
+        </p:nvSpPr>
+        <p:spPr>
+          <a:xfrm>
+            <a:off x="636914" y="639905"/>
+            <a:ext cx="6915664" cy="5578188"/>
+          </a:xfrm>
+          <a:prstGeom prst="rect">
+            <a:avLst/>
+          </a:prstGeom>
+          <a:solidFill>
+            <a:srgbClr val="FFFFFF"/>
+          </a:solidFill>
+          <a:ln>
+            <a:noFill/>
+          </a:ln>
+        </p:spPr>
+        <p:style>
+          <a:lnRef idx="2">
+            <a:schemeClr val="accent1">
+              <a:shade val="50000"/>
+            </a:schemeClr>
+          </a:lnRef>
+          <a:fillRef idx="1">
+            <a:schemeClr val="accent1"/>
+          </a:fillRef>
+          <a:effectRef idx="0">
+            <a:schemeClr val="accent1"/>
+          </a:effectRef>
+          <a:fontRef idx="minor">
+            <a:schemeClr val="lt1"/>
+          </a:fontRef>
+        </p:style>
+        <p:txBody>
+          <a:bodyPr rtlCol="0" anchor="ctr"/>
+          <a:lstStyle/>
+          <a:p>
+            <a:pPr algn="ctr"/>
+            <a:endParaRPr lang="en-US"/>
+          </a:p>
+        </p:txBody>
+      </p:sp>
+      <p:pic>
+        <p:nvPicPr>
+          <p:cNvPr id="4100" name="Picture 4">
+            <a:extLst>
+              <a:ext uri="{FF2B5EF4-FFF2-40B4-BE49-F238E27FC236}">
+                <a16:creationId xmlns:a16="http://schemas.microsoft.com/office/drawing/2014/main" xmlns="" id="{8B33559A-2A3A-4095-B529-255757396E5F}"/>
+              </a:ext>
+            </a:extLst>
+          </p:cNvPr>
+          <p:cNvPicPr>
+            <a:picLocks noChangeAspect="1" noChangeArrowheads="1"/>
+          </p:cNvPicPr>
+          <p:nvPr/>
+        </p:nvPicPr>
+        <p:blipFill rotWithShape="1">
+          <a:blip r:embed="rId7">
+            <a:extLst>
+              <a:ext uri="{28A0092B-C50C-407E-A947-70E740481C1C}">
+                <a14:useLocalDpi xmlns:a14="http://schemas.microsoft.com/office/drawing/2010/main" val="0"/>
+              </a:ext>
+            </a:extLst>
+          </a:blip>
+          <a:srcRect r="7426" b="-2"/>
+          <a:stretch/>
+        </p:blipFill>
+        <p:spPr bwMode="auto">
+          <a:xfrm>
+            <a:off x="3934597" y="682398"/>
+            <a:ext cx="3399115" cy="2624101"/>
+          </a:xfrm>
+          <a:prstGeom prst="rect">
+            <a:avLst/>
+          </a:prstGeom>
+          <a:noFill/>
+          <a:effectLst/>
+          <a:extLst>
+            <a:ext uri="{909E8E84-426E-40DD-AFC4-6F175D3DCCD1}">
+              <a14:hiddenFill xmlns:a14="http://schemas.microsoft.com/office/drawing/2010/main">
+                <a:solidFill>
+                  <a:srgbClr val="FFFFFF"/>
+                </a:solidFill>
+              </a14:hiddenFill>
+            </a:ext>
+          </a:extLst>
+        </p:spPr>
+      </p:pic>
+      <p:pic>
+        <p:nvPicPr>
+          <p:cNvPr id="4098" name="Picture 2">
+            <a:extLst>
+              <a:ext uri="{FF2B5EF4-FFF2-40B4-BE49-F238E27FC236}">
+                <a16:creationId xmlns:a16="http://schemas.microsoft.com/office/drawing/2014/main" xmlns="" id="{6CF11A9E-B891-4D97-A33D-1567C241E617}"/>
+              </a:ext>
+            </a:extLst>
+          </p:cNvPr>
+          <p:cNvPicPr>
+            <a:picLocks noChangeAspect="1" noChangeArrowheads="1"/>
+          </p:cNvPicPr>
+          <p:nvPr/>
+        </p:nvPicPr>
+        <p:blipFill rotWithShape="1">
+          <a:blip r:embed="rId8">
+            <a:extLst>
+              <a:ext uri="{28A0092B-C50C-407E-A947-70E740481C1C}">
+                <a14:useLocalDpi xmlns:a14="http://schemas.microsoft.com/office/drawing/2010/main" val="0"/>
+              </a:ext>
+            </a:extLst>
+          </a:blip>
+          <a:srcRect r="7426" b="-2"/>
+          <a:stretch/>
+        </p:blipFill>
+        <p:spPr bwMode="auto">
+          <a:xfrm>
+            <a:off x="591897" y="682398"/>
+            <a:ext cx="3297683" cy="2624125"/>
+          </a:xfrm>
+          <a:prstGeom prst="rect">
+            <a:avLst/>
+          </a:prstGeom>
+          <a:noFill/>
+          <a:effectLst/>
+          <a:extLst>
+            <a:ext uri="{909E8E84-426E-40DD-AFC4-6F175D3DCCD1}">
+              <a14:hiddenFill xmlns:a14="http://schemas.microsoft.com/office/drawing/2010/main">
+                <a:solidFill>
+                  <a:srgbClr val="FFFFFF"/>
+                </a:solidFill>
+              </a14:hiddenFill>
+            </a:ext>
+          </a:extLst>
+        </p:spPr>
+      </p:pic>
+      <p:pic>
+        <p:nvPicPr>
+          <p:cNvPr id="5" name="Picture 4">
+            <a:extLst>
+              <a:ext uri="{FF2B5EF4-FFF2-40B4-BE49-F238E27FC236}">
+                <a16:creationId xmlns:a16="http://schemas.microsoft.com/office/drawing/2014/main" xmlns="" id="{4FA6E774-41E3-4E94-82DE-7C63B9FD3C1C}"/>
+              </a:ext>
+            </a:extLst>
+          </p:cNvPr>
+          <p:cNvPicPr>
+            <a:picLocks noChangeAspect="1"/>
+          </p:cNvPicPr>
+          <p:nvPr/>
+        </p:nvPicPr>
+        <p:blipFill>
+          <a:blip r:embed="rId9"/>
+          <a:stretch>
+            <a:fillRect/>
+          </a:stretch>
+        </p:blipFill>
+        <p:spPr>
+          <a:xfrm>
+            <a:off x="7711895" y="541332"/>
+            <a:ext cx="2562225" cy="1133475"/>
+          </a:xfrm>
+          <a:prstGeom prst="rect">
+            <a:avLst/>
+          </a:prstGeom>
+        </p:spPr>
+      </p:pic>
+      <p:pic>
+        <p:nvPicPr>
+          <p:cNvPr id="1030" name="Picture 6">
+            <a:extLst>
+              <a:ext uri="{FF2B5EF4-FFF2-40B4-BE49-F238E27FC236}">
+                <a16:creationId xmlns:a16="http://schemas.microsoft.com/office/drawing/2014/main" xmlns="" id="{AFD81008-FC28-4A30-AE23-DA7021DAF472}"/>
+              </a:ext>
+            </a:extLst>
+          </p:cNvPr>
+          <p:cNvPicPr>
+            <a:picLocks noChangeAspect="1" noChangeArrowheads="1"/>
+          </p:cNvPicPr>
+          <p:nvPr/>
+        </p:nvPicPr>
+        <p:blipFill>
+          <a:blip r:embed="rId10">
+            <a:extLst>
+              <a:ext uri="{28A0092B-C50C-407E-A947-70E740481C1C}">
+                <a14:useLocalDpi xmlns:a14="http://schemas.microsoft.com/office/drawing/2010/main" val="0"/>
+              </a:ext>
+            </a:extLst>
+          </a:blip>
+          <a:srcRect/>
+          <a:stretch>
+            <a:fillRect/>
+          </a:stretch>
+        </p:blipFill>
+        <p:spPr bwMode="auto">
+          <a:xfrm>
+            <a:off x="591897" y="3572920"/>
+            <a:ext cx="3546578" cy="2647950"/>
+          </a:xfrm>
+          <a:prstGeom prst="rect">
+            <a:avLst/>
+          </a:prstGeom>
+          <a:noFill/>
+          <a:extLst>
+            <a:ext uri="{909E8E84-426E-40DD-AFC4-6F175D3DCCD1}">
+              <a14:hiddenFill xmlns:a14="http://schemas.microsoft.com/office/drawing/2010/main">
+                <a:solidFill>
+                  <a:srgbClr val="FFFFFF"/>
+                </a:solidFill>
+              </a14:hiddenFill>
+            </a:ext>
+          </a:extLst>
+        </p:spPr>
+      </p:pic>
+      <p:pic>
+        <p:nvPicPr>
+          <p:cNvPr id="1032" name="Picture 8">
+            <a:extLst>
+              <a:ext uri="{FF2B5EF4-FFF2-40B4-BE49-F238E27FC236}">
+                <a16:creationId xmlns:a16="http://schemas.microsoft.com/office/drawing/2014/main" xmlns="" id="{6F8C91D9-A722-4F0F-81CA-13D334C81BEB}"/>
+              </a:ext>
+            </a:extLst>
+          </p:cNvPr>
+          <p:cNvPicPr>
+            <a:picLocks noChangeAspect="1" noChangeArrowheads="1"/>
+          </p:cNvPicPr>
+          <p:nvPr/>
+        </p:nvPicPr>
+        <p:blipFill>
+          <a:blip r:embed="rId11">
+            <a:extLst>
+              <a:ext uri="{28A0092B-C50C-407E-A947-70E740481C1C}">
+                <a14:useLocalDpi xmlns:a14="http://schemas.microsoft.com/office/drawing/2010/main" val="0"/>
+              </a:ext>
+            </a:extLst>
+          </a:blip>
+          <a:srcRect/>
+          <a:stretch>
+            <a:fillRect/>
+          </a:stretch>
+        </p:blipFill>
+        <p:spPr bwMode="auto">
+          <a:xfrm>
+            <a:off x="3972189" y="3570143"/>
+            <a:ext cx="3640489" cy="2647950"/>
+          </a:xfrm>
+          <a:prstGeom prst="rect">
+            <a:avLst/>
+          </a:prstGeom>
+          <a:noFill/>
+          <a:extLst>
+            <a:ext uri="{909E8E84-426E-40DD-AFC4-6F175D3DCCD1}">
+              <a14:hiddenFill xmlns:a14="http://schemas.microsoft.com/office/drawing/2010/main">
+                <a:solidFill>
+                  <a:srgbClr val="FFFFFF"/>
+                </a:solidFill>
+              </a14:hiddenFill>
+            </a:ext>
+          </a:extLst>
+        </p:spPr>
+      </p:pic>
+      <p:sp>
+        <p:nvSpPr>
+          <p:cNvPr id="3" name="TextBox 2">
+            <a:extLst>
+              <a:ext uri="{FF2B5EF4-FFF2-40B4-BE49-F238E27FC236}">
+                <a16:creationId xmlns:a16="http://schemas.microsoft.com/office/drawing/2014/main" xmlns="" id="{A3E7B193-DC62-42FD-BDA2-29B098D36308}"/>
+              </a:ext>
+            </a:extLst>
+          </p:cNvPr>
+          <p:cNvSpPr txBox="1"/>
+          <p:nvPr/>
+        </p:nvSpPr>
+        <p:spPr>
+          <a:xfrm>
+            <a:off x="477597" y="293248"/>
+            <a:ext cx="4403770" cy="369332"/>
+          </a:xfrm>
+          <a:prstGeom prst="rect">
+            <a:avLst/>
+          </a:prstGeom>
+          <a:noFill/>
+        </p:spPr>
+        <p:txBody>
+          <a:bodyPr wrap="none" rtlCol="0">
+            <a:spAutoFit/>
+          </a:bodyPr>
+          <a:lstStyle/>
+          <a:p>
+            <a:r>
+              <a:rPr lang="en-US" dirty="0"/>
+              <a:t>Model = f(winery, wine variety, points)</a:t>
+            </a:r>
+          </a:p>
+        </p:txBody>
+      </p:sp>
+      <p:sp>
+        <p:nvSpPr>
+          <p:cNvPr id="21" name="TextBox 20">
+            <a:extLst>
+              <a:ext uri="{FF2B5EF4-FFF2-40B4-BE49-F238E27FC236}">
+                <a16:creationId xmlns:a16="http://schemas.microsoft.com/office/drawing/2014/main" xmlns="" id="{796A9475-D757-4187-803B-E823A5501967}"/>
+              </a:ext>
+            </a:extLst>
+          </p:cNvPr>
+          <p:cNvSpPr txBox="1"/>
+          <p:nvPr/>
+        </p:nvSpPr>
+        <p:spPr>
+          <a:xfrm>
+            <a:off x="163301" y="6283218"/>
+            <a:ext cx="4533613" cy="369332"/>
+          </a:xfrm>
+          <a:prstGeom prst="rect">
+            <a:avLst/>
+          </a:prstGeom>
+          <a:noFill/>
+        </p:spPr>
+        <p:txBody>
+          <a:bodyPr wrap="none" rtlCol="0">
+            <a:spAutoFit/>
+          </a:bodyPr>
+          <a:lstStyle/>
+          <a:p>
+            <a:r>
+              <a:rPr lang="en-US" dirty="0"/>
+              <a:t>Model = f(country, wine variety, points)</a:t>
+            </a:r>
+          </a:p>
+        </p:txBody>
+      </p:sp>
+    </p:spTree>
+    <p:extLst>
+      <p:ext uri="{BB962C8B-B14F-4D97-AF65-F5344CB8AC3E}">
+        <p14:creationId xmlns:p14="http://schemas.microsoft.com/office/powerpoint/2010/main" val="3292413306"/>
+      </p:ext>
+    </p:extLst>
+  </p:cSld>
+  <p:clrMapOvr>
+    <a:masterClrMapping/>
+  </p:clrMapOvr>
+  <p:timing>
+    <p:tnLst>
+      <p:par>
+        <p:cTn id="1" dur="indefinite" restart="never" nodeType="tmRoot"/>
+      </p:par>
+    </p:tnLst>
+  </p:timing>
+</p:sld>
+</file>
+
+<file path=ppt/slides/slide4.xml><?xml version="1.0" encoding="utf-8"?>
+<p:sld xmlns:a="http://schemas.openxmlformats.org/drawingml/2006/main" xmlns:r="http://schemas.openxmlformats.org/officeDocument/2006/relationships" xmlns:p="http://schemas.openxmlformats.org/presentationml/2006/main">
+  <p:cSld>
+    <p:spTree>
+      <p:nvGrpSpPr>
+        <p:cNvPr id="1" name=""/>
+        <p:cNvGrpSpPr/>
+        <p:nvPr/>
+      </p:nvGrpSpPr>
+      <p:grpSpPr>
+        <a:xfrm>
+          <a:off x="0" y="0"/>
+          <a:ext cx="0" cy="0"/>
+          <a:chOff x="0" y="0"/>
+          <a:chExt cx="0" cy="0"/>
+        </a:xfrm>
+      </p:grpSpPr>
+      <p:sp>
+        <p:nvSpPr>
+          <p:cNvPr id="12" name="Title 11">
+            <a:extLst>
+              <a:ext uri="{FF2B5EF4-FFF2-40B4-BE49-F238E27FC236}">
+                <a16:creationId xmlns:a16="http://schemas.microsoft.com/office/drawing/2014/main" xmlns="" id="{D5F5F2D6-A787-48DD-934B-63B8A70AC7ED}"/>
+              </a:ext>
+            </a:extLst>
+          </p:cNvPr>
+          <p:cNvSpPr>
+            <a:spLocks noGrp="1"/>
+          </p:cNvSpPr>
+          <p:nvPr>
+            <p:ph type="title"/>
+          </p:nvPr>
+        </p:nvSpPr>
+        <p:spPr>
+          <a:xfrm>
+            <a:off x="650669" y="629266"/>
+            <a:ext cx="3330328" cy="1641986"/>
+          </a:xfrm>
+        </p:spPr>
+        <p:txBody>
+          <a:bodyPr vert="horz" lIns="91440" tIns="45720" rIns="91440" bIns="45720" rtlCol="0" anchor="t">
+            <a:normAutofit/>
+          </a:bodyPr>
+          <a:lstStyle/>
+          <a:p>
+            <a:pPr>
+              <a:lnSpc>
+                <a:spcPct val="90000"/>
+              </a:lnSpc>
+            </a:pPr>
+            <a:r>
+              <a:rPr lang="en-US" sz="3600" b="1" dirty="0"/>
+              <a:t>Random Forest</a:t>
+            </a:r>
+            <a:r>
+              <a:rPr lang="en-US" sz="3600" dirty="0"/>
+              <a:t/>
+            </a:r>
+            <a:br>
+              <a:rPr lang="en-US" sz="3600" dirty="0"/>
+            </a:br>
+            <a:endParaRPr lang="en-US" sz="3600" dirty="0"/>
+          </a:p>
+        </p:txBody>
+      </p:sp>
+      <p:pic>
+        <p:nvPicPr>
+          <p:cNvPr id="26" name="Picture 25">
+            <a:extLst>
+              <a:ext uri="{FF2B5EF4-FFF2-40B4-BE49-F238E27FC236}">
+                <a16:creationId xmlns:a16="http://schemas.microsoft.com/office/drawing/2014/main" xmlns="" id="{D6739B1A-EE63-47B4-A1C7-E2AF64F00121}"/>
+              </a:ext>
+            </a:extLst>
+          </p:cNvPr>
+          <p:cNvPicPr>
+            <a:picLocks noChangeAspect="1"/>
+          </p:cNvPicPr>
+          <p:nvPr/>
+        </p:nvPicPr>
+        <p:blipFill rotWithShape="1">
+          <a:blip r:embed="rId2"/>
+          <a:srcRect l="18335" r="23514" b="-1"/>
+          <a:stretch/>
+        </p:blipFill>
+        <p:spPr>
+          <a:xfrm>
+            <a:off x="4634680" y="10"/>
+            <a:ext cx="7560130" cy="6857990"/>
+          </a:xfrm>
+          <a:prstGeom prst="rect">
+            <a:avLst/>
+          </a:prstGeom>
+        </p:spPr>
+      </p:pic>
+      <p:sp>
+        <p:nvSpPr>
+          <p:cNvPr id="19" name="Text Placeholder 18">
+            <a:extLst>
+              <a:ext uri="{FF2B5EF4-FFF2-40B4-BE49-F238E27FC236}">
+                <a16:creationId xmlns:a16="http://schemas.microsoft.com/office/drawing/2014/main" xmlns="" id="{4A934B4A-5CB4-4B82-99C0-FAB17E1BBBB3}"/>
+              </a:ext>
+            </a:extLst>
+          </p:cNvPr>
+          <p:cNvSpPr>
+            <a:spLocks noGrp="1"/>
+          </p:cNvSpPr>
+          <p:nvPr>
+            <p:ph sz="half" idx="1"/>
+          </p:nvPr>
+        </p:nvSpPr>
+        <p:spPr>
+          <a:xfrm>
+            <a:off x="650669" y="2438400"/>
+            <a:ext cx="3330328" cy="3809999"/>
+          </a:xfrm>
+        </p:spPr>
+        <p:txBody>
+          <a:bodyPr vert="horz" lIns="91440" tIns="45720" rIns="91440" bIns="45720" rtlCol="0">
+            <a:normAutofit/>
+          </a:bodyPr>
+          <a:lstStyle/>
+          <a:p>
+            <a:r>
+              <a:rPr lang="en-US"/>
+              <a:t>Splitting the data to 2 bins</a:t>
+            </a:r>
+          </a:p>
+          <a:p>
+            <a:r>
+              <a:rPr lang="en-US"/>
+              <a:t>Quality ratings from 2 – 6.5 are bad wines “0”</a:t>
+            </a:r>
+          </a:p>
+          <a:p>
+            <a:r>
+              <a:rPr lang="en-US"/>
+              <a:t>Quality ratings from 6.5 – 10 are good wines “1”</a:t>
+            </a:r>
+          </a:p>
+          <a:p>
+            <a:endParaRPr lang="en-US" dirty="0"/>
+          </a:p>
+        </p:txBody>
+      </p:sp>
+    </p:spTree>
+    <p:extLst>
+      <p:ext uri="{BB962C8B-B14F-4D97-AF65-F5344CB8AC3E}">
+        <p14:creationId xmlns:p14="http://schemas.microsoft.com/office/powerpoint/2010/main" val="2395067917"/>
+      </p:ext>
+    </p:extLst>
+  </p:cSld>
+  <p:clrMapOvr>
+    <a:masterClrMapping/>
+  </p:clrMapOvr>
+  <p:timing>
+    <p:tnLst>
+      <p:par>
+        <p:cTn id="1" dur="indefinite" restart="never" nodeType="tmRoot"/>
+      </p:par>
+    </p:tnLst>
+  </p:timing>
+</p:sld>
+</file>
+
+<file path=ppt/slides/slide5.xml><?xml version="1.0" encoding="utf-8"?>
+<p:sld xmlns:a="http://schemas.openxmlformats.org/drawingml/2006/main" xmlns:r="http://schemas.openxmlformats.org/officeDocument/2006/relationships" xmlns:p="http://schemas.openxmlformats.org/presentationml/2006/main">
+  <p:cSld>
+    <p:spTree>
+      <p:nvGrpSpPr>
+        <p:cNvPr id="1" name=""/>
+        <p:cNvGrpSpPr/>
+        <p:nvPr/>
+      </p:nvGrpSpPr>
+      <p:grpSpPr>
+        <a:xfrm>
+          <a:off x="0" y="0"/>
+          <a:ext cx="0" cy="0"/>
+          <a:chOff x="0" y="0"/>
+          <a:chExt cx="0" cy="0"/>
+        </a:xfrm>
+      </p:grpSpPr>
+      <p:sp>
+        <p:nvSpPr>
+          <p:cNvPr id="2" name="Title 1">
+            <a:extLst>
+              <a:ext uri="{FF2B5EF4-FFF2-40B4-BE49-F238E27FC236}">
+                <a16:creationId xmlns:a16="http://schemas.microsoft.com/office/drawing/2014/main" xmlns="" id="{8AA60435-8EDA-47C1-8025-01B19524804F}"/>
               </a:ext>
             </a:extLst>
           </p:cNvPr>
@@ -7045,6 +8428,790 @@
         </p:spPr>
         <p:txBody>
           <a:bodyPr vert="horz" lIns="91440" tIns="45720" rIns="91440" bIns="45720" rtlCol="0" anchor="t">
+            <a:normAutofit/>
+          </a:bodyPr>
+          <a:lstStyle/>
+          <a:p>
+            <a:r>
+              <a:rPr lang="en-US" b="1" dirty="0"/>
+              <a:t>RandomForestClassifier</a:t>
+            </a:r>
+          </a:p>
+        </p:txBody>
+      </p:sp>
+      <p:pic>
+        <p:nvPicPr>
+          <p:cNvPr id="11" name="Content Placeholder 5">
+            <a:extLst>
+              <a:ext uri="{FF2B5EF4-FFF2-40B4-BE49-F238E27FC236}">
+                <a16:creationId xmlns:a16="http://schemas.microsoft.com/office/drawing/2014/main" xmlns="" id="{C4CAC10B-F8E8-4C30-9506-1849547B8ACC}"/>
+              </a:ext>
+            </a:extLst>
+          </p:cNvPr>
+          <p:cNvPicPr>
+            <a:picLocks noChangeAspect="1"/>
+          </p:cNvPicPr>
+          <p:nvPr/>
+        </p:nvPicPr>
+        <p:blipFill>
+          <a:blip r:embed="rId2"/>
+          <a:stretch>
+            <a:fillRect/>
+          </a:stretch>
+        </p:blipFill>
+        <p:spPr>
+          <a:xfrm>
+            <a:off x="6094410" y="1277495"/>
+            <a:ext cx="5449471" cy="1982610"/>
+          </a:xfrm>
+          <a:prstGeom prst="rect">
+            <a:avLst/>
+          </a:prstGeom>
+          <a:effectLst/>
+        </p:spPr>
+      </p:pic>
+      <p:sp>
+        <p:nvSpPr>
+          <p:cNvPr id="13" name="Content Placeholder 12">
+            <a:extLst>
+              <a:ext uri="{FF2B5EF4-FFF2-40B4-BE49-F238E27FC236}">
+                <a16:creationId xmlns:a16="http://schemas.microsoft.com/office/drawing/2014/main" xmlns="" id="{CCBA827A-E4C5-46BE-80A4-09008D7EE4B5}"/>
+              </a:ext>
+            </a:extLst>
+          </p:cNvPr>
+          <p:cNvSpPr>
+            <a:spLocks noGrp="1"/>
+          </p:cNvSpPr>
+          <p:nvPr>
+            <p:ph sz="half" idx="1"/>
+          </p:nvPr>
+        </p:nvSpPr>
+        <p:spPr>
+          <a:xfrm>
+            <a:off x="646113" y="2052918"/>
+            <a:ext cx="4165146" cy="4195481"/>
+          </a:xfrm>
+        </p:spPr>
+        <p:txBody>
+          <a:bodyPr vert="horz" lIns="91440" tIns="45720" rIns="91440" bIns="45720" rtlCol="0">
+            <a:normAutofit fontScale="85000" lnSpcReduction="10000"/>
+          </a:bodyPr>
+          <a:lstStyle/>
+          <a:p>
+            <a:r>
+              <a:rPr lang="en-US" dirty="0"/>
+              <a:t>Precision, the ability of a classifier not to label an instance red that is actually white and vise versa. Weighted avg of 86% (red), 87% (white)</a:t>
+            </a:r>
+          </a:p>
+          <a:p>
+            <a:r>
+              <a:rPr lang="en-US" dirty="0"/>
+              <a:t>Recall is the ability of a classifier to find all red or white instances, respectively.  Weighted avg of 88% for both.</a:t>
+            </a:r>
+          </a:p>
+          <a:p>
+            <a:r>
+              <a:rPr lang="en-US" dirty="0"/>
+              <a:t>F1 score is a weighted harmonic mean of precision and recall such that the best score is 1.0 and the worst is 0.0. The weighted average of F1 should be used to compare classifier models, not global accuracy.</a:t>
+            </a:r>
+          </a:p>
+          <a:p>
+            <a:r>
+              <a:rPr lang="en-US" dirty="0"/>
+              <a:t>Support is the number of actual occurrences of the class in the specified dataset.</a:t>
+            </a:r>
+          </a:p>
+        </p:txBody>
+      </p:sp>
+      <p:pic>
+        <p:nvPicPr>
+          <p:cNvPr id="8" name="Content Placeholder 7">
+            <a:extLst>
+              <a:ext uri="{FF2B5EF4-FFF2-40B4-BE49-F238E27FC236}">
+                <a16:creationId xmlns:a16="http://schemas.microsoft.com/office/drawing/2014/main" xmlns="" id="{CBD53F6F-1595-4BE5-A110-D6E6FD2FE694}"/>
+              </a:ext>
+            </a:extLst>
+          </p:cNvPr>
+          <p:cNvPicPr>
+            <a:picLocks noGrp="1" noChangeAspect="1"/>
+          </p:cNvPicPr>
+          <p:nvPr>
+            <p:ph sz="half" idx="2"/>
+          </p:nvPr>
+        </p:nvPicPr>
+        <p:blipFill>
+          <a:blip r:embed="rId3"/>
+          <a:stretch>
+            <a:fillRect/>
+          </a:stretch>
+        </p:blipFill>
+        <p:spPr>
+          <a:xfrm>
+            <a:off x="6094410" y="4216704"/>
+            <a:ext cx="5449471" cy="1929792"/>
+          </a:xfrm>
+          <a:prstGeom prst="rect">
+            <a:avLst/>
+          </a:prstGeom>
+          <a:effectLst/>
+        </p:spPr>
+      </p:pic>
+      <p:sp>
+        <p:nvSpPr>
+          <p:cNvPr id="9" name="Rectangle 8">
+            <a:extLst>
+              <a:ext uri="{FF2B5EF4-FFF2-40B4-BE49-F238E27FC236}">
+                <a16:creationId xmlns:a16="http://schemas.microsoft.com/office/drawing/2014/main" xmlns="" id="{430BE6C0-C3BC-4135-A09E-7F39A4DC450D}"/>
+              </a:ext>
+            </a:extLst>
+          </p:cNvPr>
+          <p:cNvSpPr/>
+          <p:nvPr/>
+        </p:nvSpPr>
+        <p:spPr>
+          <a:xfrm>
+            <a:off x="7482468" y="828769"/>
+            <a:ext cx="2133463" cy="369332"/>
+          </a:xfrm>
+          <a:prstGeom prst="rect">
+            <a:avLst/>
+          </a:prstGeom>
+        </p:spPr>
+        <p:txBody>
+          <a:bodyPr wrap="square">
+            <a:spAutoFit/>
+          </a:bodyPr>
+          <a:lstStyle/>
+          <a:p>
+            <a:r>
+              <a:rPr lang="en-US" b="1" u="sng" dirty="0">
+                <a:solidFill>
+                  <a:schemeClr val="bg1"/>
+                </a:solidFill>
+              </a:rPr>
+              <a:t>Red Wine</a:t>
+            </a:r>
+          </a:p>
+        </p:txBody>
+      </p:sp>
+      <p:sp>
+        <p:nvSpPr>
+          <p:cNvPr id="10" name="Rectangle 9">
+            <a:extLst>
+              <a:ext uri="{FF2B5EF4-FFF2-40B4-BE49-F238E27FC236}">
+                <a16:creationId xmlns:a16="http://schemas.microsoft.com/office/drawing/2014/main" xmlns="" id="{63D7D748-C6E4-4FBD-BE6C-934A3F4A86E2}"/>
+              </a:ext>
+            </a:extLst>
+          </p:cNvPr>
+          <p:cNvSpPr/>
+          <p:nvPr/>
+        </p:nvSpPr>
+        <p:spPr>
+          <a:xfrm>
+            <a:off x="7539146" y="3744157"/>
+            <a:ext cx="2133463" cy="369332"/>
+          </a:xfrm>
+          <a:prstGeom prst="rect">
+            <a:avLst/>
+          </a:prstGeom>
+        </p:spPr>
+        <p:txBody>
+          <a:bodyPr wrap="square">
+            <a:spAutoFit/>
+          </a:bodyPr>
+          <a:lstStyle/>
+          <a:p>
+            <a:r>
+              <a:rPr lang="en-US" b="1" u="sng" dirty="0">
+                <a:solidFill>
+                  <a:schemeClr val="bg1"/>
+                </a:solidFill>
+              </a:rPr>
+              <a:t>White Wine</a:t>
+            </a:r>
+          </a:p>
+        </p:txBody>
+      </p:sp>
+    </p:spTree>
+    <p:extLst>
+      <p:ext uri="{BB962C8B-B14F-4D97-AF65-F5344CB8AC3E}">
+        <p14:creationId xmlns:p14="http://schemas.microsoft.com/office/powerpoint/2010/main" val="2292703838"/>
+      </p:ext>
+    </p:extLst>
+  </p:cSld>
+  <p:clrMapOvr>
+    <a:masterClrMapping/>
+  </p:clrMapOvr>
+  <p:timing>
+    <p:tnLst>
+      <p:par>
+        <p:cTn id="1" dur="indefinite" restart="never" nodeType="tmRoot"/>
+      </p:par>
+    </p:tnLst>
+  </p:timing>
+</p:sld>
+</file>
+
+<file path=ppt/slides/slide6.xml><?xml version="1.0" encoding="utf-8"?>
+<p:sld xmlns:a="http://schemas.openxmlformats.org/drawingml/2006/main" xmlns:r="http://schemas.openxmlformats.org/officeDocument/2006/relationships" xmlns:p="http://schemas.openxmlformats.org/presentationml/2006/main">
+  <p:cSld>
+    <p:spTree>
+      <p:nvGrpSpPr>
+        <p:cNvPr id="1" name=""/>
+        <p:cNvGrpSpPr/>
+        <p:nvPr/>
+      </p:nvGrpSpPr>
+      <p:grpSpPr>
+        <a:xfrm>
+          <a:off x="0" y="0"/>
+          <a:ext cx="0" cy="0"/>
+          <a:chOff x="0" y="0"/>
+          <a:chExt cx="0" cy="0"/>
+        </a:xfrm>
+      </p:grpSpPr>
+      <p:sp>
+        <p:nvSpPr>
+          <p:cNvPr id="2" name="Title 1">
+            <a:extLst>
+              <a:ext uri="{FF2B5EF4-FFF2-40B4-BE49-F238E27FC236}">
+                <a16:creationId xmlns:a16="http://schemas.microsoft.com/office/drawing/2014/main" xmlns="" id="{08C5B64C-3C32-4062-9C30-A5FD3F8EC692}"/>
+              </a:ext>
+            </a:extLst>
+          </p:cNvPr>
+          <p:cNvSpPr>
+            <a:spLocks noGrp="1"/>
+          </p:cNvSpPr>
+          <p:nvPr>
+            <p:ph type="title"/>
+          </p:nvPr>
+        </p:nvSpPr>
+        <p:spPr>
+          <a:xfrm>
+            <a:off x="648931" y="629266"/>
+            <a:ext cx="4166510" cy="1622321"/>
+          </a:xfrm>
+        </p:spPr>
+        <p:txBody>
+          <a:bodyPr vert="horz" lIns="91440" tIns="45720" rIns="91440" bIns="45720" rtlCol="0" anchor="t">
+            <a:normAutofit/>
+          </a:bodyPr>
+          <a:lstStyle/>
+          <a:p>
+            <a:r>
+              <a:rPr lang="en-US" b="1" i="0" kern="1200" dirty="0">
+                <a:solidFill>
+                  <a:srgbClr val="EBEBEB"/>
+                </a:solidFill>
+                <a:latin typeface="+mj-lt"/>
+                <a:ea typeface="+mj-ea"/>
+                <a:cs typeface="+mj-cs"/>
+              </a:rPr>
+              <a:t>Cross Validation</a:t>
+            </a:r>
+          </a:p>
+        </p:txBody>
+      </p:sp>
+      <p:pic>
+        <p:nvPicPr>
+          <p:cNvPr id="6" name="Content Placeholder 5">
+            <a:extLst>
+              <a:ext uri="{FF2B5EF4-FFF2-40B4-BE49-F238E27FC236}">
+                <a16:creationId xmlns:a16="http://schemas.microsoft.com/office/drawing/2014/main" xmlns="" id="{830A6D65-BEED-4924-83CD-0B83564993C9}"/>
+              </a:ext>
+            </a:extLst>
+          </p:cNvPr>
+          <p:cNvPicPr>
+            <a:picLocks noGrp="1" noChangeAspect="1"/>
+          </p:cNvPicPr>
+          <p:nvPr>
+            <p:ph sz="half" idx="2"/>
+          </p:nvPr>
+        </p:nvPicPr>
+        <p:blipFill>
+          <a:blip r:embed="rId2"/>
+          <a:stretch>
+            <a:fillRect/>
+          </a:stretch>
+        </p:blipFill>
+        <p:spPr>
+          <a:xfrm>
+            <a:off x="6093992" y="2134650"/>
+            <a:ext cx="5449889" cy="2588697"/>
+          </a:xfrm>
+          <a:prstGeom prst="rect">
+            <a:avLst/>
+          </a:prstGeom>
+          <a:effectLst/>
+        </p:spPr>
+      </p:pic>
+      <p:sp>
+        <p:nvSpPr>
+          <p:cNvPr id="3" name="Content Placeholder 2">
+            <a:extLst>
+              <a:ext uri="{FF2B5EF4-FFF2-40B4-BE49-F238E27FC236}">
+                <a16:creationId xmlns:a16="http://schemas.microsoft.com/office/drawing/2014/main" xmlns="" id="{605E3EB4-1D75-429F-8F5F-6B0CFA0D5228}"/>
+              </a:ext>
+            </a:extLst>
+          </p:cNvPr>
+          <p:cNvSpPr>
+            <a:spLocks noGrp="1"/>
+          </p:cNvSpPr>
+          <p:nvPr>
+            <p:ph sz="half" idx="1"/>
+          </p:nvPr>
+        </p:nvSpPr>
+        <p:spPr>
+          <a:xfrm>
+            <a:off x="693942" y="2443315"/>
+            <a:ext cx="4166509" cy="3785419"/>
+          </a:xfrm>
+        </p:spPr>
+        <p:txBody>
+          <a:bodyPr vert="horz" lIns="91440" tIns="45720" rIns="91440" bIns="45720" rtlCol="0">
+            <a:normAutofit/>
+          </a:bodyPr>
+          <a:lstStyle/>
+          <a:p>
+            <a:r>
+              <a:rPr lang="en-US" dirty="0">
+                <a:solidFill>
+                  <a:srgbClr val="EBEBEB"/>
+                </a:solidFill>
+              </a:rPr>
+              <a:t>Using 1 subset of the data as the validation data.  It got through each subset as the validation data and averages the results.</a:t>
+            </a:r>
+          </a:p>
+          <a:p>
+            <a:r>
+              <a:rPr lang="en-US" dirty="0">
+                <a:solidFill>
+                  <a:srgbClr val="EBEBEB"/>
+                </a:solidFill>
+              </a:rPr>
+              <a:t>Testing multiple number of subsets, found that 10 gave the best results</a:t>
+            </a:r>
+          </a:p>
+          <a:p>
+            <a:r>
+              <a:rPr lang="en-US" dirty="0">
+                <a:solidFill>
+                  <a:srgbClr val="EBEBEB"/>
+                </a:solidFill>
+              </a:rPr>
+              <a:t>The cross validation score for red wine was 91.55% and white wine 91.24%</a:t>
+            </a:r>
+          </a:p>
+          <a:p>
+            <a:endParaRPr lang="en-US" dirty="0">
+              <a:solidFill>
+                <a:srgbClr val="EBEBEB"/>
+              </a:solidFill>
+            </a:endParaRPr>
+          </a:p>
+          <a:p>
+            <a:endParaRPr lang="en-US" dirty="0">
+              <a:solidFill>
+                <a:srgbClr val="EBEBEB"/>
+              </a:solidFill>
+            </a:endParaRPr>
+          </a:p>
+        </p:txBody>
+      </p:sp>
+    </p:spTree>
+    <p:extLst>
+      <p:ext uri="{BB962C8B-B14F-4D97-AF65-F5344CB8AC3E}">
+        <p14:creationId xmlns:p14="http://schemas.microsoft.com/office/powerpoint/2010/main" val="850099923"/>
+      </p:ext>
+    </p:extLst>
+  </p:cSld>
+  <p:clrMapOvr>
+    <a:masterClrMapping/>
+  </p:clrMapOvr>
+  <p:timing>
+    <p:tnLst>
+      <p:par>
+        <p:cTn id="1" dur="indefinite" restart="never" nodeType="tmRoot"/>
+      </p:par>
+    </p:tnLst>
+  </p:timing>
+</p:sld>
+</file>
+
+<file path=ppt/slides/slide7.xml><?xml version="1.0" encoding="utf-8"?>
+<p:sld xmlns:a="http://schemas.openxmlformats.org/drawingml/2006/main" xmlns:r="http://schemas.openxmlformats.org/officeDocument/2006/relationships" xmlns:p="http://schemas.openxmlformats.org/presentationml/2006/main">
+  <p:cSld>
+    <p:bg>
+      <p:bgPr>
+        <a:blipFill rotWithShape="1">
+          <a:blip r:embed="rId2">
+            <a:duotone>
+              <a:schemeClr val="bg2">
+                <a:shade val="69000"/>
+                <a:hueMod val="108000"/>
+                <a:satMod val="164000"/>
+                <a:lumMod val="74000"/>
+              </a:schemeClr>
+              <a:schemeClr val="bg2">
+                <a:tint val="96000"/>
+                <a:hueMod val="88000"/>
+                <a:satMod val="140000"/>
+                <a:lumMod val="132000"/>
+              </a:schemeClr>
+            </a:duotone>
+            <a:extLst/>
+          </a:blip>
+          <a:stretch/>
+        </a:blipFill>
+        <a:effectLst/>
+      </p:bgPr>
+    </p:bg>
+    <p:spTree>
+      <p:nvGrpSpPr>
+        <p:cNvPr id="1" name=""/>
+        <p:cNvGrpSpPr/>
+        <p:nvPr/>
+      </p:nvGrpSpPr>
+      <p:grpSpPr>
+        <a:xfrm>
+          <a:off x="0" y="0"/>
+          <a:ext cx="0" cy="0"/>
+          <a:chOff x="0" y="0"/>
+          <a:chExt cx="0" cy="0"/>
+        </a:xfrm>
+      </p:grpSpPr>
+      <p:pic>
+        <p:nvPicPr>
+          <p:cNvPr id="15" name="Picture 14">
+            <a:extLst>
+              <a:ext uri="{FF2B5EF4-FFF2-40B4-BE49-F238E27FC236}">
+                <a16:creationId xmlns:a16="http://schemas.microsoft.com/office/drawing/2014/main" xmlns="" id="{412E3267-7ABE-412B-8580-47EC0D1F61FE}"/>
+              </a:ext>
+              <a:ext uri="{C183D7F6-B498-43B3-948B-1728B52AA6E4}">
+                <adec:decorative xmlns:adec="http://schemas.microsoft.com/office/drawing/2017/decorative" xmlns="" val="1"/>
+              </a:ext>
+            </a:extLst>
+          </p:cNvPr>
+          <p:cNvPicPr>
+            <a:picLocks noGrp="1" noRot="1" noChangeAspect="1" noMove="1" noResize="1" noEditPoints="1" noAdjustHandles="1" noChangeArrowheads="1" noChangeShapeType="1" noCrop="1"/>
+          </p:cNvPicPr>
+          <p:nvPr>
+            <p:extLst>
+              <p:ext uri="{386F3935-93C4-4BCD-93E2-E3B085C9AB24}">
+                <p16:designElem xmlns:p16="http://schemas.microsoft.com/office/powerpoint/2015/main" xmlns="" val="1"/>
+              </p:ext>
+            </p:extLst>
+          </p:nvPr>
+        </p:nvPicPr>
+        <p:blipFill rotWithShape="1">
+          <a:blip r:embed="rId3">
+            <a:extLst>
+              <a:ext uri="{28A0092B-C50C-407E-A947-70E740481C1C}">
+                <a14:useLocalDpi xmlns:a14="http://schemas.microsoft.com/office/drawing/2010/main" val="0"/>
+              </a:ext>
+            </a:extLst>
+          </a:blip>
+          <a:srcRect l="3613"/>
+          <a:stretch/>
+        </p:blipFill>
+        <p:spPr>
+          <a:xfrm>
+            <a:off x="0" y="2669685"/>
+            <a:ext cx="4037012" cy="4188315"/>
+          </a:xfrm>
+          <a:prstGeom prst="rect">
+            <a:avLst/>
+          </a:prstGeom>
+        </p:spPr>
+      </p:pic>
+      <p:pic>
+        <p:nvPicPr>
+          <p:cNvPr id="17" name="Picture 16">
+            <a:extLst>
+              <a:ext uri="{FF2B5EF4-FFF2-40B4-BE49-F238E27FC236}">
+                <a16:creationId xmlns:a16="http://schemas.microsoft.com/office/drawing/2014/main" xmlns="" id="{20B62C5A-2250-4380-AB23-DB87446CCED0}"/>
+              </a:ext>
+              <a:ext uri="{C183D7F6-B498-43B3-948B-1728B52AA6E4}">
+                <adec:decorative xmlns:adec="http://schemas.microsoft.com/office/drawing/2017/decorative" xmlns="" val="1"/>
+              </a:ext>
+            </a:extLst>
+          </p:cNvPr>
+          <p:cNvPicPr>
+            <a:picLocks noGrp="1" noRot="1" noChangeAspect="1" noMove="1" noResize="1" noEditPoints="1" noAdjustHandles="1" noChangeArrowheads="1" noChangeShapeType="1" noCrop="1"/>
+          </p:cNvPicPr>
+          <p:nvPr>
+            <p:extLst>
+              <p:ext uri="{386F3935-93C4-4BCD-93E2-E3B085C9AB24}">
+                <p16:designElem xmlns:p16="http://schemas.microsoft.com/office/powerpoint/2015/main" xmlns="" val="1"/>
+              </p:ext>
+            </p:extLst>
+          </p:nvPr>
+        </p:nvPicPr>
+        <p:blipFill rotWithShape="1">
+          <a:blip r:embed="rId4">
+            <a:extLst>
+              <a:ext uri="{28A0092B-C50C-407E-A947-70E740481C1C}">
+                <a14:useLocalDpi xmlns:a14="http://schemas.microsoft.com/office/drawing/2010/main" val="0"/>
+              </a:ext>
+            </a:extLst>
+          </a:blip>
+          <a:srcRect l="35640"/>
+          <a:stretch/>
+        </p:blipFill>
+        <p:spPr>
+          <a:xfrm>
+            <a:off x="0" y="2892347"/>
+            <a:ext cx="1522412" cy="2365453"/>
+          </a:xfrm>
+          <a:prstGeom prst="rect">
+            <a:avLst/>
+          </a:prstGeom>
+        </p:spPr>
+      </p:pic>
+      <p:sp>
+        <p:nvSpPr>
+          <p:cNvPr id="19" name="Oval 18">
+            <a:extLst>
+              <a:ext uri="{FF2B5EF4-FFF2-40B4-BE49-F238E27FC236}">
+                <a16:creationId xmlns:a16="http://schemas.microsoft.com/office/drawing/2014/main" xmlns="" id="{D42CF425-7213-4F89-B0FF-4C2BDDD9C680}"/>
+              </a:ext>
+              <a:ext uri="{C183D7F6-B498-43B3-948B-1728B52AA6E4}">
+                <adec:decorative xmlns:adec="http://schemas.microsoft.com/office/drawing/2017/decorative" xmlns="" val="1"/>
+              </a:ext>
+            </a:extLst>
+          </p:cNvPr>
+          <p:cNvSpPr>
+            <a:spLocks noGrp="1" noRot="1" noChangeAspect="1" noMove="1" noResize="1" noEditPoints="1" noAdjustHandles="1" noChangeArrowheads="1" noChangeShapeType="1" noTextEdit="1"/>
+          </p:cNvSpPr>
+          <p:nvPr>
+            <p:extLst>
+              <p:ext uri="{386F3935-93C4-4BCD-93E2-E3B085C9AB24}">
+                <p16:designElem xmlns:p16="http://schemas.microsoft.com/office/powerpoint/2015/main" xmlns="" val="1"/>
+              </p:ext>
+            </p:extLst>
+          </p:nvPr>
+        </p:nvSpPr>
+        <p:spPr>
+          <a:xfrm>
+            <a:off x="8609012" y="1676400"/>
+            <a:ext cx="2819400" cy="2819400"/>
+          </a:xfrm>
+          <a:prstGeom prst="ellipse">
+            <a:avLst/>
+          </a:prstGeom>
+          <a:gradFill flip="none" rotWithShape="1">
+            <a:gsLst>
+              <a:gs pos="0">
+                <a:schemeClr val="bg2">
+                  <a:lumMod val="60000"/>
+                  <a:lumOff val="40000"/>
+                  <a:alpha val="7000"/>
+                </a:schemeClr>
+              </a:gs>
+              <a:gs pos="69000">
+                <a:schemeClr val="bg2">
+                  <a:lumMod val="60000"/>
+                  <a:lumOff val="40000"/>
+                  <a:alpha val="0"/>
+                </a:schemeClr>
+              </a:gs>
+              <a:gs pos="36000">
+                <a:schemeClr val="bg2">
+                  <a:lumMod val="60000"/>
+                  <a:lumOff val="40000"/>
+                  <a:alpha val="6000"/>
+                </a:schemeClr>
+              </a:gs>
+            </a:gsLst>
+            <a:path path="circle">
+              <a:fillToRect l="50000" t="50000" r="50000" b="50000"/>
+            </a:path>
+            <a:tileRect/>
+          </a:gradFill>
+          <a:ln>
+            <a:noFill/>
+          </a:ln>
+          <a:effectLst/>
+        </p:spPr>
+        <p:style>
+          <a:lnRef idx="1">
+            <a:schemeClr val="accent1"/>
+          </a:lnRef>
+          <a:fillRef idx="3">
+            <a:schemeClr val="accent1"/>
+          </a:fillRef>
+          <a:effectRef idx="2">
+            <a:schemeClr val="accent1"/>
+          </a:effectRef>
+          <a:fontRef idx="minor">
+            <a:schemeClr val="lt1"/>
+          </a:fontRef>
+        </p:style>
+      </p:sp>
+      <p:pic>
+        <p:nvPicPr>
+          <p:cNvPr id="21" name="Picture 20">
+            <a:extLst>
+              <a:ext uri="{FF2B5EF4-FFF2-40B4-BE49-F238E27FC236}">
+                <a16:creationId xmlns:a16="http://schemas.microsoft.com/office/drawing/2014/main" xmlns="" id="{D35DA97D-88F8-4249-B650-4FC9FD50A382}"/>
+              </a:ext>
+              <a:ext uri="{C183D7F6-B498-43B3-948B-1728B52AA6E4}">
+                <adec:decorative xmlns:adec="http://schemas.microsoft.com/office/drawing/2017/decorative" xmlns="" val="1"/>
+              </a:ext>
+            </a:extLst>
+          </p:cNvPr>
+          <p:cNvPicPr>
+            <a:picLocks noGrp="1" noRot="1" noChangeAspect="1" noMove="1" noResize="1" noEditPoints="1" noAdjustHandles="1" noChangeArrowheads="1" noChangeShapeType="1" noCrop="1"/>
+          </p:cNvPicPr>
+          <p:nvPr>
+            <p:extLst>
+              <p:ext uri="{386F3935-93C4-4BCD-93E2-E3B085C9AB24}">
+                <p16:designElem xmlns:p16="http://schemas.microsoft.com/office/powerpoint/2015/main" xmlns="" val="1"/>
+              </p:ext>
+            </p:extLst>
+          </p:nvPr>
+        </p:nvPicPr>
+        <p:blipFill rotWithShape="1">
+          <a:blip r:embed="rId5">
+            <a:extLst>
+              <a:ext uri="{28A0092B-C50C-407E-A947-70E740481C1C}">
+                <a14:useLocalDpi xmlns:a14="http://schemas.microsoft.com/office/drawing/2010/main" val="0"/>
+              </a:ext>
+            </a:extLst>
+          </a:blip>
+          <a:srcRect t="28813"/>
+          <a:stretch/>
+        </p:blipFill>
+        <p:spPr>
+          <a:xfrm>
+            <a:off x="7999412" y="0"/>
+            <a:ext cx="1603387" cy="1141407"/>
+          </a:xfrm>
+          <a:prstGeom prst="rect">
+            <a:avLst/>
+          </a:prstGeom>
+        </p:spPr>
+      </p:pic>
+      <p:pic>
+        <p:nvPicPr>
+          <p:cNvPr id="23" name="Picture 22">
+            <a:extLst>
+              <a:ext uri="{FF2B5EF4-FFF2-40B4-BE49-F238E27FC236}">
+                <a16:creationId xmlns:a16="http://schemas.microsoft.com/office/drawing/2014/main" xmlns="" id="{43F38673-6E30-4BAE-AC67-0B283EBF4291}"/>
+              </a:ext>
+              <a:ext uri="{C183D7F6-B498-43B3-948B-1728B52AA6E4}">
+                <adec:decorative xmlns:adec="http://schemas.microsoft.com/office/drawing/2017/decorative" xmlns="" val="1"/>
+              </a:ext>
+            </a:extLst>
+          </p:cNvPr>
+          <p:cNvPicPr>
+            <a:picLocks noGrp="1" noRot="1" noChangeAspect="1" noMove="1" noResize="1" noEditPoints="1" noAdjustHandles="1" noChangeArrowheads="1" noChangeShapeType="1" noCrop="1"/>
+          </p:cNvPicPr>
+          <p:nvPr>
+            <p:extLst>
+              <p:ext uri="{386F3935-93C4-4BCD-93E2-E3B085C9AB24}">
+                <p16:designElem xmlns:p16="http://schemas.microsoft.com/office/powerpoint/2015/main" xmlns="" val="1"/>
+              </p:ext>
+            </p:extLst>
+          </p:nvPr>
+        </p:nvPicPr>
+        <p:blipFill rotWithShape="1">
+          <a:blip r:embed="rId6">
+            <a:extLst>
+              <a:ext uri="{28A0092B-C50C-407E-A947-70E740481C1C}">
+                <a14:useLocalDpi xmlns:a14="http://schemas.microsoft.com/office/drawing/2010/main" val="0"/>
+              </a:ext>
+            </a:extLst>
+          </a:blip>
+          <a:srcRect b="23320"/>
+          <a:stretch/>
+        </p:blipFill>
+        <p:spPr>
+          <a:xfrm>
+            <a:off x="8605878" y="6096000"/>
+            <a:ext cx="993734" cy="762000"/>
+          </a:xfrm>
+          <a:prstGeom prst="rect">
+            <a:avLst/>
+          </a:prstGeom>
+        </p:spPr>
+      </p:pic>
+      <p:sp>
+        <p:nvSpPr>
+          <p:cNvPr id="25" name="Rectangle 24">
+            <a:extLst>
+              <a:ext uri="{FF2B5EF4-FFF2-40B4-BE49-F238E27FC236}">
+                <a16:creationId xmlns:a16="http://schemas.microsoft.com/office/drawing/2014/main" xmlns="" id="{202A25CB-1ED1-4C87-AB49-8D3BC684D1CE}"/>
+              </a:ext>
+              <a:ext uri="{C183D7F6-B498-43B3-948B-1728B52AA6E4}">
+                <adec:decorative xmlns:adec="http://schemas.microsoft.com/office/drawing/2017/decorative" xmlns="" val="1"/>
+              </a:ext>
+            </a:extLst>
+          </p:cNvPr>
+          <p:cNvSpPr>
+            <a:spLocks noGrp="1" noRot="1" noChangeAspect="1" noMove="1" noResize="1" noEditPoints="1" noAdjustHandles="1" noChangeArrowheads="1" noChangeShapeType="1" noTextEdit="1"/>
+          </p:cNvSpPr>
+          <p:nvPr>
+            <p:extLst>
+              <p:ext uri="{386F3935-93C4-4BCD-93E2-E3B085C9AB24}">
+                <p16:designElem xmlns:p16="http://schemas.microsoft.com/office/powerpoint/2015/main" xmlns="" val="1"/>
+              </p:ext>
+            </p:extLst>
+          </p:nvPr>
+        </p:nvSpPr>
+        <p:spPr>
+          <a:xfrm>
+            <a:off x="10437812" y="0"/>
+            <a:ext cx="685800" cy="1143000"/>
+          </a:xfrm>
+          <a:prstGeom prst="rect">
+            <a:avLst/>
+          </a:prstGeom>
+          <a:solidFill>
+            <a:schemeClr val="accent1"/>
+          </a:solidFill>
+          <a:ln>
+            <a:noFill/>
+          </a:ln>
+        </p:spPr>
+        <p:style>
+          <a:lnRef idx="1">
+            <a:schemeClr val="accent1"/>
+          </a:lnRef>
+          <a:fillRef idx="3">
+            <a:schemeClr val="accent1"/>
+          </a:fillRef>
+          <a:effectRef idx="2">
+            <a:schemeClr val="accent1"/>
+          </a:effectRef>
+          <a:fontRef idx="minor">
+            <a:schemeClr val="lt1"/>
+          </a:fontRef>
+        </p:style>
+      </p:sp>
+      <p:sp>
+        <p:nvSpPr>
+          <p:cNvPr id="2" name="Title 1">
+            <a:extLst>
+              <a:ext uri="{FF2B5EF4-FFF2-40B4-BE49-F238E27FC236}">
+                <a16:creationId xmlns:a16="http://schemas.microsoft.com/office/drawing/2014/main" xmlns="" id="{08C5B64C-3C32-4062-9C30-A5FD3F8EC692}"/>
+              </a:ext>
+            </a:extLst>
+          </p:cNvPr>
+          <p:cNvSpPr>
+            <a:spLocks noGrp="1"/>
+          </p:cNvSpPr>
+          <p:nvPr>
+            <p:ph type="title"/>
+          </p:nvPr>
+        </p:nvSpPr>
+        <p:spPr>
+          <a:xfrm>
+            <a:off x="646112" y="452718"/>
+            <a:ext cx="4165580" cy="1400530"/>
+          </a:xfrm>
+        </p:spPr>
+        <p:txBody>
+          <a:bodyPr vert="horz" lIns="91440" tIns="45720" rIns="91440" bIns="45720" rtlCol="0" anchor="t">
             <a:normAutofit fontScale="90000"/>
           </a:bodyPr>
           <a:lstStyle/>
@@ -7061,10 +9228,10 @@
           <p:cNvPr id="27" name="Freeform: Shape 26">
             <a:extLst>
               <a:ext uri="{FF2B5EF4-FFF2-40B4-BE49-F238E27FC236}">
-                <a16:creationId xmlns:a16="http://schemas.microsoft.com/office/drawing/2014/main" id="{7DAA46B9-B7E8-4487-B28E-C63A6EB7AA27}"/>
+                <a16:creationId xmlns:a16="http://schemas.microsoft.com/office/drawing/2014/main" xmlns="" id="{7DAA46B9-B7E8-4487-B28E-C63A6EB7AA27}"/>
               </a:ext>
               <a:ext uri="{C183D7F6-B498-43B3-948B-1728B52AA6E4}">
-                <adec:decorative xmlns:adec="http://schemas.microsoft.com/office/drawing/2017/decorative" val="1"/>
+                <adec:decorative xmlns:adec="http://schemas.microsoft.com/office/drawing/2017/decorative" xmlns="" val="1"/>
               </a:ext>
             </a:extLst>
           </p:cNvPr>
@@ -7074,7 +9241,7 @@
           <p:nvPr>
             <p:extLst>
               <p:ext uri="{386F3935-93C4-4BCD-93E2-E3B085C9AB24}">
-                <p16:designElem xmlns:p16="http://schemas.microsoft.com/office/powerpoint/2015/main" val="1"/>
+                <p16:designElem xmlns:p16="http://schemas.microsoft.com/office/powerpoint/2015/main" xmlns="" val="1"/>
               </p:ext>
             </p:extLst>
           </p:nvPr>
@@ -7527,10 +9694,10 @@
           <p:cNvPr id="29" name="Freeform 23">
             <a:extLst>
               <a:ext uri="{FF2B5EF4-FFF2-40B4-BE49-F238E27FC236}">
-                <a16:creationId xmlns:a16="http://schemas.microsoft.com/office/drawing/2014/main" id="{C866818C-1E5F-475A-B310-3C06B555FB69}"/>
+                <a16:creationId xmlns:a16="http://schemas.microsoft.com/office/drawing/2014/main" xmlns="" id="{C866818C-1E5F-475A-B310-3C06B555FB69}"/>
               </a:ext>
               <a:ext uri="{C183D7F6-B498-43B3-948B-1728B52AA6E4}">
-                <adec:decorative xmlns:adec="http://schemas.microsoft.com/office/drawing/2017/decorative" val="1"/>
+                <adec:decorative xmlns:adec="http://schemas.microsoft.com/office/drawing/2017/decorative" xmlns="" val="1"/>
               </a:ext>
             </a:extLst>
           </p:cNvPr>
@@ -7540,7 +9707,7 @@
           <p:nvPr>
             <p:extLst>
               <p:ext uri="{386F3935-93C4-4BCD-93E2-E3B085C9AB24}">
-                <p16:designElem xmlns:p16="http://schemas.microsoft.com/office/powerpoint/2015/main" val="1"/>
+                <p16:designElem xmlns:p16="http://schemas.microsoft.com/office/powerpoint/2015/main" xmlns="" val="1"/>
               </p:ext>
             </p:extLst>
           </p:nvPr>
@@ -7879,7 +10046,7 @@
           <p:cNvPr id="10" name="Picture 9">
             <a:extLst>
               <a:ext uri="{FF2B5EF4-FFF2-40B4-BE49-F238E27FC236}">
-                <a16:creationId xmlns:a16="http://schemas.microsoft.com/office/drawing/2014/main" id="{7F220147-D0D0-414C-9569-0E4D790C24CA}"/>
+                <a16:creationId xmlns:a16="http://schemas.microsoft.com/office/drawing/2014/main" xmlns="" id="{7F220147-D0D0-414C-9569-0E4D790C24CA}"/>
               </a:ext>
             </a:extLst>
           </p:cNvPr>
@@ -7916,10 +10083,10 @@
           <p:cNvPr id="31" name="Rectangle 30">
             <a:extLst>
               <a:ext uri="{FF2B5EF4-FFF2-40B4-BE49-F238E27FC236}">
-                <a16:creationId xmlns:a16="http://schemas.microsoft.com/office/drawing/2014/main" id="{D12AFDE8-E1ED-4A49-B8B3-4953F4B8ACB9}"/>
+                <a16:creationId xmlns:a16="http://schemas.microsoft.com/office/drawing/2014/main" xmlns="" id="{D12AFDE8-E1ED-4A49-B8B3-4953F4B8ACB9}"/>
               </a:ext>
               <a:ext uri="{C183D7F6-B498-43B3-948B-1728B52AA6E4}">
-                <adec:decorative xmlns:adec="http://schemas.microsoft.com/office/drawing/2017/decorative" val="1"/>
+                <adec:decorative xmlns:adec="http://schemas.microsoft.com/office/drawing/2017/decorative" xmlns="" val="1"/>
               </a:ext>
             </a:extLst>
           </p:cNvPr>
@@ -7929,7 +10096,7 @@
           <p:nvPr>
             <p:extLst>
               <p:ext uri="{386F3935-93C4-4BCD-93E2-E3B085C9AB24}">
-                <p16:designElem xmlns:p16="http://schemas.microsoft.com/office/powerpoint/2015/main" val="1"/>
+                <p16:designElem xmlns:p16="http://schemas.microsoft.com/office/powerpoint/2015/main" xmlns="" val="1"/>
               </p:ext>
             </p:extLst>
           </p:nvPr>
@@ -7969,7 +10136,7 @@
           <p:cNvPr id="8" name="Content Placeholder 7">
             <a:extLst>
               <a:ext uri="{FF2B5EF4-FFF2-40B4-BE49-F238E27FC236}">
-                <a16:creationId xmlns:a16="http://schemas.microsoft.com/office/drawing/2014/main" id="{7E79D0DF-41B3-4FBE-8795-2CABFF179969}"/>
+                <a16:creationId xmlns:a16="http://schemas.microsoft.com/office/drawing/2014/main" xmlns="" id="{7E79D0DF-41B3-4FBE-8795-2CABFF179969}"/>
               </a:ext>
             </a:extLst>
           </p:cNvPr>
@@ -8013,1775 +10180,13 @@
   <p:clrMapOvr>
     <a:masterClrMapping/>
   </p:clrMapOvr>
-</p:sld>
-</file>
-
-<file path=ppt/slides/slide5.xml><?xml version="1.0" encoding="utf-8"?>
-<p:sld xmlns:a="http://schemas.openxmlformats.org/drawingml/2006/main" xmlns:r="http://schemas.openxmlformats.org/officeDocument/2006/relationships" xmlns:p="http://schemas.openxmlformats.org/presentationml/2006/main">
-  <p:cSld>
-    <p:spTree>
-      <p:nvGrpSpPr>
-        <p:cNvPr id="1" name=""/>
-        <p:cNvGrpSpPr/>
-        <p:nvPr/>
-      </p:nvGrpSpPr>
-      <p:grpSpPr>
-        <a:xfrm>
-          <a:off x="0" y="0"/>
-          <a:ext cx="0" cy="0"/>
-          <a:chOff x="0" y="0"/>
-          <a:chExt cx="0" cy="0"/>
-        </a:xfrm>
-      </p:grpSpPr>
-      <p:sp>
-        <p:nvSpPr>
-          <p:cNvPr id="2" name="Title 1">
-            <a:extLst>
-              <a:ext uri="{FF2B5EF4-FFF2-40B4-BE49-F238E27FC236}">
-                <a16:creationId xmlns:a16="http://schemas.microsoft.com/office/drawing/2014/main" id="{A22B86D7-1645-4564-A3E7-700357D93592}"/>
-              </a:ext>
-            </a:extLst>
-          </p:cNvPr>
-          <p:cNvSpPr>
-            <a:spLocks noGrp="1"/>
-          </p:cNvSpPr>
-          <p:nvPr>
-            <p:ph type="title"/>
-          </p:nvPr>
-        </p:nvSpPr>
-        <p:spPr/>
-        <p:txBody>
-          <a:bodyPr/>
-          <a:lstStyle/>
-          <a:p>
-            <a:r>
-              <a:rPr lang="en-US" dirty="0"/>
-              <a:t>Linear Model – struggles with price tail</a:t>
-            </a:r>
-          </a:p>
-        </p:txBody>
-      </p:sp>
-      <p:pic>
-        <p:nvPicPr>
-          <p:cNvPr id="5" name="Picture 4">
-            <a:extLst>
-              <a:ext uri="{FF2B5EF4-FFF2-40B4-BE49-F238E27FC236}">
-                <a16:creationId xmlns:a16="http://schemas.microsoft.com/office/drawing/2014/main" id="{D849D527-EB6D-4B7C-90AF-0DE9812A5254}"/>
-              </a:ext>
-            </a:extLst>
-          </p:cNvPr>
-          <p:cNvPicPr>
-            <a:picLocks noChangeAspect="1"/>
-          </p:cNvPicPr>
-          <p:nvPr/>
-        </p:nvPicPr>
-        <p:blipFill>
-          <a:blip r:embed="rId2"/>
-          <a:stretch>
-            <a:fillRect/>
-          </a:stretch>
-        </p:blipFill>
-        <p:spPr>
-          <a:xfrm>
-            <a:off x="323850" y="2323942"/>
-            <a:ext cx="5772150" cy="3924300"/>
-          </a:xfrm>
-          <a:prstGeom prst="rect">
-            <a:avLst/>
-          </a:prstGeom>
-        </p:spPr>
-      </p:pic>
-      <p:sp>
-        <p:nvSpPr>
-          <p:cNvPr id="13" name="Content Placeholder 5">
-            <a:extLst>
-              <a:ext uri="{FF2B5EF4-FFF2-40B4-BE49-F238E27FC236}">
-                <a16:creationId xmlns:a16="http://schemas.microsoft.com/office/drawing/2014/main" id="{57049A7A-C1C3-423D-B954-683E4A13D494}"/>
-              </a:ext>
-            </a:extLst>
-          </p:cNvPr>
-          <p:cNvSpPr txBox="1">
-            <a:spLocks/>
-          </p:cNvSpPr>
-          <p:nvPr/>
-        </p:nvSpPr>
-        <p:spPr>
-          <a:xfrm>
-            <a:off x="808036" y="1853248"/>
-            <a:ext cx="4396339" cy="3741738"/>
-          </a:xfrm>
-          <a:prstGeom prst="rect">
-            <a:avLst/>
-          </a:prstGeom>
-        </p:spPr>
-        <p:txBody>
-          <a:bodyPr/>
-          <a:lstStyle>
-            <a:lvl1pPr marL="342900" indent="-342900" algn="l" defTabSz="457200" rtl="0" eaLnBrk="1" latinLnBrk="0" hangingPunct="1">
-              <a:spcBef>
-                <a:spcPts val="1000"/>
-              </a:spcBef>
-              <a:spcAft>
-                <a:spcPts val="0"/>
-              </a:spcAft>
-              <a:buClr>
-                <a:schemeClr val="bg2">
-                  <a:lumMod val="40000"/>
-                  <a:lumOff val="60000"/>
-                </a:schemeClr>
-              </a:buClr>
-              <a:buSzPct val="80000"/>
-              <a:buFont typeface="Wingdings 3" charset="2"/>
-              <a:buChar char=""/>
-              <a:defRPr sz="2000" b="0" i="0" kern="1200">
-                <a:solidFill>
-                  <a:schemeClr val="tx1"/>
-                </a:solidFill>
-                <a:latin typeface="+mj-lt"/>
-                <a:ea typeface="+mj-ea"/>
-                <a:cs typeface="+mj-cs"/>
-              </a:defRPr>
-            </a:lvl1pPr>
-            <a:lvl2pPr marL="742950" indent="-285750" algn="l" defTabSz="457200" rtl="0" eaLnBrk="1" latinLnBrk="0" hangingPunct="1">
-              <a:spcBef>
-                <a:spcPts val="1000"/>
-              </a:spcBef>
-              <a:spcAft>
-                <a:spcPts val="0"/>
-              </a:spcAft>
-              <a:buClr>
-                <a:schemeClr val="bg2">
-                  <a:lumMod val="40000"/>
-                  <a:lumOff val="60000"/>
-                </a:schemeClr>
-              </a:buClr>
-              <a:buSzPct val="80000"/>
-              <a:buFont typeface="Wingdings 3" charset="2"/>
-              <a:buChar char=""/>
-              <a:defRPr sz="1800" b="0" i="0" kern="1200">
-                <a:solidFill>
-                  <a:schemeClr val="tx1"/>
-                </a:solidFill>
-                <a:latin typeface="+mj-lt"/>
-                <a:ea typeface="+mj-ea"/>
-                <a:cs typeface="+mj-cs"/>
-              </a:defRPr>
-            </a:lvl2pPr>
-            <a:lvl3pPr marL="1143000" indent="-228600" algn="l" defTabSz="457200" rtl="0" eaLnBrk="1" latinLnBrk="0" hangingPunct="1">
-              <a:spcBef>
-                <a:spcPts val="1000"/>
-              </a:spcBef>
-              <a:spcAft>
-                <a:spcPts val="0"/>
-              </a:spcAft>
-              <a:buClr>
-                <a:schemeClr val="bg2">
-                  <a:lumMod val="40000"/>
-                  <a:lumOff val="60000"/>
-                </a:schemeClr>
-              </a:buClr>
-              <a:buSzPct val="80000"/>
-              <a:buFont typeface="Wingdings 3" charset="2"/>
-              <a:buChar char=""/>
-              <a:defRPr sz="1600" b="0" i="0" kern="1200">
-                <a:solidFill>
-                  <a:schemeClr val="tx1"/>
-                </a:solidFill>
-                <a:latin typeface="+mj-lt"/>
-                <a:ea typeface="+mj-ea"/>
-                <a:cs typeface="+mj-cs"/>
-              </a:defRPr>
-            </a:lvl3pPr>
-            <a:lvl4pPr marL="1600200" indent="-228600" algn="l" defTabSz="457200" rtl="0" eaLnBrk="1" latinLnBrk="0" hangingPunct="1">
-              <a:spcBef>
-                <a:spcPts val="1000"/>
-              </a:spcBef>
-              <a:spcAft>
-                <a:spcPts val="0"/>
-              </a:spcAft>
-              <a:buClr>
-                <a:schemeClr val="bg2">
-                  <a:lumMod val="40000"/>
-                  <a:lumOff val="60000"/>
-                </a:schemeClr>
-              </a:buClr>
-              <a:buSzPct val="80000"/>
-              <a:buFont typeface="Wingdings 3" charset="2"/>
-              <a:buChar char=""/>
-              <a:defRPr sz="1400" b="0" i="0" kern="1200">
-                <a:solidFill>
-                  <a:schemeClr val="tx1"/>
-                </a:solidFill>
-                <a:latin typeface="+mj-lt"/>
-                <a:ea typeface="+mj-ea"/>
-                <a:cs typeface="+mj-cs"/>
-              </a:defRPr>
-            </a:lvl4pPr>
-            <a:lvl5pPr marL="2057400" indent="-228600" algn="l" defTabSz="457200" rtl="0" eaLnBrk="1" latinLnBrk="0" hangingPunct="1">
-              <a:spcBef>
-                <a:spcPts val="1000"/>
-              </a:spcBef>
-              <a:spcAft>
-                <a:spcPts val="0"/>
-              </a:spcAft>
-              <a:buClr>
-                <a:schemeClr val="bg2">
-                  <a:lumMod val="40000"/>
-                  <a:lumOff val="60000"/>
-                </a:schemeClr>
-              </a:buClr>
-              <a:buSzPct val="80000"/>
-              <a:buFont typeface="Wingdings 3" charset="2"/>
-              <a:buChar char=""/>
-              <a:defRPr sz="1400" b="0" i="0" kern="1200">
-                <a:solidFill>
-                  <a:schemeClr val="tx1"/>
-                </a:solidFill>
-                <a:latin typeface="+mj-lt"/>
-                <a:ea typeface="+mj-ea"/>
-                <a:cs typeface="+mj-cs"/>
-              </a:defRPr>
-            </a:lvl5pPr>
-            <a:lvl6pPr marL="2506000" indent="-228600" algn="l" defTabSz="457200" rtl="0" eaLnBrk="1" latinLnBrk="0" hangingPunct="1">
-              <a:spcBef>
-                <a:spcPts val="1000"/>
-              </a:spcBef>
-              <a:spcAft>
-                <a:spcPts val="0"/>
-              </a:spcAft>
-              <a:buClr>
-                <a:schemeClr val="bg2">
-                  <a:lumMod val="40000"/>
-                  <a:lumOff val="60000"/>
-                </a:schemeClr>
-              </a:buClr>
-              <a:buSzPct val="80000"/>
-              <a:buFont typeface="Wingdings 3" charset="2"/>
-              <a:buChar char=""/>
-              <a:defRPr sz="1400" b="0" i="0" kern="1200">
-                <a:solidFill>
-                  <a:schemeClr val="tx1"/>
-                </a:solidFill>
-                <a:latin typeface="+mj-lt"/>
-                <a:ea typeface="+mj-ea"/>
-                <a:cs typeface="+mj-cs"/>
-              </a:defRPr>
-            </a:lvl6pPr>
-            <a:lvl7pPr marL="2971800" indent="-228600" algn="l" defTabSz="457200" rtl="0" eaLnBrk="1" latinLnBrk="0" hangingPunct="1">
-              <a:spcBef>
-                <a:spcPts val="1000"/>
-              </a:spcBef>
-              <a:spcAft>
-                <a:spcPts val="0"/>
-              </a:spcAft>
-              <a:buClr>
-                <a:schemeClr val="bg2">
-                  <a:lumMod val="40000"/>
-                  <a:lumOff val="60000"/>
-                </a:schemeClr>
-              </a:buClr>
-              <a:buSzPct val="80000"/>
-              <a:buFont typeface="Wingdings 3" charset="2"/>
-              <a:buChar char=""/>
-              <a:defRPr sz="1400" b="0" i="0" kern="1200">
-                <a:solidFill>
-                  <a:schemeClr val="tx1"/>
-                </a:solidFill>
-                <a:latin typeface="+mj-lt"/>
-                <a:ea typeface="+mj-ea"/>
-                <a:cs typeface="+mj-cs"/>
-              </a:defRPr>
-            </a:lvl7pPr>
-            <a:lvl8pPr marL="3429000" indent="-228600" algn="l" defTabSz="457200" rtl="0" eaLnBrk="1" latinLnBrk="0" hangingPunct="1">
-              <a:spcBef>
-                <a:spcPts val="1000"/>
-              </a:spcBef>
-              <a:spcAft>
-                <a:spcPts val="0"/>
-              </a:spcAft>
-              <a:buClr>
-                <a:schemeClr val="bg2">
-                  <a:lumMod val="40000"/>
-                  <a:lumOff val="60000"/>
-                </a:schemeClr>
-              </a:buClr>
-              <a:buSzPct val="80000"/>
-              <a:buFont typeface="Wingdings 3" charset="2"/>
-              <a:buChar char=""/>
-              <a:defRPr sz="1400" b="0" i="0" kern="1200">
-                <a:solidFill>
-                  <a:schemeClr val="tx1"/>
-                </a:solidFill>
-                <a:latin typeface="+mj-lt"/>
-                <a:ea typeface="+mj-ea"/>
-                <a:cs typeface="+mj-cs"/>
-              </a:defRPr>
-            </a:lvl8pPr>
-            <a:lvl9pPr marL="3886200" indent="-228600" algn="l" defTabSz="457200" rtl="0" eaLnBrk="1" latinLnBrk="0" hangingPunct="1">
-              <a:spcBef>
-                <a:spcPts val="1000"/>
-              </a:spcBef>
-              <a:spcAft>
-                <a:spcPts val="0"/>
-              </a:spcAft>
-              <a:buClr>
-                <a:schemeClr val="bg2">
-                  <a:lumMod val="40000"/>
-                  <a:lumOff val="60000"/>
-                </a:schemeClr>
-              </a:buClr>
-              <a:buSzPct val="80000"/>
-              <a:buFont typeface="Wingdings 3" charset="2"/>
-              <a:buChar char=""/>
-              <a:defRPr sz="1400" b="0" i="0" kern="1200">
-                <a:solidFill>
-                  <a:schemeClr val="tx1"/>
-                </a:solidFill>
-                <a:latin typeface="+mj-lt"/>
-                <a:ea typeface="+mj-ea"/>
-                <a:cs typeface="+mj-cs"/>
-              </a:defRPr>
-            </a:lvl9pPr>
-          </a:lstStyle>
-          <a:p>
-            <a:r>
-              <a:rPr lang="en-US" dirty="0"/>
-              <a:t>100% of prices included</a:t>
-            </a:r>
-          </a:p>
-        </p:txBody>
-      </p:sp>
-      <p:sp>
-        <p:nvSpPr>
-          <p:cNvPr id="7" name="Content Placeholder 5">
-            <a:extLst>
-              <a:ext uri="{FF2B5EF4-FFF2-40B4-BE49-F238E27FC236}">
-                <a16:creationId xmlns:a16="http://schemas.microsoft.com/office/drawing/2014/main" id="{20871757-659F-4DA1-B055-FF7FD4A7F65D}"/>
-              </a:ext>
-            </a:extLst>
-          </p:cNvPr>
-          <p:cNvSpPr txBox="1">
-            <a:spLocks/>
-          </p:cNvSpPr>
-          <p:nvPr/>
-        </p:nvSpPr>
-        <p:spPr>
-          <a:xfrm>
-            <a:off x="6539993" y="2257995"/>
-            <a:ext cx="4396339" cy="3741738"/>
-          </a:xfrm>
-          <a:prstGeom prst="rect">
-            <a:avLst/>
-          </a:prstGeom>
-        </p:spPr>
-        <p:txBody>
-          <a:bodyPr/>
-          <a:lstStyle>
-            <a:lvl1pPr marL="342900" indent="-342900" algn="l" defTabSz="457200" rtl="0" eaLnBrk="1" latinLnBrk="0" hangingPunct="1">
-              <a:spcBef>
-                <a:spcPts val="1000"/>
-              </a:spcBef>
-              <a:spcAft>
-                <a:spcPts val="0"/>
-              </a:spcAft>
-              <a:buClr>
-                <a:schemeClr val="bg2">
-                  <a:lumMod val="40000"/>
-                  <a:lumOff val="60000"/>
-                </a:schemeClr>
-              </a:buClr>
-              <a:buSzPct val="80000"/>
-              <a:buFont typeface="Wingdings 3" charset="2"/>
-              <a:buChar char=""/>
-              <a:defRPr sz="2000" b="0" i="0" kern="1200">
-                <a:solidFill>
-                  <a:schemeClr val="tx1"/>
-                </a:solidFill>
-                <a:latin typeface="+mj-lt"/>
-                <a:ea typeface="+mj-ea"/>
-                <a:cs typeface="+mj-cs"/>
-              </a:defRPr>
-            </a:lvl1pPr>
-            <a:lvl2pPr marL="742950" indent="-285750" algn="l" defTabSz="457200" rtl="0" eaLnBrk="1" latinLnBrk="0" hangingPunct="1">
-              <a:spcBef>
-                <a:spcPts val="1000"/>
-              </a:spcBef>
-              <a:spcAft>
-                <a:spcPts val="0"/>
-              </a:spcAft>
-              <a:buClr>
-                <a:schemeClr val="bg2">
-                  <a:lumMod val="40000"/>
-                  <a:lumOff val="60000"/>
-                </a:schemeClr>
-              </a:buClr>
-              <a:buSzPct val="80000"/>
-              <a:buFont typeface="Wingdings 3" charset="2"/>
-              <a:buChar char=""/>
-              <a:defRPr sz="1800" b="0" i="0" kern="1200">
-                <a:solidFill>
-                  <a:schemeClr val="tx1"/>
-                </a:solidFill>
-                <a:latin typeface="+mj-lt"/>
-                <a:ea typeface="+mj-ea"/>
-                <a:cs typeface="+mj-cs"/>
-              </a:defRPr>
-            </a:lvl2pPr>
-            <a:lvl3pPr marL="1143000" indent="-228600" algn="l" defTabSz="457200" rtl="0" eaLnBrk="1" latinLnBrk="0" hangingPunct="1">
-              <a:spcBef>
-                <a:spcPts val="1000"/>
-              </a:spcBef>
-              <a:spcAft>
-                <a:spcPts val="0"/>
-              </a:spcAft>
-              <a:buClr>
-                <a:schemeClr val="bg2">
-                  <a:lumMod val="40000"/>
-                  <a:lumOff val="60000"/>
-                </a:schemeClr>
-              </a:buClr>
-              <a:buSzPct val="80000"/>
-              <a:buFont typeface="Wingdings 3" charset="2"/>
-              <a:buChar char=""/>
-              <a:defRPr sz="1600" b="0" i="0" kern="1200">
-                <a:solidFill>
-                  <a:schemeClr val="tx1"/>
-                </a:solidFill>
-                <a:latin typeface="+mj-lt"/>
-                <a:ea typeface="+mj-ea"/>
-                <a:cs typeface="+mj-cs"/>
-              </a:defRPr>
-            </a:lvl3pPr>
-            <a:lvl4pPr marL="1600200" indent="-228600" algn="l" defTabSz="457200" rtl="0" eaLnBrk="1" latinLnBrk="0" hangingPunct="1">
-              <a:spcBef>
-                <a:spcPts val="1000"/>
-              </a:spcBef>
-              <a:spcAft>
-                <a:spcPts val="0"/>
-              </a:spcAft>
-              <a:buClr>
-                <a:schemeClr val="bg2">
-                  <a:lumMod val="40000"/>
-                  <a:lumOff val="60000"/>
-                </a:schemeClr>
-              </a:buClr>
-              <a:buSzPct val="80000"/>
-              <a:buFont typeface="Wingdings 3" charset="2"/>
-              <a:buChar char=""/>
-              <a:defRPr sz="1400" b="0" i="0" kern="1200">
-                <a:solidFill>
-                  <a:schemeClr val="tx1"/>
-                </a:solidFill>
-                <a:latin typeface="+mj-lt"/>
-                <a:ea typeface="+mj-ea"/>
-                <a:cs typeface="+mj-cs"/>
-              </a:defRPr>
-            </a:lvl4pPr>
-            <a:lvl5pPr marL="2057400" indent="-228600" algn="l" defTabSz="457200" rtl="0" eaLnBrk="1" latinLnBrk="0" hangingPunct="1">
-              <a:spcBef>
-                <a:spcPts val="1000"/>
-              </a:spcBef>
-              <a:spcAft>
-                <a:spcPts val="0"/>
-              </a:spcAft>
-              <a:buClr>
-                <a:schemeClr val="bg2">
-                  <a:lumMod val="40000"/>
-                  <a:lumOff val="60000"/>
-                </a:schemeClr>
-              </a:buClr>
-              <a:buSzPct val="80000"/>
-              <a:buFont typeface="Wingdings 3" charset="2"/>
-              <a:buChar char=""/>
-              <a:defRPr sz="1400" b="0" i="0" kern="1200">
-                <a:solidFill>
-                  <a:schemeClr val="tx1"/>
-                </a:solidFill>
-                <a:latin typeface="+mj-lt"/>
-                <a:ea typeface="+mj-ea"/>
-                <a:cs typeface="+mj-cs"/>
-              </a:defRPr>
-            </a:lvl5pPr>
-            <a:lvl6pPr marL="2506000" indent="-228600" algn="l" defTabSz="457200" rtl="0" eaLnBrk="1" latinLnBrk="0" hangingPunct="1">
-              <a:spcBef>
-                <a:spcPts val="1000"/>
-              </a:spcBef>
-              <a:spcAft>
-                <a:spcPts val="0"/>
-              </a:spcAft>
-              <a:buClr>
-                <a:schemeClr val="bg2">
-                  <a:lumMod val="40000"/>
-                  <a:lumOff val="60000"/>
-                </a:schemeClr>
-              </a:buClr>
-              <a:buSzPct val="80000"/>
-              <a:buFont typeface="Wingdings 3" charset="2"/>
-              <a:buChar char=""/>
-              <a:defRPr sz="1400" b="0" i="0" kern="1200">
-                <a:solidFill>
-                  <a:schemeClr val="tx1"/>
-                </a:solidFill>
-                <a:latin typeface="+mj-lt"/>
-                <a:ea typeface="+mj-ea"/>
-                <a:cs typeface="+mj-cs"/>
-              </a:defRPr>
-            </a:lvl6pPr>
-            <a:lvl7pPr marL="2971800" indent="-228600" algn="l" defTabSz="457200" rtl="0" eaLnBrk="1" latinLnBrk="0" hangingPunct="1">
-              <a:spcBef>
-                <a:spcPts val="1000"/>
-              </a:spcBef>
-              <a:spcAft>
-                <a:spcPts val="0"/>
-              </a:spcAft>
-              <a:buClr>
-                <a:schemeClr val="bg2">
-                  <a:lumMod val="40000"/>
-                  <a:lumOff val="60000"/>
-                </a:schemeClr>
-              </a:buClr>
-              <a:buSzPct val="80000"/>
-              <a:buFont typeface="Wingdings 3" charset="2"/>
-              <a:buChar char=""/>
-              <a:defRPr sz="1400" b="0" i="0" kern="1200">
-                <a:solidFill>
-                  <a:schemeClr val="tx1"/>
-                </a:solidFill>
-                <a:latin typeface="+mj-lt"/>
-                <a:ea typeface="+mj-ea"/>
-                <a:cs typeface="+mj-cs"/>
-              </a:defRPr>
-            </a:lvl7pPr>
-            <a:lvl8pPr marL="3429000" indent="-228600" algn="l" defTabSz="457200" rtl="0" eaLnBrk="1" latinLnBrk="0" hangingPunct="1">
-              <a:spcBef>
-                <a:spcPts val="1000"/>
-              </a:spcBef>
-              <a:spcAft>
-                <a:spcPts val="0"/>
-              </a:spcAft>
-              <a:buClr>
-                <a:schemeClr val="bg2">
-                  <a:lumMod val="40000"/>
-                  <a:lumOff val="60000"/>
-                </a:schemeClr>
-              </a:buClr>
-              <a:buSzPct val="80000"/>
-              <a:buFont typeface="Wingdings 3" charset="2"/>
-              <a:buChar char=""/>
-              <a:defRPr sz="1400" b="0" i="0" kern="1200">
-                <a:solidFill>
-                  <a:schemeClr val="tx1"/>
-                </a:solidFill>
-                <a:latin typeface="+mj-lt"/>
-                <a:ea typeface="+mj-ea"/>
-                <a:cs typeface="+mj-cs"/>
-              </a:defRPr>
-            </a:lvl8pPr>
-            <a:lvl9pPr marL="3886200" indent="-228600" algn="l" defTabSz="457200" rtl="0" eaLnBrk="1" latinLnBrk="0" hangingPunct="1">
-              <a:spcBef>
-                <a:spcPts val="1000"/>
-              </a:spcBef>
-              <a:spcAft>
-                <a:spcPts val="0"/>
-              </a:spcAft>
-              <a:buClr>
-                <a:schemeClr val="bg2">
-                  <a:lumMod val="40000"/>
-                  <a:lumOff val="60000"/>
-                </a:schemeClr>
-              </a:buClr>
-              <a:buSzPct val="80000"/>
-              <a:buFont typeface="Wingdings 3" charset="2"/>
-              <a:buChar char=""/>
-              <a:defRPr sz="1400" b="0" i="0" kern="1200">
-                <a:solidFill>
-                  <a:schemeClr val="tx1"/>
-                </a:solidFill>
-                <a:latin typeface="+mj-lt"/>
-                <a:ea typeface="+mj-ea"/>
-                <a:cs typeface="+mj-cs"/>
-              </a:defRPr>
-            </a:lvl9pPr>
-          </a:lstStyle>
-          <a:p>
-            <a:r>
-              <a:rPr lang="en-US" dirty="0"/>
-              <a:t>Top 6 most frequent countries</a:t>
-            </a:r>
-          </a:p>
-          <a:p>
-            <a:pPr lvl="1"/>
-            <a:r>
-              <a:rPr lang="en-US" dirty="0"/>
-              <a:t>US, Italy, Spain, France, Chile, Portugal</a:t>
-            </a:r>
-          </a:p>
-          <a:p>
-            <a:pPr marL="457200" lvl="1" indent="0">
-              <a:buNone/>
-            </a:pPr>
-            <a:endParaRPr lang="en-US" dirty="0"/>
-          </a:p>
-          <a:p>
-            <a:r>
-              <a:rPr lang="en-US" dirty="0"/>
-              <a:t>Top 6 most frequent varieties</a:t>
-            </a:r>
-          </a:p>
-          <a:p>
-            <a:pPr lvl="1"/>
-            <a:r>
-              <a:rPr lang="en-US" dirty="0"/>
-              <a:t>Pinot Noir, Chardonnay, Red Blend, Cabernet Sauvignon, Riesling, Syrah</a:t>
-            </a:r>
-            <a:br>
-              <a:rPr lang="en-US" dirty="0"/>
-            </a:br>
-            <a:endParaRPr lang="en-US" dirty="0"/>
-          </a:p>
-          <a:p>
-            <a:r>
-              <a:rPr lang="en-US" dirty="0"/>
-              <a:t>Quality (Points)</a:t>
-            </a:r>
-          </a:p>
-          <a:p>
-            <a:pPr lvl="1"/>
-            <a:r>
-              <a:rPr lang="en-US" dirty="0"/>
-              <a:t>Score Range 80-100</a:t>
-            </a:r>
-          </a:p>
-        </p:txBody>
-      </p:sp>
-    </p:spTree>
-    <p:extLst>
-      <p:ext uri="{BB962C8B-B14F-4D97-AF65-F5344CB8AC3E}">
-        <p14:creationId xmlns:p14="http://schemas.microsoft.com/office/powerpoint/2010/main" val="1109498986"/>
-      </p:ext>
-    </p:extLst>
-  </p:cSld>
-  <p:clrMapOvr>
-    <a:masterClrMapping/>
-  </p:clrMapOvr>
-</p:sld>
-</file>
-
-<file path=ppt/slides/slide6.xml><?xml version="1.0" encoding="utf-8"?>
-<p:sld xmlns:a="http://schemas.openxmlformats.org/drawingml/2006/main" xmlns:r="http://schemas.openxmlformats.org/officeDocument/2006/relationships" xmlns:p="http://schemas.openxmlformats.org/presentationml/2006/main">
-  <p:cSld>
-    <p:spTree>
-      <p:nvGrpSpPr>
-        <p:cNvPr id="1" name=""/>
-        <p:cNvGrpSpPr/>
-        <p:nvPr/>
-      </p:nvGrpSpPr>
-      <p:grpSpPr>
-        <a:xfrm>
-          <a:off x="0" y="0"/>
-          <a:ext cx="0" cy="0"/>
-          <a:chOff x="0" y="0"/>
-          <a:chExt cx="0" cy="0"/>
-        </a:xfrm>
-      </p:grpSpPr>
-      <p:sp>
-        <p:nvSpPr>
-          <p:cNvPr id="2" name="Title 1">
-            <a:extLst>
-              <a:ext uri="{FF2B5EF4-FFF2-40B4-BE49-F238E27FC236}">
-                <a16:creationId xmlns:a16="http://schemas.microsoft.com/office/drawing/2014/main" id="{A22B86D7-1645-4564-A3E7-700357D93592}"/>
-              </a:ext>
-            </a:extLst>
-          </p:cNvPr>
-          <p:cNvSpPr>
-            <a:spLocks noGrp="1"/>
-          </p:cNvSpPr>
-          <p:nvPr>
-            <p:ph type="title"/>
-          </p:nvPr>
-        </p:nvSpPr>
-        <p:spPr/>
-        <p:txBody>
-          <a:bodyPr/>
-          <a:lstStyle/>
-          <a:p>
-            <a:r>
-              <a:rPr lang="en-US" dirty="0"/>
-              <a:t>Linear Model – wineries in place of countries</a:t>
-            </a:r>
-          </a:p>
-        </p:txBody>
-      </p:sp>
-      <p:sp>
-        <p:nvSpPr>
-          <p:cNvPr id="12" name="Content Placeholder 5">
-            <a:extLst>
-              <a:ext uri="{FF2B5EF4-FFF2-40B4-BE49-F238E27FC236}">
-                <a16:creationId xmlns:a16="http://schemas.microsoft.com/office/drawing/2014/main" id="{E3BC7CF6-ACC7-43D9-9AF7-17CC4898FB20}"/>
-              </a:ext>
-            </a:extLst>
-          </p:cNvPr>
-          <p:cNvSpPr txBox="1">
-            <a:spLocks/>
-          </p:cNvSpPr>
-          <p:nvPr/>
-        </p:nvSpPr>
-        <p:spPr>
-          <a:xfrm>
-            <a:off x="6673343" y="2067495"/>
-            <a:ext cx="4396339" cy="3741738"/>
-          </a:xfrm>
-          <a:prstGeom prst="rect">
-            <a:avLst/>
-          </a:prstGeom>
-        </p:spPr>
-        <p:txBody>
-          <a:bodyPr/>
-          <a:lstStyle>
-            <a:lvl1pPr marL="342900" indent="-342900" algn="l" defTabSz="457200" rtl="0" eaLnBrk="1" latinLnBrk="0" hangingPunct="1">
-              <a:spcBef>
-                <a:spcPts val="1000"/>
-              </a:spcBef>
-              <a:spcAft>
-                <a:spcPts val="0"/>
-              </a:spcAft>
-              <a:buClr>
-                <a:schemeClr val="bg2">
-                  <a:lumMod val="40000"/>
-                  <a:lumOff val="60000"/>
-                </a:schemeClr>
-              </a:buClr>
-              <a:buSzPct val="80000"/>
-              <a:buFont typeface="Wingdings 3" charset="2"/>
-              <a:buChar char=""/>
-              <a:defRPr sz="2000" b="0" i="0" kern="1200">
-                <a:solidFill>
-                  <a:schemeClr val="tx1"/>
-                </a:solidFill>
-                <a:latin typeface="+mj-lt"/>
-                <a:ea typeface="+mj-ea"/>
-                <a:cs typeface="+mj-cs"/>
-              </a:defRPr>
-            </a:lvl1pPr>
-            <a:lvl2pPr marL="742950" indent="-285750" algn="l" defTabSz="457200" rtl="0" eaLnBrk="1" latinLnBrk="0" hangingPunct="1">
-              <a:spcBef>
-                <a:spcPts val="1000"/>
-              </a:spcBef>
-              <a:spcAft>
-                <a:spcPts val="0"/>
-              </a:spcAft>
-              <a:buClr>
-                <a:schemeClr val="bg2">
-                  <a:lumMod val="40000"/>
-                  <a:lumOff val="60000"/>
-                </a:schemeClr>
-              </a:buClr>
-              <a:buSzPct val="80000"/>
-              <a:buFont typeface="Wingdings 3" charset="2"/>
-              <a:buChar char=""/>
-              <a:defRPr sz="1800" b="0" i="0" kern="1200">
-                <a:solidFill>
-                  <a:schemeClr val="tx1"/>
-                </a:solidFill>
-                <a:latin typeface="+mj-lt"/>
-                <a:ea typeface="+mj-ea"/>
-                <a:cs typeface="+mj-cs"/>
-              </a:defRPr>
-            </a:lvl2pPr>
-            <a:lvl3pPr marL="1143000" indent="-228600" algn="l" defTabSz="457200" rtl="0" eaLnBrk="1" latinLnBrk="0" hangingPunct="1">
-              <a:spcBef>
-                <a:spcPts val="1000"/>
-              </a:spcBef>
-              <a:spcAft>
-                <a:spcPts val="0"/>
-              </a:spcAft>
-              <a:buClr>
-                <a:schemeClr val="bg2">
-                  <a:lumMod val="40000"/>
-                  <a:lumOff val="60000"/>
-                </a:schemeClr>
-              </a:buClr>
-              <a:buSzPct val="80000"/>
-              <a:buFont typeface="Wingdings 3" charset="2"/>
-              <a:buChar char=""/>
-              <a:defRPr sz="1600" b="0" i="0" kern="1200">
-                <a:solidFill>
-                  <a:schemeClr val="tx1"/>
-                </a:solidFill>
-                <a:latin typeface="+mj-lt"/>
-                <a:ea typeface="+mj-ea"/>
-                <a:cs typeface="+mj-cs"/>
-              </a:defRPr>
-            </a:lvl3pPr>
-            <a:lvl4pPr marL="1600200" indent="-228600" algn="l" defTabSz="457200" rtl="0" eaLnBrk="1" latinLnBrk="0" hangingPunct="1">
-              <a:spcBef>
-                <a:spcPts val="1000"/>
-              </a:spcBef>
-              <a:spcAft>
-                <a:spcPts val="0"/>
-              </a:spcAft>
-              <a:buClr>
-                <a:schemeClr val="bg2">
-                  <a:lumMod val="40000"/>
-                  <a:lumOff val="60000"/>
-                </a:schemeClr>
-              </a:buClr>
-              <a:buSzPct val="80000"/>
-              <a:buFont typeface="Wingdings 3" charset="2"/>
-              <a:buChar char=""/>
-              <a:defRPr sz="1400" b="0" i="0" kern="1200">
-                <a:solidFill>
-                  <a:schemeClr val="tx1"/>
-                </a:solidFill>
-                <a:latin typeface="+mj-lt"/>
-                <a:ea typeface="+mj-ea"/>
-                <a:cs typeface="+mj-cs"/>
-              </a:defRPr>
-            </a:lvl4pPr>
-            <a:lvl5pPr marL="2057400" indent="-228600" algn="l" defTabSz="457200" rtl="0" eaLnBrk="1" latinLnBrk="0" hangingPunct="1">
-              <a:spcBef>
-                <a:spcPts val="1000"/>
-              </a:spcBef>
-              <a:spcAft>
-                <a:spcPts val="0"/>
-              </a:spcAft>
-              <a:buClr>
-                <a:schemeClr val="bg2">
-                  <a:lumMod val="40000"/>
-                  <a:lumOff val="60000"/>
-                </a:schemeClr>
-              </a:buClr>
-              <a:buSzPct val="80000"/>
-              <a:buFont typeface="Wingdings 3" charset="2"/>
-              <a:buChar char=""/>
-              <a:defRPr sz="1400" b="0" i="0" kern="1200">
-                <a:solidFill>
-                  <a:schemeClr val="tx1"/>
-                </a:solidFill>
-                <a:latin typeface="+mj-lt"/>
-                <a:ea typeface="+mj-ea"/>
-                <a:cs typeface="+mj-cs"/>
-              </a:defRPr>
-            </a:lvl5pPr>
-            <a:lvl6pPr marL="2506000" indent="-228600" algn="l" defTabSz="457200" rtl="0" eaLnBrk="1" latinLnBrk="0" hangingPunct="1">
-              <a:spcBef>
-                <a:spcPts val="1000"/>
-              </a:spcBef>
-              <a:spcAft>
-                <a:spcPts val="0"/>
-              </a:spcAft>
-              <a:buClr>
-                <a:schemeClr val="bg2">
-                  <a:lumMod val="40000"/>
-                  <a:lumOff val="60000"/>
-                </a:schemeClr>
-              </a:buClr>
-              <a:buSzPct val="80000"/>
-              <a:buFont typeface="Wingdings 3" charset="2"/>
-              <a:buChar char=""/>
-              <a:defRPr sz="1400" b="0" i="0" kern="1200">
-                <a:solidFill>
-                  <a:schemeClr val="tx1"/>
-                </a:solidFill>
-                <a:latin typeface="+mj-lt"/>
-                <a:ea typeface="+mj-ea"/>
-                <a:cs typeface="+mj-cs"/>
-              </a:defRPr>
-            </a:lvl6pPr>
-            <a:lvl7pPr marL="2971800" indent="-228600" algn="l" defTabSz="457200" rtl="0" eaLnBrk="1" latinLnBrk="0" hangingPunct="1">
-              <a:spcBef>
-                <a:spcPts val="1000"/>
-              </a:spcBef>
-              <a:spcAft>
-                <a:spcPts val="0"/>
-              </a:spcAft>
-              <a:buClr>
-                <a:schemeClr val="bg2">
-                  <a:lumMod val="40000"/>
-                  <a:lumOff val="60000"/>
-                </a:schemeClr>
-              </a:buClr>
-              <a:buSzPct val="80000"/>
-              <a:buFont typeface="Wingdings 3" charset="2"/>
-              <a:buChar char=""/>
-              <a:defRPr sz="1400" b="0" i="0" kern="1200">
-                <a:solidFill>
-                  <a:schemeClr val="tx1"/>
-                </a:solidFill>
-                <a:latin typeface="+mj-lt"/>
-                <a:ea typeface="+mj-ea"/>
-                <a:cs typeface="+mj-cs"/>
-              </a:defRPr>
-            </a:lvl7pPr>
-            <a:lvl8pPr marL="3429000" indent="-228600" algn="l" defTabSz="457200" rtl="0" eaLnBrk="1" latinLnBrk="0" hangingPunct="1">
-              <a:spcBef>
-                <a:spcPts val="1000"/>
-              </a:spcBef>
-              <a:spcAft>
-                <a:spcPts val="0"/>
-              </a:spcAft>
-              <a:buClr>
-                <a:schemeClr val="bg2">
-                  <a:lumMod val="40000"/>
-                  <a:lumOff val="60000"/>
-                </a:schemeClr>
-              </a:buClr>
-              <a:buSzPct val="80000"/>
-              <a:buFont typeface="Wingdings 3" charset="2"/>
-              <a:buChar char=""/>
-              <a:defRPr sz="1400" b="0" i="0" kern="1200">
-                <a:solidFill>
-                  <a:schemeClr val="tx1"/>
-                </a:solidFill>
-                <a:latin typeface="+mj-lt"/>
-                <a:ea typeface="+mj-ea"/>
-                <a:cs typeface="+mj-cs"/>
-              </a:defRPr>
-            </a:lvl8pPr>
-            <a:lvl9pPr marL="3886200" indent="-228600" algn="l" defTabSz="457200" rtl="0" eaLnBrk="1" latinLnBrk="0" hangingPunct="1">
-              <a:spcBef>
-                <a:spcPts val="1000"/>
-              </a:spcBef>
-              <a:spcAft>
-                <a:spcPts val="0"/>
-              </a:spcAft>
-              <a:buClr>
-                <a:schemeClr val="bg2">
-                  <a:lumMod val="40000"/>
-                  <a:lumOff val="60000"/>
-                </a:schemeClr>
-              </a:buClr>
-              <a:buSzPct val="80000"/>
-              <a:buFont typeface="Wingdings 3" charset="2"/>
-              <a:buChar char=""/>
-              <a:defRPr sz="1400" b="0" i="0" kern="1200">
-                <a:solidFill>
-                  <a:schemeClr val="tx1"/>
-                </a:solidFill>
-                <a:latin typeface="+mj-lt"/>
-                <a:ea typeface="+mj-ea"/>
-                <a:cs typeface="+mj-cs"/>
-              </a:defRPr>
-            </a:lvl9pPr>
-          </a:lstStyle>
-          <a:p>
-            <a:r>
-              <a:rPr lang="en-US" dirty="0"/>
-              <a:t>Top 3 most frequent wineries in each country</a:t>
-            </a:r>
-          </a:p>
-          <a:p>
-            <a:r>
-              <a:rPr lang="en-US" dirty="0"/>
-              <a:t>100% of prices</a:t>
-            </a:r>
-          </a:p>
-          <a:p>
-            <a:r>
-              <a:rPr lang="en-US" dirty="0"/>
-              <a:t>Small improvement in standard error</a:t>
-            </a:r>
-          </a:p>
-        </p:txBody>
-      </p:sp>
-      <p:pic>
-        <p:nvPicPr>
-          <p:cNvPr id="9" name="Picture 8">
-            <a:extLst>
-              <a:ext uri="{FF2B5EF4-FFF2-40B4-BE49-F238E27FC236}">
-                <a16:creationId xmlns:a16="http://schemas.microsoft.com/office/drawing/2014/main" id="{5C5ACF31-1015-4ABE-83B6-243BF7E577D6}"/>
-              </a:ext>
-            </a:extLst>
-          </p:cNvPr>
-          <p:cNvPicPr>
-            <a:picLocks noChangeAspect="1"/>
-          </p:cNvPicPr>
-          <p:nvPr/>
-        </p:nvPicPr>
-        <p:blipFill>
-          <a:blip r:embed="rId2"/>
-          <a:stretch>
-            <a:fillRect/>
-          </a:stretch>
-        </p:blipFill>
-        <p:spPr>
-          <a:xfrm>
-            <a:off x="423862" y="2067495"/>
-            <a:ext cx="5934075" cy="3495675"/>
-          </a:xfrm>
-          <a:prstGeom prst="rect">
-            <a:avLst/>
-          </a:prstGeom>
-        </p:spPr>
-      </p:pic>
-    </p:spTree>
-    <p:extLst>
-      <p:ext uri="{BB962C8B-B14F-4D97-AF65-F5344CB8AC3E}">
-        <p14:creationId xmlns:p14="http://schemas.microsoft.com/office/powerpoint/2010/main" val="1562431829"/>
-      </p:ext>
-    </p:extLst>
-  </p:cSld>
-  <p:clrMapOvr>
-    <a:masterClrMapping/>
-  </p:clrMapOvr>
-</p:sld>
-</file>
-
-<file path=ppt/slides/slide7.xml><?xml version="1.0" encoding="utf-8"?>
-<p:sld xmlns:a="http://schemas.openxmlformats.org/drawingml/2006/main" xmlns:r="http://schemas.openxmlformats.org/officeDocument/2006/relationships" xmlns:p="http://schemas.openxmlformats.org/presentationml/2006/main">
-  <p:cSld>
-    <p:bg>
-      <p:bgPr>
-        <a:blipFill rotWithShape="1">
-          <a:blip r:embed="rId2">
-            <a:duotone>
-              <a:schemeClr val="bg2">
-                <a:shade val="69000"/>
-                <a:hueMod val="108000"/>
-                <a:satMod val="164000"/>
-                <a:lumMod val="74000"/>
-              </a:schemeClr>
-              <a:schemeClr val="bg2">
-                <a:tint val="96000"/>
-                <a:hueMod val="88000"/>
-                <a:satMod val="140000"/>
-                <a:lumMod val="132000"/>
-              </a:schemeClr>
-            </a:duotone>
-            <a:extLst/>
-          </a:blip>
-          <a:stretch/>
-        </a:blipFill>
-        <a:effectLst/>
-      </p:bgPr>
-    </p:bg>
-    <p:spTree>
-      <p:nvGrpSpPr>
-        <p:cNvPr id="1" name=""/>
-        <p:cNvGrpSpPr/>
-        <p:nvPr/>
-      </p:nvGrpSpPr>
-      <p:grpSpPr>
-        <a:xfrm>
-          <a:off x="0" y="0"/>
-          <a:ext cx="0" cy="0"/>
-          <a:chOff x="0" y="0"/>
-          <a:chExt cx="0" cy="0"/>
-        </a:xfrm>
-      </p:grpSpPr>
-      <p:pic>
-        <p:nvPicPr>
-          <p:cNvPr id="84" name="Picture 83">
-            <a:extLst>
-              <a:ext uri="{FF2B5EF4-FFF2-40B4-BE49-F238E27FC236}">
-                <a16:creationId xmlns:a16="http://schemas.microsoft.com/office/drawing/2014/main" id="{BD310164-D3A3-415E-9D94-5D21D9FB2F6C}"/>
-              </a:ext>
-              <a:ext uri="{C183D7F6-B498-43B3-948B-1728B52AA6E4}">
-                <adec:decorative xmlns:adec="http://schemas.microsoft.com/office/drawing/2017/decorative" val="1"/>
-              </a:ext>
-            </a:extLst>
-          </p:cNvPr>
-          <p:cNvPicPr>
-            <a:picLocks noGrp="1" noRot="1" noChangeAspect="1" noMove="1" noResize="1" noEditPoints="1" noAdjustHandles="1" noChangeArrowheads="1" noChangeShapeType="1" noCrop="1"/>
-          </p:cNvPicPr>
-          <p:nvPr>
-            <p:extLst>
-              <p:ext uri="{386F3935-93C4-4BCD-93E2-E3B085C9AB24}">
-                <p16:designElem xmlns:p16="http://schemas.microsoft.com/office/powerpoint/2015/main" val="1"/>
-              </p:ext>
-            </p:extLst>
-          </p:nvPr>
-        </p:nvPicPr>
-        <p:blipFill rotWithShape="1">
-          <a:blip r:embed="rId3">
-            <a:extLst>
-              <a:ext uri="{28A0092B-C50C-407E-A947-70E740481C1C}">
-                <a14:useLocalDpi xmlns:a14="http://schemas.microsoft.com/office/drawing/2010/main" val="0"/>
-              </a:ext>
-            </a:extLst>
-          </a:blip>
-          <a:srcRect l="3613"/>
-          <a:stretch/>
-        </p:blipFill>
-        <p:spPr>
-          <a:xfrm>
-            <a:off x="0" y="2669685"/>
-            <a:ext cx="4037012" cy="4188315"/>
-          </a:xfrm>
-          <a:prstGeom prst="rect">
-            <a:avLst/>
-          </a:prstGeom>
-        </p:spPr>
-      </p:pic>
-      <p:pic>
-        <p:nvPicPr>
-          <p:cNvPr id="86" name="Picture 85">
-            <a:extLst>
-              <a:ext uri="{FF2B5EF4-FFF2-40B4-BE49-F238E27FC236}">
-                <a16:creationId xmlns:a16="http://schemas.microsoft.com/office/drawing/2014/main" id="{BE586E08-18BF-4AB1-AB48-4005D567343E}"/>
-              </a:ext>
-              <a:ext uri="{C183D7F6-B498-43B3-948B-1728B52AA6E4}">
-                <adec:decorative xmlns:adec="http://schemas.microsoft.com/office/drawing/2017/decorative" val="1"/>
-              </a:ext>
-            </a:extLst>
-          </p:cNvPr>
-          <p:cNvPicPr>
-            <a:picLocks noGrp="1" noRot="1" noChangeAspect="1" noMove="1" noResize="1" noEditPoints="1" noAdjustHandles="1" noChangeArrowheads="1" noChangeShapeType="1" noCrop="1"/>
-          </p:cNvPicPr>
-          <p:nvPr>
-            <p:extLst>
-              <p:ext uri="{386F3935-93C4-4BCD-93E2-E3B085C9AB24}">
-                <p16:designElem xmlns:p16="http://schemas.microsoft.com/office/powerpoint/2015/main" val="1"/>
-              </p:ext>
-            </p:extLst>
-          </p:nvPr>
-        </p:nvPicPr>
-        <p:blipFill rotWithShape="1">
-          <a:blip r:embed="rId4">
-            <a:extLst>
-              <a:ext uri="{28A0092B-C50C-407E-A947-70E740481C1C}">
-                <a14:useLocalDpi xmlns:a14="http://schemas.microsoft.com/office/drawing/2010/main" val="0"/>
-              </a:ext>
-            </a:extLst>
-          </a:blip>
-          <a:srcRect l="35640"/>
-          <a:stretch/>
-        </p:blipFill>
-        <p:spPr>
-          <a:xfrm>
-            <a:off x="0" y="2892347"/>
-            <a:ext cx="1522412" cy="2365453"/>
-          </a:xfrm>
-          <a:prstGeom prst="rect">
-            <a:avLst/>
-          </a:prstGeom>
-        </p:spPr>
-      </p:pic>
-      <p:sp>
-        <p:nvSpPr>
-          <p:cNvPr id="88" name="Oval 87">
-            <a:extLst>
-              <a:ext uri="{FF2B5EF4-FFF2-40B4-BE49-F238E27FC236}">
-                <a16:creationId xmlns:a16="http://schemas.microsoft.com/office/drawing/2014/main" id="{4A497DBC-2692-42B4-A606-31024033F7C0}"/>
-              </a:ext>
-              <a:ext uri="{C183D7F6-B498-43B3-948B-1728B52AA6E4}">
-                <adec:decorative xmlns:adec="http://schemas.microsoft.com/office/drawing/2017/decorative" val="1"/>
-              </a:ext>
-            </a:extLst>
-          </p:cNvPr>
-          <p:cNvSpPr>
-            <a:spLocks noGrp="1" noRot="1" noChangeAspect="1" noMove="1" noResize="1" noEditPoints="1" noAdjustHandles="1" noChangeArrowheads="1" noChangeShapeType="1" noTextEdit="1"/>
-          </p:cNvSpPr>
-          <p:nvPr>
-            <p:extLst>
-              <p:ext uri="{386F3935-93C4-4BCD-93E2-E3B085C9AB24}">
-                <p16:designElem xmlns:p16="http://schemas.microsoft.com/office/powerpoint/2015/main" val="1"/>
-              </p:ext>
-            </p:extLst>
-          </p:nvPr>
-        </p:nvSpPr>
-        <p:spPr>
-          <a:xfrm>
-            <a:off x="8609012" y="1676400"/>
-            <a:ext cx="2819400" cy="2819400"/>
-          </a:xfrm>
-          <a:prstGeom prst="ellipse">
-            <a:avLst/>
-          </a:prstGeom>
-          <a:gradFill flip="none" rotWithShape="1">
-            <a:gsLst>
-              <a:gs pos="0">
-                <a:schemeClr val="bg2">
-                  <a:lumMod val="60000"/>
-                  <a:lumOff val="40000"/>
-                  <a:alpha val="7000"/>
-                </a:schemeClr>
-              </a:gs>
-              <a:gs pos="69000">
-                <a:schemeClr val="bg2">
-                  <a:lumMod val="60000"/>
-                  <a:lumOff val="40000"/>
-                  <a:alpha val="0"/>
-                </a:schemeClr>
-              </a:gs>
-              <a:gs pos="36000">
-                <a:schemeClr val="bg2">
-                  <a:lumMod val="60000"/>
-                  <a:lumOff val="40000"/>
-                  <a:alpha val="6000"/>
-                </a:schemeClr>
-              </a:gs>
-            </a:gsLst>
-            <a:path path="circle">
-              <a:fillToRect l="50000" t="50000" r="50000" b="50000"/>
-            </a:path>
-            <a:tileRect/>
-          </a:gradFill>
-          <a:ln>
-            <a:noFill/>
-          </a:ln>
-          <a:effectLst/>
-        </p:spPr>
-        <p:style>
-          <a:lnRef idx="1">
-            <a:schemeClr val="accent1"/>
-          </a:lnRef>
-          <a:fillRef idx="3">
-            <a:schemeClr val="accent1"/>
-          </a:fillRef>
-          <a:effectRef idx="2">
-            <a:schemeClr val="accent1"/>
-          </a:effectRef>
-          <a:fontRef idx="minor">
-            <a:schemeClr val="lt1"/>
-          </a:fontRef>
-        </p:style>
-      </p:sp>
-      <p:pic>
-        <p:nvPicPr>
-          <p:cNvPr id="90" name="Picture 89">
-            <a:extLst>
-              <a:ext uri="{FF2B5EF4-FFF2-40B4-BE49-F238E27FC236}">
-                <a16:creationId xmlns:a16="http://schemas.microsoft.com/office/drawing/2014/main" id="{3517A192-66A9-4297-9284-65580829ABF1}"/>
-              </a:ext>
-              <a:ext uri="{C183D7F6-B498-43B3-948B-1728B52AA6E4}">
-                <adec:decorative xmlns:adec="http://schemas.microsoft.com/office/drawing/2017/decorative" val="1"/>
-              </a:ext>
-            </a:extLst>
-          </p:cNvPr>
-          <p:cNvPicPr>
-            <a:picLocks noGrp="1" noRot="1" noChangeAspect="1" noMove="1" noResize="1" noEditPoints="1" noAdjustHandles="1" noChangeArrowheads="1" noChangeShapeType="1" noCrop="1"/>
-          </p:cNvPicPr>
-          <p:nvPr>
-            <p:extLst>
-              <p:ext uri="{386F3935-93C4-4BCD-93E2-E3B085C9AB24}">
-                <p16:designElem xmlns:p16="http://schemas.microsoft.com/office/powerpoint/2015/main" val="1"/>
-              </p:ext>
-            </p:extLst>
-          </p:nvPr>
-        </p:nvPicPr>
-        <p:blipFill rotWithShape="1">
-          <a:blip r:embed="rId5">
-            <a:extLst>
-              <a:ext uri="{28A0092B-C50C-407E-A947-70E740481C1C}">
-                <a14:useLocalDpi xmlns:a14="http://schemas.microsoft.com/office/drawing/2010/main" val="0"/>
-              </a:ext>
-            </a:extLst>
-          </a:blip>
-          <a:srcRect t="28813"/>
-          <a:stretch/>
-        </p:blipFill>
-        <p:spPr>
-          <a:xfrm>
-            <a:off x="7999412" y="0"/>
-            <a:ext cx="1603387" cy="1141407"/>
-          </a:xfrm>
-          <a:prstGeom prst="rect">
-            <a:avLst/>
-          </a:prstGeom>
-        </p:spPr>
-      </p:pic>
-      <p:pic>
-        <p:nvPicPr>
-          <p:cNvPr id="92" name="Picture 91">
-            <a:extLst>
-              <a:ext uri="{FF2B5EF4-FFF2-40B4-BE49-F238E27FC236}">
-                <a16:creationId xmlns:a16="http://schemas.microsoft.com/office/drawing/2014/main" id="{130825ED-0133-430D-BBBB-50B6F5228448}"/>
-              </a:ext>
-              <a:ext uri="{C183D7F6-B498-43B3-948B-1728B52AA6E4}">
-                <adec:decorative xmlns:adec="http://schemas.microsoft.com/office/drawing/2017/decorative" val="1"/>
-              </a:ext>
-            </a:extLst>
-          </p:cNvPr>
-          <p:cNvPicPr>
-            <a:picLocks noGrp="1" noRot="1" noChangeAspect="1" noMove="1" noResize="1" noEditPoints="1" noAdjustHandles="1" noChangeArrowheads="1" noChangeShapeType="1" noCrop="1"/>
-          </p:cNvPicPr>
-          <p:nvPr>
-            <p:extLst>
-              <p:ext uri="{386F3935-93C4-4BCD-93E2-E3B085C9AB24}">
-                <p16:designElem xmlns:p16="http://schemas.microsoft.com/office/powerpoint/2015/main" val="1"/>
-              </p:ext>
-            </p:extLst>
-          </p:nvPr>
-        </p:nvPicPr>
-        <p:blipFill rotWithShape="1">
-          <a:blip r:embed="rId6">
-            <a:extLst>
-              <a:ext uri="{28A0092B-C50C-407E-A947-70E740481C1C}">
-                <a14:useLocalDpi xmlns:a14="http://schemas.microsoft.com/office/drawing/2010/main" val="0"/>
-              </a:ext>
-            </a:extLst>
-          </a:blip>
-          <a:srcRect b="23320"/>
-          <a:stretch/>
-        </p:blipFill>
-        <p:spPr>
-          <a:xfrm>
-            <a:off x="8605878" y="6096000"/>
-            <a:ext cx="993734" cy="762000"/>
-          </a:xfrm>
-          <a:prstGeom prst="rect">
-            <a:avLst/>
-          </a:prstGeom>
-        </p:spPr>
-      </p:pic>
-      <p:sp>
-        <p:nvSpPr>
-          <p:cNvPr id="94" name="Rectangle 93">
-            <a:extLst>
-              <a:ext uri="{FF2B5EF4-FFF2-40B4-BE49-F238E27FC236}">
-                <a16:creationId xmlns:a16="http://schemas.microsoft.com/office/drawing/2014/main" id="{633F040E-FA1C-4EDC-B925-7EFCB9582839}"/>
-              </a:ext>
-              <a:ext uri="{C183D7F6-B498-43B3-948B-1728B52AA6E4}">
-                <adec:decorative xmlns:adec="http://schemas.microsoft.com/office/drawing/2017/decorative" val="1"/>
-              </a:ext>
-            </a:extLst>
-          </p:cNvPr>
-          <p:cNvSpPr>
-            <a:spLocks noGrp="1" noRot="1" noChangeAspect="1" noMove="1" noResize="1" noEditPoints="1" noAdjustHandles="1" noChangeArrowheads="1" noChangeShapeType="1" noTextEdit="1"/>
-          </p:cNvSpPr>
-          <p:nvPr>
-            <p:extLst>
-              <p:ext uri="{386F3935-93C4-4BCD-93E2-E3B085C9AB24}">
-                <p16:designElem xmlns:p16="http://schemas.microsoft.com/office/powerpoint/2015/main" val="1"/>
-              </p:ext>
-            </p:extLst>
-          </p:nvPr>
-        </p:nvSpPr>
-        <p:spPr>
-          <a:xfrm>
-            <a:off x="10437812" y="0"/>
-            <a:ext cx="685800" cy="1143000"/>
-          </a:xfrm>
-          <a:prstGeom prst="rect">
-            <a:avLst/>
-          </a:prstGeom>
-          <a:solidFill>
-            <a:schemeClr val="accent1"/>
-          </a:solidFill>
-          <a:ln>
-            <a:noFill/>
-          </a:ln>
-        </p:spPr>
-        <p:style>
-          <a:lnRef idx="1">
-            <a:schemeClr val="accent1"/>
-          </a:lnRef>
-          <a:fillRef idx="3">
-            <a:schemeClr val="accent1"/>
-          </a:fillRef>
-          <a:effectRef idx="2">
-            <a:schemeClr val="accent1"/>
-          </a:effectRef>
-          <a:fontRef idx="minor">
-            <a:schemeClr val="lt1"/>
-          </a:fontRef>
-        </p:style>
-      </p:sp>
-      <p:sp>
-        <p:nvSpPr>
-          <p:cNvPr id="2" name="Title 1">
-            <a:extLst>
-              <a:ext uri="{FF2B5EF4-FFF2-40B4-BE49-F238E27FC236}">
-                <a16:creationId xmlns:a16="http://schemas.microsoft.com/office/drawing/2014/main" id="{A22B86D7-1645-4564-A3E7-700357D93592}"/>
-              </a:ext>
-            </a:extLst>
-          </p:cNvPr>
-          <p:cNvSpPr>
-            <a:spLocks noGrp="1"/>
-          </p:cNvSpPr>
-          <p:nvPr>
-            <p:ph type="title"/>
-          </p:nvPr>
-        </p:nvSpPr>
-        <p:spPr>
-          <a:xfrm>
-            <a:off x="7552578" y="253074"/>
-            <a:ext cx="4480105" cy="4510768"/>
-          </a:xfrm>
-        </p:spPr>
-        <p:txBody>
-          <a:bodyPr vert="horz" lIns="91440" tIns="45720" rIns="91440" bIns="45720" rtlCol="0" anchor="b">
-            <a:noAutofit/>
-          </a:bodyPr>
-          <a:lstStyle/>
-          <a:p>
-            <a:r>
-              <a:rPr lang="en-US" sz="2400" dirty="0"/>
-              <a:t>Deep Learning Model</a:t>
-            </a:r>
-            <a:br>
-              <a:rPr lang="en-US" sz="2400" dirty="0"/>
-            </a:br>
-            <a:br>
-              <a:rPr lang="en-US" sz="2400" dirty="0"/>
-            </a:br>
-            <a:r>
-              <a:rPr lang="en-US" sz="2400" dirty="0"/>
-              <a:t>Better at predicting extreme price ranges with same inputs</a:t>
-            </a:r>
-          </a:p>
-        </p:txBody>
-      </p:sp>
-      <p:sp>
-        <p:nvSpPr>
-          <p:cNvPr id="96" name="Rectangle 95">
-            <a:extLst>
-              <a:ext uri="{FF2B5EF4-FFF2-40B4-BE49-F238E27FC236}">
-                <a16:creationId xmlns:a16="http://schemas.microsoft.com/office/drawing/2014/main" id="{3FDC3884-AF10-42EC-A828-643B6154F9F5}"/>
-              </a:ext>
-              <a:ext uri="{C183D7F6-B498-43B3-948B-1728B52AA6E4}">
-                <adec:decorative xmlns:adec="http://schemas.microsoft.com/office/drawing/2017/decorative" val="1"/>
-              </a:ext>
-            </a:extLst>
-          </p:cNvPr>
-          <p:cNvSpPr>
-            <a:spLocks noGrp="1" noRot="1" noChangeAspect="1" noMove="1" noResize="1" noEditPoints="1" noAdjustHandles="1" noChangeArrowheads="1" noChangeShapeType="1" noTextEdit="1"/>
-          </p:cNvSpPr>
-          <p:nvPr>
-            <p:extLst>
-              <p:ext uri="{386F3935-93C4-4BCD-93E2-E3B085C9AB24}">
-                <p16:designElem xmlns:p16="http://schemas.microsoft.com/office/powerpoint/2015/main" val="1"/>
-              </p:ext>
-            </p:extLst>
-          </p:nvPr>
-        </p:nvSpPr>
-        <p:spPr>
-          <a:xfrm>
-            <a:off x="636914" y="639905"/>
-            <a:ext cx="6915664" cy="5578188"/>
-          </a:xfrm>
-          <a:prstGeom prst="rect">
-            <a:avLst/>
-          </a:prstGeom>
-          <a:solidFill>
-            <a:srgbClr val="FFFFFF"/>
-          </a:solidFill>
-          <a:ln>
-            <a:noFill/>
-          </a:ln>
-        </p:spPr>
-        <p:style>
-          <a:lnRef idx="2">
-            <a:schemeClr val="accent1">
-              <a:shade val="50000"/>
-            </a:schemeClr>
-          </a:lnRef>
-          <a:fillRef idx="1">
-            <a:schemeClr val="accent1"/>
-          </a:fillRef>
-          <a:effectRef idx="0">
-            <a:schemeClr val="accent1"/>
-          </a:effectRef>
-          <a:fontRef idx="minor">
-            <a:schemeClr val="lt1"/>
-          </a:fontRef>
-        </p:style>
-        <p:txBody>
-          <a:bodyPr rtlCol="0" anchor="ctr"/>
-          <a:lstStyle/>
-          <a:p>
-            <a:pPr algn="ctr"/>
-            <a:endParaRPr lang="en-US"/>
-          </a:p>
-        </p:txBody>
-      </p:sp>
-      <p:pic>
-        <p:nvPicPr>
-          <p:cNvPr id="4100" name="Picture 4">
-            <a:extLst>
-              <a:ext uri="{FF2B5EF4-FFF2-40B4-BE49-F238E27FC236}">
-                <a16:creationId xmlns:a16="http://schemas.microsoft.com/office/drawing/2014/main" id="{8B33559A-2A3A-4095-B529-255757396E5F}"/>
-              </a:ext>
-            </a:extLst>
-          </p:cNvPr>
-          <p:cNvPicPr>
-            <a:picLocks noChangeAspect="1" noChangeArrowheads="1"/>
-          </p:cNvPicPr>
-          <p:nvPr/>
-        </p:nvPicPr>
-        <p:blipFill rotWithShape="1">
-          <a:blip r:embed="rId7">
-            <a:extLst>
-              <a:ext uri="{28A0092B-C50C-407E-A947-70E740481C1C}">
-                <a14:useLocalDpi xmlns:a14="http://schemas.microsoft.com/office/drawing/2010/main" val="0"/>
-              </a:ext>
-            </a:extLst>
-          </a:blip>
-          <a:srcRect r="7426" b="-2"/>
-          <a:stretch/>
-        </p:blipFill>
-        <p:spPr bwMode="auto">
-          <a:xfrm>
-            <a:off x="3934597" y="682398"/>
-            <a:ext cx="3399115" cy="2624101"/>
-          </a:xfrm>
-          <a:prstGeom prst="rect">
-            <a:avLst/>
-          </a:prstGeom>
-          <a:noFill/>
-          <a:effectLst/>
-          <a:extLst>
-            <a:ext uri="{909E8E84-426E-40DD-AFC4-6F175D3DCCD1}">
-              <a14:hiddenFill xmlns:a14="http://schemas.microsoft.com/office/drawing/2010/main">
-                <a:solidFill>
-                  <a:srgbClr val="FFFFFF"/>
-                </a:solidFill>
-              </a14:hiddenFill>
-            </a:ext>
-          </a:extLst>
-        </p:spPr>
-      </p:pic>
-      <p:pic>
-        <p:nvPicPr>
-          <p:cNvPr id="4098" name="Picture 2">
-            <a:extLst>
-              <a:ext uri="{FF2B5EF4-FFF2-40B4-BE49-F238E27FC236}">
-                <a16:creationId xmlns:a16="http://schemas.microsoft.com/office/drawing/2014/main" id="{6CF11A9E-B891-4D97-A33D-1567C241E617}"/>
-              </a:ext>
-            </a:extLst>
-          </p:cNvPr>
-          <p:cNvPicPr>
-            <a:picLocks noChangeAspect="1" noChangeArrowheads="1"/>
-          </p:cNvPicPr>
-          <p:nvPr/>
-        </p:nvPicPr>
-        <p:blipFill rotWithShape="1">
-          <a:blip r:embed="rId8">
-            <a:extLst>
-              <a:ext uri="{28A0092B-C50C-407E-A947-70E740481C1C}">
-                <a14:useLocalDpi xmlns:a14="http://schemas.microsoft.com/office/drawing/2010/main" val="0"/>
-              </a:ext>
-            </a:extLst>
-          </a:blip>
-          <a:srcRect r="7426" b="-2"/>
-          <a:stretch/>
-        </p:blipFill>
-        <p:spPr bwMode="auto">
-          <a:xfrm>
-            <a:off x="591897" y="682398"/>
-            <a:ext cx="3297683" cy="2624125"/>
-          </a:xfrm>
-          <a:prstGeom prst="rect">
-            <a:avLst/>
-          </a:prstGeom>
-          <a:noFill/>
-          <a:effectLst/>
-          <a:extLst>
-            <a:ext uri="{909E8E84-426E-40DD-AFC4-6F175D3DCCD1}">
-              <a14:hiddenFill xmlns:a14="http://schemas.microsoft.com/office/drawing/2010/main">
-                <a:solidFill>
-                  <a:srgbClr val="FFFFFF"/>
-                </a:solidFill>
-              </a14:hiddenFill>
-            </a:ext>
-          </a:extLst>
-        </p:spPr>
-      </p:pic>
-      <p:pic>
-        <p:nvPicPr>
-          <p:cNvPr id="5" name="Picture 4">
-            <a:extLst>
-              <a:ext uri="{FF2B5EF4-FFF2-40B4-BE49-F238E27FC236}">
-                <a16:creationId xmlns:a16="http://schemas.microsoft.com/office/drawing/2014/main" id="{4FA6E774-41E3-4E94-82DE-7C63B9FD3C1C}"/>
-              </a:ext>
-            </a:extLst>
-          </p:cNvPr>
-          <p:cNvPicPr>
-            <a:picLocks noChangeAspect="1"/>
-          </p:cNvPicPr>
-          <p:nvPr/>
-        </p:nvPicPr>
-        <p:blipFill>
-          <a:blip r:embed="rId9"/>
-          <a:stretch>
-            <a:fillRect/>
-          </a:stretch>
-        </p:blipFill>
-        <p:spPr>
-          <a:xfrm>
-            <a:off x="7711895" y="541332"/>
-            <a:ext cx="2562225" cy="1133475"/>
-          </a:xfrm>
-          <a:prstGeom prst="rect">
-            <a:avLst/>
-          </a:prstGeom>
-        </p:spPr>
-      </p:pic>
-      <p:pic>
-        <p:nvPicPr>
-          <p:cNvPr id="1030" name="Picture 6">
-            <a:extLst>
-              <a:ext uri="{FF2B5EF4-FFF2-40B4-BE49-F238E27FC236}">
-                <a16:creationId xmlns:a16="http://schemas.microsoft.com/office/drawing/2014/main" id="{AFD81008-FC28-4A30-AE23-DA7021DAF472}"/>
-              </a:ext>
-            </a:extLst>
-          </p:cNvPr>
-          <p:cNvPicPr>
-            <a:picLocks noChangeAspect="1" noChangeArrowheads="1"/>
-          </p:cNvPicPr>
-          <p:nvPr/>
-        </p:nvPicPr>
-        <p:blipFill>
-          <a:blip r:embed="rId10">
-            <a:extLst>
-              <a:ext uri="{28A0092B-C50C-407E-A947-70E740481C1C}">
-                <a14:useLocalDpi xmlns:a14="http://schemas.microsoft.com/office/drawing/2010/main" val="0"/>
-              </a:ext>
-            </a:extLst>
-          </a:blip>
-          <a:srcRect/>
-          <a:stretch>
-            <a:fillRect/>
-          </a:stretch>
-        </p:blipFill>
-        <p:spPr bwMode="auto">
-          <a:xfrm>
-            <a:off x="591897" y="3572920"/>
-            <a:ext cx="3546578" cy="2647950"/>
-          </a:xfrm>
-          <a:prstGeom prst="rect">
-            <a:avLst/>
-          </a:prstGeom>
-          <a:noFill/>
-          <a:extLst>
-            <a:ext uri="{909E8E84-426E-40DD-AFC4-6F175D3DCCD1}">
-              <a14:hiddenFill xmlns:a14="http://schemas.microsoft.com/office/drawing/2010/main">
-                <a:solidFill>
-                  <a:srgbClr val="FFFFFF"/>
-                </a:solidFill>
-              </a14:hiddenFill>
-            </a:ext>
-          </a:extLst>
-        </p:spPr>
-      </p:pic>
-      <p:pic>
-        <p:nvPicPr>
-          <p:cNvPr id="1032" name="Picture 8">
-            <a:extLst>
-              <a:ext uri="{FF2B5EF4-FFF2-40B4-BE49-F238E27FC236}">
-                <a16:creationId xmlns:a16="http://schemas.microsoft.com/office/drawing/2014/main" id="{6F8C91D9-A722-4F0F-81CA-13D334C81BEB}"/>
-              </a:ext>
-            </a:extLst>
-          </p:cNvPr>
-          <p:cNvPicPr>
-            <a:picLocks noChangeAspect="1" noChangeArrowheads="1"/>
-          </p:cNvPicPr>
-          <p:nvPr/>
-        </p:nvPicPr>
-        <p:blipFill>
-          <a:blip r:embed="rId11">
-            <a:extLst>
-              <a:ext uri="{28A0092B-C50C-407E-A947-70E740481C1C}">
-                <a14:useLocalDpi xmlns:a14="http://schemas.microsoft.com/office/drawing/2010/main" val="0"/>
-              </a:ext>
-            </a:extLst>
-          </a:blip>
-          <a:srcRect/>
-          <a:stretch>
-            <a:fillRect/>
-          </a:stretch>
-        </p:blipFill>
-        <p:spPr bwMode="auto">
-          <a:xfrm>
-            <a:off x="3972189" y="3570143"/>
-            <a:ext cx="3640489" cy="2647950"/>
-          </a:xfrm>
-          <a:prstGeom prst="rect">
-            <a:avLst/>
-          </a:prstGeom>
-          <a:noFill/>
-          <a:extLst>
-            <a:ext uri="{909E8E84-426E-40DD-AFC4-6F175D3DCCD1}">
-              <a14:hiddenFill xmlns:a14="http://schemas.microsoft.com/office/drawing/2010/main">
-                <a:solidFill>
-                  <a:srgbClr val="FFFFFF"/>
-                </a:solidFill>
-              </a14:hiddenFill>
-            </a:ext>
-          </a:extLst>
-        </p:spPr>
-      </p:pic>
-      <p:sp>
-        <p:nvSpPr>
-          <p:cNvPr id="3" name="TextBox 2">
-            <a:extLst>
-              <a:ext uri="{FF2B5EF4-FFF2-40B4-BE49-F238E27FC236}">
-                <a16:creationId xmlns:a16="http://schemas.microsoft.com/office/drawing/2014/main" id="{A3E7B193-DC62-42FD-BDA2-29B098D36308}"/>
-              </a:ext>
-            </a:extLst>
-          </p:cNvPr>
-          <p:cNvSpPr txBox="1"/>
-          <p:nvPr/>
-        </p:nvSpPr>
-        <p:spPr>
-          <a:xfrm>
-            <a:off x="477597" y="293248"/>
-            <a:ext cx="4403770" cy="369332"/>
-          </a:xfrm>
-          <a:prstGeom prst="rect">
-            <a:avLst/>
-          </a:prstGeom>
-          <a:noFill/>
-        </p:spPr>
-        <p:txBody>
-          <a:bodyPr wrap="none" rtlCol="0">
-            <a:spAutoFit/>
-          </a:bodyPr>
-          <a:lstStyle/>
-          <a:p>
-            <a:r>
-              <a:rPr lang="en-US" dirty="0"/>
-              <a:t>Model = f(winery, wine variety, points)</a:t>
-            </a:r>
-          </a:p>
-        </p:txBody>
-      </p:sp>
-      <p:sp>
-        <p:nvSpPr>
-          <p:cNvPr id="21" name="TextBox 20">
-            <a:extLst>
-              <a:ext uri="{FF2B5EF4-FFF2-40B4-BE49-F238E27FC236}">
-                <a16:creationId xmlns:a16="http://schemas.microsoft.com/office/drawing/2014/main" id="{796A9475-D757-4187-803B-E823A5501967}"/>
-              </a:ext>
-            </a:extLst>
-          </p:cNvPr>
-          <p:cNvSpPr txBox="1"/>
-          <p:nvPr/>
-        </p:nvSpPr>
-        <p:spPr>
-          <a:xfrm>
-            <a:off x="163301" y="6283218"/>
-            <a:ext cx="4533613" cy="369332"/>
-          </a:xfrm>
-          <a:prstGeom prst="rect">
-            <a:avLst/>
-          </a:prstGeom>
-          <a:noFill/>
-        </p:spPr>
-        <p:txBody>
-          <a:bodyPr wrap="none" rtlCol="0">
-            <a:spAutoFit/>
-          </a:bodyPr>
-          <a:lstStyle/>
-          <a:p>
-            <a:r>
-              <a:rPr lang="en-US" dirty="0"/>
-              <a:t>Model = f(country, wine variety, points)</a:t>
-            </a:r>
-          </a:p>
-        </p:txBody>
-      </p:sp>
-    </p:spTree>
-    <p:extLst>
-      <p:ext uri="{BB962C8B-B14F-4D97-AF65-F5344CB8AC3E}">
-        <p14:creationId xmlns:p14="http://schemas.microsoft.com/office/powerpoint/2010/main" val="3292413306"/>
-      </p:ext>
-    </p:extLst>
-  </p:cSld>
-  <p:clrMapOvr>
-    <a:masterClrMapping/>
-  </p:clrMapOvr>
+  <p:timing>
+    <p:tnLst>
+      <p:par>
+        <p:cTn id="1" dur="indefinite" restart="never" nodeType="tmRoot"/>
+      </p:par>
+    </p:tnLst>
+  </p:timing>
 </p:sld>
 </file>
 
@@ -9804,323 +10209,317 @@
       </p:grpSpPr>
       <p:sp>
         <p:nvSpPr>
-          <p:cNvPr id="2" name="Title 1">
+          <p:cNvPr id="2" name="Title 1"/>
+          <p:cNvSpPr>
+            <a:spLocks noGrp="1"/>
+          </p:cNvSpPr>
+          <p:nvPr>
+            <p:ph type="title"/>
+          </p:nvPr>
+        </p:nvSpPr>
+        <p:spPr/>
+        <p:txBody>
+          <a:bodyPr/>
+          <a:lstStyle/>
+          <a:p>
+            <a:r>
+              <a:rPr lang="en-US" dirty="0"/>
+              <a:t>Deep Learning Categorical Neural Network </a:t>
+            </a:r>
+          </a:p>
+        </p:txBody>
+      </p:sp>
+      <p:sp>
+        <p:nvSpPr>
+          <p:cNvPr id="3" name="Content Placeholder 2"/>
+          <p:cNvSpPr>
+            <a:spLocks noGrp="1"/>
+          </p:cNvSpPr>
+          <p:nvPr>
+            <p:ph sz="half" idx="1"/>
+          </p:nvPr>
+        </p:nvSpPr>
+        <p:spPr/>
+        <p:txBody>
+          <a:bodyPr/>
+          <a:lstStyle/>
+          <a:p>
+            <a:r>
+              <a:rPr lang="en-US" dirty="0"/>
+              <a:t>Divided our physio-chemical wine observations into buckets based on quality</a:t>
+            </a:r>
+          </a:p>
+          <a:p>
+            <a:r>
+              <a:rPr lang="en-US" dirty="0"/>
+              <a:t>Good &gt;= 7</a:t>
+            </a:r>
+          </a:p>
+          <a:p>
+            <a:r>
+              <a:rPr lang="en-US" dirty="0"/>
+              <a:t>Bad &lt;= 6</a:t>
+            </a:r>
+          </a:p>
+          <a:p>
+            <a:endParaRPr lang="en-US" dirty="0"/>
+          </a:p>
+        </p:txBody>
+      </p:sp>
+      <p:pic>
+        <p:nvPicPr>
+          <p:cNvPr id="5" name="Picture 2"/>
+          <p:cNvPicPr>
+            <a:picLocks noGrp="1" noChangeAspect="1" noChangeArrowheads="1"/>
+          </p:cNvPicPr>
+          <p:nvPr>
+            <p:ph sz="half" idx="2"/>
+          </p:nvPr>
+        </p:nvPicPr>
+        <p:blipFill>
+          <a:blip r:embed="rId2">
             <a:extLst>
-              <a:ext uri="{FF2B5EF4-FFF2-40B4-BE49-F238E27FC236}">
-                <a16:creationId xmlns:a16="http://schemas.microsoft.com/office/drawing/2014/main" id="{A22B86D7-1645-4564-A3E7-700357D93592}"/>
+              <a:ext uri="{28A0092B-C50C-407E-A947-70E740481C1C}">
+                <a14:useLocalDpi xmlns:a14="http://schemas.microsoft.com/office/drawing/2010/main" val="0"/>
               </a:ext>
             </a:extLst>
-          </p:cNvPr>
-          <p:cNvSpPr>
-            <a:spLocks noGrp="1"/>
-          </p:cNvSpPr>
-          <p:nvPr>
-            <p:ph type="title"/>
-          </p:nvPr>
-        </p:nvSpPr>
-        <p:spPr/>
-        <p:txBody>
-          <a:bodyPr/>
-          <a:lstStyle/>
-          <a:p>
-            <a:r>
-              <a:rPr lang="en-US" dirty="0"/>
-              <a:t>Conclusions:</a:t>
-            </a:r>
-          </a:p>
-        </p:txBody>
-      </p:sp>
-      <p:sp>
-        <p:nvSpPr>
-          <p:cNvPr id="7" name="Content Placeholder 5">
-            <a:extLst>
-              <a:ext uri="{FF2B5EF4-FFF2-40B4-BE49-F238E27FC236}">
-                <a16:creationId xmlns:a16="http://schemas.microsoft.com/office/drawing/2014/main" id="{20871757-659F-4DA1-B055-FF7FD4A7F65D}"/>
-              </a:ext>
-            </a:extLst>
-          </p:cNvPr>
-          <p:cNvSpPr txBox="1">
-            <a:spLocks/>
-          </p:cNvSpPr>
-          <p:nvPr/>
-        </p:nvSpPr>
-        <p:spPr>
+          </a:blip>
+          <a:srcRect/>
+          <a:stretch>
+            <a:fillRect/>
+          </a:stretch>
+        </p:blipFill>
+        <p:spPr bwMode="auto">
           <a:xfrm>
-            <a:off x="1213391" y="1769723"/>
-            <a:ext cx="4396339" cy="3741738"/>
+            <a:off x="5393757" y="2137085"/>
+            <a:ext cx="6493443" cy="4159394"/>
           </a:xfrm>
           <a:prstGeom prst="rect">
             <a:avLst/>
           </a:prstGeom>
-        </p:spPr>
-        <p:txBody>
-          <a:bodyPr/>
-          <a:lstStyle>
-            <a:lvl1pPr marL="342900" indent="-342900" algn="l" defTabSz="457200" rtl="0" eaLnBrk="1" latinLnBrk="0" hangingPunct="1">
-              <a:spcBef>
-                <a:spcPts val="1000"/>
-              </a:spcBef>
-              <a:spcAft>
-                <a:spcPts val="0"/>
-              </a:spcAft>
-              <a:buClr>
-                <a:schemeClr val="bg2">
-                  <a:lumMod val="40000"/>
-                  <a:lumOff val="60000"/>
-                </a:schemeClr>
-              </a:buClr>
-              <a:buSzPct val="80000"/>
-              <a:buFont typeface="Wingdings 3" charset="2"/>
-              <a:buChar char=""/>
-              <a:defRPr sz="2000" b="0" i="0" kern="1200">
+          <a:noFill/>
+          <a:ln>
+            <a:noFill/>
+          </a:ln>
+          <a:extLst>
+            <a:ext uri="{909E8E84-426E-40DD-AFC4-6F175D3DCCD1}">
+              <a14:hiddenFill xmlns:a14="http://schemas.microsoft.com/office/drawing/2010/main">
+                <a:solidFill>
+                  <a:schemeClr val="accent1"/>
+                </a:solidFill>
+              </a14:hiddenFill>
+            </a:ext>
+            <a:ext uri="{91240B29-F687-4F45-9708-019B960494DF}">
+              <a14:hiddenLine xmlns:a14="http://schemas.microsoft.com/office/drawing/2010/main" w="9525">
                 <a:solidFill>
                   <a:schemeClr val="tx1"/>
                 </a:solidFill>
-                <a:latin typeface="+mj-lt"/>
-                <a:ea typeface="+mj-ea"/>
-                <a:cs typeface="+mj-cs"/>
-              </a:defRPr>
-            </a:lvl1pPr>
-            <a:lvl2pPr marL="742950" indent="-285750" algn="l" defTabSz="457200" rtl="0" eaLnBrk="1" latinLnBrk="0" hangingPunct="1">
-              <a:spcBef>
-                <a:spcPts val="1000"/>
-              </a:spcBef>
-              <a:spcAft>
-                <a:spcPts val="0"/>
-              </a:spcAft>
-              <a:buClr>
-                <a:schemeClr val="bg2">
-                  <a:lumMod val="40000"/>
-                  <a:lumOff val="60000"/>
-                </a:schemeClr>
-              </a:buClr>
-              <a:buSzPct val="80000"/>
-              <a:buFont typeface="Wingdings 3" charset="2"/>
-              <a:buChar char=""/>
-              <a:defRPr sz="1800" b="0" i="0" kern="1200">
-                <a:solidFill>
-                  <a:schemeClr val="tx1"/>
-                </a:solidFill>
-                <a:latin typeface="+mj-lt"/>
-                <a:ea typeface="+mj-ea"/>
-                <a:cs typeface="+mj-cs"/>
-              </a:defRPr>
-            </a:lvl2pPr>
-            <a:lvl3pPr marL="1143000" indent="-228600" algn="l" defTabSz="457200" rtl="0" eaLnBrk="1" latinLnBrk="0" hangingPunct="1">
-              <a:spcBef>
-                <a:spcPts val="1000"/>
-              </a:spcBef>
-              <a:spcAft>
-                <a:spcPts val="0"/>
-              </a:spcAft>
-              <a:buClr>
-                <a:schemeClr val="bg2">
-                  <a:lumMod val="40000"/>
-                  <a:lumOff val="60000"/>
-                </a:schemeClr>
-              </a:buClr>
-              <a:buSzPct val="80000"/>
-              <a:buFont typeface="Wingdings 3" charset="2"/>
-              <a:buChar char=""/>
-              <a:defRPr sz="1600" b="0" i="0" kern="1200">
-                <a:solidFill>
-                  <a:schemeClr val="tx1"/>
-                </a:solidFill>
-                <a:latin typeface="+mj-lt"/>
-                <a:ea typeface="+mj-ea"/>
-                <a:cs typeface="+mj-cs"/>
-              </a:defRPr>
-            </a:lvl3pPr>
-            <a:lvl4pPr marL="1600200" indent="-228600" algn="l" defTabSz="457200" rtl="0" eaLnBrk="1" latinLnBrk="0" hangingPunct="1">
-              <a:spcBef>
-                <a:spcPts val="1000"/>
-              </a:spcBef>
-              <a:spcAft>
-                <a:spcPts val="0"/>
-              </a:spcAft>
-              <a:buClr>
-                <a:schemeClr val="bg2">
-                  <a:lumMod val="40000"/>
-                  <a:lumOff val="60000"/>
-                </a:schemeClr>
-              </a:buClr>
-              <a:buSzPct val="80000"/>
-              <a:buFont typeface="Wingdings 3" charset="2"/>
-              <a:buChar char=""/>
-              <a:defRPr sz="1400" b="0" i="0" kern="1200">
-                <a:solidFill>
-                  <a:schemeClr val="tx1"/>
-                </a:solidFill>
-                <a:latin typeface="+mj-lt"/>
-                <a:ea typeface="+mj-ea"/>
-                <a:cs typeface="+mj-cs"/>
-              </a:defRPr>
-            </a:lvl4pPr>
-            <a:lvl5pPr marL="2057400" indent="-228600" algn="l" defTabSz="457200" rtl="0" eaLnBrk="1" latinLnBrk="0" hangingPunct="1">
-              <a:spcBef>
-                <a:spcPts val="1000"/>
-              </a:spcBef>
-              <a:spcAft>
-                <a:spcPts val="0"/>
-              </a:spcAft>
-              <a:buClr>
-                <a:schemeClr val="bg2">
-                  <a:lumMod val="40000"/>
-                  <a:lumOff val="60000"/>
-                </a:schemeClr>
-              </a:buClr>
-              <a:buSzPct val="80000"/>
-              <a:buFont typeface="Wingdings 3" charset="2"/>
-              <a:buChar char=""/>
-              <a:defRPr sz="1400" b="0" i="0" kern="1200">
-                <a:solidFill>
-                  <a:schemeClr val="tx1"/>
-                </a:solidFill>
-                <a:latin typeface="+mj-lt"/>
-                <a:ea typeface="+mj-ea"/>
-                <a:cs typeface="+mj-cs"/>
-              </a:defRPr>
-            </a:lvl5pPr>
-            <a:lvl6pPr marL="2506000" indent="-228600" algn="l" defTabSz="457200" rtl="0" eaLnBrk="1" latinLnBrk="0" hangingPunct="1">
-              <a:spcBef>
-                <a:spcPts val="1000"/>
-              </a:spcBef>
-              <a:spcAft>
-                <a:spcPts val="0"/>
-              </a:spcAft>
-              <a:buClr>
-                <a:schemeClr val="bg2">
-                  <a:lumMod val="40000"/>
-                  <a:lumOff val="60000"/>
-                </a:schemeClr>
-              </a:buClr>
-              <a:buSzPct val="80000"/>
-              <a:buFont typeface="Wingdings 3" charset="2"/>
-              <a:buChar char=""/>
-              <a:defRPr sz="1400" b="0" i="0" kern="1200">
-                <a:solidFill>
-                  <a:schemeClr val="tx1"/>
-                </a:solidFill>
-                <a:latin typeface="+mj-lt"/>
-                <a:ea typeface="+mj-ea"/>
-                <a:cs typeface="+mj-cs"/>
-              </a:defRPr>
-            </a:lvl6pPr>
-            <a:lvl7pPr marL="2971800" indent="-228600" algn="l" defTabSz="457200" rtl="0" eaLnBrk="1" latinLnBrk="0" hangingPunct="1">
-              <a:spcBef>
-                <a:spcPts val="1000"/>
-              </a:spcBef>
-              <a:spcAft>
-                <a:spcPts val="0"/>
-              </a:spcAft>
-              <a:buClr>
-                <a:schemeClr val="bg2">
-                  <a:lumMod val="40000"/>
-                  <a:lumOff val="60000"/>
-                </a:schemeClr>
-              </a:buClr>
-              <a:buSzPct val="80000"/>
-              <a:buFont typeface="Wingdings 3" charset="2"/>
-              <a:buChar char=""/>
-              <a:defRPr sz="1400" b="0" i="0" kern="1200">
-                <a:solidFill>
-                  <a:schemeClr val="tx1"/>
-                </a:solidFill>
-                <a:latin typeface="+mj-lt"/>
-                <a:ea typeface="+mj-ea"/>
-                <a:cs typeface="+mj-cs"/>
-              </a:defRPr>
-            </a:lvl7pPr>
-            <a:lvl8pPr marL="3429000" indent="-228600" algn="l" defTabSz="457200" rtl="0" eaLnBrk="1" latinLnBrk="0" hangingPunct="1">
-              <a:spcBef>
-                <a:spcPts val="1000"/>
-              </a:spcBef>
-              <a:spcAft>
-                <a:spcPts val="0"/>
-              </a:spcAft>
-              <a:buClr>
-                <a:schemeClr val="bg2">
-                  <a:lumMod val="40000"/>
-                  <a:lumOff val="60000"/>
-                </a:schemeClr>
-              </a:buClr>
-              <a:buSzPct val="80000"/>
-              <a:buFont typeface="Wingdings 3" charset="2"/>
-              <a:buChar char=""/>
-              <a:defRPr sz="1400" b="0" i="0" kern="1200">
-                <a:solidFill>
-                  <a:schemeClr val="tx1"/>
-                </a:solidFill>
-                <a:latin typeface="+mj-lt"/>
-                <a:ea typeface="+mj-ea"/>
-                <a:cs typeface="+mj-cs"/>
-              </a:defRPr>
-            </a:lvl8pPr>
-            <a:lvl9pPr marL="3886200" indent="-228600" algn="l" defTabSz="457200" rtl="0" eaLnBrk="1" latinLnBrk="0" hangingPunct="1">
-              <a:spcBef>
-                <a:spcPts val="1000"/>
-              </a:spcBef>
-              <a:spcAft>
-                <a:spcPts val="0"/>
-              </a:spcAft>
-              <a:buClr>
-                <a:schemeClr val="bg2">
-                  <a:lumMod val="40000"/>
-                  <a:lumOff val="60000"/>
-                </a:schemeClr>
-              </a:buClr>
-              <a:buSzPct val="80000"/>
-              <a:buFont typeface="Wingdings 3" charset="2"/>
-              <a:buChar char=""/>
-              <a:defRPr sz="1400" b="0" i="0" kern="1200">
-                <a:solidFill>
-                  <a:schemeClr val="tx1"/>
-                </a:solidFill>
-                <a:latin typeface="+mj-lt"/>
-                <a:ea typeface="+mj-ea"/>
-                <a:cs typeface="+mj-cs"/>
-              </a:defRPr>
-            </a:lvl9pPr>
-          </a:lstStyle>
-          <a:p>
-            <a:r>
-              <a:rPr lang="en-US" dirty="0"/>
-              <a:t>XXXXXXXXXXXXXXXXX</a:t>
-            </a:r>
-          </a:p>
-          <a:p>
-            <a:pPr marL="457200" lvl="1" indent="0">
-              <a:buNone/>
-            </a:pPr>
-            <a:endParaRPr lang="en-US" dirty="0"/>
-          </a:p>
-          <a:p>
-            <a:r>
-              <a:rPr lang="en-US" dirty="0"/>
-              <a:t>XXXXXXXXXXXXXXXXX</a:t>
-            </a:r>
-          </a:p>
-          <a:p>
-            <a:endParaRPr lang="en-US" dirty="0"/>
-          </a:p>
-          <a:p>
-            <a:r>
-              <a:rPr lang="en-US" dirty="0"/>
-              <a:t>In addition to quality score, brand (winery) seems to matter more than location (country)</a:t>
-            </a:r>
-          </a:p>
-        </p:txBody>
-      </p:sp>
+                <a:miter lim="800000"/>
+                <a:headEnd/>
+                <a:tailEnd/>
+              </a14:hiddenLine>
+            </a:ext>
+          </a:extLst>
+        </p:spPr>
+      </p:pic>
     </p:spTree>
     <p:extLst>
       <p:ext uri="{BB962C8B-B14F-4D97-AF65-F5344CB8AC3E}">
-        <p14:creationId xmlns:p14="http://schemas.microsoft.com/office/powerpoint/2010/main" val="1634678178"/>
+        <p14:creationId xmlns:p14="http://schemas.microsoft.com/office/powerpoint/2010/main" val="2424833410"/>
       </p:ext>
     </p:extLst>
   </p:cSld>
   <p:clrMapOvr>
     <a:masterClrMapping/>
   </p:clrMapOvr>
+  <p:timing>
+    <p:tnLst>
+      <p:par>
+        <p:cTn id="1" dur="indefinite" restart="never" nodeType="tmRoot"/>
+      </p:par>
+    </p:tnLst>
+  </p:timing>
+</p:sld>
+</file>
+
+<file path=ppt/slides/slide9.xml><?xml version="1.0" encoding="utf-8"?>
+<p:sld xmlns:a="http://schemas.openxmlformats.org/drawingml/2006/main" xmlns:r="http://schemas.openxmlformats.org/officeDocument/2006/relationships" xmlns:p="http://schemas.openxmlformats.org/presentationml/2006/main">
+  <p:cSld>
+    <p:spTree>
+      <p:nvGrpSpPr>
+        <p:cNvPr id="1" name=""/>
+        <p:cNvGrpSpPr/>
+        <p:nvPr/>
+      </p:nvGrpSpPr>
+      <p:grpSpPr>
+        <a:xfrm>
+          <a:off x="0" y="0"/>
+          <a:ext cx="0" cy="0"/>
+          <a:chOff x="0" y="0"/>
+          <a:chExt cx="0" cy="0"/>
+        </a:xfrm>
+      </p:grpSpPr>
+      <p:sp>
+        <p:nvSpPr>
+          <p:cNvPr id="2" name="Title 1"/>
+          <p:cNvSpPr>
+            <a:spLocks noGrp="1"/>
+          </p:cNvSpPr>
+          <p:nvPr>
+            <p:ph type="title"/>
+          </p:nvPr>
+        </p:nvSpPr>
+        <p:spPr/>
+        <p:txBody>
+          <a:bodyPr/>
+          <a:lstStyle/>
+          <a:p>
+            <a:r>
+              <a:rPr lang="en-US" dirty="0" smtClean="0"/>
+              <a:t>Implications of the Deep Learning model</a:t>
+            </a:r>
+            <a:endParaRPr lang="en-US" dirty="0"/>
+          </a:p>
+        </p:txBody>
+      </p:sp>
+      <p:sp>
+        <p:nvSpPr>
+          <p:cNvPr id="3" name="Content Placeholder 2"/>
+          <p:cNvSpPr>
+            <a:spLocks noGrp="1"/>
+          </p:cNvSpPr>
+          <p:nvPr>
+            <p:ph sz="half" idx="1"/>
+          </p:nvPr>
+        </p:nvSpPr>
+        <p:spPr/>
+        <p:txBody>
+          <a:bodyPr/>
+          <a:lstStyle/>
+          <a:p>
+            <a:r>
+              <a:rPr lang="en-US" dirty="0"/>
+              <a:t>Prediction accuracy of </a:t>
+            </a:r>
+            <a:r>
+              <a:rPr lang="en-US" dirty="0" smtClean="0"/>
+              <a:t>~90% </a:t>
+            </a:r>
+            <a:r>
+              <a:rPr lang="en-US" dirty="0"/>
+              <a:t>on the test data</a:t>
+            </a:r>
+          </a:p>
+          <a:p>
+            <a:r>
+              <a:rPr lang="en-US" dirty="0"/>
+              <a:t>Feature impact of our 11 inputs?</a:t>
+            </a:r>
+          </a:p>
+          <a:p>
+            <a:endParaRPr lang="en-US" dirty="0"/>
+          </a:p>
+          <a:p>
+            <a:endParaRPr lang="en-US" dirty="0"/>
+          </a:p>
+          <a:p>
+            <a:r>
+              <a:rPr lang="en-US" dirty="0"/>
+              <a:t>Chlorides, volatile acidity, </a:t>
+            </a:r>
+            <a:r>
+              <a:rPr lang="en-US" dirty="0" smtClean="0"/>
+              <a:t>and </a:t>
+            </a:r>
+            <a:r>
+              <a:rPr lang="en-US" dirty="0" err="1" smtClean="0"/>
+              <a:t>sulphates</a:t>
+            </a:r>
+            <a:r>
+              <a:rPr lang="en-US" dirty="0" smtClean="0"/>
+              <a:t> seem </a:t>
+            </a:r>
+            <a:r>
+              <a:rPr lang="en-US" dirty="0"/>
+              <a:t>to drive our model the most</a:t>
+            </a:r>
+            <a:endParaRPr lang="en-US" dirty="0"/>
+          </a:p>
+        </p:txBody>
+      </p:sp>
+      <p:pic>
+        <p:nvPicPr>
+          <p:cNvPr id="1027" name="Picture 3"/>
+          <p:cNvPicPr>
+            <a:picLocks noGrp="1" noChangeAspect="1" noChangeArrowheads="1"/>
+          </p:cNvPicPr>
+          <p:nvPr>
+            <p:ph sz="half" idx="2"/>
+          </p:nvPr>
+        </p:nvPicPr>
+        <p:blipFill>
+          <a:blip r:embed="rId2">
+            <a:extLst>
+              <a:ext uri="{28A0092B-C50C-407E-A947-70E740481C1C}">
+                <a14:useLocalDpi xmlns:a14="http://schemas.microsoft.com/office/drawing/2010/main" val="0"/>
+              </a:ext>
+            </a:extLst>
+          </a:blip>
+          <a:srcRect/>
+          <a:stretch>
+            <a:fillRect/>
+          </a:stretch>
+        </p:blipFill>
+        <p:spPr bwMode="auto">
+          <a:xfrm>
+            <a:off x="5959928" y="1616529"/>
+            <a:ext cx="5014059" cy="4639809"/>
+          </a:xfrm>
+          <a:prstGeom prst="rect">
+            <a:avLst/>
+          </a:prstGeom>
+          <a:noFill/>
+          <a:ln>
+            <a:noFill/>
+          </a:ln>
+          <a:extLst>
+            <a:ext uri="{909E8E84-426E-40DD-AFC4-6F175D3DCCD1}">
+              <a14:hiddenFill xmlns:a14="http://schemas.microsoft.com/office/drawing/2010/main">
+                <a:solidFill>
+                  <a:schemeClr val="accent1"/>
+                </a:solidFill>
+              </a14:hiddenFill>
+            </a:ext>
+            <a:ext uri="{91240B29-F687-4F45-9708-019B960494DF}">
+              <a14:hiddenLine xmlns:a14="http://schemas.microsoft.com/office/drawing/2010/main" w="9525">
+                <a:solidFill>
+                  <a:schemeClr val="tx1"/>
+                </a:solidFill>
+                <a:miter lim="800000"/>
+                <a:headEnd/>
+                <a:tailEnd/>
+              </a14:hiddenLine>
+            </a:ext>
+          </a:extLst>
+        </p:spPr>
+      </p:pic>
+    </p:spTree>
+    <p:extLst>
+      <p:ext uri="{BB962C8B-B14F-4D97-AF65-F5344CB8AC3E}">
+        <p14:creationId xmlns:p14="http://schemas.microsoft.com/office/powerpoint/2010/main" val="3133139218"/>
+      </p:ext>
+    </p:extLst>
+  </p:cSld>
+  <p:clrMapOvr>
+    <a:masterClrMapping/>
+  </p:clrMapOvr>
+  <p:timing>
+    <p:tnLst>
+      <p:par>
+        <p:cTn id="1" dur="indefinite" restart="never" nodeType="tmRoot"/>
+      </p:par>
+    </p:tnLst>
+  </p:timing>
 </p:sld>
 </file>
 
@@ -10384,7 +10783,7 @@
   <a:extraClrSchemeLst/>
   <a:extLst>
     <a:ext uri="{05A4C25C-085E-4340-85A3-A5531E510DB2}">
-      <thm15:themeFamily xmlns:thm15="http://schemas.microsoft.com/office/thememl/2012/main" name="Ion" id="{B8441ADB-2E43-4AF7-B97A-BD870242C6A8}" vid="{292E63A9-BB86-4E3D-B92A-7223C6510D2E}"/>
+      <thm15:themeFamily xmlns:thm15="http://schemas.microsoft.com/office/thememl/2012/main" xmlns="" name="Ion" id="{B8441ADB-2E43-4AF7-B97A-BD870242C6A8}" vid="{292E63A9-BB86-4E3D-B92A-7223C6510D2E}"/>
     </a:ext>
   </a:extLst>
 </a:theme>

--- a/Presentation/Price_presentation.pptx
+++ b/Presentation/Price_presentation.pptx
@@ -115,7 +115,7 @@
   </p:defaultTextStyle>
   <p:extLst>
     <p:ext uri="{EFAFB233-063F-42B5-8137-9DF3F51BA10A}">
-      <p15:sldGuideLst xmlns:p15="http://schemas.microsoft.com/office/powerpoint/2012/main" xmlns=""/>
+      <p15:sldGuideLst xmlns="" xmlns:p15="http://schemas.microsoft.com/office/powerpoint/2012/main"/>
     </p:ext>
   </p:extLst>
 </p:presentation>
@@ -6105,7 +6105,7 @@
           <p:cNvPr id="2" name="Title 1">
             <a:extLst>
               <a:ext uri="{FF2B5EF4-FFF2-40B4-BE49-F238E27FC236}">
-                <a16:creationId xmlns:a16="http://schemas.microsoft.com/office/drawing/2014/main" xmlns="" id="{A22B86D7-1645-4564-A3E7-700357D93592}"/>
+                <a16:creationId xmlns="" xmlns:a16="http://schemas.microsoft.com/office/drawing/2014/main" id="{A22B86D7-1645-4564-A3E7-700357D93592}"/>
               </a:ext>
             </a:extLst>
           </p:cNvPr>
@@ -6133,7 +6133,7 @@
           <p:cNvPr id="5" name="Picture 4">
             <a:extLst>
               <a:ext uri="{FF2B5EF4-FFF2-40B4-BE49-F238E27FC236}">
-                <a16:creationId xmlns:a16="http://schemas.microsoft.com/office/drawing/2014/main" xmlns="" id="{D849D527-EB6D-4B7C-90AF-0DE9812A5254}"/>
+                <a16:creationId xmlns="" xmlns:a16="http://schemas.microsoft.com/office/drawing/2014/main" id="{D849D527-EB6D-4B7C-90AF-0DE9812A5254}"/>
               </a:ext>
             </a:extLst>
           </p:cNvPr>
@@ -6163,7 +6163,7 @@
           <p:cNvPr id="13" name="Content Placeholder 5">
             <a:extLst>
               <a:ext uri="{FF2B5EF4-FFF2-40B4-BE49-F238E27FC236}">
-                <a16:creationId xmlns:a16="http://schemas.microsoft.com/office/drawing/2014/main" xmlns="" id="{57049A7A-C1C3-423D-B954-683E4A13D494}"/>
+                <a16:creationId xmlns="" xmlns:a16="http://schemas.microsoft.com/office/drawing/2014/main" id="{57049A7A-C1C3-423D-B954-683E4A13D494}"/>
               </a:ext>
             </a:extLst>
           </p:cNvPr>
@@ -6423,7 +6423,7 @@
           <p:cNvPr id="7" name="Content Placeholder 5">
             <a:extLst>
               <a:ext uri="{FF2B5EF4-FFF2-40B4-BE49-F238E27FC236}">
-                <a16:creationId xmlns:a16="http://schemas.microsoft.com/office/drawing/2014/main" xmlns="" id="{20871757-659F-4DA1-B055-FF7FD4A7F65D}"/>
+                <a16:creationId xmlns="" xmlns:a16="http://schemas.microsoft.com/office/drawing/2014/main" id="{20871757-659F-4DA1-B055-FF7FD4A7F65D}"/>
               </a:ext>
             </a:extLst>
           </p:cNvPr>
@@ -6763,7 +6763,7 @@
           <p:cNvPr id="2" name="Title 1">
             <a:extLst>
               <a:ext uri="{FF2B5EF4-FFF2-40B4-BE49-F238E27FC236}">
-                <a16:creationId xmlns:a16="http://schemas.microsoft.com/office/drawing/2014/main" xmlns="" id="{A22B86D7-1645-4564-A3E7-700357D93592}"/>
+                <a16:creationId xmlns="" xmlns:a16="http://schemas.microsoft.com/office/drawing/2014/main" id="{A22B86D7-1645-4564-A3E7-700357D93592}"/>
               </a:ext>
             </a:extLst>
           </p:cNvPr>
@@ -6780,9 +6780,10 @@
           <a:lstStyle/>
           <a:p>
             <a:r>
-              <a:rPr lang="en-US" dirty="0"/>
-              <a:t>Conclusions:</a:t>
-            </a:r>
+              <a:rPr lang="en-US" dirty="0" smtClean="0"/>
+              <a:t>Conclusions </a:t>
+            </a:r>
+            <a:endParaRPr lang="en-US" dirty="0"/>
           </a:p>
         </p:txBody>
       </p:sp>
@@ -6791,7 +6792,7 @@
           <p:cNvPr id="7" name="Content Placeholder 5">
             <a:extLst>
               <a:ext uri="{FF2B5EF4-FFF2-40B4-BE49-F238E27FC236}">
-                <a16:creationId xmlns:a16="http://schemas.microsoft.com/office/drawing/2014/main" xmlns="" id="{20871757-659F-4DA1-B055-FF7FD4A7F65D}"/>
+                <a16:creationId xmlns="" xmlns:a16="http://schemas.microsoft.com/office/drawing/2014/main" id="{20871757-659F-4DA1-B055-FF7FD4A7F65D}"/>
               </a:ext>
             </a:extLst>
           </p:cNvPr>
@@ -7039,31 +7040,7 @@
             </a:lvl9pPr>
           </a:lstStyle>
           <a:p>
-            <a:r>
-              <a:rPr lang="en-US" dirty="0"/>
-              <a:t>XXXXXXXXXXXXXXXXX</a:t>
-            </a:r>
-          </a:p>
-          <a:p>
-            <a:pPr marL="457200" lvl="1" indent="0">
-              <a:buNone/>
-            </a:pPr>
             <a:endParaRPr lang="en-US" dirty="0"/>
-          </a:p>
-          <a:p>
-            <a:r>
-              <a:rPr lang="en-US" dirty="0"/>
-              <a:t>XXXXXXXXXXXXXXXXX</a:t>
-            </a:r>
-          </a:p>
-          <a:p>
-            <a:endParaRPr lang="en-US" dirty="0"/>
-          </a:p>
-          <a:p>
-            <a:r>
-              <a:rPr lang="en-US" dirty="0"/>
-              <a:t>In addition to quality score, brand (winery) seems to matter more than location (country)</a:t>
-            </a:r>
           </a:p>
         </p:txBody>
       </p:sp>
@@ -7109,7 +7086,7 @@
           <p:cNvPr id="2" name="Title 1">
             <a:extLst>
               <a:ext uri="{FF2B5EF4-FFF2-40B4-BE49-F238E27FC236}">
-                <a16:creationId xmlns:a16="http://schemas.microsoft.com/office/drawing/2014/main" xmlns="" id="{A22B86D7-1645-4564-A3E7-700357D93592}"/>
+                <a16:creationId xmlns="" xmlns:a16="http://schemas.microsoft.com/office/drawing/2014/main" id="{A22B86D7-1645-4564-A3E7-700357D93592}"/>
               </a:ext>
             </a:extLst>
           </p:cNvPr>
@@ -7137,7 +7114,7 @@
           <p:cNvPr id="12" name="Content Placeholder 5">
             <a:extLst>
               <a:ext uri="{FF2B5EF4-FFF2-40B4-BE49-F238E27FC236}">
-                <a16:creationId xmlns:a16="http://schemas.microsoft.com/office/drawing/2014/main" xmlns="" id="{E3BC7CF6-ACC7-43D9-9AF7-17CC4898FB20}"/>
+                <a16:creationId xmlns="" xmlns:a16="http://schemas.microsoft.com/office/drawing/2014/main" id="{E3BC7CF6-ACC7-43D9-9AF7-17CC4898FB20}"/>
               </a:ext>
             </a:extLst>
           </p:cNvPr>
@@ -7409,7 +7386,7 @@
           <p:cNvPr id="9" name="Picture 8">
             <a:extLst>
               <a:ext uri="{FF2B5EF4-FFF2-40B4-BE49-F238E27FC236}">
-                <a16:creationId xmlns:a16="http://schemas.microsoft.com/office/drawing/2014/main" xmlns="" id="{5C5ACF31-1015-4ABE-83B6-243BF7E577D6}"/>
+                <a16:creationId xmlns="" xmlns:a16="http://schemas.microsoft.com/office/drawing/2014/main" id="{5C5ACF31-1015-4ABE-83B6-243BF7E577D6}"/>
               </a:ext>
             </a:extLst>
           </p:cNvPr>
@@ -7501,10 +7478,10 @@
           <p:cNvPr id="84" name="Picture 83">
             <a:extLst>
               <a:ext uri="{FF2B5EF4-FFF2-40B4-BE49-F238E27FC236}">
-                <a16:creationId xmlns:a16="http://schemas.microsoft.com/office/drawing/2014/main" xmlns="" id="{BD310164-D3A3-415E-9D94-5D21D9FB2F6C}"/>
+                <a16:creationId xmlns="" xmlns:a16="http://schemas.microsoft.com/office/drawing/2014/main" id="{BD310164-D3A3-415E-9D94-5D21D9FB2F6C}"/>
               </a:ext>
               <a:ext uri="{C183D7F6-B498-43B3-948B-1728B52AA6E4}">
-                <adec:decorative xmlns:adec="http://schemas.microsoft.com/office/drawing/2017/decorative" xmlns="" val="1"/>
+                <adec:decorative xmlns="" xmlns:adec="http://schemas.microsoft.com/office/drawing/2017/decorative" val="1"/>
               </a:ext>
             </a:extLst>
           </p:cNvPr>
@@ -7514,7 +7491,7 @@
           <p:nvPr>
             <p:extLst>
               <p:ext uri="{386F3935-93C4-4BCD-93E2-E3B085C9AB24}">
-                <p16:designElem xmlns:p16="http://schemas.microsoft.com/office/powerpoint/2015/main" xmlns="" val="1"/>
+                <p16:designElem xmlns="" xmlns:p16="http://schemas.microsoft.com/office/powerpoint/2015/main" val="1"/>
               </p:ext>
             </p:extLst>
           </p:nvPr>
@@ -7545,10 +7522,10 @@
           <p:cNvPr id="86" name="Picture 85">
             <a:extLst>
               <a:ext uri="{FF2B5EF4-FFF2-40B4-BE49-F238E27FC236}">
-                <a16:creationId xmlns:a16="http://schemas.microsoft.com/office/drawing/2014/main" xmlns="" id="{BE586E08-18BF-4AB1-AB48-4005D567343E}"/>
+                <a16:creationId xmlns="" xmlns:a16="http://schemas.microsoft.com/office/drawing/2014/main" id="{BE586E08-18BF-4AB1-AB48-4005D567343E}"/>
               </a:ext>
               <a:ext uri="{C183D7F6-B498-43B3-948B-1728B52AA6E4}">
-                <adec:decorative xmlns:adec="http://schemas.microsoft.com/office/drawing/2017/decorative" xmlns="" val="1"/>
+                <adec:decorative xmlns="" xmlns:adec="http://schemas.microsoft.com/office/drawing/2017/decorative" val="1"/>
               </a:ext>
             </a:extLst>
           </p:cNvPr>
@@ -7558,7 +7535,7 @@
           <p:nvPr>
             <p:extLst>
               <p:ext uri="{386F3935-93C4-4BCD-93E2-E3B085C9AB24}">
-                <p16:designElem xmlns:p16="http://schemas.microsoft.com/office/powerpoint/2015/main" xmlns="" val="1"/>
+                <p16:designElem xmlns="" xmlns:p16="http://schemas.microsoft.com/office/powerpoint/2015/main" val="1"/>
               </p:ext>
             </p:extLst>
           </p:nvPr>
@@ -7589,10 +7566,10 @@
           <p:cNvPr id="88" name="Oval 87">
             <a:extLst>
               <a:ext uri="{FF2B5EF4-FFF2-40B4-BE49-F238E27FC236}">
-                <a16:creationId xmlns:a16="http://schemas.microsoft.com/office/drawing/2014/main" xmlns="" id="{4A497DBC-2692-42B4-A606-31024033F7C0}"/>
+                <a16:creationId xmlns="" xmlns:a16="http://schemas.microsoft.com/office/drawing/2014/main" id="{4A497DBC-2692-42B4-A606-31024033F7C0}"/>
               </a:ext>
               <a:ext uri="{C183D7F6-B498-43B3-948B-1728B52AA6E4}">
-                <adec:decorative xmlns:adec="http://schemas.microsoft.com/office/drawing/2017/decorative" xmlns="" val="1"/>
+                <adec:decorative xmlns="" xmlns:adec="http://schemas.microsoft.com/office/drawing/2017/decorative" val="1"/>
               </a:ext>
             </a:extLst>
           </p:cNvPr>
@@ -7602,7 +7579,7 @@
           <p:nvPr>
             <p:extLst>
               <p:ext uri="{386F3935-93C4-4BCD-93E2-E3B085C9AB24}">
-                <p16:designElem xmlns:p16="http://schemas.microsoft.com/office/powerpoint/2015/main" xmlns="" val="1"/>
+                <p16:designElem xmlns="" xmlns:p16="http://schemas.microsoft.com/office/powerpoint/2015/main" val="1"/>
               </p:ext>
             </p:extLst>
           </p:nvPr>
@@ -7669,10 +7646,10 @@
           <p:cNvPr id="90" name="Picture 89">
             <a:extLst>
               <a:ext uri="{FF2B5EF4-FFF2-40B4-BE49-F238E27FC236}">
-                <a16:creationId xmlns:a16="http://schemas.microsoft.com/office/drawing/2014/main" xmlns="" id="{3517A192-66A9-4297-9284-65580829ABF1}"/>
+                <a16:creationId xmlns="" xmlns:a16="http://schemas.microsoft.com/office/drawing/2014/main" id="{3517A192-66A9-4297-9284-65580829ABF1}"/>
               </a:ext>
               <a:ext uri="{C183D7F6-B498-43B3-948B-1728B52AA6E4}">
-                <adec:decorative xmlns:adec="http://schemas.microsoft.com/office/drawing/2017/decorative" xmlns="" val="1"/>
+                <adec:decorative xmlns="" xmlns:adec="http://schemas.microsoft.com/office/drawing/2017/decorative" val="1"/>
               </a:ext>
             </a:extLst>
           </p:cNvPr>
@@ -7682,7 +7659,7 @@
           <p:nvPr>
             <p:extLst>
               <p:ext uri="{386F3935-93C4-4BCD-93E2-E3B085C9AB24}">
-                <p16:designElem xmlns:p16="http://schemas.microsoft.com/office/powerpoint/2015/main" xmlns="" val="1"/>
+                <p16:designElem xmlns="" xmlns:p16="http://schemas.microsoft.com/office/powerpoint/2015/main" val="1"/>
               </p:ext>
             </p:extLst>
           </p:nvPr>
@@ -7713,10 +7690,10 @@
           <p:cNvPr id="92" name="Picture 91">
             <a:extLst>
               <a:ext uri="{FF2B5EF4-FFF2-40B4-BE49-F238E27FC236}">
-                <a16:creationId xmlns:a16="http://schemas.microsoft.com/office/drawing/2014/main" xmlns="" id="{130825ED-0133-430D-BBBB-50B6F5228448}"/>
+                <a16:creationId xmlns="" xmlns:a16="http://schemas.microsoft.com/office/drawing/2014/main" id="{130825ED-0133-430D-BBBB-50B6F5228448}"/>
               </a:ext>
               <a:ext uri="{C183D7F6-B498-43B3-948B-1728B52AA6E4}">
-                <adec:decorative xmlns:adec="http://schemas.microsoft.com/office/drawing/2017/decorative" xmlns="" val="1"/>
+                <adec:decorative xmlns="" xmlns:adec="http://schemas.microsoft.com/office/drawing/2017/decorative" val="1"/>
               </a:ext>
             </a:extLst>
           </p:cNvPr>
@@ -7726,7 +7703,7 @@
           <p:nvPr>
             <p:extLst>
               <p:ext uri="{386F3935-93C4-4BCD-93E2-E3B085C9AB24}">
-                <p16:designElem xmlns:p16="http://schemas.microsoft.com/office/powerpoint/2015/main" xmlns="" val="1"/>
+                <p16:designElem xmlns="" xmlns:p16="http://schemas.microsoft.com/office/powerpoint/2015/main" val="1"/>
               </p:ext>
             </p:extLst>
           </p:nvPr>
@@ -7757,10 +7734,10 @@
           <p:cNvPr id="94" name="Rectangle 93">
             <a:extLst>
               <a:ext uri="{FF2B5EF4-FFF2-40B4-BE49-F238E27FC236}">
-                <a16:creationId xmlns:a16="http://schemas.microsoft.com/office/drawing/2014/main" xmlns="" id="{633F040E-FA1C-4EDC-B925-7EFCB9582839}"/>
+                <a16:creationId xmlns="" xmlns:a16="http://schemas.microsoft.com/office/drawing/2014/main" id="{633F040E-FA1C-4EDC-B925-7EFCB9582839}"/>
               </a:ext>
               <a:ext uri="{C183D7F6-B498-43B3-948B-1728B52AA6E4}">
-                <adec:decorative xmlns:adec="http://schemas.microsoft.com/office/drawing/2017/decorative" xmlns="" val="1"/>
+                <adec:decorative xmlns="" xmlns:adec="http://schemas.microsoft.com/office/drawing/2017/decorative" val="1"/>
               </a:ext>
             </a:extLst>
           </p:cNvPr>
@@ -7770,7 +7747,7 @@
           <p:nvPr>
             <p:extLst>
               <p:ext uri="{386F3935-93C4-4BCD-93E2-E3B085C9AB24}">
-                <p16:designElem xmlns:p16="http://schemas.microsoft.com/office/powerpoint/2015/main" xmlns="" val="1"/>
+                <p16:designElem xmlns="" xmlns:p16="http://schemas.microsoft.com/office/powerpoint/2015/main" val="1"/>
               </p:ext>
             </p:extLst>
           </p:nvPr>
@@ -7810,7 +7787,7 @@
           <p:cNvPr id="2" name="Title 1">
             <a:extLst>
               <a:ext uri="{FF2B5EF4-FFF2-40B4-BE49-F238E27FC236}">
-                <a16:creationId xmlns:a16="http://schemas.microsoft.com/office/drawing/2014/main" xmlns="" id="{A22B86D7-1645-4564-A3E7-700357D93592}"/>
+                <a16:creationId xmlns="" xmlns:a16="http://schemas.microsoft.com/office/drawing/2014/main" id="{A22B86D7-1645-4564-A3E7-700357D93592}"/>
               </a:ext>
             </a:extLst>
           </p:cNvPr>
@@ -7859,10 +7836,10 @@
           <p:cNvPr id="96" name="Rectangle 95">
             <a:extLst>
               <a:ext uri="{FF2B5EF4-FFF2-40B4-BE49-F238E27FC236}">
-                <a16:creationId xmlns:a16="http://schemas.microsoft.com/office/drawing/2014/main" xmlns="" id="{3FDC3884-AF10-42EC-A828-643B6154F9F5}"/>
+                <a16:creationId xmlns="" xmlns:a16="http://schemas.microsoft.com/office/drawing/2014/main" id="{3FDC3884-AF10-42EC-A828-643B6154F9F5}"/>
               </a:ext>
               <a:ext uri="{C183D7F6-B498-43B3-948B-1728B52AA6E4}">
-                <adec:decorative xmlns:adec="http://schemas.microsoft.com/office/drawing/2017/decorative" xmlns="" val="1"/>
+                <adec:decorative xmlns="" xmlns:adec="http://schemas.microsoft.com/office/drawing/2017/decorative" val="1"/>
               </a:ext>
             </a:extLst>
           </p:cNvPr>
@@ -7872,7 +7849,7 @@
           <p:nvPr>
             <p:extLst>
               <p:ext uri="{386F3935-93C4-4BCD-93E2-E3B085C9AB24}">
-                <p16:designElem xmlns:p16="http://schemas.microsoft.com/office/powerpoint/2015/main" xmlns="" val="1"/>
+                <p16:designElem xmlns="" xmlns:p16="http://schemas.microsoft.com/office/powerpoint/2015/main" val="1"/>
               </p:ext>
             </p:extLst>
           </p:nvPr>
@@ -7922,7 +7899,7 @@
           <p:cNvPr id="4100" name="Picture 4">
             <a:extLst>
               <a:ext uri="{FF2B5EF4-FFF2-40B4-BE49-F238E27FC236}">
-                <a16:creationId xmlns:a16="http://schemas.microsoft.com/office/drawing/2014/main" xmlns="" id="{8B33559A-2A3A-4095-B529-255757396E5F}"/>
+                <a16:creationId xmlns="" xmlns:a16="http://schemas.microsoft.com/office/drawing/2014/main" id="{8B33559A-2A3A-4095-B529-255757396E5F}"/>
               </a:ext>
             </a:extLst>
           </p:cNvPr>
@@ -7968,7 +7945,7 @@
           <p:cNvPr id="4098" name="Picture 2">
             <a:extLst>
               <a:ext uri="{FF2B5EF4-FFF2-40B4-BE49-F238E27FC236}">
-                <a16:creationId xmlns:a16="http://schemas.microsoft.com/office/drawing/2014/main" xmlns="" id="{6CF11A9E-B891-4D97-A33D-1567C241E617}"/>
+                <a16:creationId xmlns="" xmlns:a16="http://schemas.microsoft.com/office/drawing/2014/main" id="{6CF11A9E-B891-4D97-A33D-1567C241E617}"/>
               </a:ext>
             </a:extLst>
           </p:cNvPr>
@@ -8014,7 +7991,7 @@
           <p:cNvPr id="5" name="Picture 4">
             <a:extLst>
               <a:ext uri="{FF2B5EF4-FFF2-40B4-BE49-F238E27FC236}">
-                <a16:creationId xmlns:a16="http://schemas.microsoft.com/office/drawing/2014/main" xmlns="" id="{4FA6E774-41E3-4E94-82DE-7C63B9FD3C1C}"/>
+                <a16:creationId xmlns="" xmlns:a16="http://schemas.microsoft.com/office/drawing/2014/main" id="{4FA6E774-41E3-4E94-82DE-7C63B9FD3C1C}"/>
               </a:ext>
             </a:extLst>
           </p:cNvPr>
@@ -8044,7 +8021,7 @@
           <p:cNvPr id="1030" name="Picture 6">
             <a:extLst>
               <a:ext uri="{FF2B5EF4-FFF2-40B4-BE49-F238E27FC236}">
-                <a16:creationId xmlns:a16="http://schemas.microsoft.com/office/drawing/2014/main" xmlns="" id="{AFD81008-FC28-4A30-AE23-DA7021DAF472}"/>
+                <a16:creationId xmlns="" xmlns:a16="http://schemas.microsoft.com/office/drawing/2014/main" id="{AFD81008-FC28-4A30-AE23-DA7021DAF472}"/>
               </a:ext>
             </a:extLst>
           </p:cNvPr>
@@ -8091,7 +8068,7 @@
           <p:cNvPr id="1032" name="Picture 8">
             <a:extLst>
               <a:ext uri="{FF2B5EF4-FFF2-40B4-BE49-F238E27FC236}">
-                <a16:creationId xmlns:a16="http://schemas.microsoft.com/office/drawing/2014/main" xmlns="" id="{6F8C91D9-A722-4F0F-81CA-13D334C81BEB}"/>
+                <a16:creationId xmlns="" xmlns:a16="http://schemas.microsoft.com/office/drawing/2014/main" id="{6F8C91D9-A722-4F0F-81CA-13D334C81BEB}"/>
               </a:ext>
             </a:extLst>
           </p:cNvPr>
@@ -8138,7 +8115,7 @@
           <p:cNvPr id="3" name="TextBox 2">
             <a:extLst>
               <a:ext uri="{FF2B5EF4-FFF2-40B4-BE49-F238E27FC236}">
-                <a16:creationId xmlns:a16="http://schemas.microsoft.com/office/drawing/2014/main" xmlns="" id="{A3E7B193-DC62-42FD-BDA2-29B098D36308}"/>
+                <a16:creationId xmlns="" xmlns:a16="http://schemas.microsoft.com/office/drawing/2014/main" id="{A3E7B193-DC62-42FD-BDA2-29B098D36308}"/>
               </a:ext>
             </a:extLst>
           </p:cNvPr>
@@ -8173,7 +8150,7 @@
           <p:cNvPr id="21" name="TextBox 20">
             <a:extLst>
               <a:ext uri="{FF2B5EF4-FFF2-40B4-BE49-F238E27FC236}">
-                <a16:creationId xmlns:a16="http://schemas.microsoft.com/office/drawing/2014/main" xmlns="" id="{796A9475-D757-4187-803B-E823A5501967}"/>
+                <a16:creationId xmlns="" xmlns:a16="http://schemas.microsoft.com/office/drawing/2014/main" id="{796A9475-D757-4187-803B-E823A5501967}"/>
               </a:ext>
             </a:extLst>
           </p:cNvPr>
@@ -8245,7 +8222,7 @@
           <p:cNvPr id="12" name="Title 11">
             <a:extLst>
               <a:ext uri="{FF2B5EF4-FFF2-40B4-BE49-F238E27FC236}">
-                <a16:creationId xmlns:a16="http://schemas.microsoft.com/office/drawing/2014/main" xmlns="" id="{D5F5F2D6-A787-48DD-934B-63B8A70AC7ED}"/>
+                <a16:creationId xmlns="" xmlns:a16="http://schemas.microsoft.com/office/drawing/2014/main" id="{D5F5F2D6-A787-48DD-934B-63B8A70AC7ED}"/>
               </a:ext>
             </a:extLst>
           </p:cNvPr>
@@ -8293,7 +8270,7 @@
           <p:cNvPr id="26" name="Picture 25">
             <a:extLst>
               <a:ext uri="{FF2B5EF4-FFF2-40B4-BE49-F238E27FC236}">
-                <a16:creationId xmlns:a16="http://schemas.microsoft.com/office/drawing/2014/main" xmlns="" id="{D6739B1A-EE63-47B4-A1C7-E2AF64F00121}"/>
+                <a16:creationId xmlns="" xmlns:a16="http://schemas.microsoft.com/office/drawing/2014/main" id="{D6739B1A-EE63-47B4-A1C7-E2AF64F00121}"/>
               </a:ext>
             </a:extLst>
           </p:cNvPr>
@@ -8322,7 +8299,7 @@
           <p:cNvPr id="19" name="Text Placeholder 18">
             <a:extLst>
               <a:ext uri="{FF2B5EF4-FFF2-40B4-BE49-F238E27FC236}">
-                <a16:creationId xmlns:a16="http://schemas.microsoft.com/office/drawing/2014/main" xmlns="" id="{4A934B4A-5CB4-4B82-99C0-FAB17E1BBBB3}"/>
+                <a16:creationId xmlns="" xmlns:a16="http://schemas.microsoft.com/office/drawing/2014/main" id="{4A934B4A-5CB4-4B82-99C0-FAB17E1BBBB3}"/>
               </a:ext>
             </a:extLst>
           </p:cNvPr>
@@ -8409,7 +8386,7 @@
           <p:cNvPr id="2" name="Title 1">
             <a:extLst>
               <a:ext uri="{FF2B5EF4-FFF2-40B4-BE49-F238E27FC236}">
-                <a16:creationId xmlns:a16="http://schemas.microsoft.com/office/drawing/2014/main" xmlns="" id="{8AA60435-8EDA-47C1-8025-01B19524804F}"/>
+                <a16:creationId xmlns="" xmlns:a16="http://schemas.microsoft.com/office/drawing/2014/main" id="{8AA60435-8EDA-47C1-8025-01B19524804F}"/>
               </a:ext>
             </a:extLst>
           </p:cNvPr>
@@ -8444,7 +8421,7 @@
           <p:cNvPr id="11" name="Content Placeholder 5">
             <a:extLst>
               <a:ext uri="{FF2B5EF4-FFF2-40B4-BE49-F238E27FC236}">
-                <a16:creationId xmlns:a16="http://schemas.microsoft.com/office/drawing/2014/main" xmlns="" id="{C4CAC10B-F8E8-4C30-9506-1849547B8ACC}"/>
+                <a16:creationId xmlns="" xmlns:a16="http://schemas.microsoft.com/office/drawing/2014/main" id="{C4CAC10B-F8E8-4C30-9506-1849547B8ACC}"/>
               </a:ext>
             </a:extLst>
           </p:cNvPr>
@@ -8475,7 +8452,7 @@
           <p:cNvPr id="13" name="Content Placeholder 12">
             <a:extLst>
               <a:ext uri="{FF2B5EF4-FFF2-40B4-BE49-F238E27FC236}">
-                <a16:creationId xmlns:a16="http://schemas.microsoft.com/office/drawing/2014/main" xmlns="" id="{CCBA827A-E4C5-46BE-80A4-09008D7EE4B5}"/>
+                <a16:creationId xmlns="" xmlns:a16="http://schemas.microsoft.com/office/drawing/2014/main" id="{CCBA827A-E4C5-46BE-80A4-09008D7EE4B5}"/>
               </a:ext>
             </a:extLst>
           </p:cNvPr>
@@ -8528,7 +8505,7 @@
           <p:cNvPr id="8" name="Content Placeholder 7">
             <a:extLst>
               <a:ext uri="{FF2B5EF4-FFF2-40B4-BE49-F238E27FC236}">
-                <a16:creationId xmlns:a16="http://schemas.microsoft.com/office/drawing/2014/main" xmlns="" id="{CBD53F6F-1595-4BE5-A110-D6E6FD2FE694}"/>
+                <a16:creationId xmlns="" xmlns:a16="http://schemas.microsoft.com/office/drawing/2014/main" id="{CBD53F6F-1595-4BE5-A110-D6E6FD2FE694}"/>
               </a:ext>
             </a:extLst>
           </p:cNvPr>
@@ -8561,7 +8538,7 @@
           <p:cNvPr id="9" name="Rectangle 8">
             <a:extLst>
               <a:ext uri="{FF2B5EF4-FFF2-40B4-BE49-F238E27FC236}">
-                <a16:creationId xmlns:a16="http://schemas.microsoft.com/office/drawing/2014/main" xmlns="" id="{430BE6C0-C3BC-4135-A09E-7F39A4DC450D}"/>
+                <a16:creationId xmlns="" xmlns:a16="http://schemas.microsoft.com/office/drawing/2014/main" id="{430BE6C0-C3BC-4135-A09E-7F39A4DC450D}"/>
               </a:ext>
             </a:extLst>
           </p:cNvPr>
@@ -8599,7 +8576,7 @@
           <p:cNvPr id="10" name="Rectangle 9">
             <a:extLst>
               <a:ext uri="{FF2B5EF4-FFF2-40B4-BE49-F238E27FC236}">
-                <a16:creationId xmlns:a16="http://schemas.microsoft.com/office/drawing/2014/main" xmlns="" id="{63D7D748-C6E4-4FBD-BE6C-934A3F4A86E2}"/>
+                <a16:creationId xmlns="" xmlns:a16="http://schemas.microsoft.com/office/drawing/2014/main" id="{63D7D748-C6E4-4FBD-BE6C-934A3F4A86E2}"/>
               </a:ext>
             </a:extLst>
           </p:cNvPr>
@@ -8674,7 +8651,7 @@
           <p:cNvPr id="2" name="Title 1">
             <a:extLst>
               <a:ext uri="{FF2B5EF4-FFF2-40B4-BE49-F238E27FC236}">
-                <a16:creationId xmlns:a16="http://schemas.microsoft.com/office/drawing/2014/main" xmlns="" id="{08C5B64C-3C32-4062-9C30-A5FD3F8EC692}"/>
+                <a16:creationId xmlns="" xmlns:a16="http://schemas.microsoft.com/office/drawing/2014/main" id="{08C5B64C-3C32-4062-9C30-A5FD3F8EC692}"/>
               </a:ext>
             </a:extLst>
           </p:cNvPr>
@@ -8716,7 +8693,7 @@
           <p:cNvPr id="6" name="Content Placeholder 5">
             <a:extLst>
               <a:ext uri="{FF2B5EF4-FFF2-40B4-BE49-F238E27FC236}">
-                <a16:creationId xmlns:a16="http://schemas.microsoft.com/office/drawing/2014/main" xmlns="" id="{830A6D65-BEED-4924-83CD-0B83564993C9}"/>
+                <a16:creationId xmlns="" xmlns:a16="http://schemas.microsoft.com/office/drawing/2014/main" id="{830A6D65-BEED-4924-83CD-0B83564993C9}"/>
               </a:ext>
             </a:extLst>
           </p:cNvPr>
@@ -8749,7 +8726,7 @@
           <p:cNvPr id="3" name="Content Placeholder 2">
             <a:extLst>
               <a:ext uri="{FF2B5EF4-FFF2-40B4-BE49-F238E27FC236}">
-                <a16:creationId xmlns:a16="http://schemas.microsoft.com/office/drawing/2014/main" xmlns="" id="{605E3EB4-1D75-429F-8F5F-6B0CFA0D5228}"/>
+                <a16:creationId xmlns="" xmlns:a16="http://schemas.microsoft.com/office/drawing/2014/main" id="{605E3EB4-1D75-429F-8F5F-6B0CFA0D5228}"/>
               </a:ext>
             </a:extLst>
           </p:cNvPr>
@@ -8884,10 +8861,10 @@
           <p:cNvPr id="15" name="Picture 14">
             <a:extLst>
               <a:ext uri="{FF2B5EF4-FFF2-40B4-BE49-F238E27FC236}">
-                <a16:creationId xmlns:a16="http://schemas.microsoft.com/office/drawing/2014/main" xmlns="" id="{412E3267-7ABE-412B-8580-47EC0D1F61FE}"/>
+                <a16:creationId xmlns="" xmlns:a16="http://schemas.microsoft.com/office/drawing/2014/main" id="{412E3267-7ABE-412B-8580-47EC0D1F61FE}"/>
               </a:ext>
               <a:ext uri="{C183D7F6-B498-43B3-948B-1728B52AA6E4}">
-                <adec:decorative xmlns:adec="http://schemas.microsoft.com/office/drawing/2017/decorative" xmlns="" val="1"/>
+                <adec:decorative xmlns="" xmlns:adec="http://schemas.microsoft.com/office/drawing/2017/decorative" val="1"/>
               </a:ext>
             </a:extLst>
           </p:cNvPr>
@@ -8897,7 +8874,7 @@
           <p:nvPr>
             <p:extLst>
               <p:ext uri="{386F3935-93C4-4BCD-93E2-E3B085C9AB24}">
-                <p16:designElem xmlns:p16="http://schemas.microsoft.com/office/powerpoint/2015/main" xmlns="" val="1"/>
+                <p16:designElem xmlns="" xmlns:p16="http://schemas.microsoft.com/office/powerpoint/2015/main" val="1"/>
               </p:ext>
             </p:extLst>
           </p:nvPr>
@@ -8928,10 +8905,10 @@
           <p:cNvPr id="17" name="Picture 16">
             <a:extLst>
               <a:ext uri="{FF2B5EF4-FFF2-40B4-BE49-F238E27FC236}">
-                <a16:creationId xmlns:a16="http://schemas.microsoft.com/office/drawing/2014/main" xmlns="" id="{20B62C5A-2250-4380-AB23-DB87446CCED0}"/>
+                <a16:creationId xmlns="" xmlns:a16="http://schemas.microsoft.com/office/drawing/2014/main" id="{20B62C5A-2250-4380-AB23-DB87446CCED0}"/>
               </a:ext>
               <a:ext uri="{C183D7F6-B498-43B3-948B-1728B52AA6E4}">
-                <adec:decorative xmlns:adec="http://schemas.microsoft.com/office/drawing/2017/decorative" xmlns="" val="1"/>
+                <adec:decorative xmlns="" xmlns:adec="http://schemas.microsoft.com/office/drawing/2017/decorative" val="1"/>
               </a:ext>
             </a:extLst>
           </p:cNvPr>
@@ -8941,7 +8918,7 @@
           <p:nvPr>
             <p:extLst>
               <p:ext uri="{386F3935-93C4-4BCD-93E2-E3B085C9AB24}">
-                <p16:designElem xmlns:p16="http://schemas.microsoft.com/office/powerpoint/2015/main" xmlns="" val="1"/>
+                <p16:designElem xmlns="" xmlns:p16="http://schemas.microsoft.com/office/powerpoint/2015/main" val="1"/>
               </p:ext>
             </p:extLst>
           </p:nvPr>
@@ -8972,10 +8949,10 @@
           <p:cNvPr id="19" name="Oval 18">
             <a:extLst>
               <a:ext uri="{FF2B5EF4-FFF2-40B4-BE49-F238E27FC236}">
-                <a16:creationId xmlns:a16="http://schemas.microsoft.com/office/drawing/2014/main" xmlns="" id="{D42CF425-7213-4F89-B0FF-4C2BDDD9C680}"/>
+                <a16:creationId xmlns="" xmlns:a16="http://schemas.microsoft.com/office/drawing/2014/main" id="{D42CF425-7213-4F89-B0FF-4C2BDDD9C680}"/>
               </a:ext>
               <a:ext uri="{C183D7F6-B498-43B3-948B-1728B52AA6E4}">
-                <adec:decorative xmlns:adec="http://schemas.microsoft.com/office/drawing/2017/decorative" xmlns="" val="1"/>
+                <adec:decorative xmlns="" xmlns:adec="http://schemas.microsoft.com/office/drawing/2017/decorative" val="1"/>
               </a:ext>
             </a:extLst>
           </p:cNvPr>
@@ -8985,7 +8962,7 @@
           <p:nvPr>
             <p:extLst>
               <p:ext uri="{386F3935-93C4-4BCD-93E2-E3B085C9AB24}">
-                <p16:designElem xmlns:p16="http://schemas.microsoft.com/office/powerpoint/2015/main" xmlns="" val="1"/>
+                <p16:designElem xmlns="" xmlns:p16="http://schemas.microsoft.com/office/powerpoint/2015/main" val="1"/>
               </p:ext>
             </p:extLst>
           </p:nvPr>
@@ -9052,10 +9029,10 @@
           <p:cNvPr id="21" name="Picture 20">
             <a:extLst>
               <a:ext uri="{FF2B5EF4-FFF2-40B4-BE49-F238E27FC236}">
-                <a16:creationId xmlns:a16="http://schemas.microsoft.com/office/drawing/2014/main" xmlns="" id="{D35DA97D-88F8-4249-B650-4FC9FD50A382}"/>
+                <a16:creationId xmlns="" xmlns:a16="http://schemas.microsoft.com/office/drawing/2014/main" id="{D35DA97D-88F8-4249-B650-4FC9FD50A382}"/>
               </a:ext>
               <a:ext uri="{C183D7F6-B498-43B3-948B-1728B52AA6E4}">
-                <adec:decorative xmlns:adec="http://schemas.microsoft.com/office/drawing/2017/decorative" xmlns="" val="1"/>
+                <adec:decorative xmlns="" xmlns:adec="http://schemas.microsoft.com/office/drawing/2017/decorative" val="1"/>
               </a:ext>
             </a:extLst>
           </p:cNvPr>
@@ -9065,7 +9042,7 @@
           <p:nvPr>
             <p:extLst>
               <p:ext uri="{386F3935-93C4-4BCD-93E2-E3B085C9AB24}">
-                <p16:designElem xmlns:p16="http://schemas.microsoft.com/office/powerpoint/2015/main" xmlns="" val="1"/>
+                <p16:designElem xmlns="" xmlns:p16="http://schemas.microsoft.com/office/powerpoint/2015/main" val="1"/>
               </p:ext>
             </p:extLst>
           </p:nvPr>
@@ -9096,10 +9073,10 @@
           <p:cNvPr id="23" name="Picture 22">
             <a:extLst>
               <a:ext uri="{FF2B5EF4-FFF2-40B4-BE49-F238E27FC236}">
-                <a16:creationId xmlns:a16="http://schemas.microsoft.com/office/drawing/2014/main" xmlns="" id="{43F38673-6E30-4BAE-AC67-0B283EBF4291}"/>
+                <a16:creationId xmlns="" xmlns:a16="http://schemas.microsoft.com/office/drawing/2014/main" id="{43F38673-6E30-4BAE-AC67-0B283EBF4291}"/>
               </a:ext>
               <a:ext uri="{C183D7F6-B498-43B3-948B-1728B52AA6E4}">
-                <adec:decorative xmlns:adec="http://schemas.microsoft.com/office/drawing/2017/decorative" xmlns="" val="1"/>
+                <adec:decorative xmlns="" xmlns:adec="http://schemas.microsoft.com/office/drawing/2017/decorative" val="1"/>
               </a:ext>
             </a:extLst>
           </p:cNvPr>
@@ -9109,7 +9086,7 @@
           <p:nvPr>
             <p:extLst>
               <p:ext uri="{386F3935-93C4-4BCD-93E2-E3B085C9AB24}">
-                <p16:designElem xmlns:p16="http://schemas.microsoft.com/office/powerpoint/2015/main" xmlns="" val="1"/>
+                <p16:designElem xmlns="" xmlns:p16="http://schemas.microsoft.com/office/powerpoint/2015/main" val="1"/>
               </p:ext>
             </p:extLst>
           </p:nvPr>
@@ -9140,10 +9117,10 @@
           <p:cNvPr id="25" name="Rectangle 24">
             <a:extLst>
               <a:ext uri="{FF2B5EF4-FFF2-40B4-BE49-F238E27FC236}">
-                <a16:creationId xmlns:a16="http://schemas.microsoft.com/office/drawing/2014/main" xmlns="" id="{202A25CB-1ED1-4C87-AB49-8D3BC684D1CE}"/>
+                <a16:creationId xmlns="" xmlns:a16="http://schemas.microsoft.com/office/drawing/2014/main" id="{202A25CB-1ED1-4C87-AB49-8D3BC684D1CE}"/>
               </a:ext>
               <a:ext uri="{C183D7F6-B498-43B3-948B-1728B52AA6E4}">
-                <adec:decorative xmlns:adec="http://schemas.microsoft.com/office/drawing/2017/decorative" xmlns="" val="1"/>
+                <adec:decorative xmlns="" xmlns:adec="http://schemas.microsoft.com/office/drawing/2017/decorative" val="1"/>
               </a:ext>
             </a:extLst>
           </p:cNvPr>
@@ -9153,7 +9130,7 @@
           <p:nvPr>
             <p:extLst>
               <p:ext uri="{386F3935-93C4-4BCD-93E2-E3B085C9AB24}">
-                <p16:designElem xmlns:p16="http://schemas.microsoft.com/office/powerpoint/2015/main" xmlns="" val="1"/>
+                <p16:designElem xmlns="" xmlns:p16="http://schemas.microsoft.com/office/powerpoint/2015/main" val="1"/>
               </p:ext>
             </p:extLst>
           </p:nvPr>
@@ -9193,7 +9170,7 @@
           <p:cNvPr id="2" name="Title 1">
             <a:extLst>
               <a:ext uri="{FF2B5EF4-FFF2-40B4-BE49-F238E27FC236}">
-                <a16:creationId xmlns:a16="http://schemas.microsoft.com/office/drawing/2014/main" xmlns="" id="{08C5B64C-3C32-4062-9C30-A5FD3F8EC692}"/>
+                <a16:creationId xmlns="" xmlns:a16="http://schemas.microsoft.com/office/drawing/2014/main" id="{08C5B64C-3C32-4062-9C30-A5FD3F8EC692}"/>
               </a:ext>
             </a:extLst>
           </p:cNvPr>
@@ -9228,10 +9205,10 @@
           <p:cNvPr id="27" name="Freeform: Shape 26">
             <a:extLst>
               <a:ext uri="{FF2B5EF4-FFF2-40B4-BE49-F238E27FC236}">
-                <a16:creationId xmlns:a16="http://schemas.microsoft.com/office/drawing/2014/main" xmlns="" id="{7DAA46B9-B7E8-4487-B28E-C63A6EB7AA27}"/>
+                <a16:creationId xmlns="" xmlns:a16="http://schemas.microsoft.com/office/drawing/2014/main" id="{7DAA46B9-B7E8-4487-B28E-C63A6EB7AA27}"/>
               </a:ext>
               <a:ext uri="{C183D7F6-B498-43B3-948B-1728B52AA6E4}">
-                <adec:decorative xmlns:adec="http://schemas.microsoft.com/office/drawing/2017/decorative" xmlns="" val="1"/>
+                <adec:decorative xmlns="" xmlns:adec="http://schemas.microsoft.com/office/drawing/2017/decorative" val="1"/>
               </a:ext>
             </a:extLst>
           </p:cNvPr>
@@ -9241,7 +9218,7 @@
           <p:nvPr>
             <p:extLst>
               <p:ext uri="{386F3935-93C4-4BCD-93E2-E3B085C9AB24}">
-                <p16:designElem xmlns:p16="http://schemas.microsoft.com/office/powerpoint/2015/main" xmlns="" val="1"/>
+                <p16:designElem xmlns="" xmlns:p16="http://schemas.microsoft.com/office/powerpoint/2015/main" val="1"/>
               </p:ext>
             </p:extLst>
           </p:nvPr>
@@ -9694,10 +9671,10 @@
           <p:cNvPr id="29" name="Freeform 23">
             <a:extLst>
               <a:ext uri="{FF2B5EF4-FFF2-40B4-BE49-F238E27FC236}">
-                <a16:creationId xmlns:a16="http://schemas.microsoft.com/office/drawing/2014/main" xmlns="" id="{C866818C-1E5F-475A-B310-3C06B555FB69}"/>
+                <a16:creationId xmlns="" xmlns:a16="http://schemas.microsoft.com/office/drawing/2014/main" id="{C866818C-1E5F-475A-B310-3C06B555FB69}"/>
               </a:ext>
               <a:ext uri="{C183D7F6-B498-43B3-948B-1728B52AA6E4}">
-                <adec:decorative xmlns:adec="http://schemas.microsoft.com/office/drawing/2017/decorative" xmlns="" val="1"/>
+                <adec:decorative xmlns="" xmlns:adec="http://schemas.microsoft.com/office/drawing/2017/decorative" val="1"/>
               </a:ext>
             </a:extLst>
           </p:cNvPr>
@@ -9707,7 +9684,7 @@
           <p:nvPr>
             <p:extLst>
               <p:ext uri="{386F3935-93C4-4BCD-93E2-E3B085C9AB24}">
-                <p16:designElem xmlns:p16="http://schemas.microsoft.com/office/powerpoint/2015/main" xmlns="" val="1"/>
+                <p16:designElem xmlns="" xmlns:p16="http://schemas.microsoft.com/office/powerpoint/2015/main" val="1"/>
               </p:ext>
             </p:extLst>
           </p:nvPr>
@@ -10046,7 +10023,7 @@
           <p:cNvPr id="10" name="Picture 9">
             <a:extLst>
               <a:ext uri="{FF2B5EF4-FFF2-40B4-BE49-F238E27FC236}">
-                <a16:creationId xmlns:a16="http://schemas.microsoft.com/office/drawing/2014/main" xmlns="" id="{7F220147-D0D0-414C-9569-0E4D790C24CA}"/>
+                <a16:creationId xmlns="" xmlns:a16="http://schemas.microsoft.com/office/drawing/2014/main" id="{7F220147-D0D0-414C-9569-0E4D790C24CA}"/>
               </a:ext>
             </a:extLst>
           </p:cNvPr>
@@ -10083,10 +10060,10 @@
           <p:cNvPr id="31" name="Rectangle 30">
             <a:extLst>
               <a:ext uri="{FF2B5EF4-FFF2-40B4-BE49-F238E27FC236}">
-                <a16:creationId xmlns:a16="http://schemas.microsoft.com/office/drawing/2014/main" xmlns="" id="{D12AFDE8-E1ED-4A49-B8B3-4953F4B8ACB9}"/>
+                <a16:creationId xmlns="" xmlns:a16="http://schemas.microsoft.com/office/drawing/2014/main" id="{D12AFDE8-E1ED-4A49-B8B3-4953F4B8ACB9}"/>
               </a:ext>
               <a:ext uri="{C183D7F6-B498-43B3-948B-1728B52AA6E4}">
-                <adec:decorative xmlns:adec="http://schemas.microsoft.com/office/drawing/2017/decorative" xmlns="" val="1"/>
+                <adec:decorative xmlns="" xmlns:adec="http://schemas.microsoft.com/office/drawing/2017/decorative" val="1"/>
               </a:ext>
             </a:extLst>
           </p:cNvPr>
@@ -10096,7 +10073,7 @@
           <p:nvPr>
             <p:extLst>
               <p:ext uri="{386F3935-93C4-4BCD-93E2-E3B085C9AB24}">
-                <p16:designElem xmlns:p16="http://schemas.microsoft.com/office/powerpoint/2015/main" xmlns="" val="1"/>
+                <p16:designElem xmlns="" xmlns:p16="http://schemas.microsoft.com/office/powerpoint/2015/main" val="1"/>
               </p:ext>
             </p:extLst>
           </p:nvPr>
@@ -10136,7 +10113,7 @@
           <p:cNvPr id="8" name="Content Placeholder 7">
             <a:extLst>
               <a:ext uri="{FF2B5EF4-FFF2-40B4-BE49-F238E27FC236}">
-                <a16:creationId xmlns:a16="http://schemas.microsoft.com/office/drawing/2014/main" xmlns="" id="{7E79D0DF-41B3-4FBE-8795-2CABFF179969}"/>
+                <a16:creationId xmlns="" xmlns:a16="http://schemas.microsoft.com/office/drawing/2014/main" id="{7E79D0DF-41B3-4FBE-8795-2CABFF179969}"/>
               </a:ext>
             </a:extLst>
           </p:cNvPr>
@@ -10443,7 +10420,6 @@
               <a:rPr lang="en-US" dirty="0"/>
               <a:t>to drive our model the most</a:t>
             </a:r>
-            <a:endParaRPr lang="en-US" dirty="0"/>
           </a:p>
         </p:txBody>
       </p:sp>
@@ -10783,7 +10759,7 @@
   <a:extraClrSchemeLst/>
   <a:extLst>
     <a:ext uri="{05A4C25C-085E-4340-85A3-A5531E510DB2}">
-      <thm15:themeFamily xmlns:thm15="http://schemas.microsoft.com/office/thememl/2012/main" xmlns="" name="Ion" id="{B8441ADB-2E43-4AF7-B97A-BD870242C6A8}" vid="{292E63A9-BB86-4E3D-B92A-7223C6510D2E}"/>
+      <thm15:themeFamily xmlns="" xmlns:thm15="http://schemas.microsoft.com/office/thememl/2012/main" name="Ion" id="{B8441ADB-2E43-4AF7-B97A-BD870242C6A8}" vid="{292E63A9-BB86-4E3D-B92A-7223C6510D2E}"/>
     </a:ext>
   </a:extLst>
 </a:theme>

--- a/Presentation/Price_presentation.pptx
+++ b/Presentation/Price_presentation.pptx
@@ -115,7 +115,18 @@
   </p:defaultTextStyle>
   <p:extLst>
     <p:ext uri="{EFAFB233-063F-42B5-8137-9DF3F51BA10A}">
-      <p15:sldGuideLst xmlns="" xmlns:p15="http://schemas.microsoft.com/office/powerpoint/2012/main"/>
+      <p15:sldGuideLst xmlns:p15="http://schemas.microsoft.com/office/powerpoint/2012/main">
+        <p15:guide id="1" orient="horz" pos="2160">
+          <p15:clr>
+            <a:srgbClr val="A4A3A4"/>
+          </p15:clr>
+        </p15:guide>
+        <p15:guide id="2" pos="3840">
+          <p15:clr>
+            <a:srgbClr val="A4A3A4"/>
+          </p15:clr>
+        </p15:guide>
+      </p15:sldGuideLst>
     </p:ext>
   </p:extLst>
 </p:presentation>
@@ -307,7 +318,7 @@
           <a:p>
             <a:fld id="{C64C7657-8E50-43B8-B0FC-3C9E47AD3696}" type="datetimeFigureOut">
               <a:rPr lang="en-US" smtClean="0"/>
-              <a:t>5/16/2019</a:t>
+              <a:t>5/17/2019</a:t>
             </a:fld>
             <a:endParaRPr lang="en-US"/>
           </a:p>
@@ -582,7 +593,7 @@
           <a:p>
             <a:fld id="{C64C7657-8E50-43B8-B0FC-3C9E47AD3696}" type="datetimeFigureOut">
               <a:rPr lang="en-US" smtClean="0"/>
-              <a:t>5/16/2019</a:t>
+              <a:t>5/17/2019</a:t>
             </a:fld>
             <a:endParaRPr lang="en-US"/>
           </a:p>
@@ -776,7 +787,7 @@
           <a:p>
             <a:fld id="{C64C7657-8E50-43B8-B0FC-3C9E47AD3696}" type="datetimeFigureOut">
               <a:rPr lang="en-US" smtClean="0"/>
-              <a:t>5/16/2019</a:t>
+              <a:t>5/17/2019</a:t>
             </a:fld>
             <a:endParaRPr lang="en-US"/>
           </a:p>
@@ -1049,7 +1060,7 @@
           <a:p>
             <a:fld id="{C64C7657-8E50-43B8-B0FC-3C9E47AD3696}" type="datetimeFigureOut">
               <a:rPr lang="en-US" smtClean="0"/>
-              <a:t>5/16/2019</a:t>
+              <a:t>5/17/2019</a:t>
             </a:fld>
             <a:endParaRPr lang="en-US"/>
           </a:p>
@@ -1390,7 +1401,7 @@
           <a:p>
             <a:fld id="{C64C7657-8E50-43B8-B0FC-3C9E47AD3696}" type="datetimeFigureOut">
               <a:rPr lang="en-US" smtClean="0"/>
-              <a:t>5/16/2019</a:t>
+              <a:t>5/17/2019</a:t>
             </a:fld>
             <a:endParaRPr lang="en-US"/>
           </a:p>
@@ -2013,7 +2024,7 @@
           <a:p>
             <a:fld id="{C64C7657-8E50-43B8-B0FC-3C9E47AD3696}" type="datetimeFigureOut">
               <a:rPr lang="en-US" smtClean="0"/>
-              <a:t>5/16/2019</a:t>
+              <a:t>5/17/2019</a:t>
             </a:fld>
             <a:endParaRPr lang="en-US"/>
           </a:p>
@@ -2873,7 +2884,7 @@
           <a:p>
             <a:fld id="{C64C7657-8E50-43B8-B0FC-3C9E47AD3696}" type="datetimeFigureOut">
               <a:rPr lang="en-US" smtClean="0"/>
-              <a:t>5/16/2019</a:t>
+              <a:t>5/17/2019</a:t>
             </a:fld>
             <a:endParaRPr lang="en-US"/>
           </a:p>
@@ -3043,7 +3054,7 @@
           <a:p>
             <a:fld id="{C64C7657-8E50-43B8-B0FC-3C9E47AD3696}" type="datetimeFigureOut">
               <a:rPr lang="en-US" smtClean="0"/>
-              <a:t>5/16/2019</a:t>
+              <a:t>5/17/2019</a:t>
             </a:fld>
             <a:endParaRPr lang="en-US"/>
           </a:p>
@@ -3223,7 +3234,7 @@
           <a:p>
             <a:fld id="{C64C7657-8E50-43B8-B0FC-3C9E47AD3696}" type="datetimeFigureOut">
               <a:rPr lang="en-US" smtClean="0"/>
-              <a:t>5/16/2019</a:t>
+              <a:t>5/17/2019</a:t>
             </a:fld>
             <a:endParaRPr lang="en-US"/>
           </a:p>
@@ -3393,7 +3404,7 @@
           <a:p>
             <a:fld id="{C64C7657-8E50-43B8-B0FC-3C9E47AD3696}" type="datetimeFigureOut">
               <a:rPr lang="en-US" smtClean="0"/>
-              <a:t>5/16/2019</a:t>
+              <a:t>5/17/2019</a:t>
             </a:fld>
             <a:endParaRPr lang="en-US"/>
           </a:p>
@@ -3640,7 +3651,7 @@
           <a:p>
             <a:fld id="{C64C7657-8E50-43B8-B0FC-3C9E47AD3696}" type="datetimeFigureOut">
               <a:rPr lang="en-US" smtClean="0"/>
-              <a:t>5/16/2019</a:t>
+              <a:t>5/17/2019</a:t>
             </a:fld>
             <a:endParaRPr lang="en-US"/>
           </a:p>
@@ -3932,7 +3943,7 @@
           <a:p>
             <a:fld id="{C64C7657-8E50-43B8-B0FC-3C9E47AD3696}" type="datetimeFigureOut">
               <a:rPr lang="en-US" smtClean="0"/>
-              <a:t>5/16/2019</a:t>
+              <a:t>5/17/2019</a:t>
             </a:fld>
             <a:endParaRPr lang="en-US"/>
           </a:p>
@@ -4376,7 +4387,7 @@
           <a:p>
             <a:fld id="{C64C7657-8E50-43B8-B0FC-3C9E47AD3696}" type="datetimeFigureOut">
               <a:rPr lang="en-US" smtClean="0"/>
-              <a:t>5/16/2019</a:t>
+              <a:t>5/17/2019</a:t>
             </a:fld>
             <a:endParaRPr lang="en-US"/>
           </a:p>
@@ -4494,7 +4505,7 @@
           <a:p>
             <a:fld id="{C64C7657-8E50-43B8-B0FC-3C9E47AD3696}" type="datetimeFigureOut">
               <a:rPr lang="en-US" smtClean="0"/>
-              <a:t>5/16/2019</a:t>
+              <a:t>5/17/2019</a:t>
             </a:fld>
             <a:endParaRPr lang="en-US"/>
           </a:p>
@@ -4589,7 +4600,7 @@
           <a:p>
             <a:fld id="{C64C7657-8E50-43B8-B0FC-3C9E47AD3696}" type="datetimeFigureOut">
               <a:rPr lang="en-US" smtClean="0"/>
-              <a:t>5/16/2019</a:t>
+              <a:t>5/17/2019</a:t>
             </a:fld>
             <a:endParaRPr lang="en-US"/>
           </a:p>
@@ -4868,7 +4879,7 @@
           <a:p>
             <a:fld id="{C64C7657-8E50-43B8-B0FC-3C9E47AD3696}" type="datetimeFigureOut">
               <a:rPr lang="en-US" smtClean="0"/>
-              <a:t>5/16/2019</a:t>
+              <a:t>5/17/2019</a:t>
             </a:fld>
             <a:endParaRPr lang="en-US"/>
           </a:p>
@@ -5143,7 +5154,7 @@
           <a:p>
             <a:fld id="{C64C7657-8E50-43B8-B0FC-3C9E47AD3696}" type="datetimeFigureOut">
               <a:rPr lang="en-US" smtClean="0"/>
-              <a:t>5/16/2019</a:t>
+              <a:t>5/17/2019</a:t>
             </a:fld>
             <a:endParaRPr lang="en-US"/>
           </a:p>
@@ -5572,7 +5583,7 @@
           <a:p>
             <a:fld id="{C64C7657-8E50-43B8-B0FC-3C9E47AD3696}" type="datetimeFigureOut">
               <a:rPr lang="en-US" smtClean="0"/>
-              <a:t>5/16/2019</a:t>
+              <a:t>5/17/2019</a:t>
             </a:fld>
             <a:endParaRPr lang="en-US"/>
           </a:p>
@@ -6105,7 +6116,7 @@
           <p:cNvPr id="2" name="Title 1">
             <a:extLst>
               <a:ext uri="{FF2B5EF4-FFF2-40B4-BE49-F238E27FC236}">
-                <a16:creationId xmlns="" xmlns:a16="http://schemas.microsoft.com/office/drawing/2014/main" id="{A22B86D7-1645-4564-A3E7-700357D93592}"/>
+                <a16:creationId xmlns:a16="http://schemas.microsoft.com/office/drawing/2014/main" id="{A22B86D7-1645-4564-A3E7-700357D93592}"/>
               </a:ext>
             </a:extLst>
           </p:cNvPr>
@@ -6133,7 +6144,7 @@
           <p:cNvPr id="5" name="Picture 4">
             <a:extLst>
               <a:ext uri="{FF2B5EF4-FFF2-40B4-BE49-F238E27FC236}">
-                <a16:creationId xmlns="" xmlns:a16="http://schemas.microsoft.com/office/drawing/2014/main" id="{D849D527-EB6D-4B7C-90AF-0DE9812A5254}"/>
+                <a16:creationId xmlns:a16="http://schemas.microsoft.com/office/drawing/2014/main" id="{D849D527-EB6D-4B7C-90AF-0DE9812A5254}"/>
               </a:ext>
             </a:extLst>
           </p:cNvPr>
@@ -6163,7 +6174,7 @@
           <p:cNvPr id="13" name="Content Placeholder 5">
             <a:extLst>
               <a:ext uri="{FF2B5EF4-FFF2-40B4-BE49-F238E27FC236}">
-                <a16:creationId xmlns="" xmlns:a16="http://schemas.microsoft.com/office/drawing/2014/main" id="{57049A7A-C1C3-423D-B954-683E4A13D494}"/>
+                <a16:creationId xmlns:a16="http://schemas.microsoft.com/office/drawing/2014/main" id="{57049A7A-C1C3-423D-B954-683E4A13D494}"/>
               </a:ext>
             </a:extLst>
           </p:cNvPr>
@@ -6423,7 +6434,7 @@
           <p:cNvPr id="7" name="Content Placeholder 5">
             <a:extLst>
               <a:ext uri="{FF2B5EF4-FFF2-40B4-BE49-F238E27FC236}">
-                <a16:creationId xmlns="" xmlns:a16="http://schemas.microsoft.com/office/drawing/2014/main" id="{20871757-659F-4DA1-B055-FF7FD4A7F65D}"/>
+                <a16:creationId xmlns:a16="http://schemas.microsoft.com/office/drawing/2014/main" id="{20871757-659F-4DA1-B055-FF7FD4A7F65D}"/>
               </a:ext>
             </a:extLst>
           </p:cNvPr>
@@ -6731,13 +6742,6 @@
   <p:clrMapOvr>
     <a:masterClrMapping/>
   </p:clrMapOvr>
-  <p:timing>
-    <p:tnLst>
-      <p:par>
-        <p:cTn id="1" dur="indefinite" restart="never" nodeType="tmRoot"/>
-      </p:par>
-    </p:tnLst>
-  </p:timing>
 </p:sld>
 </file>
 
@@ -6763,7 +6767,7 @@
           <p:cNvPr id="2" name="Title 1">
             <a:extLst>
               <a:ext uri="{FF2B5EF4-FFF2-40B4-BE49-F238E27FC236}">
-                <a16:creationId xmlns="" xmlns:a16="http://schemas.microsoft.com/office/drawing/2014/main" id="{A22B86D7-1645-4564-A3E7-700357D93592}"/>
+                <a16:creationId xmlns:a16="http://schemas.microsoft.com/office/drawing/2014/main" id="{A22B86D7-1645-4564-A3E7-700357D93592}"/>
               </a:ext>
             </a:extLst>
           </p:cNvPr>
@@ -6780,10 +6784,9 @@
           <a:lstStyle/>
           <a:p>
             <a:r>
-              <a:rPr lang="en-US" dirty="0" smtClean="0"/>
+              <a:rPr lang="en-US" dirty="0"/>
               <a:t>Conclusions </a:t>
             </a:r>
-            <a:endParaRPr lang="en-US" dirty="0"/>
           </a:p>
         </p:txBody>
       </p:sp>
@@ -6792,7 +6795,7 @@
           <p:cNvPr id="7" name="Content Placeholder 5">
             <a:extLst>
               <a:ext uri="{FF2B5EF4-FFF2-40B4-BE49-F238E27FC236}">
-                <a16:creationId xmlns="" xmlns:a16="http://schemas.microsoft.com/office/drawing/2014/main" id="{20871757-659F-4DA1-B055-FF7FD4A7F65D}"/>
+                <a16:creationId xmlns:a16="http://schemas.microsoft.com/office/drawing/2014/main" id="{20871757-659F-4DA1-B055-FF7FD4A7F65D}"/>
               </a:ext>
             </a:extLst>
           </p:cNvPr>
@@ -7044,6 +7047,330 @@
           </a:p>
         </p:txBody>
       </p:sp>
+      <p:sp>
+        <p:nvSpPr>
+          <p:cNvPr id="4" name="Content Placeholder 2">
+            <a:extLst>
+              <a:ext uri="{FF2B5EF4-FFF2-40B4-BE49-F238E27FC236}">
+                <a16:creationId xmlns:a16="http://schemas.microsoft.com/office/drawing/2014/main" id="{C8847E35-13A8-4722-8AE2-D04D3464D3BD}"/>
+              </a:ext>
+            </a:extLst>
+          </p:cNvPr>
+          <p:cNvSpPr>
+            <a:spLocks noGrp="1"/>
+          </p:cNvSpPr>
+          <p:nvPr>
+            <p:ph sz="half" idx="1"/>
+          </p:nvPr>
+        </p:nvSpPr>
+        <p:spPr>
+          <a:xfrm>
+            <a:off x="747208" y="1789645"/>
+            <a:ext cx="4166509" cy="3785419"/>
+          </a:xfrm>
+        </p:spPr>
+        <p:txBody>
+          <a:bodyPr vert="horz" lIns="91440" tIns="45720" rIns="91440" bIns="45720" rtlCol="0">
+            <a:normAutofit/>
+          </a:bodyPr>
+          <a:lstStyle/>
+          <a:p>
+            <a:endParaRPr lang="en-US" dirty="0">
+              <a:solidFill>
+                <a:srgbClr val="EBEBEB"/>
+              </a:solidFill>
+            </a:endParaRPr>
+          </a:p>
+          <a:p>
+            <a:endParaRPr lang="en-US" dirty="0">
+              <a:solidFill>
+                <a:srgbClr val="EBEBEB"/>
+              </a:solidFill>
+            </a:endParaRPr>
+          </a:p>
+        </p:txBody>
+      </p:sp>
+      <p:sp>
+        <p:nvSpPr>
+          <p:cNvPr id="5" name="Content Placeholder 2">
+            <a:extLst>
+              <a:ext uri="{FF2B5EF4-FFF2-40B4-BE49-F238E27FC236}">
+                <a16:creationId xmlns:a16="http://schemas.microsoft.com/office/drawing/2014/main" id="{0DE004CF-1C98-43E1-B398-548DDA4A1D3C}"/>
+              </a:ext>
+            </a:extLst>
+          </p:cNvPr>
+          <p:cNvSpPr txBox="1">
+            <a:spLocks/>
+          </p:cNvSpPr>
+          <p:nvPr/>
+        </p:nvSpPr>
+        <p:spPr>
+          <a:xfrm>
+            <a:off x="1103312" y="2060575"/>
+            <a:ext cx="4396339" cy="4195763"/>
+          </a:xfrm>
+          <a:prstGeom prst="rect">
+            <a:avLst/>
+          </a:prstGeom>
+        </p:spPr>
+        <p:txBody>
+          <a:bodyPr vert="horz" lIns="91440" tIns="45720" rIns="91440" bIns="45720" rtlCol="0">
+            <a:normAutofit/>
+          </a:bodyPr>
+          <a:lstStyle>
+            <a:lvl1pPr marL="342900" indent="-342900" algn="l" defTabSz="457200" rtl="0" eaLnBrk="1" latinLnBrk="0" hangingPunct="1">
+              <a:spcBef>
+                <a:spcPts val="1000"/>
+              </a:spcBef>
+              <a:spcAft>
+                <a:spcPts val="0"/>
+              </a:spcAft>
+              <a:buClr>
+                <a:schemeClr val="bg2">
+                  <a:lumMod val="40000"/>
+                  <a:lumOff val="60000"/>
+                </a:schemeClr>
+              </a:buClr>
+              <a:buSzPct val="80000"/>
+              <a:buFont typeface="Wingdings 3" charset="2"/>
+              <a:buChar char=""/>
+              <a:defRPr sz="1800" b="0" i="0" kern="1200">
+                <a:solidFill>
+                  <a:schemeClr val="tx1"/>
+                </a:solidFill>
+                <a:latin typeface="+mj-lt"/>
+                <a:ea typeface="+mj-ea"/>
+                <a:cs typeface="+mj-cs"/>
+              </a:defRPr>
+            </a:lvl1pPr>
+            <a:lvl2pPr marL="742950" indent="-285750" algn="l" defTabSz="457200" rtl="0" eaLnBrk="1" latinLnBrk="0" hangingPunct="1">
+              <a:spcBef>
+                <a:spcPts val="1000"/>
+              </a:spcBef>
+              <a:spcAft>
+                <a:spcPts val="0"/>
+              </a:spcAft>
+              <a:buClr>
+                <a:schemeClr val="bg2">
+                  <a:lumMod val="40000"/>
+                  <a:lumOff val="60000"/>
+                </a:schemeClr>
+              </a:buClr>
+              <a:buSzPct val="80000"/>
+              <a:buFont typeface="Wingdings 3" charset="2"/>
+              <a:buChar char=""/>
+              <a:defRPr sz="1600" b="0" i="0" kern="1200">
+                <a:solidFill>
+                  <a:schemeClr val="tx1"/>
+                </a:solidFill>
+                <a:latin typeface="+mj-lt"/>
+                <a:ea typeface="+mj-ea"/>
+                <a:cs typeface="+mj-cs"/>
+              </a:defRPr>
+            </a:lvl2pPr>
+            <a:lvl3pPr marL="1143000" indent="-228600" algn="l" defTabSz="457200" rtl="0" eaLnBrk="1" latinLnBrk="0" hangingPunct="1">
+              <a:spcBef>
+                <a:spcPts val="1000"/>
+              </a:spcBef>
+              <a:spcAft>
+                <a:spcPts val="0"/>
+              </a:spcAft>
+              <a:buClr>
+                <a:schemeClr val="bg2">
+                  <a:lumMod val="40000"/>
+                  <a:lumOff val="60000"/>
+                </a:schemeClr>
+              </a:buClr>
+              <a:buSzPct val="80000"/>
+              <a:buFont typeface="Wingdings 3" charset="2"/>
+              <a:buChar char=""/>
+              <a:defRPr sz="1400" b="0" i="0" kern="1200">
+                <a:solidFill>
+                  <a:schemeClr val="tx1"/>
+                </a:solidFill>
+                <a:latin typeface="+mj-lt"/>
+                <a:ea typeface="+mj-ea"/>
+                <a:cs typeface="+mj-cs"/>
+              </a:defRPr>
+            </a:lvl3pPr>
+            <a:lvl4pPr marL="1600200" indent="-228600" algn="l" defTabSz="457200" rtl="0" eaLnBrk="1" latinLnBrk="0" hangingPunct="1">
+              <a:spcBef>
+                <a:spcPts val="1000"/>
+              </a:spcBef>
+              <a:spcAft>
+                <a:spcPts val="0"/>
+              </a:spcAft>
+              <a:buClr>
+                <a:schemeClr val="bg2">
+                  <a:lumMod val="40000"/>
+                  <a:lumOff val="60000"/>
+                </a:schemeClr>
+              </a:buClr>
+              <a:buSzPct val="80000"/>
+              <a:buFont typeface="Wingdings 3" charset="2"/>
+              <a:buChar char=""/>
+              <a:defRPr sz="1200" b="0" i="0" kern="1200">
+                <a:solidFill>
+                  <a:schemeClr val="tx1"/>
+                </a:solidFill>
+                <a:latin typeface="+mj-lt"/>
+                <a:ea typeface="+mj-ea"/>
+                <a:cs typeface="+mj-cs"/>
+              </a:defRPr>
+            </a:lvl4pPr>
+            <a:lvl5pPr marL="2057400" indent="-228600" algn="l" defTabSz="457200" rtl="0" eaLnBrk="1" latinLnBrk="0" hangingPunct="1">
+              <a:spcBef>
+                <a:spcPts val="1000"/>
+              </a:spcBef>
+              <a:spcAft>
+                <a:spcPts val="0"/>
+              </a:spcAft>
+              <a:buClr>
+                <a:schemeClr val="bg2">
+                  <a:lumMod val="40000"/>
+                  <a:lumOff val="60000"/>
+                </a:schemeClr>
+              </a:buClr>
+              <a:buSzPct val="80000"/>
+              <a:buFont typeface="Wingdings 3" charset="2"/>
+              <a:buChar char=""/>
+              <a:defRPr sz="1200" b="0" i="0" kern="1200">
+                <a:solidFill>
+                  <a:schemeClr val="tx1"/>
+                </a:solidFill>
+                <a:latin typeface="+mj-lt"/>
+                <a:ea typeface="+mj-ea"/>
+                <a:cs typeface="+mj-cs"/>
+              </a:defRPr>
+            </a:lvl5pPr>
+            <a:lvl6pPr marL="2506000" indent="-228600" algn="l" defTabSz="457200" rtl="0" eaLnBrk="1" latinLnBrk="0" hangingPunct="1">
+              <a:spcBef>
+                <a:spcPts val="1000"/>
+              </a:spcBef>
+              <a:spcAft>
+                <a:spcPts val="0"/>
+              </a:spcAft>
+              <a:buClr>
+                <a:schemeClr val="bg2">
+                  <a:lumMod val="40000"/>
+                  <a:lumOff val="60000"/>
+                </a:schemeClr>
+              </a:buClr>
+              <a:buSzPct val="80000"/>
+              <a:buFont typeface="Wingdings 3" charset="2"/>
+              <a:buChar char=""/>
+              <a:defRPr sz="1200" b="0" i="0" kern="1200">
+                <a:solidFill>
+                  <a:schemeClr val="tx1"/>
+                </a:solidFill>
+                <a:latin typeface="+mj-lt"/>
+                <a:ea typeface="+mj-ea"/>
+                <a:cs typeface="+mj-cs"/>
+              </a:defRPr>
+            </a:lvl6pPr>
+            <a:lvl7pPr marL="2971800" indent="-228600" algn="l" defTabSz="457200" rtl="0" eaLnBrk="1" latinLnBrk="0" hangingPunct="1">
+              <a:spcBef>
+                <a:spcPts val="1000"/>
+              </a:spcBef>
+              <a:spcAft>
+                <a:spcPts val="0"/>
+              </a:spcAft>
+              <a:buClr>
+                <a:schemeClr val="bg2">
+                  <a:lumMod val="40000"/>
+                  <a:lumOff val="60000"/>
+                </a:schemeClr>
+              </a:buClr>
+              <a:buSzPct val="80000"/>
+              <a:buFont typeface="Wingdings 3" charset="2"/>
+              <a:buChar char=""/>
+              <a:defRPr sz="1200" b="0" i="0" kern="1200">
+                <a:solidFill>
+                  <a:schemeClr val="tx1"/>
+                </a:solidFill>
+                <a:latin typeface="+mj-lt"/>
+                <a:ea typeface="+mj-ea"/>
+                <a:cs typeface="+mj-cs"/>
+              </a:defRPr>
+            </a:lvl7pPr>
+            <a:lvl8pPr marL="3429000" indent="-228600" algn="l" defTabSz="457200" rtl="0" eaLnBrk="1" latinLnBrk="0" hangingPunct="1">
+              <a:spcBef>
+                <a:spcPts val="1000"/>
+              </a:spcBef>
+              <a:spcAft>
+                <a:spcPts val="0"/>
+              </a:spcAft>
+              <a:buClr>
+                <a:schemeClr val="bg2">
+                  <a:lumMod val="40000"/>
+                  <a:lumOff val="60000"/>
+                </a:schemeClr>
+              </a:buClr>
+              <a:buSzPct val="80000"/>
+              <a:buFont typeface="Wingdings 3" charset="2"/>
+              <a:buChar char=""/>
+              <a:defRPr sz="1200" b="0" i="0" kern="1200">
+                <a:solidFill>
+                  <a:schemeClr val="tx1"/>
+                </a:solidFill>
+                <a:latin typeface="+mj-lt"/>
+                <a:ea typeface="+mj-ea"/>
+                <a:cs typeface="+mj-cs"/>
+              </a:defRPr>
+            </a:lvl8pPr>
+            <a:lvl9pPr marL="3886200" indent="-228600" algn="l" defTabSz="457200" rtl="0" eaLnBrk="1" latinLnBrk="0" hangingPunct="1">
+              <a:spcBef>
+                <a:spcPts val="1000"/>
+              </a:spcBef>
+              <a:spcAft>
+                <a:spcPts val="0"/>
+              </a:spcAft>
+              <a:buClr>
+                <a:schemeClr val="bg2">
+                  <a:lumMod val="40000"/>
+                  <a:lumOff val="60000"/>
+                </a:schemeClr>
+              </a:buClr>
+              <a:buSzPct val="80000"/>
+              <a:buFont typeface="Wingdings 3" charset="2"/>
+              <a:buChar char=""/>
+              <a:defRPr sz="1200" b="0" i="0" kern="1200">
+                <a:solidFill>
+                  <a:schemeClr val="tx1"/>
+                </a:solidFill>
+                <a:latin typeface="+mj-lt"/>
+                <a:ea typeface="+mj-ea"/>
+                <a:cs typeface="+mj-cs"/>
+              </a:defRPr>
+            </a:lvl9pPr>
+          </a:lstStyle>
+          <a:p>
+            <a:r>
+              <a:rPr lang="en-US"/>
+              <a:t>Chlorides and acidity are big drivers of quality, and generally less of both means improved quality.</a:t>
+            </a:r>
+            <a:endParaRPr lang="en-US" dirty="0"/>
+          </a:p>
+          <a:p>
+            <a:endParaRPr lang="en-US" dirty="0"/>
+          </a:p>
+          <a:p>
+            <a:r>
+              <a:rPr lang="en-US" dirty="0"/>
+              <a:t>Quality matters for price, but winery (brand) matters more than location.</a:t>
+            </a:r>
+          </a:p>
+          <a:p>
+            <a:endParaRPr lang="en-US" dirty="0"/>
+          </a:p>
+          <a:p>
+            <a:r>
+              <a:rPr lang="en-US" dirty="0"/>
+              <a:t>Deep learning better than simple linear models for predicting price tails</a:t>
+            </a:r>
+          </a:p>
+        </p:txBody>
+      </p:sp>
     </p:spTree>
     <p:extLst>
       <p:ext uri="{BB962C8B-B14F-4D97-AF65-F5344CB8AC3E}">
@@ -7054,13 +7381,6 @@
   <p:clrMapOvr>
     <a:masterClrMapping/>
   </p:clrMapOvr>
-  <p:timing>
-    <p:tnLst>
-      <p:par>
-        <p:cTn id="1" dur="indefinite" restart="never" nodeType="tmRoot"/>
-      </p:par>
-    </p:tnLst>
-  </p:timing>
 </p:sld>
 </file>
 
@@ -7086,7 +7406,7 @@
           <p:cNvPr id="2" name="Title 1">
             <a:extLst>
               <a:ext uri="{FF2B5EF4-FFF2-40B4-BE49-F238E27FC236}">
-                <a16:creationId xmlns="" xmlns:a16="http://schemas.microsoft.com/office/drawing/2014/main" id="{A22B86D7-1645-4564-A3E7-700357D93592}"/>
+                <a16:creationId xmlns:a16="http://schemas.microsoft.com/office/drawing/2014/main" id="{A22B86D7-1645-4564-A3E7-700357D93592}"/>
               </a:ext>
             </a:extLst>
           </p:cNvPr>
@@ -7114,7 +7434,7 @@
           <p:cNvPr id="12" name="Content Placeholder 5">
             <a:extLst>
               <a:ext uri="{FF2B5EF4-FFF2-40B4-BE49-F238E27FC236}">
-                <a16:creationId xmlns="" xmlns:a16="http://schemas.microsoft.com/office/drawing/2014/main" id="{E3BC7CF6-ACC7-43D9-9AF7-17CC4898FB20}"/>
+                <a16:creationId xmlns:a16="http://schemas.microsoft.com/office/drawing/2014/main" id="{E3BC7CF6-ACC7-43D9-9AF7-17CC4898FB20}"/>
               </a:ext>
             </a:extLst>
           </p:cNvPr>
@@ -7386,7 +7706,7 @@
           <p:cNvPr id="9" name="Picture 8">
             <a:extLst>
               <a:ext uri="{FF2B5EF4-FFF2-40B4-BE49-F238E27FC236}">
-                <a16:creationId xmlns="" xmlns:a16="http://schemas.microsoft.com/office/drawing/2014/main" id="{5C5ACF31-1015-4ABE-83B6-243BF7E577D6}"/>
+                <a16:creationId xmlns:a16="http://schemas.microsoft.com/office/drawing/2014/main" id="{5C5ACF31-1015-4ABE-83B6-243BF7E577D6}"/>
               </a:ext>
             </a:extLst>
           </p:cNvPr>
@@ -7421,13 +7741,6 @@
   <p:clrMapOvr>
     <a:masterClrMapping/>
   </p:clrMapOvr>
-  <p:timing>
-    <p:tnLst>
-      <p:par>
-        <p:cTn id="1" dur="indefinite" restart="never" nodeType="tmRoot"/>
-      </p:par>
-    </p:tnLst>
-  </p:timing>
 </p:sld>
 </file>
 
@@ -7478,10 +7791,10 @@
           <p:cNvPr id="84" name="Picture 83">
             <a:extLst>
               <a:ext uri="{FF2B5EF4-FFF2-40B4-BE49-F238E27FC236}">
-                <a16:creationId xmlns="" xmlns:a16="http://schemas.microsoft.com/office/drawing/2014/main" id="{BD310164-D3A3-415E-9D94-5D21D9FB2F6C}"/>
+                <a16:creationId xmlns:a16="http://schemas.microsoft.com/office/drawing/2014/main" id="{BD310164-D3A3-415E-9D94-5D21D9FB2F6C}"/>
               </a:ext>
               <a:ext uri="{C183D7F6-B498-43B3-948B-1728B52AA6E4}">
-                <adec:decorative xmlns="" xmlns:adec="http://schemas.microsoft.com/office/drawing/2017/decorative" val="1"/>
+                <adec:decorative xmlns:adec="http://schemas.microsoft.com/office/drawing/2017/decorative" val="1"/>
               </a:ext>
             </a:extLst>
           </p:cNvPr>
@@ -7491,7 +7804,7 @@
           <p:nvPr>
             <p:extLst>
               <p:ext uri="{386F3935-93C4-4BCD-93E2-E3B085C9AB24}">
-                <p16:designElem xmlns="" xmlns:p16="http://schemas.microsoft.com/office/powerpoint/2015/main" val="1"/>
+                <p16:designElem xmlns:p16="http://schemas.microsoft.com/office/powerpoint/2015/main" val="1"/>
               </p:ext>
             </p:extLst>
           </p:nvPr>
@@ -7522,10 +7835,10 @@
           <p:cNvPr id="86" name="Picture 85">
             <a:extLst>
               <a:ext uri="{FF2B5EF4-FFF2-40B4-BE49-F238E27FC236}">
-                <a16:creationId xmlns="" xmlns:a16="http://schemas.microsoft.com/office/drawing/2014/main" id="{BE586E08-18BF-4AB1-AB48-4005D567343E}"/>
+                <a16:creationId xmlns:a16="http://schemas.microsoft.com/office/drawing/2014/main" id="{BE586E08-18BF-4AB1-AB48-4005D567343E}"/>
               </a:ext>
               <a:ext uri="{C183D7F6-B498-43B3-948B-1728B52AA6E4}">
-                <adec:decorative xmlns="" xmlns:adec="http://schemas.microsoft.com/office/drawing/2017/decorative" val="1"/>
+                <adec:decorative xmlns:adec="http://schemas.microsoft.com/office/drawing/2017/decorative" val="1"/>
               </a:ext>
             </a:extLst>
           </p:cNvPr>
@@ -7535,7 +7848,7 @@
           <p:nvPr>
             <p:extLst>
               <p:ext uri="{386F3935-93C4-4BCD-93E2-E3B085C9AB24}">
-                <p16:designElem xmlns="" xmlns:p16="http://schemas.microsoft.com/office/powerpoint/2015/main" val="1"/>
+                <p16:designElem xmlns:p16="http://schemas.microsoft.com/office/powerpoint/2015/main" val="1"/>
               </p:ext>
             </p:extLst>
           </p:nvPr>
@@ -7566,10 +7879,10 @@
           <p:cNvPr id="88" name="Oval 87">
             <a:extLst>
               <a:ext uri="{FF2B5EF4-FFF2-40B4-BE49-F238E27FC236}">
-                <a16:creationId xmlns="" xmlns:a16="http://schemas.microsoft.com/office/drawing/2014/main" id="{4A497DBC-2692-42B4-A606-31024033F7C0}"/>
+                <a16:creationId xmlns:a16="http://schemas.microsoft.com/office/drawing/2014/main" id="{4A497DBC-2692-42B4-A606-31024033F7C0}"/>
               </a:ext>
               <a:ext uri="{C183D7F6-B498-43B3-948B-1728B52AA6E4}">
-                <adec:decorative xmlns="" xmlns:adec="http://schemas.microsoft.com/office/drawing/2017/decorative" val="1"/>
+                <adec:decorative xmlns:adec="http://schemas.microsoft.com/office/drawing/2017/decorative" val="1"/>
               </a:ext>
             </a:extLst>
           </p:cNvPr>
@@ -7579,7 +7892,7 @@
           <p:nvPr>
             <p:extLst>
               <p:ext uri="{386F3935-93C4-4BCD-93E2-E3B085C9AB24}">
-                <p16:designElem xmlns="" xmlns:p16="http://schemas.microsoft.com/office/powerpoint/2015/main" val="1"/>
+                <p16:designElem xmlns:p16="http://schemas.microsoft.com/office/powerpoint/2015/main" val="1"/>
               </p:ext>
             </p:extLst>
           </p:nvPr>
@@ -7646,10 +7959,10 @@
           <p:cNvPr id="90" name="Picture 89">
             <a:extLst>
               <a:ext uri="{FF2B5EF4-FFF2-40B4-BE49-F238E27FC236}">
-                <a16:creationId xmlns="" xmlns:a16="http://schemas.microsoft.com/office/drawing/2014/main" id="{3517A192-66A9-4297-9284-65580829ABF1}"/>
+                <a16:creationId xmlns:a16="http://schemas.microsoft.com/office/drawing/2014/main" id="{3517A192-66A9-4297-9284-65580829ABF1}"/>
               </a:ext>
               <a:ext uri="{C183D7F6-B498-43B3-948B-1728B52AA6E4}">
-                <adec:decorative xmlns="" xmlns:adec="http://schemas.microsoft.com/office/drawing/2017/decorative" val="1"/>
+                <adec:decorative xmlns:adec="http://schemas.microsoft.com/office/drawing/2017/decorative" val="1"/>
               </a:ext>
             </a:extLst>
           </p:cNvPr>
@@ -7659,7 +7972,7 @@
           <p:nvPr>
             <p:extLst>
               <p:ext uri="{386F3935-93C4-4BCD-93E2-E3B085C9AB24}">
-                <p16:designElem xmlns="" xmlns:p16="http://schemas.microsoft.com/office/powerpoint/2015/main" val="1"/>
+                <p16:designElem xmlns:p16="http://schemas.microsoft.com/office/powerpoint/2015/main" val="1"/>
               </p:ext>
             </p:extLst>
           </p:nvPr>
@@ -7690,10 +8003,10 @@
           <p:cNvPr id="92" name="Picture 91">
             <a:extLst>
               <a:ext uri="{FF2B5EF4-FFF2-40B4-BE49-F238E27FC236}">
-                <a16:creationId xmlns="" xmlns:a16="http://schemas.microsoft.com/office/drawing/2014/main" id="{130825ED-0133-430D-BBBB-50B6F5228448}"/>
+                <a16:creationId xmlns:a16="http://schemas.microsoft.com/office/drawing/2014/main" id="{130825ED-0133-430D-BBBB-50B6F5228448}"/>
               </a:ext>
               <a:ext uri="{C183D7F6-B498-43B3-948B-1728B52AA6E4}">
-                <adec:decorative xmlns="" xmlns:adec="http://schemas.microsoft.com/office/drawing/2017/decorative" val="1"/>
+                <adec:decorative xmlns:adec="http://schemas.microsoft.com/office/drawing/2017/decorative" val="1"/>
               </a:ext>
             </a:extLst>
           </p:cNvPr>
@@ -7703,7 +8016,7 @@
           <p:nvPr>
             <p:extLst>
               <p:ext uri="{386F3935-93C4-4BCD-93E2-E3B085C9AB24}">
-                <p16:designElem xmlns="" xmlns:p16="http://schemas.microsoft.com/office/powerpoint/2015/main" val="1"/>
+                <p16:designElem xmlns:p16="http://schemas.microsoft.com/office/powerpoint/2015/main" val="1"/>
               </p:ext>
             </p:extLst>
           </p:nvPr>
@@ -7734,10 +8047,10 @@
           <p:cNvPr id="94" name="Rectangle 93">
             <a:extLst>
               <a:ext uri="{FF2B5EF4-FFF2-40B4-BE49-F238E27FC236}">
-                <a16:creationId xmlns="" xmlns:a16="http://schemas.microsoft.com/office/drawing/2014/main" id="{633F040E-FA1C-4EDC-B925-7EFCB9582839}"/>
+                <a16:creationId xmlns:a16="http://schemas.microsoft.com/office/drawing/2014/main" id="{633F040E-FA1C-4EDC-B925-7EFCB9582839}"/>
               </a:ext>
               <a:ext uri="{C183D7F6-B498-43B3-948B-1728B52AA6E4}">
-                <adec:decorative xmlns="" xmlns:adec="http://schemas.microsoft.com/office/drawing/2017/decorative" val="1"/>
+                <adec:decorative xmlns:adec="http://schemas.microsoft.com/office/drawing/2017/decorative" val="1"/>
               </a:ext>
             </a:extLst>
           </p:cNvPr>
@@ -7747,7 +8060,7 @@
           <p:nvPr>
             <p:extLst>
               <p:ext uri="{386F3935-93C4-4BCD-93E2-E3B085C9AB24}">
-                <p16:designElem xmlns="" xmlns:p16="http://schemas.microsoft.com/office/powerpoint/2015/main" val="1"/>
+                <p16:designElem xmlns:p16="http://schemas.microsoft.com/office/powerpoint/2015/main" val="1"/>
               </p:ext>
             </p:extLst>
           </p:nvPr>
@@ -7787,7 +8100,7 @@
           <p:cNvPr id="2" name="Title 1">
             <a:extLst>
               <a:ext uri="{FF2B5EF4-FFF2-40B4-BE49-F238E27FC236}">
-                <a16:creationId xmlns="" xmlns:a16="http://schemas.microsoft.com/office/drawing/2014/main" id="{A22B86D7-1645-4564-A3E7-700357D93592}"/>
+                <a16:creationId xmlns:a16="http://schemas.microsoft.com/office/drawing/2014/main" id="{A22B86D7-1645-4564-A3E7-700357D93592}"/>
               </a:ext>
             </a:extLst>
           </p:cNvPr>
@@ -7817,10 +8130,6 @@
             <a:br>
               <a:rPr lang="en-US" sz="2400" dirty="0"/>
             </a:br>
-            <a:r>
-              <a:rPr lang="en-US" sz="2400" dirty="0"/>
-              <a:t/>
-            </a:r>
             <a:br>
               <a:rPr lang="en-US" sz="2400" dirty="0"/>
             </a:br>
@@ -7836,10 +8145,10 @@
           <p:cNvPr id="96" name="Rectangle 95">
             <a:extLst>
               <a:ext uri="{FF2B5EF4-FFF2-40B4-BE49-F238E27FC236}">
-                <a16:creationId xmlns="" xmlns:a16="http://schemas.microsoft.com/office/drawing/2014/main" id="{3FDC3884-AF10-42EC-A828-643B6154F9F5}"/>
+                <a16:creationId xmlns:a16="http://schemas.microsoft.com/office/drawing/2014/main" id="{3FDC3884-AF10-42EC-A828-643B6154F9F5}"/>
               </a:ext>
               <a:ext uri="{C183D7F6-B498-43B3-948B-1728B52AA6E4}">
-                <adec:decorative xmlns="" xmlns:adec="http://schemas.microsoft.com/office/drawing/2017/decorative" val="1"/>
+                <adec:decorative xmlns:adec="http://schemas.microsoft.com/office/drawing/2017/decorative" val="1"/>
               </a:ext>
             </a:extLst>
           </p:cNvPr>
@@ -7849,7 +8158,7 @@
           <p:nvPr>
             <p:extLst>
               <p:ext uri="{386F3935-93C4-4BCD-93E2-E3B085C9AB24}">
-                <p16:designElem xmlns="" xmlns:p16="http://schemas.microsoft.com/office/powerpoint/2015/main" val="1"/>
+                <p16:designElem xmlns:p16="http://schemas.microsoft.com/office/powerpoint/2015/main" val="1"/>
               </p:ext>
             </p:extLst>
           </p:nvPr>
@@ -7899,7 +8208,7 @@
           <p:cNvPr id="4100" name="Picture 4">
             <a:extLst>
               <a:ext uri="{FF2B5EF4-FFF2-40B4-BE49-F238E27FC236}">
-                <a16:creationId xmlns="" xmlns:a16="http://schemas.microsoft.com/office/drawing/2014/main" id="{8B33559A-2A3A-4095-B529-255757396E5F}"/>
+                <a16:creationId xmlns:a16="http://schemas.microsoft.com/office/drawing/2014/main" id="{8B33559A-2A3A-4095-B529-255757396E5F}"/>
               </a:ext>
             </a:extLst>
           </p:cNvPr>
@@ -7945,7 +8254,7 @@
           <p:cNvPr id="4098" name="Picture 2">
             <a:extLst>
               <a:ext uri="{FF2B5EF4-FFF2-40B4-BE49-F238E27FC236}">
-                <a16:creationId xmlns="" xmlns:a16="http://schemas.microsoft.com/office/drawing/2014/main" id="{6CF11A9E-B891-4D97-A33D-1567C241E617}"/>
+                <a16:creationId xmlns:a16="http://schemas.microsoft.com/office/drawing/2014/main" id="{6CF11A9E-B891-4D97-A33D-1567C241E617}"/>
               </a:ext>
             </a:extLst>
           </p:cNvPr>
@@ -7991,7 +8300,7 @@
           <p:cNvPr id="5" name="Picture 4">
             <a:extLst>
               <a:ext uri="{FF2B5EF4-FFF2-40B4-BE49-F238E27FC236}">
-                <a16:creationId xmlns="" xmlns:a16="http://schemas.microsoft.com/office/drawing/2014/main" id="{4FA6E774-41E3-4E94-82DE-7C63B9FD3C1C}"/>
+                <a16:creationId xmlns:a16="http://schemas.microsoft.com/office/drawing/2014/main" id="{4FA6E774-41E3-4E94-82DE-7C63B9FD3C1C}"/>
               </a:ext>
             </a:extLst>
           </p:cNvPr>
@@ -8021,7 +8330,7 @@
           <p:cNvPr id="1030" name="Picture 6">
             <a:extLst>
               <a:ext uri="{FF2B5EF4-FFF2-40B4-BE49-F238E27FC236}">
-                <a16:creationId xmlns="" xmlns:a16="http://schemas.microsoft.com/office/drawing/2014/main" id="{AFD81008-FC28-4A30-AE23-DA7021DAF472}"/>
+                <a16:creationId xmlns:a16="http://schemas.microsoft.com/office/drawing/2014/main" id="{AFD81008-FC28-4A30-AE23-DA7021DAF472}"/>
               </a:ext>
             </a:extLst>
           </p:cNvPr>
@@ -8068,7 +8377,7 @@
           <p:cNvPr id="1032" name="Picture 8">
             <a:extLst>
               <a:ext uri="{FF2B5EF4-FFF2-40B4-BE49-F238E27FC236}">
-                <a16:creationId xmlns="" xmlns:a16="http://schemas.microsoft.com/office/drawing/2014/main" id="{6F8C91D9-A722-4F0F-81CA-13D334C81BEB}"/>
+                <a16:creationId xmlns:a16="http://schemas.microsoft.com/office/drawing/2014/main" id="{6F8C91D9-A722-4F0F-81CA-13D334C81BEB}"/>
               </a:ext>
             </a:extLst>
           </p:cNvPr>
@@ -8115,7 +8424,7 @@
           <p:cNvPr id="3" name="TextBox 2">
             <a:extLst>
               <a:ext uri="{FF2B5EF4-FFF2-40B4-BE49-F238E27FC236}">
-                <a16:creationId xmlns="" xmlns:a16="http://schemas.microsoft.com/office/drawing/2014/main" id="{A3E7B193-DC62-42FD-BDA2-29B098D36308}"/>
+                <a16:creationId xmlns:a16="http://schemas.microsoft.com/office/drawing/2014/main" id="{A3E7B193-DC62-42FD-BDA2-29B098D36308}"/>
               </a:ext>
             </a:extLst>
           </p:cNvPr>
@@ -8150,7 +8459,7 @@
           <p:cNvPr id="21" name="TextBox 20">
             <a:extLst>
               <a:ext uri="{FF2B5EF4-FFF2-40B4-BE49-F238E27FC236}">
-                <a16:creationId xmlns="" xmlns:a16="http://schemas.microsoft.com/office/drawing/2014/main" id="{796A9475-D757-4187-803B-E823A5501967}"/>
+                <a16:creationId xmlns:a16="http://schemas.microsoft.com/office/drawing/2014/main" id="{796A9475-D757-4187-803B-E823A5501967}"/>
               </a:ext>
             </a:extLst>
           </p:cNvPr>
@@ -8190,13 +8499,6 @@
   <p:clrMapOvr>
     <a:masterClrMapping/>
   </p:clrMapOvr>
-  <p:timing>
-    <p:tnLst>
-      <p:par>
-        <p:cTn id="1" dur="indefinite" restart="never" nodeType="tmRoot"/>
-      </p:par>
-    </p:tnLst>
-  </p:timing>
 </p:sld>
 </file>
 
@@ -8222,7 +8524,7 @@
           <p:cNvPr id="12" name="Title 11">
             <a:extLst>
               <a:ext uri="{FF2B5EF4-FFF2-40B4-BE49-F238E27FC236}">
-                <a16:creationId xmlns="" xmlns:a16="http://schemas.microsoft.com/office/drawing/2014/main" id="{D5F5F2D6-A787-48DD-934B-63B8A70AC7ED}"/>
+                <a16:creationId xmlns:a16="http://schemas.microsoft.com/office/drawing/2014/main" id="{D5F5F2D6-A787-48DD-934B-63B8A70AC7ED}"/>
               </a:ext>
             </a:extLst>
           </p:cNvPr>
@@ -8254,10 +8556,6 @@
               <a:rPr lang="en-US" sz="3600" b="1" dirty="0"/>
               <a:t>Random Forest</a:t>
             </a:r>
-            <a:r>
-              <a:rPr lang="en-US" sz="3600" dirty="0"/>
-              <a:t/>
-            </a:r>
             <a:br>
               <a:rPr lang="en-US" sz="3600" dirty="0"/>
             </a:br>
@@ -8270,7 +8568,7 @@
           <p:cNvPr id="26" name="Picture 25">
             <a:extLst>
               <a:ext uri="{FF2B5EF4-FFF2-40B4-BE49-F238E27FC236}">
-                <a16:creationId xmlns="" xmlns:a16="http://schemas.microsoft.com/office/drawing/2014/main" id="{D6739B1A-EE63-47B4-A1C7-E2AF64F00121}"/>
+                <a16:creationId xmlns:a16="http://schemas.microsoft.com/office/drawing/2014/main" id="{D6739B1A-EE63-47B4-A1C7-E2AF64F00121}"/>
               </a:ext>
             </a:extLst>
           </p:cNvPr>
@@ -8299,7 +8597,7 @@
           <p:cNvPr id="19" name="Text Placeholder 18">
             <a:extLst>
               <a:ext uri="{FF2B5EF4-FFF2-40B4-BE49-F238E27FC236}">
-                <a16:creationId xmlns="" xmlns:a16="http://schemas.microsoft.com/office/drawing/2014/main" id="{4A934B4A-5CB4-4B82-99C0-FAB17E1BBBB3}"/>
+                <a16:creationId xmlns:a16="http://schemas.microsoft.com/office/drawing/2014/main" id="{4A934B4A-5CB4-4B82-99C0-FAB17E1BBBB3}"/>
               </a:ext>
             </a:extLst>
           </p:cNvPr>
@@ -8354,13 +8652,6 @@
   <p:clrMapOvr>
     <a:masterClrMapping/>
   </p:clrMapOvr>
-  <p:timing>
-    <p:tnLst>
-      <p:par>
-        <p:cTn id="1" dur="indefinite" restart="never" nodeType="tmRoot"/>
-      </p:par>
-    </p:tnLst>
-  </p:timing>
 </p:sld>
 </file>
 
@@ -8386,7 +8677,7 @@
           <p:cNvPr id="2" name="Title 1">
             <a:extLst>
               <a:ext uri="{FF2B5EF4-FFF2-40B4-BE49-F238E27FC236}">
-                <a16:creationId xmlns="" xmlns:a16="http://schemas.microsoft.com/office/drawing/2014/main" id="{8AA60435-8EDA-47C1-8025-01B19524804F}"/>
+                <a16:creationId xmlns:a16="http://schemas.microsoft.com/office/drawing/2014/main" id="{8AA60435-8EDA-47C1-8025-01B19524804F}"/>
               </a:ext>
             </a:extLst>
           </p:cNvPr>
@@ -8421,7 +8712,7 @@
           <p:cNvPr id="11" name="Content Placeholder 5">
             <a:extLst>
               <a:ext uri="{FF2B5EF4-FFF2-40B4-BE49-F238E27FC236}">
-                <a16:creationId xmlns="" xmlns:a16="http://schemas.microsoft.com/office/drawing/2014/main" id="{C4CAC10B-F8E8-4C30-9506-1849547B8ACC}"/>
+                <a16:creationId xmlns:a16="http://schemas.microsoft.com/office/drawing/2014/main" id="{C4CAC10B-F8E8-4C30-9506-1849547B8ACC}"/>
               </a:ext>
             </a:extLst>
           </p:cNvPr>
@@ -8452,7 +8743,7 @@
           <p:cNvPr id="13" name="Content Placeholder 12">
             <a:extLst>
               <a:ext uri="{FF2B5EF4-FFF2-40B4-BE49-F238E27FC236}">
-                <a16:creationId xmlns="" xmlns:a16="http://schemas.microsoft.com/office/drawing/2014/main" id="{CCBA827A-E4C5-46BE-80A4-09008D7EE4B5}"/>
+                <a16:creationId xmlns:a16="http://schemas.microsoft.com/office/drawing/2014/main" id="{CCBA827A-E4C5-46BE-80A4-09008D7EE4B5}"/>
               </a:ext>
             </a:extLst>
           </p:cNvPr>
@@ -8505,7 +8796,7 @@
           <p:cNvPr id="8" name="Content Placeholder 7">
             <a:extLst>
               <a:ext uri="{FF2B5EF4-FFF2-40B4-BE49-F238E27FC236}">
-                <a16:creationId xmlns="" xmlns:a16="http://schemas.microsoft.com/office/drawing/2014/main" id="{CBD53F6F-1595-4BE5-A110-D6E6FD2FE694}"/>
+                <a16:creationId xmlns:a16="http://schemas.microsoft.com/office/drawing/2014/main" id="{CBD53F6F-1595-4BE5-A110-D6E6FD2FE694}"/>
               </a:ext>
             </a:extLst>
           </p:cNvPr>
@@ -8538,7 +8829,7 @@
           <p:cNvPr id="9" name="Rectangle 8">
             <a:extLst>
               <a:ext uri="{FF2B5EF4-FFF2-40B4-BE49-F238E27FC236}">
-                <a16:creationId xmlns="" xmlns:a16="http://schemas.microsoft.com/office/drawing/2014/main" id="{430BE6C0-C3BC-4135-A09E-7F39A4DC450D}"/>
+                <a16:creationId xmlns:a16="http://schemas.microsoft.com/office/drawing/2014/main" id="{430BE6C0-C3BC-4135-A09E-7F39A4DC450D}"/>
               </a:ext>
             </a:extLst>
           </p:cNvPr>
@@ -8576,7 +8867,7 @@
           <p:cNvPr id="10" name="Rectangle 9">
             <a:extLst>
               <a:ext uri="{FF2B5EF4-FFF2-40B4-BE49-F238E27FC236}">
-                <a16:creationId xmlns="" xmlns:a16="http://schemas.microsoft.com/office/drawing/2014/main" id="{63D7D748-C6E4-4FBD-BE6C-934A3F4A86E2}"/>
+                <a16:creationId xmlns:a16="http://schemas.microsoft.com/office/drawing/2014/main" id="{63D7D748-C6E4-4FBD-BE6C-934A3F4A86E2}"/>
               </a:ext>
             </a:extLst>
           </p:cNvPr>
@@ -8619,13 +8910,6 @@
   <p:clrMapOvr>
     <a:masterClrMapping/>
   </p:clrMapOvr>
-  <p:timing>
-    <p:tnLst>
-      <p:par>
-        <p:cTn id="1" dur="indefinite" restart="never" nodeType="tmRoot"/>
-      </p:par>
-    </p:tnLst>
-  </p:timing>
 </p:sld>
 </file>
 
@@ -8651,7 +8935,7 @@
           <p:cNvPr id="2" name="Title 1">
             <a:extLst>
               <a:ext uri="{FF2B5EF4-FFF2-40B4-BE49-F238E27FC236}">
-                <a16:creationId xmlns="" xmlns:a16="http://schemas.microsoft.com/office/drawing/2014/main" id="{08C5B64C-3C32-4062-9C30-A5FD3F8EC692}"/>
+                <a16:creationId xmlns:a16="http://schemas.microsoft.com/office/drawing/2014/main" id="{08C5B64C-3C32-4062-9C30-A5FD3F8EC692}"/>
               </a:ext>
             </a:extLst>
           </p:cNvPr>
@@ -8693,7 +8977,7 @@
           <p:cNvPr id="6" name="Content Placeholder 5">
             <a:extLst>
               <a:ext uri="{FF2B5EF4-FFF2-40B4-BE49-F238E27FC236}">
-                <a16:creationId xmlns="" xmlns:a16="http://schemas.microsoft.com/office/drawing/2014/main" id="{830A6D65-BEED-4924-83CD-0B83564993C9}"/>
+                <a16:creationId xmlns:a16="http://schemas.microsoft.com/office/drawing/2014/main" id="{830A6D65-BEED-4924-83CD-0B83564993C9}"/>
               </a:ext>
             </a:extLst>
           </p:cNvPr>
@@ -8726,7 +9010,7 @@
           <p:cNvPr id="3" name="Content Placeholder 2">
             <a:extLst>
               <a:ext uri="{FF2B5EF4-FFF2-40B4-BE49-F238E27FC236}">
-                <a16:creationId xmlns="" xmlns:a16="http://schemas.microsoft.com/office/drawing/2014/main" id="{605E3EB4-1D75-429F-8F5F-6B0CFA0D5228}"/>
+                <a16:creationId xmlns:a16="http://schemas.microsoft.com/office/drawing/2014/main" id="{605E3EB4-1D75-429F-8F5F-6B0CFA0D5228}"/>
               </a:ext>
             </a:extLst>
           </p:cNvPr>
@@ -8804,13 +9088,6 @@
   <p:clrMapOvr>
     <a:masterClrMapping/>
   </p:clrMapOvr>
-  <p:timing>
-    <p:tnLst>
-      <p:par>
-        <p:cTn id="1" dur="indefinite" restart="never" nodeType="tmRoot"/>
-      </p:par>
-    </p:tnLst>
-  </p:timing>
 </p:sld>
 </file>
 
@@ -8861,10 +9138,10 @@
           <p:cNvPr id="15" name="Picture 14">
             <a:extLst>
               <a:ext uri="{FF2B5EF4-FFF2-40B4-BE49-F238E27FC236}">
-                <a16:creationId xmlns="" xmlns:a16="http://schemas.microsoft.com/office/drawing/2014/main" id="{412E3267-7ABE-412B-8580-47EC0D1F61FE}"/>
+                <a16:creationId xmlns:a16="http://schemas.microsoft.com/office/drawing/2014/main" id="{412E3267-7ABE-412B-8580-47EC0D1F61FE}"/>
               </a:ext>
               <a:ext uri="{C183D7F6-B498-43B3-948B-1728B52AA6E4}">
-                <adec:decorative xmlns="" xmlns:adec="http://schemas.microsoft.com/office/drawing/2017/decorative" val="1"/>
+                <adec:decorative xmlns:adec="http://schemas.microsoft.com/office/drawing/2017/decorative" val="1"/>
               </a:ext>
             </a:extLst>
           </p:cNvPr>
@@ -8874,7 +9151,7 @@
           <p:nvPr>
             <p:extLst>
               <p:ext uri="{386F3935-93C4-4BCD-93E2-E3B085C9AB24}">
-                <p16:designElem xmlns="" xmlns:p16="http://schemas.microsoft.com/office/powerpoint/2015/main" val="1"/>
+                <p16:designElem xmlns:p16="http://schemas.microsoft.com/office/powerpoint/2015/main" val="1"/>
               </p:ext>
             </p:extLst>
           </p:nvPr>
@@ -8905,10 +9182,10 @@
           <p:cNvPr id="17" name="Picture 16">
             <a:extLst>
               <a:ext uri="{FF2B5EF4-FFF2-40B4-BE49-F238E27FC236}">
-                <a16:creationId xmlns="" xmlns:a16="http://schemas.microsoft.com/office/drawing/2014/main" id="{20B62C5A-2250-4380-AB23-DB87446CCED0}"/>
+                <a16:creationId xmlns:a16="http://schemas.microsoft.com/office/drawing/2014/main" id="{20B62C5A-2250-4380-AB23-DB87446CCED0}"/>
               </a:ext>
               <a:ext uri="{C183D7F6-B498-43B3-948B-1728B52AA6E4}">
-                <adec:decorative xmlns="" xmlns:adec="http://schemas.microsoft.com/office/drawing/2017/decorative" val="1"/>
+                <adec:decorative xmlns:adec="http://schemas.microsoft.com/office/drawing/2017/decorative" val="1"/>
               </a:ext>
             </a:extLst>
           </p:cNvPr>
@@ -8918,7 +9195,7 @@
           <p:nvPr>
             <p:extLst>
               <p:ext uri="{386F3935-93C4-4BCD-93E2-E3B085C9AB24}">
-                <p16:designElem xmlns="" xmlns:p16="http://schemas.microsoft.com/office/powerpoint/2015/main" val="1"/>
+                <p16:designElem xmlns:p16="http://schemas.microsoft.com/office/powerpoint/2015/main" val="1"/>
               </p:ext>
             </p:extLst>
           </p:nvPr>
@@ -8949,10 +9226,10 @@
           <p:cNvPr id="19" name="Oval 18">
             <a:extLst>
               <a:ext uri="{FF2B5EF4-FFF2-40B4-BE49-F238E27FC236}">
-                <a16:creationId xmlns="" xmlns:a16="http://schemas.microsoft.com/office/drawing/2014/main" id="{D42CF425-7213-4F89-B0FF-4C2BDDD9C680}"/>
+                <a16:creationId xmlns:a16="http://schemas.microsoft.com/office/drawing/2014/main" id="{D42CF425-7213-4F89-B0FF-4C2BDDD9C680}"/>
               </a:ext>
               <a:ext uri="{C183D7F6-B498-43B3-948B-1728B52AA6E4}">
-                <adec:decorative xmlns="" xmlns:adec="http://schemas.microsoft.com/office/drawing/2017/decorative" val="1"/>
+                <adec:decorative xmlns:adec="http://schemas.microsoft.com/office/drawing/2017/decorative" val="1"/>
               </a:ext>
             </a:extLst>
           </p:cNvPr>
@@ -8962,7 +9239,7 @@
           <p:nvPr>
             <p:extLst>
               <p:ext uri="{386F3935-93C4-4BCD-93E2-E3B085C9AB24}">
-                <p16:designElem xmlns="" xmlns:p16="http://schemas.microsoft.com/office/powerpoint/2015/main" val="1"/>
+                <p16:designElem xmlns:p16="http://schemas.microsoft.com/office/powerpoint/2015/main" val="1"/>
               </p:ext>
             </p:extLst>
           </p:nvPr>
@@ -9029,10 +9306,10 @@
           <p:cNvPr id="21" name="Picture 20">
             <a:extLst>
               <a:ext uri="{FF2B5EF4-FFF2-40B4-BE49-F238E27FC236}">
-                <a16:creationId xmlns="" xmlns:a16="http://schemas.microsoft.com/office/drawing/2014/main" id="{D35DA97D-88F8-4249-B650-4FC9FD50A382}"/>
+                <a16:creationId xmlns:a16="http://schemas.microsoft.com/office/drawing/2014/main" id="{D35DA97D-88F8-4249-B650-4FC9FD50A382}"/>
               </a:ext>
               <a:ext uri="{C183D7F6-B498-43B3-948B-1728B52AA6E4}">
-                <adec:decorative xmlns="" xmlns:adec="http://schemas.microsoft.com/office/drawing/2017/decorative" val="1"/>
+                <adec:decorative xmlns:adec="http://schemas.microsoft.com/office/drawing/2017/decorative" val="1"/>
               </a:ext>
             </a:extLst>
           </p:cNvPr>
@@ -9042,7 +9319,7 @@
           <p:nvPr>
             <p:extLst>
               <p:ext uri="{386F3935-93C4-4BCD-93E2-E3B085C9AB24}">
-                <p16:designElem xmlns="" xmlns:p16="http://schemas.microsoft.com/office/powerpoint/2015/main" val="1"/>
+                <p16:designElem xmlns:p16="http://schemas.microsoft.com/office/powerpoint/2015/main" val="1"/>
               </p:ext>
             </p:extLst>
           </p:nvPr>
@@ -9073,10 +9350,10 @@
           <p:cNvPr id="23" name="Picture 22">
             <a:extLst>
               <a:ext uri="{FF2B5EF4-FFF2-40B4-BE49-F238E27FC236}">
-                <a16:creationId xmlns="" xmlns:a16="http://schemas.microsoft.com/office/drawing/2014/main" id="{43F38673-6E30-4BAE-AC67-0B283EBF4291}"/>
+                <a16:creationId xmlns:a16="http://schemas.microsoft.com/office/drawing/2014/main" id="{43F38673-6E30-4BAE-AC67-0B283EBF4291}"/>
               </a:ext>
               <a:ext uri="{C183D7F6-B498-43B3-948B-1728B52AA6E4}">
-                <adec:decorative xmlns="" xmlns:adec="http://schemas.microsoft.com/office/drawing/2017/decorative" val="1"/>
+                <adec:decorative xmlns:adec="http://schemas.microsoft.com/office/drawing/2017/decorative" val="1"/>
               </a:ext>
             </a:extLst>
           </p:cNvPr>
@@ -9086,7 +9363,7 @@
           <p:nvPr>
             <p:extLst>
               <p:ext uri="{386F3935-93C4-4BCD-93E2-E3B085C9AB24}">
-                <p16:designElem xmlns="" xmlns:p16="http://schemas.microsoft.com/office/powerpoint/2015/main" val="1"/>
+                <p16:designElem xmlns:p16="http://schemas.microsoft.com/office/powerpoint/2015/main" val="1"/>
               </p:ext>
             </p:extLst>
           </p:nvPr>
@@ -9117,10 +9394,10 @@
           <p:cNvPr id="25" name="Rectangle 24">
             <a:extLst>
               <a:ext uri="{FF2B5EF4-FFF2-40B4-BE49-F238E27FC236}">
-                <a16:creationId xmlns="" xmlns:a16="http://schemas.microsoft.com/office/drawing/2014/main" id="{202A25CB-1ED1-4C87-AB49-8D3BC684D1CE}"/>
+                <a16:creationId xmlns:a16="http://schemas.microsoft.com/office/drawing/2014/main" id="{202A25CB-1ED1-4C87-AB49-8D3BC684D1CE}"/>
               </a:ext>
               <a:ext uri="{C183D7F6-B498-43B3-948B-1728B52AA6E4}">
-                <adec:decorative xmlns="" xmlns:adec="http://schemas.microsoft.com/office/drawing/2017/decorative" val="1"/>
+                <adec:decorative xmlns:adec="http://schemas.microsoft.com/office/drawing/2017/decorative" val="1"/>
               </a:ext>
             </a:extLst>
           </p:cNvPr>
@@ -9130,7 +9407,7 @@
           <p:nvPr>
             <p:extLst>
               <p:ext uri="{386F3935-93C4-4BCD-93E2-E3B085C9AB24}">
-                <p16:designElem xmlns="" xmlns:p16="http://schemas.microsoft.com/office/powerpoint/2015/main" val="1"/>
+                <p16:designElem xmlns:p16="http://schemas.microsoft.com/office/powerpoint/2015/main" val="1"/>
               </p:ext>
             </p:extLst>
           </p:nvPr>
@@ -9170,7 +9447,7 @@
           <p:cNvPr id="2" name="Title 1">
             <a:extLst>
               <a:ext uri="{FF2B5EF4-FFF2-40B4-BE49-F238E27FC236}">
-                <a16:creationId xmlns="" xmlns:a16="http://schemas.microsoft.com/office/drawing/2014/main" id="{08C5B64C-3C32-4062-9C30-A5FD3F8EC692}"/>
+                <a16:creationId xmlns:a16="http://schemas.microsoft.com/office/drawing/2014/main" id="{08C5B64C-3C32-4062-9C30-A5FD3F8EC692}"/>
               </a:ext>
             </a:extLst>
           </p:cNvPr>
@@ -9205,10 +9482,10 @@
           <p:cNvPr id="27" name="Freeform: Shape 26">
             <a:extLst>
               <a:ext uri="{FF2B5EF4-FFF2-40B4-BE49-F238E27FC236}">
-                <a16:creationId xmlns="" xmlns:a16="http://schemas.microsoft.com/office/drawing/2014/main" id="{7DAA46B9-B7E8-4487-B28E-C63A6EB7AA27}"/>
+                <a16:creationId xmlns:a16="http://schemas.microsoft.com/office/drawing/2014/main" id="{7DAA46B9-B7E8-4487-B28E-C63A6EB7AA27}"/>
               </a:ext>
               <a:ext uri="{C183D7F6-B498-43B3-948B-1728B52AA6E4}">
-                <adec:decorative xmlns="" xmlns:adec="http://schemas.microsoft.com/office/drawing/2017/decorative" val="1"/>
+                <adec:decorative xmlns:adec="http://schemas.microsoft.com/office/drawing/2017/decorative" val="1"/>
               </a:ext>
             </a:extLst>
           </p:cNvPr>
@@ -9218,7 +9495,7 @@
           <p:nvPr>
             <p:extLst>
               <p:ext uri="{386F3935-93C4-4BCD-93E2-E3B085C9AB24}">
-                <p16:designElem xmlns="" xmlns:p16="http://schemas.microsoft.com/office/powerpoint/2015/main" val="1"/>
+                <p16:designElem xmlns:p16="http://schemas.microsoft.com/office/powerpoint/2015/main" val="1"/>
               </p:ext>
             </p:extLst>
           </p:nvPr>
@@ -9671,10 +9948,10 @@
           <p:cNvPr id="29" name="Freeform 23">
             <a:extLst>
               <a:ext uri="{FF2B5EF4-FFF2-40B4-BE49-F238E27FC236}">
-                <a16:creationId xmlns="" xmlns:a16="http://schemas.microsoft.com/office/drawing/2014/main" id="{C866818C-1E5F-475A-B310-3C06B555FB69}"/>
+                <a16:creationId xmlns:a16="http://schemas.microsoft.com/office/drawing/2014/main" id="{C866818C-1E5F-475A-B310-3C06B555FB69}"/>
               </a:ext>
               <a:ext uri="{C183D7F6-B498-43B3-948B-1728B52AA6E4}">
-                <adec:decorative xmlns="" xmlns:adec="http://schemas.microsoft.com/office/drawing/2017/decorative" val="1"/>
+                <adec:decorative xmlns:adec="http://schemas.microsoft.com/office/drawing/2017/decorative" val="1"/>
               </a:ext>
             </a:extLst>
           </p:cNvPr>
@@ -9684,7 +9961,7 @@
           <p:nvPr>
             <p:extLst>
               <p:ext uri="{386F3935-93C4-4BCD-93E2-E3B085C9AB24}">
-                <p16:designElem xmlns="" xmlns:p16="http://schemas.microsoft.com/office/powerpoint/2015/main" val="1"/>
+                <p16:designElem xmlns:p16="http://schemas.microsoft.com/office/powerpoint/2015/main" val="1"/>
               </p:ext>
             </p:extLst>
           </p:nvPr>
@@ -10023,7 +10300,7 @@
           <p:cNvPr id="10" name="Picture 9">
             <a:extLst>
               <a:ext uri="{FF2B5EF4-FFF2-40B4-BE49-F238E27FC236}">
-                <a16:creationId xmlns="" xmlns:a16="http://schemas.microsoft.com/office/drawing/2014/main" id="{7F220147-D0D0-414C-9569-0E4D790C24CA}"/>
+                <a16:creationId xmlns:a16="http://schemas.microsoft.com/office/drawing/2014/main" id="{7F220147-D0D0-414C-9569-0E4D790C24CA}"/>
               </a:ext>
             </a:extLst>
           </p:cNvPr>
@@ -10060,10 +10337,10 @@
           <p:cNvPr id="31" name="Rectangle 30">
             <a:extLst>
               <a:ext uri="{FF2B5EF4-FFF2-40B4-BE49-F238E27FC236}">
-                <a16:creationId xmlns="" xmlns:a16="http://schemas.microsoft.com/office/drawing/2014/main" id="{D12AFDE8-E1ED-4A49-B8B3-4953F4B8ACB9}"/>
+                <a16:creationId xmlns:a16="http://schemas.microsoft.com/office/drawing/2014/main" id="{D12AFDE8-E1ED-4A49-B8B3-4953F4B8ACB9}"/>
               </a:ext>
               <a:ext uri="{C183D7F6-B498-43B3-948B-1728B52AA6E4}">
-                <adec:decorative xmlns="" xmlns:adec="http://schemas.microsoft.com/office/drawing/2017/decorative" val="1"/>
+                <adec:decorative xmlns:adec="http://schemas.microsoft.com/office/drawing/2017/decorative" val="1"/>
               </a:ext>
             </a:extLst>
           </p:cNvPr>
@@ -10073,7 +10350,7 @@
           <p:nvPr>
             <p:extLst>
               <p:ext uri="{386F3935-93C4-4BCD-93E2-E3B085C9AB24}">
-                <p16:designElem xmlns="" xmlns:p16="http://schemas.microsoft.com/office/powerpoint/2015/main" val="1"/>
+                <p16:designElem xmlns:p16="http://schemas.microsoft.com/office/powerpoint/2015/main" val="1"/>
               </p:ext>
             </p:extLst>
           </p:nvPr>
@@ -10113,7 +10390,7 @@
           <p:cNvPr id="8" name="Content Placeholder 7">
             <a:extLst>
               <a:ext uri="{FF2B5EF4-FFF2-40B4-BE49-F238E27FC236}">
-                <a16:creationId xmlns="" xmlns:a16="http://schemas.microsoft.com/office/drawing/2014/main" id="{7E79D0DF-41B3-4FBE-8795-2CABFF179969}"/>
+                <a16:creationId xmlns:a16="http://schemas.microsoft.com/office/drawing/2014/main" id="{7E79D0DF-41B3-4FBE-8795-2CABFF179969}"/>
               </a:ext>
             </a:extLst>
           </p:cNvPr>
@@ -10157,13 +10434,6 @@
   <p:clrMapOvr>
     <a:masterClrMapping/>
   </p:clrMapOvr>
-  <p:timing>
-    <p:tnLst>
-      <p:par>
-        <p:cTn id="1" dur="indefinite" restart="never" nodeType="tmRoot"/>
-      </p:par>
-    </p:tnLst>
-  </p:timing>
 </p:sld>
 </file>
 
@@ -10309,13 +10579,6 @@
   <p:clrMapOvr>
     <a:masterClrMapping/>
   </p:clrMapOvr>
-  <p:timing>
-    <p:tnLst>
-      <p:par>
-        <p:cTn id="1" dur="indefinite" restart="never" nodeType="tmRoot"/>
-      </p:par>
-    </p:tnLst>
-  </p:timing>
 </p:sld>
 </file>
 
@@ -10352,10 +10615,9 @@
           <a:lstStyle/>
           <a:p>
             <a:r>
-              <a:rPr lang="en-US" dirty="0" smtClean="0"/>
+              <a:rPr lang="en-US" dirty="0"/>
               <a:t>Implications of the Deep Learning model</a:t>
             </a:r>
-            <a:endParaRPr lang="en-US" dirty="0"/>
           </a:p>
         </p:txBody>
       </p:sp>
@@ -10376,15 +10638,7 @@
           <a:p>
             <a:r>
               <a:rPr lang="en-US" dirty="0"/>
-              <a:t>Prediction accuracy of </a:t>
-            </a:r>
-            <a:r>
-              <a:rPr lang="en-US" dirty="0" smtClean="0"/>
-              <a:t>~90% </a:t>
-            </a:r>
-            <a:r>
-              <a:rPr lang="en-US" dirty="0"/>
-              <a:t>on the test data</a:t>
+              <a:t>Prediction accuracy of ~90% on the test data</a:t>
             </a:r>
           </a:p>
           <a:p>
@@ -10402,23 +10656,15 @@
           <a:p>
             <a:r>
               <a:rPr lang="en-US" dirty="0"/>
-              <a:t>Chlorides, volatile acidity, </a:t>
-            </a:r>
-            <a:r>
-              <a:rPr lang="en-US" dirty="0" smtClean="0"/>
-              <a:t>and </a:t>
-            </a:r>
-            <a:r>
-              <a:rPr lang="en-US" dirty="0" err="1" smtClean="0"/>
+              <a:t>Chlorides, volatile acidity, and </a:t>
+            </a:r>
+            <a:r>
+              <a:rPr lang="en-US" dirty="0" err="1"/>
               <a:t>sulphates</a:t>
             </a:r>
             <a:r>
-              <a:rPr lang="en-US" dirty="0" smtClean="0"/>
-              <a:t> seem </a:t>
-            </a:r>
-            <a:r>
               <a:rPr lang="en-US" dirty="0"/>
-              <a:t>to drive our model the most</a:t>
+              <a:t> seem to drive our model the most</a:t>
             </a:r>
           </a:p>
         </p:txBody>
@@ -10489,13 +10735,6 @@
   <p:clrMapOvr>
     <a:masterClrMapping/>
   </p:clrMapOvr>
-  <p:timing>
-    <p:tnLst>
-      <p:par>
-        <p:cTn id="1" dur="indefinite" restart="never" nodeType="tmRoot"/>
-      </p:par>
-    </p:tnLst>
-  </p:timing>
 </p:sld>
 </file>
 
@@ -10759,7 +10998,7 @@
   <a:extraClrSchemeLst/>
   <a:extLst>
     <a:ext uri="{05A4C25C-085E-4340-85A3-A5531E510DB2}">
-      <thm15:themeFamily xmlns="" xmlns:thm15="http://schemas.microsoft.com/office/thememl/2012/main" name="Ion" id="{B8441ADB-2E43-4AF7-B97A-BD870242C6A8}" vid="{292E63A9-BB86-4E3D-B92A-7223C6510D2E}"/>
+      <thm15:themeFamily xmlns:thm15="http://schemas.microsoft.com/office/thememl/2012/main" name="Ion" id="{B8441ADB-2E43-4AF7-B97A-BD870242C6A8}" vid="{292E63A9-BB86-4E3D-B92A-7223C6510D2E}"/>
     </a:ext>
   </a:extLst>
 </a:theme>
